--- a/Slides/課程大綱.pptx
+++ b/Slides/課程大綱.pptx
@@ -17903,7 +17903,7 @@
                 <a:ea typeface="微軟正黑體" panose="020B0604030504040204" pitchFamily="34" charset="-120"/>
                 <a:cs typeface="Heiti TC Light"/>
               </a:rPr>
-              <a:t>學習指令而非圖形介面</a:t>
+              <a:t>熟采</a:t>
             </a:r>
             <a:r>
               <a:rPr kumimoji="1" lang="en-US" altLang="zh-TW" sz="3200" dirty="0">

--- a/Slides/課程大綱.pptx
+++ b/Slides/課程大綱.pptx
@@ -6,22 +6,21 @@
     <p:sldMasterId id="2147483660" r:id="rId2"/>
   </p:sldMasterIdLst>
   <p:notesMasterIdLst>
-    <p:notesMasterId r:id="rId16"/>
+    <p:notesMasterId r:id="rId15"/>
   </p:notesMasterIdLst>
   <p:sldIdLst>
     <p:sldId id="681" r:id="rId3"/>
     <p:sldId id="1192" r:id="rId4"/>
-    <p:sldId id="1193" r:id="rId5"/>
-    <p:sldId id="1182" r:id="rId6"/>
-    <p:sldId id="1183" r:id="rId7"/>
-    <p:sldId id="1184" r:id="rId8"/>
-    <p:sldId id="1185" r:id="rId9"/>
-    <p:sldId id="1189" r:id="rId10"/>
-    <p:sldId id="1186" r:id="rId11"/>
-    <p:sldId id="1187" r:id="rId12"/>
-    <p:sldId id="1188" r:id="rId13"/>
-    <p:sldId id="1190" r:id="rId14"/>
-    <p:sldId id="1191" r:id="rId15"/>
+    <p:sldId id="1182" r:id="rId5"/>
+    <p:sldId id="1183" r:id="rId6"/>
+    <p:sldId id="1184" r:id="rId7"/>
+    <p:sldId id="1185" r:id="rId8"/>
+    <p:sldId id="1189" r:id="rId9"/>
+    <p:sldId id="1186" r:id="rId10"/>
+    <p:sldId id="1187" r:id="rId11"/>
+    <p:sldId id="1188" r:id="rId12"/>
+    <p:sldId id="1190" r:id="rId13"/>
+    <p:sldId id="1191" r:id="rId14"/>
   </p:sldIdLst>
   <p:sldSz cx="9144000" cy="6858000" type="screen4x3"/>
   <p:notesSz cx="6858000" cy="9144000"/>
@@ -767,7 +766,7 @@
     </p:spTree>
     <p:extLst>
       <p:ext uri="{BB962C8B-B14F-4D97-AF65-F5344CB8AC3E}">
-        <p14:creationId xmlns:p14="http://schemas.microsoft.com/office/powerpoint/2010/main" val="122726097"/>
+        <p14:creationId xmlns:p14="http://schemas.microsoft.com/office/powerpoint/2010/main" val="753307237"/>
       </p:ext>
     </p:extLst>
   </p:cSld>
@@ -916,7 +915,7 @@
     </p:spTree>
     <p:extLst>
       <p:ext uri="{BB962C8B-B14F-4D97-AF65-F5344CB8AC3E}">
-        <p14:creationId xmlns:p14="http://schemas.microsoft.com/office/powerpoint/2010/main" val="753307237"/>
+        <p14:creationId xmlns:p14="http://schemas.microsoft.com/office/powerpoint/2010/main" val="3104862962"/>
       </p:ext>
     </p:extLst>
   </p:cSld>
@@ -1065,155 +1064,6 @@
     </p:spTree>
     <p:extLst>
       <p:ext uri="{BB962C8B-B14F-4D97-AF65-F5344CB8AC3E}">
-        <p14:creationId xmlns:p14="http://schemas.microsoft.com/office/powerpoint/2010/main" val="3104862962"/>
-      </p:ext>
-    </p:extLst>
-  </p:cSld>
-  <p:clrMapOvr>
-    <a:masterClrMapping/>
-  </p:clrMapOvr>
-</p:notes>
-</file>
-
-<file path=ppt/notesSlides/notesSlide13.xml><?xml version="1.0" encoding="utf-8"?>
-<p:notes xmlns:a="http://schemas.openxmlformats.org/drawingml/2006/main" xmlns:r="http://schemas.openxmlformats.org/officeDocument/2006/relationships" xmlns:p="http://schemas.openxmlformats.org/presentationml/2006/main">
-  <p:cSld>
-    <p:spTree>
-      <p:nvGrpSpPr>
-        <p:cNvPr id="1" name=""/>
-        <p:cNvGrpSpPr/>
-        <p:nvPr/>
-      </p:nvGrpSpPr>
-      <p:grpSpPr>
-        <a:xfrm>
-          <a:off x="0" y="0"/>
-          <a:ext cx="0" cy="0"/>
-          <a:chOff x="0" y="0"/>
-          <a:chExt cx="0" cy="0"/>
-        </a:xfrm>
-      </p:grpSpPr>
-      <p:sp>
-        <p:nvSpPr>
-          <p:cNvPr id="2" name="投影片圖像版面配置區 1"/>
-          <p:cNvSpPr>
-            <a:spLocks noGrp="1" noRot="1" noChangeAspect="1"/>
-          </p:cNvSpPr>
-          <p:nvPr>
-            <p:ph type="sldImg"/>
-          </p:nvPr>
-        </p:nvSpPr>
-        <p:spPr>
-          <a:xfrm>
-            <a:off x="1371600" y="1143000"/>
-            <a:ext cx="4114800" cy="3086100"/>
-          </a:xfrm>
-        </p:spPr>
-      </p:sp>
-      <p:sp>
-        <p:nvSpPr>
-          <p:cNvPr id="3" name="備忘稿版面配置區 2"/>
-          <p:cNvSpPr>
-            <a:spLocks noGrp="1"/>
-          </p:cNvSpPr>
-          <p:nvPr>
-            <p:ph type="body" idx="1"/>
-          </p:nvPr>
-        </p:nvSpPr>
-        <p:spPr/>
-        <p:txBody>
-          <a:bodyPr/>
-          <a:lstStyle/>
-          <a:p>
-            <a:endParaRPr lang="zh-TW" altLang="en-US" dirty="0"/>
-          </a:p>
-        </p:txBody>
-      </p:sp>
-      <p:sp>
-        <p:nvSpPr>
-          <p:cNvPr id="4" name="投影片編號版面配置區 3"/>
-          <p:cNvSpPr>
-            <a:spLocks noGrp="1"/>
-          </p:cNvSpPr>
-          <p:nvPr>
-            <p:ph type="sldNum" sz="quarter" idx="10"/>
-          </p:nvPr>
-        </p:nvSpPr>
-        <p:spPr/>
-        <p:txBody>
-          <a:bodyPr/>
-          <a:lstStyle/>
-          <a:p>
-            <a:pPr marL="0" marR="0" lvl="0" indent="0" algn="r" defTabSz="914400" rtl="0" eaLnBrk="1" fontAlgn="auto" latinLnBrk="0" hangingPunct="1">
-              <a:lnSpc>
-                <a:spcPct val="100000"/>
-              </a:lnSpc>
-              <a:spcBef>
-                <a:spcPts val="0"/>
-              </a:spcBef>
-              <a:spcAft>
-                <a:spcPts val="0"/>
-              </a:spcAft>
-              <a:buClrTx/>
-              <a:buSzTx/>
-              <a:buFontTx/>
-              <a:buNone/>
-              <a:tabLst/>
-              <a:defRPr/>
-            </a:pPr>
-            <a:fld id="{9B26CD33-4337-4529-948A-94F6960B2374}" type="slidenum">
-              <a:rPr kumimoji="0" lang="en-US" sz="1200" b="0" i="0" u="none" strike="noStrike" kern="1200" cap="none" spc="0" normalizeH="0" baseline="0" noProof="0" smtClean="0">
-                <a:ln>
-                  <a:noFill/>
-                </a:ln>
-                <a:solidFill>
-                  <a:prstClr val="black"/>
-                </a:solidFill>
-                <a:effectLst/>
-                <a:uLnTx/>
-                <a:uFillTx/>
-                <a:latin typeface="Calibri"/>
-                <a:ea typeface="+mn-ea"/>
-                <a:cs typeface="+mn-cs"/>
-              </a:rPr>
-              <a:pPr marL="0" marR="0" lvl="0" indent="0" algn="r" defTabSz="914400" rtl="0" eaLnBrk="1" fontAlgn="auto" latinLnBrk="0" hangingPunct="1">
-                <a:lnSpc>
-                  <a:spcPct val="100000"/>
-                </a:lnSpc>
-                <a:spcBef>
-                  <a:spcPts val="0"/>
-                </a:spcBef>
-                <a:spcAft>
-                  <a:spcPts val="0"/>
-                </a:spcAft>
-                <a:buClrTx/>
-                <a:buSzTx/>
-                <a:buFontTx/>
-                <a:buNone/>
-                <a:tabLst/>
-                <a:defRPr/>
-              </a:pPr>
-              <a:t>13</a:t>
-            </a:fld>
-            <a:endParaRPr kumimoji="0" lang="en-US" sz="1200" b="0" i="0" u="none" strike="noStrike" kern="1200" cap="none" spc="0" normalizeH="0" baseline="0" noProof="0" dirty="0">
-              <a:ln>
-                <a:noFill/>
-              </a:ln>
-              <a:solidFill>
-                <a:prstClr val="black"/>
-              </a:solidFill>
-              <a:effectLst/>
-              <a:uLnTx/>
-              <a:uFillTx/>
-              <a:latin typeface="Calibri"/>
-              <a:ea typeface="+mn-ea"/>
-              <a:cs typeface="+mn-cs"/>
-            </a:endParaRPr>
-          </a:p>
-        </p:txBody>
-      </p:sp>
-    </p:spTree>
-    <p:extLst>
-      <p:ext uri="{BB962C8B-B14F-4D97-AF65-F5344CB8AC3E}">
         <p14:creationId xmlns:p14="http://schemas.microsoft.com/office/powerpoint/2010/main" val="1137168550"/>
       </p:ext>
     </p:extLst>
@@ -1512,7 +1362,7 @@
     </p:spTree>
     <p:extLst>
       <p:ext uri="{BB962C8B-B14F-4D97-AF65-F5344CB8AC3E}">
-        <p14:creationId xmlns:p14="http://schemas.microsoft.com/office/powerpoint/2010/main" val="581062561"/>
+        <p14:creationId xmlns:p14="http://schemas.microsoft.com/office/powerpoint/2010/main" val="2105182820"/>
       </p:ext>
     </p:extLst>
   </p:cSld>
@@ -1661,7 +1511,7 @@
     </p:spTree>
     <p:extLst>
       <p:ext uri="{BB962C8B-B14F-4D97-AF65-F5344CB8AC3E}">
-        <p14:creationId xmlns:p14="http://schemas.microsoft.com/office/powerpoint/2010/main" val="2105182820"/>
+        <p14:creationId xmlns:p14="http://schemas.microsoft.com/office/powerpoint/2010/main" val="4013765292"/>
       </p:ext>
     </p:extLst>
   </p:cSld>
@@ -1810,7 +1660,7 @@
     </p:spTree>
     <p:extLst>
       <p:ext uri="{BB962C8B-B14F-4D97-AF65-F5344CB8AC3E}">
-        <p14:creationId xmlns:p14="http://schemas.microsoft.com/office/powerpoint/2010/main" val="4013765292"/>
+        <p14:creationId xmlns:p14="http://schemas.microsoft.com/office/powerpoint/2010/main" val="521857209"/>
       </p:ext>
     </p:extLst>
   </p:cSld>
@@ -1959,7 +1809,7 @@
     </p:spTree>
     <p:extLst>
       <p:ext uri="{BB962C8B-B14F-4D97-AF65-F5344CB8AC3E}">
-        <p14:creationId xmlns:p14="http://schemas.microsoft.com/office/powerpoint/2010/main" val="521857209"/>
+        <p14:creationId xmlns:p14="http://schemas.microsoft.com/office/powerpoint/2010/main" val="2482075780"/>
       </p:ext>
     </p:extLst>
   </p:cSld>
@@ -2108,7 +1958,7 @@
     </p:spTree>
     <p:extLst>
       <p:ext uri="{BB962C8B-B14F-4D97-AF65-F5344CB8AC3E}">
-        <p14:creationId xmlns:p14="http://schemas.microsoft.com/office/powerpoint/2010/main" val="2482075780"/>
+        <p14:creationId xmlns:p14="http://schemas.microsoft.com/office/powerpoint/2010/main" val="1851208340"/>
       </p:ext>
     </p:extLst>
   </p:cSld>
@@ -2257,7 +2107,7 @@
     </p:spTree>
     <p:extLst>
       <p:ext uri="{BB962C8B-B14F-4D97-AF65-F5344CB8AC3E}">
-        <p14:creationId xmlns:p14="http://schemas.microsoft.com/office/powerpoint/2010/main" val="1851208340"/>
+        <p14:creationId xmlns:p14="http://schemas.microsoft.com/office/powerpoint/2010/main" val="2968839013"/>
       </p:ext>
     </p:extLst>
   </p:cSld>
@@ -2406,7 +2256,7 @@
     </p:spTree>
     <p:extLst>
       <p:ext uri="{BB962C8B-B14F-4D97-AF65-F5344CB8AC3E}">
-        <p14:creationId xmlns:p14="http://schemas.microsoft.com/office/powerpoint/2010/main" val="2968839013"/>
+        <p14:creationId xmlns:p14="http://schemas.microsoft.com/office/powerpoint/2010/main" val="122726097"/>
       </p:ext>
     </p:extLst>
   </p:cSld>
@@ -14096,7 +13946,7 @@
               <a:buAutoNum type="arabicPeriod"/>
             </a:pPr>
             <a:r>
-              <a:rPr kumimoji="1" lang="en-US" altLang="zh-TW" sz="3200" dirty="0">
+              <a:rPr kumimoji="1" lang="zh-TW" altLang="en-US" sz="3200" dirty="0">
                 <a:solidFill>
                   <a:prstClr val="white"/>
                 </a:solidFill>
@@ -14111,10 +13961,10 @@
                 <a:ea typeface="微軟正黑體" panose="020B0604030504040204" pitchFamily="34" charset="-120"/>
                 <a:cs typeface="Heiti TC Light"/>
               </a:rPr>
-              <a:t>HTTP</a:t>
-            </a:r>
-            <a:r>
-              <a:rPr kumimoji="1" lang="zh-TW" altLang="en-US" sz="3200" dirty="0">
+              <a:t>啟動</a:t>
+            </a:r>
+            <a:r>
+              <a:rPr kumimoji="1" lang="en-US" altLang="zh-TW" sz="3200" dirty="0" err="1">
                 <a:solidFill>
                   <a:prstClr val="white"/>
                 </a:solidFill>
@@ -14129,10 +13979,10 @@
                 <a:ea typeface="微軟正黑體" panose="020B0604030504040204" pitchFamily="34" charset="-120"/>
                 <a:cs typeface="Heiti TC Light"/>
               </a:rPr>
-              <a:t>原理</a:t>
-            </a:r>
-            <a:r>
-              <a:rPr kumimoji="1" lang="en-US" altLang="zh-TW" sz="3200" dirty="0">
+              <a:t>ngrok</a:t>
+            </a:r>
+            <a:r>
+              <a:rPr kumimoji="1" lang="zh-TW" altLang="en-US" sz="3200" dirty="0">
                 <a:solidFill>
                   <a:prstClr val="white"/>
                 </a:solidFill>
@@ -14147,103 +13997,7 @@
                 <a:ea typeface="微軟正黑體" panose="020B0604030504040204" pitchFamily="34" charset="-120"/>
                 <a:cs typeface="Heiti TC Light"/>
               </a:rPr>
-              <a:t>(</a:t>
-            </a:r>
-            <a:r>
-              <a:rPr kumimoji="1" lang="zh-TW" altLang="en-US" sz="3200" dirty="0">
-                <a:solidFill>
-                  <a:prstClr val="white"/>
-                </a:solidFill>
-                <a:effectLst>
-                  <a:outerShdw blurRad="38100" dist="38100" dir="2700000" algn="tl">
-                    <a:srgbClr val="000000">
-                      <a:alpha val="43137"/>
-                    </a:srgbClr>
-                  </a:outerShdw>
-                </a:effectLst>
-                <a:latin typeface="微軟正黑體" panose="020B0604030504040204" pitchFamily="34" charset="-120"/>
-                <a:ea typeface="微軟正黑體" panose="020B0604030504040204" pitchFamily="34" charset="-120"/>
-                <a:cs typeface="Heiti TC Light"/>
-              </a:rPr>
-              <a:t>主要是</a:t>
-            </a:r>
-            <a:r>
-              <a:rPr kumimoji="1" lang="en-US" altLang="zh-TW" sz="3200" dirty="0">
-                <a:solidFill>
-                  <a:prstClr val="white"/>
-                </a:solidFill>
-                <a:effectLst>
-                  <a:outerShdw blurRad="38100" dist="38100" dir="2700000" algn="tl">
-                    <a:srgbClr val="000000">
-                      <a:alpha val="43137"/>
-                    </a:srgbClr>
-                  </a:outerShdw>
-                </a:effectLst>
-                <a:latin typeface="微軟正黑體" panose="020B0604030504040204" pitchFamily="34" charset="-120"/>
-                <a:ea typeface="微軟正黑體" panose="020B0604030504040204" pitchFamily="34" charset="-120"/>
-                <a:cs typeface="Heiti TC Light"/>
-              </a:rPr>
-              <a:t>POST</a:t>
-            </a:r>
-            <a:r>
-              <a:rPr kumimoji="1" lang="zh-TW" altLang="en-US" sz="3200" dirty="0">
-                <a:solidFill>
-                  <a:prstClr val="white"/>
-                </a:solidFill>
-                <a:effectLst>
-                  <a:outerShdw blurRad="38100" dist="38100" dir="2700000" algn="tl">
-                    <a:srgbClr val="000000">
-                      <a:alpha val="43137"/>
-                    </a:srgbClr>
-                  </a:outerShdw>
-                </a:effectLst>
-                <a:latin typeface="微軟正黑體" panose="020B0604030504040204" pitchFamily="34" charset="-120"/>
-                <a:ea typeface="微軟正黑體" panose="020B0604030504040204" pitchFamily="34" charset="-120"/>
-                <a:cs typeface="Heiti TC Light"/>
-              </a:rPr>
-              <a:t>和</a:t>
-            </a:r>
-            <a:r>
-              <a:rPr kumimoji="1" lang="en-US" altLang="zh-TW" sz="3200" dirty="0">
-                <a:solidFill>
-                  <a:prstClr val="white"/>
-                </a:solidFill>
-                <a:effectLst>
-                  <a:outerShdw blurRad="38100" dist="38100" dir="2700000" algn="tl">
-                    <a:srgbClr val="000000">
-                      <a:alpha val="43137"/>
-                    </a:srgbClr>
-                  </a:outerShdw>
-                </a:effectLst>
-                <a:latin typeface="微軟正黑體" panose="020B0604030504040204" pitchFamily="34" charset="-120"/>
-                <a:ea typeface="微軟正黑體" panose="020B0604030504040204" pitchFamily="34" charset="-120"/>
-                <a:cs typeface="Heiti TC Light"/>
-              </a:rPr>
-              <a:t>GET)</a:t>
-            </a:r>
-          </a:p>
-          <a:p>
-            <a:pPr marL="514350" indent="-514350">
-              <a:buFont typeface="+mj-lt"/>
-              <a:buAutoNum type="arabicPeriod"/>
-            </a:pPr>
-            <a:r>
-              <a:rPr kumimoji="1" lang="zh-TW" altLang="en-US" sz="3200" dirty="0">
-                <a:solidFill>
-                  <a:prstClr val="white"/>
-                </a:solidFill>
-                <a:effectLst>
-                  <a:outerShdw blurRad="38100" dist="38100" dir="2700000" algn="tl">
-                    <a:srgbClr val="000000">
-                      <a:alpha val="43137"/>
-                    </a:srgbClr>
-                  </a:outerShdw>
-                </a:effectLst>
-                <a:latin typeface="微軟正黑體" panose="020B0604030504040204" pitchFamily="34" charset="-120"/>
-                <a:ea typeface="微軟正黑體" panose="020B0604030504040204" pitchFamily="34" charset="-120"/>
-                <a:cs typeface="Heiti TC Light"/>
-              </a:rPr>
-              <a:t>使用程式而非瀏覽器存取網頁</a:t>
+              <a:t>建立自己的網址</a:t>
             </a:r>
             <a:endParaRPr kumimoji="1" lang="en-US" altLang="zh-TW" sz="3200" dirty="0">
               <a:solidFill>
@@ -14267,7 +14021,7 @@
               <a:buAutoNum type="arabicPeriod"/>
             </a:pPr>
             <a:r>
-              <a:rPr kumimoji="1" lang="en-US" altLang="zh-TW" sz="3200" dirty="0" err="1">
+              <a:rPr kumimoji="1" lang="zh-TW" altLang="en-US" sz="3200" dirty="0">
                 <a:solidFill>
                   <a:prstClr val="white"/>
                 </a:solidFill>
@@ -14282,10 +14036,10 @@
                 <a:ea typeface="微軟正黑體" panose="020B0604030504040204" pitchFamily="34" charset="-120"/>
                 <a:cs typeface="Heiti TC Light"/>
               </a:rPr>
-              <a:t>WebHook</a:t>
-            </a:r>
-            <a:r>
-              <a:rPr kumimoji="1" lang="zh-TW" altLang="en-US" sz="3200" dirty="0">
+              <a:t>更新</a:t>
+            </a:r>
+            <a:r>
+              <a:rPr kumimoji="1" lang="en-US" altLang="zh-TW" sz="3200" dirty="0">
                 <a:solidFill>
                   <a:prstClr val="white"/>
                 </a:solidFill>
@@ -14300,7 +14054,145 @@
                 <a:ea typeface="微軟正黑體" panose="020B0604030504040204" pitchFamily="34" charset="-120"/>
                 <a:cs typeface="Heiti TC Light"/>
               </a:rPr>
-              <a:t>原理</a:t>
+              <a:t>line</a:t>
+            </a:r>
+            <a:r>
+              <a:rPr kumimoji="1" lang="zh-TW" altLang="en-US" sz="3200" dirty="0">
+                <a:solidFill>
+                  <a:prstClr val="white"/>
+                </a:solidFill>
+                <a:effectLst>
+                  <a:outerShdw blurRad="38100" dist="38100" dir="2700000" algn="tl">
+                    <a:srgbClr val="000000">
+                      <a:alpha val="43137"/>
+                    </a:srgbClr>
+                  </a:outerShdw>
+                </a:effectLst>
+                <a:latin typeface="微軟正黑體" panose="020B0604030504040204" pitchFamily="34" charset="-120"/>
+                <a:ea typeface="微軟正黑體" panose="020B0604030504040204" pitchFamily="34" charset="-120"/>
+                <a:cs typeface="Heiti TC Light"/>
+              </a:rPr>
+              <a:t>的</a:t>
+            </a:r>
+            <a:r>
+              <a:rPr kumimoji="1" lang="en-US" altLang="zh-TW" sz="3200" dirty="0">
+                <a:solidFill>
+                  <a:prstClr val="white"/>
+                </a:solidFill>
+                <a:effectLst>
+                  <a:outerShdw blurRad="38100" dist="38100" dir="2700000" algn="tl">
+                    <a:srgbClr val="000000">
+                      <a:alpha val="43137"/>
+                    </a:srgbClr>
+                  </a:outerShdw>
+                </a:effectLst>
+                <a:latin typeface="微軟正黑體" panose="020B0604030504040204" pitchFamily="34" charset="-120"/>
+                <a:ea typeface="微軟正黑體" panose="020B0604030504040204" pitchFamily="34" charset="-120"/>
+                <a:cs typeface="Heiti TC Light"/>
+              </a:rPr>
+              <a:t>webhook</a:t>
+            </a:r>
+          </a:p>
+          <a:p>
+            <a:pPr marL="514350" indent="-514350">
+              <a:buFont typeface="+mj-lt"/>
+              <a:buAutoNum type="arabicPeriod"/>
+            </a:pPr>
+            <a:r>
+              <a:rPr kumimoji="1" lang="zh-TW" altLang="en-US" sz="3200" dirty="0">
+                <a:solidFill>
+                  <a:prstClr val="white"/>
+                </a:solidFill>
+                <a:effectLst>
+                  <a:outerShdw blurRad="38100" dist="38100" dir="2700000" algn="tl">
+                    <a:srgbClr val="000000">
+                      <a:alpha val="43137"/>
+                    </a:srgbClr>
+                  </a:outerShdw>
+                </a:effectLst>
+                <a:latin typeface="微軟正黑體" panose="020B0604030504040204" pitchFamily="34" charset="-120"/>
+                <a:ea typeface="微軟正黑體" panose="020B0604030504040204" pitchFamily="34" charset="-120"/>
+                <a:cs typeface="Heiti TC Light"/>
+              </a:rPr>
+              <a:t>設定讀取環境變數</a:t>
+            </a:r>
+            <a:r>
+              <a:rPr kumimoji="1" lang="en-US" altLang="zh-TW" sz="3200" dirty="0">
+                <a:solidFill>
+                  <a:prstClr val="white"/>
+                </a:solidFill>
+                <a:effectLst>
+                  <a:outerShdw blurRad="38100" dist="38100" dir="2700000" algn="tl">
+                    <a:srgbClr val="000000">
+                      <a:alpha val="43137"/>
+                    </a:srgbClr>
+                  </a:outerShdw>
+                </a:effectLst>
+                <a:latin typeface="微軟正黑體" panose="020B0604030504040204" pitchFamily="34" charset="-120"/>
+                <a:ea typeface="微軟正黑體" panose="020B0604030504040204" pitchFamily="34" charset="-120"/>
+                <a:cs typeface="Heiti TC Light"/>
+              </a:rPr>
+              <a:t>(</a:t>
+            </a:r>
+            <a:r>
+              <a:rPr kumimoji="1" lang="zh-TW" altLang="en-US" sz="3200" dirty="0">
+                <a:solidFill>
+                  <a:prstClr val="white"/>
+                </a:solidFill>
+                <a:effectLst>
+                  <a:outerShdw blurRad="38100" dist="38100" dir="2700000" algn="tl">
+                    <a:srgbClr val="000000">
+                      <a:alpha val="43137"/>
+                    </a:srgbClr>
+                  </a:outerShdw>
+                </a:effectLst>
+                <a:latin typeface="微軟正黑體" panose="020B0604030504040204" pitchFamily="34" charset="-120"/>
+                <a:ea typeface="微軟正黑體" panose="020B0604030504040204" pitchFamily="34" charset="-120"/>
+                <a:cs typeface="Heiti TC Light"/>
+              </a:rPr>
+              <a:t>視開發環境</a:t>
+            </a:r>
+            <a:r>
+              <a:rPr kumimoji="1" lang="en-US" altLang="zh-TW" sz="3200" dirty="0">
+                <a:solidFill>
+                  <a:prstClr val="white"/>
+                </a:solidFill>
+                <a:effectLst>
+                  <a:outerShdw blurRad="38100" dist="38100" dir="2700000" algn="tl">
+                    <a:srgbClr val="000000">
+                      <a:alpha val="43137"/>
+                    </a:srgbClr>
+                  </a:outerShdw>
+                </a:effectLst>
+                <a:latin typeface="微軟正黑體" panose="020B0604030504040204" pitchFamily="34" charset="-120"/>
+                <a:ea typeface="微軟正黑體" panose="020B0604030504040204" pitchFamily="34" charset="-120"/>
+                <a:cs typeface="Heiti TC Light"/>
+              </a:rPr>
+              <a:t>)</a:t>
+            </a:r>
+          </a:p>
+          <a:p>
+            <a:pPr marL="514350" indent="-514350">
+              <a:buFont typeface="+mj-lt"/>
+              <a:buAutoNum type="arabicPeriod"/>
+            </a:pPr>
+            <a:r>
+              <a:rPr kumimoji="1" lang="zh-TW" altLang="en-US" sz="3200" dirty="0">
+                <a:solidFill>
+                  <a:prstClr val="white"/>
+                </a:solidFill>
+                <a:effectLst>
+                  <a:outerShdw blurRad="38100" dist="38100" dir="2700000" algn="tl">
+                    <a:srgbClr val="000000">
+                      <a:alpha val="43137"/>
+                    </a:srgbClr>
+                  </a:outerShdw>
+                </a:effectLst>
+                <a:latin typeface="微軟正黑體" panose="020B0604030504040204" pitchFamily="34" charset="-120"/>
+                <a:ea typeface="微軟正黑體" panose="020B0604030504040204" pitchFamily="34" charset="-120"/>
+                <a:cs typeface="Heiti TC Light"/>
+              </a:rPr>
+              <a:t>載入套件的正確語法</a:t>
             </a:r>
             <a:endParaRPr kumimoji="1" lang="en-US" altLang="zh-TW" sz="3200" dirty="0">
               <a:solidFill>
@@ -14324,7 +14216,7 @@
               <a:buAutoNum type="arabicPeriod"/>
             </a:pPr>
             <a:r>
-              <a:rPr kumimoji="1" lang="en-US" altLang="zh-TW" sz="3200" dirty="0">
+              <a:rPr kumimoji="1" lang="zh-TW" altLang="en-US" sz="3200" dirty="0">
                 <a:solidFill>
                   <a:prstClr val="white"/>
                 </a:solidFill>
@@ -14339,25 +14231,7 @@
                 <a:ea typeface="微軟正黑體" panose="020B0604030504040204" pitchFamily="34" charset="-120"/>
                 <a:cs typeface="Heiti TC Light"/>
               </a:rPr>
-              <a:t>JSON</a:t>
-            </a:r>
-            <a:r>
-              <a:rPr kumimoji="1" lang="zh-TW" altLang="en-US" sz="3200" dirty="0">
-                <a:solidFill>
-                  <a:prstClr val="white"/>
-                </a:solidFill>
-                <a:effectLst>
-                  <a:outerShdw blurRad="38100" dist="38100" dir="2700000" algn="tl">
-                    <a:srgbClr val="000000">
-                      <a:alpha val="43137"/>
-                    </a:srgbClr>
-                  </a:outerShdw>
-                </a:effectLst>
-                <a:latin typeface="微軟正黑體" panose="020B0604030504040204" pitchFamily="34" charset="-120"/>
-                <a:ea typeface="微軟正黑體" panose="020B0604030504040204" pitchFamily="34" charset="-120"/>
-                <a:cs typeface="Heiti TC Light"/>
-              </a:rPr>
-              <a:t>格式說明</a:t>
+              <a:t>套件及物件說明</a:t>
             </a:r>
             <a:endParaRPr kumimoji="1" lang="en-US" altLang="zh-TW" sz="3200" dirty="0">
               <a:solidFill>
@@ -14381,7 +14255,7 @@
               <a:buAutoNum type="arabicPeriod"/>
             </a:pPr>
             <a:r>
-              <a:rPr kumimoji="1" lang="zh-TW" altLang="en-US" sz="3200" dirty="0">
+              <a:rPr kumimoji="1" lang="en-US" altLang="zh-TW" sz="3200" dirty="0">
                 <a:solidFill>
                   <a:prstClr val="white"/>
                 </a:solidFill>
@@ -14396,10 +14270,10 @@
                 <a:ea typeface="微軟正黑體" panose="020B0604030504040204" pitchFamily="34" charset="-120"/>
                 <a:cs typeface="Heiti TC Light"/>
               </a:rPr>
-              <a:t>物件導向基礎及</a:t>
-            </a:r>
-            <a:r>
-              <a:rPr kumimoji="1" lang="en-US" altLang="zh-TW" sz="3200" dirty="0">
+              <a:t>Flask</a:t>
+            </a:r>
+            <a:r>
+              <a:rPr kumimoji="1" lang="zh-TW" altLang="en-US" sz="3200" dirty="0">
                 <a:solidFill>
                   <a:prstClr val="white"/>
                 </a:solidFill>
@@ -14414,235 +14288,7 @@
                 <a:ea typeface="微軟正黑體" panose="020B0604030504040204" pitchFamily="34" charset="-120"/>
                 <a:cs typeface="Heiti TC Light"/>
               </a:rPr>
-              <a:t>Decorator</a:t>
-            </a:r>
-          </a:p>
-          <a:p>
-            <a:pPr marL="514350" indent="-514350">
-              <a:buFont typeface="+mj-lt"/>
-              <a:buAutoNum type="arabicPeriod"/>
-            </a:pPr>
-            <a:r>
-              <a:rPr kumimoji="1" lang="en-US" altLang="zh-TW" sz="3200" dirty="0">
-                <a:solidFill>
-                  <a:prstClr val="white"/>
-                </a:solidFill>
-                <a:effectLst>
-                  <a:outerShdw blurRad="38100" dist="38100" dir="2700000" algn="tl">
-                    <a:srgbClr val="000000">
-                      <a:alpha val="43137"/>
-                    </a:srgbClr>
-                  </a:outerShdw>
-                </a:effectLst>
-                <a:latin typeface="微軟正黑體" panose="020B0604030504040204" pitchFamily="34" charset="-120"/>
-                <a:ea typeface="微軟正黑體" panose="020B0604030504040204" pitchFamily="34" charset="-120"/>
-                <a:cs typeface="Heiti TC Light"/>
-              </a:rPr>
-              <a:t>Web</a:t>
-            </a:r>
-            <a:r>
-              <a:rPr kumimoji="1" lang="zh-TW" altLang="en-US" sz="3200" dirty="0">
-                <a:solidFill>
-                  <a:prstClr val="white"/>
-                </a:solidFill>
-                <a:effectLst>
-                  <a:outerShdw blurRad="38100" dist="38100" dir="2700000" algn="tl">
-                    <a:srgbClr val="000000">
-                      <a:alpha val="43137"/>
-                    </a:srgbClr>
-                  </a:outerShdw>
-                </a:effectLst>
-                <a:latin typeface="微軟正黑體" panose="020B0604030504040204" pitchFamily="34" charset="-120"/>
-                <a:ea typeface="微軟正黑體" panose="020B0604030504040204" pitchFamily="34" charset="-120"/>
-                <a:cs typeface="Heiti TC Light"/>
-              </a:rPr>
-              <a:t>開發框架</a:t>
-            </a:r>
-            <a:r>
-              <a:rPr kumimoji="1" lang="en-US" altLang="zh-TW" sz="3200" dirty="0">
-                <a:solidFill>
-                  <a:prstClr val="white"/>
-                </a:solidFill>
-                <a:effectLst>
-                  <a:outerShdw blurRad="38100" dist="38100" dir="2700000" algn="tl">
-                    <a:srgbClr val="000000">
-                      <a:alpha val="43137"/>
-                    </a:srgbClr>
-                  </a:outerShdw>
-                </a:effectLst>
-                <a:latin typeface="微軟正黑體" panose="020B0604030504040204" pitchFamily="34" charset="-120"/>
-                <a:ea typeface="微軟正黑體" panose="020B0604030504040204" pitchFamily="34" charset="-120"/>
-                <a:cs typeface="Heiti TC Light"/>
-              </a:rPr>
-              <a:t>Flask(</a:t>
-            </a:r>
-            <a:r>
-              <a:rPr kumimoji="1" lang="en-US" altLang="zh-TW" sz="3200" dirty="0" err="1">
-                <a:solidFill>
-                  <a:prstClr val="white"/>
-                </a:solidFill>
-                <a:effectLst>
-                  <a:outerShdw blurRad="38100" dist="38100" dir="2700000" algn="tl">
-                    <a:srgbClr val="000000">
-                      <a:alpha val="43137"/>
-                    </a:srgbClr>
-                  </a:outerShdw>
-                </a:effectLst>
-                <a:latin typeface="微軟正黑體" panose="020B0604030504040204" pitchFamily="34" charset="-120"/>
-                <a:ea typeface="微軟正黑體" panose="020B0604030504040204" pitchFamily="34" charset="-120"/>
-                <a:cs typeface="Heiti TC Light"/>
-              </a:rPr>
-              <a:t>FastAPI</a:t>
-            </a:r>
-            <a:r>
-              <a:rPr kumimoji="1" lang="en-US" altLang="zh-TW" sz="3200" dirty="0">
-                <a:solidFill>
-                  <a:prstClr val="white"/>
-                </a:solidFill>
-                <a:effectLst>
-                  <a:outerShdw blurRad="38100" dist="38100" dir="2700000" algn="tl">
-                    <a:srgbClr val="000000">
-                      <a:alpha val="43137"/>
-                    </a:srgbClr>
-                  </a:outerShdw>
-                </a:effectLst>
-                <a:latin typeface="微軟正黑體" panose="020B0604030504040204" pitchFamily="34" charset="-120"/>
-                <a:ea typeface="微軟正黑體" panose="020B0604030504040204" pitchFamily="34" charset="-120"/>
-                <a:cs typeface="Heiti TC Light"/>
-              </a:rPr>
-              <a:t>, </a:t>
-            </a:r>
-            <a:r>
-              <a:rPr kumimoji="1" lang="en-US" altLang="zh-TW" sz="3200" dirty="0" err="1">
-                <a:solidFill>
-                  <a:prstClr val="white"/>
-                </a:solidFill>
-                <a:effectLst>
-                  <a:outerShdw blurRad="38100" dist="38100" dir="2700000" algn="tl">
-                    <a:srgbClr val="000000">
-                      <a:alpha val="43137"/>
-                    </a:srgbClr>
-                  </a:outerShdw>
-                </a:effectLst>
-                <a:latin typeface="微軟正黑體" panose="020B0604030504040204" pitchFamily="34" charset="-120"/>
-                <a:ea typeface="微軟正黑體" panose="020B0604030504040204" pitchFamily="34" charset="-120"/>
-                <a:cs typeface="Heiti TC Light"/>
-              </a:rPr>
-              <a:t>Gradio</a:t>
-            </a:r>
-            <a:r>
-              <a:rPr kumimoji="1" lang="en-US" altLang="zh-TW" sz="3200" dirty="0">
-                <a:solidFill>
-                  <a:prstClr val="white"/>
-                </a:solidFill>
-                <a:effectLst>
-                  <a:outerShdw blurRad="38100" dist="38100" dir="2700000" algn="tl">
-                    <a:srgbClr val="000000">
-                      <a:alpha val="43137"/>
-                    </a:srgbClr>
-                  </a:outerShdw>
-                </a:effectLst>
-                <a:latin typeface="微軟正黑體" panose="020B0604030504040204" pitchFamily="34" charset="-120"/>
-                <a:ea typeface="微軟正黑體" panose="020B0604030504040204" pitchFamily="34" charset="-120"/>
-                <a:cs typeface="Heiti TC Light"/>
-              </a:rPr>
-              <a:t>, </a:t>
-            </a:r>
-            <a:r>
-              <a:rPr kumimoji="1" lang="en-US" altLang="zh-TW" sz="3200" dirty="0" err="1">
-                <a:solidFill>
-                  <a:prstClr val="white"/>
-                </a:solidFill>
-                <a:effectLst>
-                  <a:outerShdw blurRad="38100" dist="38100" dir="2700000" algn="tl">
-                    <a:srgbClr val="000000">
-                      <a:alpha val="43137"/>
-                    </a:srgbClr>
-                  </a:outerShdw>
-                </a:effectLst>
-                <a:latin typeface="微軟正黑體" panose="020B0604030504040204" pitchFamily="34" charset="-120"/>
-                <a:ea typeface="微軟正黑體" panose="020B0604030504040204" pitchFamily="34" charset="-120"/>
-                <a:cs typeface="Heiti TC Light"/>
-              </a:rPr>
-              <a:t>Streamlit</a:t>
-            </a:r>
-            <a:r>
-              <a:rPr kumimoji="1" lang="en-US" altLang="zh-TW" sz="3200" dirty="0">
-                <a:solidFill>
-                  <a:prstClr val="white"/>
-                </a:solidFill>
-                <a:effectLst>
-                  <a:outerShdw blurRad="38100" dist="38100" dir="2700000" algn="tl">
-                    <a:srgbClr val="000000">
-                      <a:alpha val="43137"/>
-                    </a:srgbClr>
-                  </a:outerShdw>
-                </a:effectLst>
-                <a:latin typeface="微軟正黑體" panose="020B0604030504040204" pitchFamily="34" charset="-120"/>
-                <a:ea typeface="微軟正黑體" panose="020B0604030504040204" pitchFamily="34" charset="-120"/>
-                <a:cs typeface="Heiti TC Light"/>
-              </a:rPr>
-              <a:t>, Django, Twister....)</a:t>
-            </a:r>
-          </a:p>
-          <a:p>
-            <a:pPr marL="514350" indent="-514350">
-              <a:buFont typeface="+mj-lt"/>
-              <a:buAutoNum type="arabicPeriod"/>
-            </a:pPr>
-            <a:r>
-              <a:rPr kumimoji="1" lang="zh-TW" altLang="en-US" sz="3200" dirty="0">
-                <a:solidFill>
-                  <a:prstClr val="white"/>
-                </a:solidFill>
-                <a:effectLst>
-                  <a:outerShdw blurRad="38100" dist="38100" dir="2700000" algn="tl">
-                    <a:srgbClr val="000000">
-                      <a:alpha val="43137"/>
-                    </a:srgbClr>
-                  </a:outerShdw>
-                </a:effectLst>
-                <a:latin typeface="微軟正黑體" panose="020B0604030504040204" pitchFamily="34" charset="-120"/>
-                <a:ea typeface="微軟正黑體" panose="020B0604030504040204" pitchFamily="34" charset="-120"/>
-                <a:cs typeface="Heiti TC Light"/>
-              </a:rPr>
-              <a:t>利用</a:t>
-            </a:r>
-            <a:r>
-              <a:rPr kumimoji="1" lang="en-US" altLang="zh-TW" sz="3200" dirty="0">
-                <a:solidFill>
-                  <a:prstClr val="white"/>
-                </a:solidFill>
-                <a:effectLst>
-                  <a:outerShdw blurRad="38100" dist="38100" dir="2700000" algn="tl">
-                    <a:srgbClr val="000000">
-                      <a:alpha val="43137"/>
-                    </a:srgbClr>
-                  </a:outerShdw>
-                </a:effectLst>
-                <a:latin typeface="微軟正黑體" panose="020B0604030504040204" pitchFamily="34" charset="-120"/>
-                <a:ea typeface="微軟正黑體" panose="020B0604030504040204" pitchFamily="34" charset="-120"/>
-                <a:cs typeface="Heiti TC Light"/>
-              </a:rPr>
-              <a:t>ssh</a:t>
-            </a:r>
-            <a:r>
-              <a:rPr kumimoji="1" lang="zh-TW" altLang="en-US" sz="3200" dirty="0">
-                <a:solidFill>
-                  <a:prstClr val="white"/>
-                </a:solidFill>
-                <a:effectLst>
-                  <a:outerShdw blurRad="38100" dist="38100" dir="2700000" algn="tl">
-                    <a:srgbClr val="000000">
-                      <a:alpha val="43137"/>
-                    </a:srgbClr>
-                  </a:outerShdw>
-                </a:effectLst>
-                <a:latin typeface="微軟正黑體" panose="020B0604030504040204" pitchFamily="34" charset="-120"/>
-                <a:ea typeface="微軟正黑體" panose="020B0604030504040204" pitchFamily="34" charset="-120"/>
-                <a:cs typeface="Heiti TC Light"/>
-              </a:rPr>
-              <a:t>通道轉址</a:t>
+              <a:t>的語法說明</a:t>
             </a:r>
             <a:endParaRPr kumimoji="1" lang="en-US" altLang="zh-TW" sz="3200" dirty="0">
               <a:solidFill>
@@ -14666,7 +14312,7 @@
               <a:buAutoNum type="arabicPeriod"/>
             </a:pPr>
             <a:r>
-              <a:rPr kumimoji="1" lang="en-US" altLang="zh-TW" sz="3200" dirty="0" err="1">
+              <a:rPr kumimoji="1" lang="zh-TW" altLang="en-US" sz="3200" dirty="0">
                 <a:solidFill>
                   <a:prstClr val="white"/>
                 </a:solidFill>
@@ -14681,25 +14327,7 @@
                 <a:ea typeface="微軟正黑體" panose="020B0604030504040204" pitchFamily="34" charset="-120"/>
                 <a:cs typeface="Heiti TC Light"/>
               </a:rPr>
-              <a:t>ngrok</a:t>
-            </a:r>
-            <a:r>
-              <a:rPr kumimoji="1" lang="zh-TW" altLang="en-US" sz="3200" dirty="0">
-                <a:solidFill>
-                  <a:prstClr val="white"/>
-                </a:solidFill>
-                <a:effectLst>
-                  <a:outerShdw blurRad="38100" dist="38100" dir="2700000" algn="tl">
-                    <a:srgbClr val="000000">
-                      <a:alpha val="43137"/>
-                    </a:srgbClr>
-                  </a:outerShdw>
-                </a:effectLst>
-                <a:latin typeface="微軟正黑體" panose="020B0604030504040204" pitchFamily="34" charset="-120"/>
-                <a:ea typeface="微軟正黑體" panose="020B0604030504040204" pitchFamily="34" charset="-120"/>
-                <a:cs typeface="Heiti TC Light"/>
-              </a:rPr>
-              <a:t>的操作及示範</a:t>
+              <a:t>確保傳輸的安全</a:t>
             </a:r>
             <a:endParaRPr kumimoji="1" lang="en-US" altLang="zh-TW" sz="3200" dirty="0">
               <a:solidFill>
@@ -14717,41 +14345,15 @@
               <a:cs typeface="Heiti TC Light"/>
             </a:endParaRPr>
           </a:p>
-        </p:txBody>
-      </p:sp>
-      <p:sp>
-        <p:nvSpPr>
-          <p:cNvPr id="4" name="文字版面配置區 2"/>
-          <p:cNvSpPr txBox="1">
-            <a:spLocks/>
-          </p:cNvSpPr>
-          <p:nvPr/>
-        </p:nvSpPr>
-        <p:spPr>
-          <a:xfrm>
-            <a:off x="1706880" y="281940"/>
-            <a:ext cx="7482840" cy="990600"/>
-          </a:xfrm>
-          <a:prstGeom prst="rect">
-            <a:avLst/>
-          </a:prstGeom>
-        </p:spPr>
-        <p:txBody>
-          <a:bodyPr tIns="91440" bIns="91440" anchor="b" anchorCtr="0">
-            <a:noAutofit/>
-          </a:bodyPr>
-          <a:lstStyle/>
-          <a:p>
-            <a:pPr algn="just">
-              <a:spcBef>
-                <a:spcPct val="20000"/>
-              </a:spcBef>
-              <a:defRPr/>
+          <a:p>
+            <a:pPr marL="514350" indent="-514350">
+              <a:buFont typeface="+mj-lt"/>
+              <a:buAutoNum type="arabicPeriod"/>
             </a:pPr>
             <a:r>
-              <a:rPr lang="en-US" altLang="zh-TW" sz="4800" b="1" kern="0" dirty="0">
-                <a:solidFill>
-                  <a:srgbClr val="00B0F0"/>
+              <a:rPr kumimoji="1" lang="zh-TW" altLang="en-US" sz="3200" dirty="0">
+                <a:solidFill>
+                  <a:prstClr val="white"/>
                 </a:solidFill>
                 <a:effectLst>
                   <a:outerShdw blurRad="38100" dist="38100" dir="2700000" algn="tl">
@@ -14762,13 +14364,14 @@
                 </a:effectLst>
                 <a:latin typeface="微軟正黑體" panose="020B0604030504040204" pitchFamily="34" charset="-120"/>
                 <a:ea typeface="微軟正黑體" panose="020B0604030504040204" pitchFamily="34" charset="-120"/>
-              </a:rPr>
-              <a:t>5</a:t>
-            </a:r>
-            <a:r>
-              <a:rPr lang="zh-TW" altLang="en-US" sz="4800" b="1" kern="0" dirty="0">
-                <a:solidFill>
-                  <a:srgbClr val="00B0F0"/>
+                <a:cs typeface="Heiti TC Light"/>
+              </a:rPr>
+              <a:t>讀取</a:t>
+            </a:r>
+            <a:r>
+              <a:rPr kumimoji="1" lang="en-US" altLang="zh-TW" sz="3200" dirty="0">
+                <a:solidFill>
+                  <a:prstClr val="white"/>
                 </a:solidFill>
                 <a:effectLst>
                   <a:outerShdw blurRad="38100" dist="38100" dir="2700000" algn="tl">
@@ -14779,16 +14382,167 @@
                 </a:effectLst>
                 <a:latin typeface="微軟正黑體" panose="020B0604030504040204" pitchFamily="34" charset="-120"/>
                 <a:ea typeface="微軟正黑體" panose="020B0604030504040204" pitchFamily="34" charset="-120"/>
-              </a:rPr>
-              <a:t>、基礎觀念及知識</a:t>
-            </a:r>
+                <a:cs typeface="Heiti TC Light"/>
+              </a:rPr>
+              <a:t>request</a:t>
+            </a:r>
+            <a:r>
+              <a:rPr kumimoji="1" lang="zh-TW" altLang="en-US" sz="3200" dirty="0">
+                <a:solidFill>
+                  <a:prstClr val="white"/>
+                </a:solidFill>
+                <a:effectLst>
+                  <a:outerShdw blurRad="38100" dist="38100" dir="2700000" algn="tl">
+                    <a:srgbClr val="000000">
+                      <a:alpha val="43137"/>
+                    </a:srgbClr>
+                  </a:outerShdw>
+                </a:effectLst>
+                <a:latin typeface="微軟正黑體" panose="020B0604030504040204" pitchFamily="34" charset="-120"/>
+                <a:ea typeface="微軟正黑體" panose="020B0604030504040204" pitchFamily="34" charset="-120"/>
+                <a:cs typeface="Heiti TC Light"/>
+              </a:rPr>
+              <a:t>並記錄</a:t>
+            </a:r>
+            <a:endParaRPr kumimoji="1" lang="en-US" altLang="zh-TW" sz="3200" dirty="0">
+              <a:solidFill>
+                <a:prstClr val="white"/>
+              </a:solidFill>
+              <a:effectLst>
+                <a:outerShdw blurRad="38100" dist="38100" dir="2700000" algn="tl">
+                  <a:srgbClr val="000000">
+                    <a:alpha val="43137"/>
+                  </a:srgbClr>
+                </a:outerShdw>
+              </a:effectLst>
+              <a:latin typeface="微軟正黑體" panose="020B0604030504040204" pitchFamily="34" charset="-120"/>
+              <a:ea typeface="微軟正黑體" panose="020B0604030504040204" pitchFamily="34" charset="-120"/>
+              <a:cs typeface="Heiti TC Light"/>
+            </a:endParaRPr>
+          </a:p>
+          <a:p>
+            <a:endParaRPr kumimoji="1" lang="en-US" altLang="zh-TW" sz="3200" dirty="0">
+              <a:solidFill>
+                <a:prstClr val="white"/>
+              </a:solidFill>
+              <a:effectLst>
+                <a:outerShdw blurRad="38100" dist="38100" dir="2700000" algn="tl">
+                  <a:srgbClr val="000000">
+                    <a:alpha val="43137"/>
+                  </a:srgbClr>
+                </a:outerShdw>
+              </a:effectLst>
+              <a:latin typeface="微軟正黑體" panose="020B0604030504040204" pitchFamily="34" charset="-120"/>
+              <a:ea typeface="微軟正黑體" panose="020B0604030504040204" pitchFamily="34" charset="-120"/>
+              <a:cs typeface="Heiti TC Light"/>
+            </a:endParaRPr>
+          </a:p>
+        </p:txBody>
+      </p:sp>
+      <p:sp>
+        <p:nvSpPr>
+          <p:cNvPr id="4" name="文字版面配置區 2"/>
+          <p:cNvSpPr txBox="1">
+            <a:spLocks/>
+          </p:cNvSpPr>
+          <p:nvPr/>
+        </p:nvSpPr>
+        <p:spPr>
+          <a:xfrm>
+            <a:off x="1355838" y="329236"/>
+            <a:ext cx="6046075" cy="990600"/>
+          </a:xfrm>
+          <a:prstGeom prst="rect">
+            <a:avLst/>
+          </a:prstGeom>
+        </p:spPr>
+        <p:txBody>
+          <a:bodyPr tIns="91440" bIns="91440" anchor="b" anchorCtr="0">
+            <a:noAutofit/>
+          </a:bodyPr>
+          <a:lstStyle/>
+          <a:p>
+            <a:pPr algn="just">
+              <a:spcBef>
+                <a:spcPct val="20000"/>
+              </a:spcBef>
+              <a:defRPr/>
+            </a:pPr>
+            <a:r>
+              <a:rPr kumimoji="1" lang="en-US" altLang="zh-TW" sz="4800" b="1" kern="0" dirty="0">
+                <a:solidFill>
+                  <a:srgbClr val="00B0F0"/>
+                </a:solidFill>
+                <a:effectLst>
+                  <a:outerShdw blurRad="38100" dist="38100" dir="2700000" algn="tl">
+                    <a:srgbClr val="000000">
+                      <a:alpha val="43137"/>
+                    </a:srgbClr>
+                  </a:outerShdw>
+                </a:effectLst>
+                <a:latin typeface="微軟正黑體" panose="020B0604030504040204" pitchFamily="34" charset="-120"/>
+                <a:ea typeface="微軟正黑體" panose="020B0604030504040204" pitchFamily="34" charset="-120"/>
+                <a:cs typeface="Heiti TC Light"/>
+              </a:rPr>
+              <a:t>6</a:t>
+            </a:r>
+            <a:r>
+              <a:rPr kumimoji="1" lang="zh-TW" altLang="en-US" sz="4800" b="1" kern="0" dirty="0">
+                <a:solidFill>
+                  <a:srgbClr val="00B0F0"/>
+                </a:solidFill>
+                <a:effectLst>
+                  <a:outerShdw blurRad="38100" dist="38100" dir="2700000" algn="tl">
+                    <a:srgbClr val="000000">
+                      <a:alpha val="43137"/>
+                    </a:srgbClr>
+                  </a:outerShdw>
+                </a:effectLst>
+                <a:latin typeface="微軟正黑體" panose="020B0604030504040204" pitchFamily="34" charset="-120"/>
+                <a:ea typeface="微軟正黑體" panose="020B0604030504040204" pitchFamily="34" charset="-120"/>
+                <a:cs typeface="Heiti TC Light"/>
+              </a:rPr>
+              <a:t>、</a:t>
+            </a:r>
+            <a:r>
+              <a:rPr kumimoji="1" lang="zh-TW" altLang="en-US" sz="4800" b="1" dirty="0">
+                <a:solidFill>
+                  <a:srgbClr val="00B0F0"/>
+                </a:solidFill>
+                <a:effectLst>
+                  <a:outerShdw blurRad="38100" dist="38100" dir="2700000" algn="tl">
+                    <a:srgbClr val="000000">
+                      <a:alpha val="43137"/>
+                    </a:srgbClr>
+                  </a:outerShdw>
+                </a:effectLst>
+                <a:latin typeface="微軟正黑體" panose="020B0604030504040204" pitchFamily="34" charset="-120"/>
+                <a:ea typeface="微軟正黑體" panose="020B0604030504040204" pitchFamily="34" charset="-120"/>
+                <a:cs typeface="Heiti TC Light"/>
+              </a:rPr>
+              <a:t>程式碼撰寫及說明</a:t>
+            </a:r>
+            <a:endParaRPr lang="zh-TW" altLang="en-US" sz="4800" b="1" kern="0" dirty="0">
+              <a:solidFill>
+                <a:srgbClr val="00B0F0"/>
+              </a:solidFill>
+              <a:effectLst>
+                <a:outerShdw blurRad="38100" dist="38100" dir="2700000" algn="tl">
+                  <a:srgbClr val="000000">
+                    <a:alpha val="43137"/>
+                  </a:srgbClr>
+                </a:outerShdw>
+              </a:effectLst>
+              <a:latin typeface="微軟正黑體" panose="020B0604030504040204" pitchFamily="34" charset="-120"/>
+              <a:ea typeface="微軟正黑體" panose="020B0604030504040204" pitchFamily="34" charset="-120"/>
+            </a:endParaRPr>
           </a:p>
         </p:txBody>
       </p:sp>
     </p:spTree>
     <p:extLst>
       <p:ext uri="{BB962C8B-B14F-4D97-AF65-F5344CB8AC3E}">
-        <p14:creationId xmlns:p14="http://schemas.microsoft.com/office/powerpoint/2010/main" val="3025205387"/>
+        <p14:creationId xmlns:p14="http://schemas.microsoft.com/office/powerpoint/2010/main" val="3982388943"/>
       </p:ext>
     </p:extLst>
   </p:cSld>
@@ -14827,659 +14581,6 @@
         <p:spPr>
           <a:xfrm>
             <a:off x="693420" y="1841244"/>
-            <a:ext cx="8077200" cy="4524315"/>
-          </a:xfrm>
-          <a:prstGeom prst="rect">
-            <a:avLst/>
-          </a:prstGeom>
-          <a:noFill/>
-        </p:spPr>
-        <p:txBody>
-          <a:bodyPr wrap="square" rtlCol="0">
-            <a:spAutoFit/>
-          </a:bodyPr>
-          <a:lstStyle/>
-          <a:p>
-            <a:pPr marL="514350" indent="-514350">
-              <a:buFont typeface="+mj-lt"/>
-              <a:buAutoNum type="arabicPeriod"/>
-            </a:pPr>
-            <a:r>
-              <a:rPr kumimoji="1" lang="zh-TW" altLang="en-US" sz="3200" dirty="0">
-                <a:solidFill>
-                  <a:prstClr val="white"/>
-                </a:solidFill>
-                <a:effectLst>
-                  <a:outerShdw blurRad="38100" dist="38100" dir="2700000" algn="tl">
-                    <a:srgbClr val="000000">
-                      <a:alpha val="43137"/>
-                    </a:srgbClr>
-                  </a:outerShdw>
-                </a:effectLst>
-                <a:latin typeface="微軟正黑體" panose="020B0604030504040204" pitchFamily="34" charset="-120"/>
-                <a:ea typeface="微軟正黑體" panose="020B0604030504040204" pitchFamily="34" charset="-120"/>
-                <a:cs typeface="Heiti TC Light"/>
-              </a:rPr>
-              <a:t>啟動</a:t>
-            </a:r>
-            <a:r>
-              <a:rPr kumimoji="1" lang="en-US" altLang="zh-TW" sz="3200" dirty="0" err="1">
-                <a:solidFill>
-                  <a:prstClr val="white"/>
-                </a:solidFill>
-                <a:effectLst>
-                  <a:outerShdw blurRad="38100" dist="38100" dir="2700000" algn="tl">
-                    <a:srgbClr val="000000">
-                      <a:alpha val="43137"/>
-                    </a:srgbClr>
-                  </a:outerShdw>
-                </a:effectLst>
-                <a:latin typeface="微軟正黑體" panose="020B0604030504040204" pitchFamily="34" charset="-120"/>
-                <a:ea typeface="微軟正黑體" panose="020B0604030504040204" pitchFamily="34" charset="-120"/>
-                <a:cs typeface="Heiti TC Light"/>
-              </a:rPr>
-              <a:t>ngrok</a:t>
-            </a:r>
-            <a:r>
-              <a:rPr kumimoji="1" lang="zh-TW" altLang="en-US" sz="3200" dirty="0">
-                <a:solidFill>
-                  <a:prstClr val="white"/>
-                </a:solidFill>
-                <a:effectLst>
-                  <a:outerShdw blurRad="38100" dist="38100" dir="2700000" algn="tl">
-                    <a:srgbClr val="000000">
-                      <a:alpha val="43137"/>
-                    </a:srgbClr>
-                  </a:outerShdw>
-                </a:effectLst>
-                <a:latin typeface="微軟正黑體" panose="020B0604030504040204" pitchFamily="34" charset="-120"/>
-                <a:ea typeface="微軟正黑體" panose="020B0604030504040204" pitchFamily="34" charset="-120"/>
-                <a:cs typeface="Heiti TC Light"/>
-              </a:rPr>
-              <a:t>建立自己的網址</a:t>
-            </a:r>
-            <a:endParaRPr kumimoji="1" lang="en-US" altLang="zh-TW" sz="3200" dirty="0">
-              <a:solidFill>
-                <a:prstClr val="white"/>
-              </a:solidFill>
-              <a:effectLst>
-                <a:outerShdw blurRad="38100" dist="38100" dir="2700000" algn="tl">
-                  <a:srgbClr val="000000">
-                    <a:alpha val="43137"/>
-                  </a:srgbClr>
-                </a:outerShdw>
-              </a:effectLst>
-              <a:latin typeface="微軟正黑體" panose="020B0604030504040204" pitchFamily="34" charset="-120"/>
-              <a:ea typeface="微軟正黑體" panose="020B0604030504040204" pitchFamily="34" charset="-120"/>
-              <a:cs typeface="Heiti TC Light"/>
-            </a:endParaRPr>
-          </a:p>
-          <a:p>
-            <a:pPr marL="514350" indent="-514350">
-              <a:buFont typeface="+mj-lt"/>
-              <a:buAutoNum type="arabicPeriod"/>
-            </a:pPr>
-            <a:r>
-              <a:rPr kumimoji="1" lang="zh-TW" altLang="en-US" sz="3200" dirty="0">
-                <a:solidFill>
-                  <a:prstClr val="white"/>
-                </a:solidFill>
-                <a:effectLst>
-                  <a:outerShdw blurRad="38100" dist="38100" dir="2700000" algn="tl">
-                    <a:srgbClr val="000000">
-                      <a:alpha val="43137"/>
-                    </a:srgbClr>
-                  </a:outerShdw>
-                </a:effectLst>
-                <a:latin typeface="微軟正黑體" panose="020B0604030504040204" pitchFamily="34" charset="-120"/>
-                <a:ea typeface="微軟正黑體" panose="020B0604030504040204" pitchFamily="34" charset="-120"/>
-                <a:cs typeface="Heiti TC Light"/>
-              </a:rPr>
-              <a:t>更新</a:t>
-            </a:r>
-            <a:r>
-              <a:rPr kumimoji="1" lang="en-US" altLang="zh-TW" sz="3200" dirty="0">
-                <a:solidFill>
-                  <a:prstClr val="white"/>
-                </a:solidFill>
-                <a:effectLst>
-                  <a:outerShdw blurRad="38100" dist="38100" dir="2700000" algn="tl">
-                    <a:srgbClr val="000000">
-                      <a:alpha val="43137"/>
-                    </a:srgbClr>
-                  </a:outerShdw>
-                </a:effectLst>
-                <a:latin typeface="微軟正黑體" panose="020B0604030504040204" pitchFamily="34" charset="-120"/>
-                <a:ea typeface="微軟正黑體" panose="020B0604030504040204" pitchFamily="34" charset="-120"/>
-                <a:cs typeface="Heiti TC Light"/>
-              </a:rPr>
-              <a:t>line</a:t>
-            </a:r>
-            <a:r>
-              <a:rPr kumimoji="1" lang="zh-TW" altLang="en-US" sz="3200" dirty="0">
-                <a:solidFill>
-                  <a:prstClr val="white"/>
-                </a:solidFill>
-                <a:effectLst>
-                  <a:outerShdw blurRad="38100" dist="38100" dir="2700000" algn="tl">
-                    <a:srgbClr val="000000">
-                      <a:alpha val="43137"/>
-                    </a:srgbClr>
-                  </a:outerShdw>
-                </a:effectLst>
-                <a:latin typeface="微軟正黑體" panose="020B0604030504040204" pitchFamily="34" charset="-120"/>
-                <a:ea typeface="微軟正黑體" panose="020B0604030504040204" pitchFamily="34" charset="-120"/>
-                <a:cs typeface="Heiti TC Light"/>
-              </a:rPr>
-              <a:t>的</a:t>
-            </a:r>
-            <a:r>
-              <a:rPr kumimoji="1" lang="en-US" altLang="zh-TW" sz="3200" dirty="0">
-                <a:solidFill>
-                  <a:prstClr val="white"/>
-                </a:solidFill>
-                <a:effectLst>
-                  <a:outerShdw blurRad="38100" dist="38100" dir="2700000" algn="tl">
-                    <a:srgbClr val="000000">
-                      <a:alpha val="43137"/>
-                    </a:srgbClr>
-                  </a:outerShdw>
-                </a:effectLst>
-                <a:latin typeface="微軟正黑體" panose="020B0604030504040204" pitchFamily="34" charset="-120"/>
-                <a:ea typeface="微軟正黑體" panose="020B0604030504040204" pitchFamily="34" charset="-120"/>
-                <a:cs typeface="Heiti TC Light"/>
-              </a:rPr>
-              <a:t>webhook</a:t>
-            </a:r>
-          </a:p>
-          <a:p>
-            <a:pPr marL="514350" indent="-514350">
-              <a:buFont typeface="+mj-lt"/>
-              <a:buAutoNum type="arabicPeriod"/>
-            </a:pPr>
-            <a:r>
-              <a:rPr kumimoji="1" lang="zh-TW" altLang="en-US" sz="3200" dirty="0">
-                <a:solidFill>
-                  <a:prstClr val="white"/>
-                </a:solidFill>
-                <a:effectLst>
-                  <a:outerShdw blurRad="38100" dist="38100" dir="2700000" algn="tl">
-                    <a:srgbClr val="000000">
-                      <a:alpha val="43137"/>
-                    </a:srgbClr>
-                  </a:outerShdw>
-                </a:effectLst>
-                <a:latin typeface="微軟正黑體" panose="020B0604030504040204" pitchFamily="34" charset="-120"/>
-                <a:ea typeface="微軟正黑體" panose="020B0604030504040204" pitchFamily="34" charset="-120"/>
-                <a:cs typeface="Heiti TC Light"/>
-              </a:rPr>
-              <a:t>設定讀取環境變數</a:t>
-            </a:r>
-            <a:r>
-              <a:rPr kumimoji="1" lang="en-US" altLang="zh-TW" sz="3200" dirty="0">
-                <a:solidFill>
-                  <a:prstClr val="white"/>
-                </a:solidFill>
-                <a:effectLst>
-                  <a:outerShdw blurRad="38100" dist="38100" dir="2700000" algn="tl">
-                    <a:srgbClr val="000000">
-                      <a:alpha val="43137"/>
-                    </a:srgbClr>
-                  </a:outerShdw>
-                </a:effectLst>
-                <a:latin typeface="微軟正黑體" panose="020B0604030504040204" pitchFamily="34" charset="-120"/>
-                <a:ea typeface="微軟正黑體" panose="020B0604030504040204" pitchFamily="34" charset="-120"/>
-                <a:cs typeface="Heiti TC Light"/>
-              </a:rPr>
-              <a:t>(</a:t>
-            </a:r>
-            <a:r>
-              <a:rPr kumimoji="1" lang="zh-TW" altLang="en-US" sz="3200" dirty="0">
-                <a:solidFill>
-                  <a:prstClr val="white"/>
-                </a:solidFill>
-                <a:effectLst>
-                  <a:outerShdw blurRad="38100" dist="38100" dir="2700000" algn="tl">
-                    <a:srgbClr val="000000">
-                      <a:alpha val="43137"/>
-                    </a:srgbClr>
-                  </a:outerShdw>
-                </a:effectLst>
-                <a:latin typeface="微軟正黑體" panose="020B0604030504040204" pitchFamily="34" charset="-120"/>
-                <a:ea typeface="微軟正黑體" panose="020B0604030504040204" pitchFamily="34" charset="-120"/>
-                <a:cs typeface="Heiti TC Light"/>
-              </a:rPr>
-              <a:t>視開發環境</a:t>
-            </a:r>
-            <a:r>
-              <a:rPr kumimoji="1" lang="en-US" altLang="zh-TW" sz="3200" dirty="0">
-                <a:solidFill>
-                  <a:prstClr val="white"/>
-                </a:solidFill>
-                <a:effectLst>
-                  <a:outerShdw blurRad="38100" dist="38100" dir="2700000" algn="tl">
-                    <a:srgbClr val="000000">
-                      <a:alpha val="43137"/>
-                    </a:srgbClr>
-                  </a:outerShdw>
-                </a:effectLst>
-                <a:latin typeface="微軟正黑體" panose="020B0604030504040204" pitchFamily="34" charset="-120"/>
-                <a:ea typeface="微軟正黑體" panose="020B0604030504040204" pitchFamily="34" charset="-120"/>
-                <a:cs typeface="Heiti TC Light"/>
-              </a:rPr>
-              <a:t>)</a:t>
-            </a:r>
-          </a:p>
-          <a:p>
-            <a:pPr marL="514350" indent="-514350">
-              <a:buFont typeface="+mj-lt"/>
-              <a:buAutoNum type="arabicPeriod"/>
-            </a:pPr>
-            <a:r>
-              <a:rPr kumimoji="1" lang="zh-TW" altLang="en-US" sz="3200" dirty="0">
-                <a:solidFill>
-                  <a:prstClr val="white"/>
-                </a:solidFill>
-                <a:effectLst>
-                  <a:outerShdw blurRad="38100" dist="38100" dir="2700000" algn="tl">
-                    <a:srgbClr val="000000">
-                      <a:alpha val="43137"/>
-                    </a:srgbClr>
-                  </a:outerShdw>
-                </a:effectLst>
-                <a:latin typeface="微軟正黑體" panose="020B0604030504040204" pitchFamily="34" charset="-120"/>
-                <a:ea typeface="微軟正黑體" panose="020B0604030504040204" pitchFamily="34" charset="-120"/>
-                <a:cs typeface="Heiti TC Light"/>
-              </a:rPr>
-              <a:t>載入套件的正確語法</a:t>
-            </a:r>
-            <a:endParaRPr kumimoji="1" lang="en-US" altLang="zh-TW" sz="3200" dirty="0">
-              <a:solidFill>
-                <a:prstClr val="white"/>
-              </a:solidFill>
-              <a:effectLst>
-                <a:outerShdw blurRad="38100" dist="38100" dir="2700000" algn="tl">
-                  <a:srgbClr val="000000">
-                    <a:alpha val="43137"/>
-                  </a:srgbClr>
-                </a:outerShdw>
-              </a:effectLst>
-              <a:latin typeface="微軟正黑體" panose="020B0604030504040204" pitchFamily="34" charset="-120"/>
-              <a:ea typeface="微軟正黑體" panose="020B0604030504040204" pitchFamily="34" charset="-120"/>
-              <a:cs typeface="Heiti TC Light"/>
-            </a:endParaRPr>
-          </a:p>
-          <a:p>
-            <a:pPr marL="514350" indent="-514350">
-              <a:buFont typeface="+mj-lt"/>
-              <a:buAutoNum type="arabicPeriod"/>
-            </a:pPr>
-            <a:r>
-              <a:rPr kumimoji="1" lang="zh-TW" altLang="en-US" sz="3200" dirty="0">
-                <a:solidFill>
-                  <a:prstClr val="white"/>
-                </a:solidFill>
-                <a:effectLst>
-                  <a:outerShdw blurRad="38100" dist="38100" dir="2700000" algn="tl">
-                    <a:srgbClr val="000000">
-                      <a:alpha val="43137"/>
-                    </a:srgbClr>
-                  </a:outerShdw>
-                </a:effectLst>
-                <a:latin typeface="微軟正黑體" panose="020B0604030504040204" pitchFamily="34" charset="-120"/>
-                <a:ea typeface="微軟正黑體" panose="020B0604030504040204" pitchFamily="34" charset="-120"/>
-                <a:cs typeface="Heiti TC Light"/>
-              </a:rPr>
-              <a:t>套件及物件說明</a:t>
-            </a:r>
-            <a:endParaRPr kumimoji="1" lang="en-US" altLang="zh-TW" sz="3200" dirty="0">
-              <a:solidFill>
-                <a:prstClr val="white"/>
-              </a:solidFill>
-              <a:effectLst>
-                <a:outerShdw blurRad="38100" dist="38100" dir="2700000" algn="tl">
-                  <a:srgbClr val="000000">
-                    <a:alpha val="43137"/>
-                  </a:srgbClr>
-                </a:outerShdw>
-              </a:effectLst>
-              <a:latin typeface="微軟正黑體" panose="020B0604030504040204" pitchFamily="34" charset="-120"/>
-              <a:ea typeface="微軟正黑體" panose="020B0604030504040204" pitchFamily="34" charset="-120"/>
-              <a:cs typeface="Heiti TC Light"/>
-            </a:endParaRPr>
-          </a:p>
-          <a:p>
-            <a:pPr marL="514350" indent="-514350">
-              <a:buFont typeface="+mj-lt"/>
-              <a:buAutoNum type="arabicPeriod"/>
-            </a:pPr>
-            <a:r>
-              <a:rPr kumimoji="1" lang="en-US" altLang="zh-TW" sz="3200" dirty="0">
-                <a:solidFill>
-                  <a:prstClr val="white"/>
-                </a:solidFill>
-                <a:effectLst>
-                  <a:outerShdw blurRad="38100" dist="38100" dir="2700000" algn="tl">
-                    <a:srgbClr val="000000">
-                      <a:alpha val="43137"/>
-                    </a:srgbClr>
-                  </a:outerShdw>
-                </a:effectLst>
-                <a:latin typeface="微軟正黑體" panose="020B0604030504040204" pitchFamily="34" charset="-120"/>
-                <a:ea typeface="微軟正黑體" panose="020B0604030504040204" pitchFamily="34" charset="-120"/>
-                <a:cs typeface="Heiti TC Light"/>
-              </a:rPr>
-              <a:t>Flask</a:t>
-            </a:r>
-            <a:r>
-              <a:rPr kumimoji="1" lang="zh-TW" altLang="en-US" sz="3200" dirty="0">
-                <a:solidFill>
-                  <a:prstClr val="white"/>
-                </a:solidFill>
-                <a:effectLst>
-                  <a:outerShdw blurRad="38100" dist="38100" dir="2700000" algn="tl">
-                    <a:srgbClr val="000000">
-                      <a:alpha val="43137"/>
-                    </a:srgbClr>
-                  </a:outerShdw>
-                </a:effectLst>
-                <a:latin typeface="微軟正黑體" panose="020B0604030504040204" pitchFamily="34" charset="-120"/>
-                <a:ea typeface="微軟正黑體" panose="020B0604030504040204" pitchFamily="34" charset="-120"/>
-                <a:cs typeface="Heiti TC Light"/>
-              </a:rPr>
-              <a:t>的語法說明</a:t>
-            </a:r>
-            <a:endParaRPr kumimoji="1" lang="en-US" altLang="zh-TW" sz="3200" dirty="0">
-              <a:solidFill>
-                <a:prstClr val="white"/>
-              </a:solidFill>
-              <a:effectLst>
-                <a:outerShdw blurRad="38100" dist="38100" dir="2700000" algn="tl">
-                  <a:srgbClr val="000000">
-                    <a:alpha val="43137"/>
-                  </a:srgbClr>
-                </a:outerShdw>
-              </a:effectLst>
-              <a:latin typeface="微軟正黑體" panose="020B0604030504040204" pitchFamily="34" charset="-120"/>
-              <a:ea typeface="微軟正黑體" panose="020B0604030504040204" pitchFamily="34" charset="-120"/>
-              <a:cs typeface="Heiti TC Light"/>
-            </a:endParaRPr>
-          </a:p>
-          <a:p>
-            <a:pPr marL="514350" indent="-514350">
-              <a:buFont typeface="+mj-lt"/>
-              <a:buAutoNum type="arabicPeriod"/>
-            </a:pPr>
-            <a:r>
-              <a:rPr kumimoji="1" lang="zh-TW" altLang="en-US" sz="3200" dirty="0">
-                <a:solidFill>
-                  <a:prstClr val="white"/>
-                </a:solidFill>
-                <a:effectLst>
-                  <a:outerShdw blurRad="38100" dist="38100" dir="2700000" algn="tl">
-                    <a:srgbClr val="000000">
-                      <a:alpha val="43137"/>
-                    </a:srgbClr>
-                  </a:outerShdw>
-                </a:effectLst>
-                <a:latin typeface="微軟正黑體" panose="020B0604030504040204" pitchFamily="34" charset="-120"/>
-                <a:ea typeface="微軟正黑體" panose="020B0604030504040204" pitchFamily="34" charset="-120"/>
-                <a:cs typeface="Heiti TC Light"/>
-              </a:rPr>
-              <a:t>確保傳輸的安全</a:t>
-            </a:r>
-            <a:endParaRPr kumimoji="1" lang="en-US" altLang="zh-TW" sz="3200" dirty="0">
-              <a:solidFill>
-                <a:prstClr val="white"/>
-              </a:solidFill>
-              <a:effectLst>
-                <a:outerShdw blurRad="38100" dist="38100" dir="2700000" algn="tl">
-                  <a:srgbClr val="000000">
-                    <a:alpha val="43137"/>
-                  </a:srgbClr>
-                </a:outerShdw>
-              </a:effectLst>
-              <a:latin typeface="微軟正黑體" panose="020B0604030504040204" pitchFamily="34" charset="-120"/>
-              <a:ea typeface="微軟正黑體" panose="020B0604030504040204" pitchFamily="34" charset="-120"/>
-              <a:cs typeface="Heiti TC Light"/>
-            </a:endParaRPr>
-          </a:p>
-          <a:p>
-            <a:pPr marL="514350" indent="-514350">
-              <a:buFont typeface="+mj-lt"/>
-              <a:buAutoNum type="arabicPeriod"/>
-            </a:pPr>
-            <a:r>
-              <a:rPr kumimoji="1" lang="zh-TW" altLang="en-US" sz="3200" dirty="0">
-                <a:solidFill>
-                  <a:prstClr val="white"/>
-                </a:solidFill>
-                <a:effectLst>
-                  <a:outerShdw blurRad="38100" dist="38100" dir="2700000" algn="tl">
-                    <a:srgbClr val="000000">
-                      <a:alpha val="43137"/>
-                    </a:srgbClr>
-                  </a:outerShdw>
-                </a:effectLst>
-                <a:latin typeface="微軟正黑體" panose="020B0604030504040204" pitchFamily="34" charset="-120"/>
-                <a:ea typeface="微軟正黑體" panose="020B0604030504040204" pitchFamily="34" charset="-120"/>
-                <a:cs typeface="Heiti TC Light"/>
-              </a:rPr>
-              <a:t>讀取</a:t>
-            </a:r>
-            <a:r>
-              <a:rPr kumimoji="1" lang="en-US" altLang="zh-TW" sz="3200" dirty="0">
-                <a:solidFill>
-                  <a:prstClr val="white"/>
-                </a:solidFill>
-                <a:effectLst>
-                  <a:outerShdw blurRad="38100" dist="38100" dir="2700000" algn="tl">
-                    <a:srgbClr val="000000">
-                      <a:alpha val="43137"/>
-                    </a:srgbClr>
-                  </a:outerShdw>
-                </a:effectLst>
-                <a:latin typeface="微軟正黑體" panose="020B0604030504040204" pitchFamily="34" charset="-120"/>
-                <a:ea typeface="微軟正黑體" panose="020B0604030504040204" pitchFamily="34" charset="-120"/>
-                <a:cs typeface="Heiti TC Light"/>
-              </a:rPr>
-              <a:t>request</a:t>
-            </a:r>
-            <a:r>
-              <a:rPr kumimoji="1" lang="zh-TW" altLang="en-US" sz="3200" dirty="0">
-                <a:solidFill>
-                  <a:prstClr val="white"/>
-                </a:solidFill>
-                <a:effectLst>
-                  <a:outerShdw blurRad="38100" dist="38100" dir="2700000" algn="tl">
-                    <a:srgbClr val="000000">
-                      <a:alpha val="43137"/>
-                    </a:srgbClr>
-                  </a:outerShdw>
-                </a:effectLst>
-                <a:latin typeface="微軟正黑體" panose="020B0604030504040204" pitchFamily="34" charset="-120"/>
-                <a:ea typeface="微軟正黑體" panose="020B0604030504040204" pitchFamily="34" charset="-120"/>
-                <a:cs typeface="Heiti TC Light"/>
-              </a:rPr>
-              <a:t>並記錄</a:t>
-            </a:r>
-            <a:endParaRPr kumimoji="1" lang="en-US" altLang="zh-TW" sz="3200" dirty="0">
-              <a:solidFill>
-                <a:prstClr val="white"/>
-              </a:solidFill>
-              <a:effectLst>
-                <a:outerShdw blurRad="38100" dist="38100" dir="2700000" algn="tl">
-                  <a:srgbClr val="000000">
-                    <a:alpha val="43137"/>
-                  </a:srgbClr>
-                </a:outerShdw>
-              </a:effectLst>
-              <a:latin typeface="微軟正黑體" panose="020B0604030504040204" pitchFamily="34" charset="-120"/>
-              <a:ea typeface="微軟正黑體" panose="020B0604030504040204" pitchFamily="34" charset="-120"/>
-              <a:cs typeface="Heiti TC Light"/>
-            </a:endParaRPr>
-          </a:p>
-          <a:p>
-            <a:endParaRPr kumimoji="1" lang="en-US" altLang="zh-TW" sz="3200" dirty="0">
-              <a:solidFill>
-                <a:prstClr val="white"/>
-              </a:solidFill>
-              <a:effectLst>
-                <a:outerShdw blurRad="38100" dist="38100" dir="2700000" algn="tl">
-                  <a:srgbClr val="000000">
-                    <a:alpha val="43137"/>
-                  </a:srgbClr>
-                </a:outerShdw>
-              </a:effectLst>
-              <a:latin typeface="微軟正黑體" panose="020B0604030504040204" pitchFamily="34" charset="-120"/>
-              <a:ea typeface="微軟正黑體" panose="020B0604030504040204" pitchFamily="34" charset="-120"/>
-              <a:cs typeface="Heiti TC Light"/>
-            </a:endParaRPr>
-          </a:p>
-        </p:txBody>
-      </p:sp>
-      <p:sp>
-        <p:nvSpPr>
-          <p:cNvPr id="4" name="文字版面配置區 2"/>
-          <p:cNvSpPr txBox="1">
-            <a:spLocks/>
-          </p:cNvSpPr>
-          <p:nvPr/>
-        </p:nvSpPr>
-        <p:spPr>
-          <a:xfrm>
-            <a:off x="1355838" y="329236"/>
-            <a:ext cx="6046075" cy="990600"/>
-          </a:xfrm>
-          <a:prstGeom prst="rect">
-            <a:avLst/>
-          </a:prstGeom>
-        </p:spPr>
-        <p:txBody>
-          <a:bodyPr tIns="91440" bIns="91440" anchor="b" anchorCtr="0">
-            <a:noAutofit/>
-          </a:bodyPr>
-          <a:lstStyle/>
-          <a:p>
-            <a:pPr algn="just">
-              <a:spcBef>
-                <a:spcPct val="20000"/>
-              </a:spcBef>
-              <a:defRPr/>
-            </a:pPr>
-            <a:r>
-              <a:rPr kumimoji="1" lang="en-US" altLang="zh-TW" sz="4800" b="1" kern="0" dirty="0">
-                <a:solidFill>
-                  <a:srgbClr val="00B0F0"/>
-                </a:solidFill>
-                <a:effectLst>
-                  <a:outerShdw blurRad="38100" dist="38100" dir="2700000" algn="tl">
-                    <a:srgbClr val="000000">
-                      <a:alpha val="43137"/>
-                    </a:srgbClr>
-                  </a:outerShdw>
-                </a:effectLst>
-                <a:latin typeface="微軟正黑體" panose="020B0604030504040204" pitchFamily="34" charset="-120"/>
-                <a:ea typeface="微軟正黑體" panose="020B0604030504040204" pitchFamily="34" charset="-120"/>
-                <a:cs typeface="Heiti TC Light"/>
-              </a:rPr>
-              <a:t>6</a:t>
-            </a:r>
-            <a:r>
-              <a:rPr kumimoji="1" lang="zh-TW" altLang="en-US" sz="4800" b="1" kern="0" dirty="0">
-                <a:solidFill>
-                  <a:srgbClr val="00B0F0"/>
-                </a:solidFill>
-                <a:effectLst>
-                  <a:outerShdw blurRad="38100" dist="38100" dir="2700000" algn="tl">
-                    <a:srgbClr val="000000">
-                      <a:alpha val="43137"/>
-                    </a:srgbClr>
-                  </a:outerShdw>
-                </a:effectLst>
-                <a:latin typeface="微軟正黑體" panose="020B0604030504040204" pitchFamily="34" charset="-120"/>
-                <a:ea typeface="微軟正黑體" panose="020B0604030504040204" pitchFamily="34" charset="-120"/>
-                <a:cs typeface="Heiti TC Light"/>
-              </a:rPr>
-              <a:t>、</a:t>
-            </a:r>
-            <a:r>
-              <a:rPr kumimoji="1" lang="zh-TW" altLang="en-US" sz="4800" b="1" dirty="0">
-                <a:solidFill>
-                  <a:srgbClr val="00B0F0"/>
-                </a:solidFill>
-                <a:effectLst>
-                  <a:outerShdw blurRad="38100" dist="38100" dir="2700000" algn="tl">
-                    <a:srgbClr val="000000">
-                      <a:alpha val="43137"/>
-                    </a:srgbClr>
-                  </a:outerShdw>
-                </a:effectLst>
-                <a:latin typeface="微軟正黑體" panose="020B0604030504040204" pitchFamily="34" charset="-120"/>
-                <a:ea typeface="微軟正黑體" panose="020B0604030504040204" pitchFamily="34" charset="-120"/>
-                <a:cs typeface="Heiti TC Light"/>
-              </a:rPr>
-              <a:t>程式碼撰寫及說明</a:t>
-            </a:r>
-            <a:endParaRPr lang="zh-TW" altLang="en-US" sz="4800" b="1" kern="0" dirty="0">
-              <a:solidFill>
-                <a:srgbClr val="00B0F0"/>
-              </a:solidFill>
-              <a:effectLst>
-                <a:outerShdw blurRad="38100" dist="38100" dir="2700000" algn="tl">
-                  <a:srgbClr val="000000">
-                    <a:alpha val="43137"/>
-                  </a:srgbClr>
-                </a:outerShdw>
-              </a:effectLst>
-              <a:latin typeface="微軟正黑體" panose="020B0604030504040204" pitchFamily="34" charset="-120"/>
-              <a:ea typeface="微軟正黑體" panose="020B0604030504040204" pitchFamily="34" charset="-120"/>
-            </a:endParaRPr>
-          </a:p>
-        </p:txBody>
-      </p:sp>
-    </p:spTree>
-    <p:extLst>
-      <p:ext uri="{BB962C8B-B14F-4D97-AF65-F5344CB8AC3E}">
-        <p14:creationId xmlns:p14="http://schemas.microsoft.com/office/powerpoint/2010/main" val="3982388943"/>
-      </p:ext>
-    </p:extLst>
-  </p:cSld>
-  <p:clrMapOvr>
-    <a:masterClrMapping/>
-  </p:clrMapOvr>
-  <p:transition>
-    <p:fade/>
-  </p:transition>
-</p:sld>
-</file>
-
-<file path=ppt/slides/slide12.xml><?xml version="1.0" encoding="utf-8"?>
-<p:sld xmlns:a="http://schemas.openxmlformats.org/drawingml/2006/main" xmlns:r="http://schemas.openxmlformats.org/officeDocument/2006/relationships" xmlns:p="http://schemas.openxmlformats.org/presentationml/2006/main">
-  <p:cSld>
-    <p:spTree>
-      <p:nvGrpSpPr>
-        <p:cNvPr id="1" name=""/>
-        <p:cNvGrpSpPr/>
-        <p:nvPr/>
-      </p:nvGrpSpPr>
-      <p:grpSpPr>
-        <a:xfrm>
-          <a:off x="0" y="0"/>
-          <a:ext cx="0" cy="0"/>
-          <a:chOff x="0" y="0"/>
-          <a:chExt cx="0" cy="0"/>
-        </a:xfrm>
-      </p:grpSpPr>
-      <p:sp>
-        <p:nvSpPr>
-          <p:cNvPr id="5" name="文字方塊 4"/>
-          <p:cNvSpPr txBox="1"/>
-          <p:nvPr/>
-        </p:nvSpPr>
-        <p:spPr>
-          <a:xfrm>
-            <a:off x="693420" y="1841244"/>
             <a:ext cx="8077200" cy="2554545"/>
           </a:xfrm>
           <a:prstGeom prst="rect">
@@ -15838,7 +14939,7 @@
 </p:sld>
 </file>
 
-<file path=ppt/slides/slide13.xml><?xml version="1.0" encoding="utf-8"?>
+<file path=ppt/slides/slide12.xml><?xml version="1.0" encoding="utf-8"?>
 <p:sld xmlns:a="http://schemas.openxmlformats.org/drawingml/2006/main" xmlns:r="http://schemas.openxmlformats.org/officeDocument/2006/relationships" xmlns:p="http://schemas.openxmlformats.org/presentationml/2006/main">
   <p:cSld>
     <p:spTree>
@@ -16814,7 +15915,7 @@
         <p:spPr>
           <a:xfrm>
             <a:off x="693420" y="1841244"/>
-            <a:ext cx="8077200" cy="3046988"/>
+            <a:ext cx="8077200" cy="4031873"/>
           </a:xfrm>
           <a:prstGeom prst="rect">
             <a:avLst/>
@@ -16827,12 +15928,35 @@
           </a:bodyPr>
           <a:lstStyle/>
           <a:p>
-            <a:pPr marL="514350" indent="-514350">
+            <a:pPr marL="514338" indent="-514338">
               <a:buFont typeface="+mj-lt"/>
-              <a:buAutoNum type="arabicPeriod" startAt="8"/>
+              <a:buAutoNum type="arabicPeriod"/>
             </a:pPr>
             <a:r>
-              <a:rPr kumimoji="1" lang="en-US" altLang="zh-TW" sz="3200" dirty="0">
+              <a:rPr lang="zh-TW" altLang="en-US" sz="3200" dirty="0">
+                <a:solidFill>
+                  <a:prstClr val="white"/>
+                </a:solidFill>
+                <a:latin typeface="微軟正黑體" panose="020B0604030504040204" pitchFamily="34" charset="-120"/>
+                <a:ea typeface="微軟正黑體" panose="020B0604030504040204" pitchFamily="34" charset="-120"/>
+              </a:rPr>
+              <a:t>課前準備</a:t>
+            </a:r>
+            <a:endParaRPr lang="en-US" altLang="zh-TW" sz="3200" dirty="0">
+              <a:solidFill>
+                <a:prstClr val="white"/>
+              </a:solidFill>
+              <a:latin typeface="微軟正黑體" panose="020B0604030504040204" pitchFamily="34" charset="-120"/>
+              <a:ea typeface="微軟正黑體" panose="020B0604030504040204" pitchFamily="34" charset="-120"/>
+            </a:endParaRPr>
+          </a:p>
+          <a:p>
+            <a:pPr marL="514338" indent="-514338">
+              <a:buFont typeface="+mj-lt"/>
+              <a:buAutoNum type="arabicPeriod"/>
+            </a:pPr>
+            <a:r>
+              <a:rPr kumimoji="1" lang="zh-TW" altLang="en-US" sz="3200" dirty="0">
                 <a:solidFill>
                   <a:prstClr val="white"/>
                 </a:solidFill>
@@ -16847,25 +15971,7 @@
                 <a:ea typeface="微軟正黑體" panose="020B0604030504040204" pitchFamily="34" charset="-120"/>
                 <a:cs typeface="Heiti TC Light"/>
               </a:rPr>
-              <a:t>CLI</a:t>
-            </a:r>
-            <a:r>
-              <a:rPr kumimoji="1" lang="zh-TW" altLang="en-US" sz="3200" dirty="0">
-                <a:solidFill>
-                  <a:prstClr val="white"/>
-                </a:solidFill>
-                <a:effectLst>
-                  <a:outerShdw blurRad="38100" dist="38100" dir="2700000" algn="tl">
-                    <a:srgbClr val="000000">
-                      <a:alpha val="43137"/>
-                    </a:srgbClr>
-                  </a:outerShdw>
-                </a:effectLst>
-                <a:latin typeface="微軟正黑體" panose="020B0604030504040204" pitchFamily="34" charset="-120"/>
-                <a:ea typeface="微軟正黑體" panose="020B0604030504040204" pitchFamily="34" charset="-120"/>
-                <a:cs typeface="Heiti TC Light"/>
-              </a:rPr>
-              <a:t>的好處：自動化</a:t>
+              <a:t>開發環境安裝及測試</a:t>
             </a:r>
             <a:endParaRPr kumimoji="1" lang="en-US" altLang="zh-TW" sz="3200" dirty="0">
               <a:solidFill>
@@ -16886,10 +15992,10 @@
           <a:p>
             <a:pPr marL="514338" indent="-514338">
               <a:buFont typeface="+mj-lt"/>
-              <a:buAutoNum type="arabicPeriod" startAt="8"/>
+              <a:buAutoNum type="arabicPeriod"/>
             </a:pPr>
             <a:r>
-              <a:rPr kumimoji="1" lang="zh-TW" altLang="en-US" sz="3200" dirty="0">
+              <a:rPr kumimoji="1" lang="en-US" altLang="zh-TW" sz="3200" dirty="0">
                 <a:solidFill>
                   <a:prstClr val="white"/>
                 </a:solidFill>
@@ -16904,10 +16010,10 @@
                 <a:ea typeface="微軟正黑體" panose="020B0604030504040204" pitchFamily="34" charset="-120"/>
                 <a:cs typeface="Heiti TC Light"/>
               </a:rPr>
-              <a:t>問問題的地方</a:t>
-            </a:r>
-            <a:r>
-              <a:rPr kumimoji="1" lang="en-US" altLang="zh-TW" sz="3200" dirty="0" err="1">
+              <a:t>LINE</a:t>
+            </a:r>
+            <a:r>
+              <a:rPr kumimoji="1" lang="zh-TW" altLang="en-US" sz="3200" dirty="0">
                 <a:solidFill>
                   <a:prstClr val="white"/>
                 </a:solidFill>
@@ -16922,79 +16028,7 @@
                 <a:ea typeface="微軟正黑體" panose="020B0604030504040204" pitchFamily="34" charset="-120"/>
                 <a:cs typeface="Heiti TC Light"/>
               </a:rPr>
-              <a:t>github</a:t>
-            </a:r>
-            <a:r>
-              <a:rPr kumimoji="1" lang="en-US" altLang="zh-TW" sz="3200" dirty="0">
-                <a:solidFill>
-                  <a:prstClr val="white"/>
-                </a:solidFill>
-                <a:effectLst>
-                  <a:outerShdw blurRad="38100" dist="38100" dir="2700000" algn="tl">
-                    <a:srgbClr val="000000">
-                      <a:alpha val="43137"/>
-                    </a:srgbClr>
-                  </a:outerShdw>
-                </a:effectLst>
-                <a:latin typeface="微軟正黑體" panose="020B0604030504040204" pitchFamily="34" charset="-120"/>
-                <a:ea typeface="微軟正黑體" panose="020B0604030504040204" pitchFamily="34" charset="-120"/>
-                <a:cs typeface="Heiti TC Light"/>
-              </a:rPr>
-              <a:t>, </a:t>
-            </a:r>
-            <a:r>
-              <a:rPr kumimoji="1" lang="en-US" altLang="zh-TW" sz="3200" dirty="0" err="1">
-                <a:solidFill>
-                  <a:prstClr val="white"/>
-                </a:solidFill>
-                <a:effectLst>
-                  <a:outerShdw blurRad="38100" dist="38100" dir="2700000" algn="tl">
-                    <a:srgbClr val="000000">
-                      <a:alpha val="43137"/>
-                    </a:srgbClr>
-                  </a:outerShdw>
-                </a:effectLst>
-                <a:latin typeface="微軟正黑體" panose="020B0604030504040204" pitchFamily="34" charset="-120"/>
-                <a:ea typeface="微軟正黑體" panose="020B0604030504040204" pitchFamily="34" charset="-120"/>
-                <a:cs typeface="Heiti TC Light"/>
-              </a:rPr>
-              <a:t>stackoverflow</a:t>
-            </a:r>
-            <a:r>
-              <a:rPr kumimoji="1" lang="en-US" altLang="zh-TW" sz="3200" dirty="0">
-                <a:solidFill>
-                  <a:prstClr val="white"/>
-                </a:solidFill>
-                <a:effectLst>
-                  <a:outerShdw blurRad="38100" dist="38100" dir="2700000" algn="tl">
-                    <a:srgbClr val="000000">
-                      <a:alpha val="43137"/>
-                    </a:srgbClr>
-                  </a:outerShdw>
-                </a:effectLst>
-                <a:latin typeface="微軟正黑體" panose="020B0604030504040204" pitchFamily="34" charset="-120"/>
-                <a:ea typeface="微軟正黑體" panose="020B0604030504040204" pitchFamily="34" charset="-120"/>
-                <a:cs typeface="Heiti TC Light"/>
-              </a:rPr>
-              <a:t>, reddit </a:t>
-            </a:r>
-            <a:r>
-              <a:rPr kumimoji="1" lang="en-US" altLang="zh-TW" sz="3200" dirty="0" err="1">
-                <a:solidFill>
-                  <a:prstClr val="white"/>
-                </a:solidFill>
-                <a:effectLst>
-                  <a:outerShdw blurRad="38100" dist="38100" dir="2700000" algn="tl">
-                    <a:srgbClr val="000000">
-                      <a:alpha val="43137"/>
-                    </a:srgbClr>
-                  </a:outerShdw>
-                </a:effectLst>
-                <a:latin typeface="微軟正黑體" panose="020B0604030504040204" pitchFamily="34" charset="-120"/>
-                <a:ea typeface="微軟正黑體" panose="020B0604030504040204" pitchFamily="34" charset="-120"/>
-                <a:cs typeface="Heiti TC Light"/>
-              </a:rPr>
-              <a:t>quora</a:t>
+              <a:t>平台基礎知識</a:t>
             </a:r>
             <a:endParaRPr kumimoji="1" lang="en-US" altLang="zh-TW" sz="3200" dirty="0">
               <a:solidFill>
@@ -17015,7 +16049,7 @@
           <a:p>
             <a:pPr marL="514338" indent="-514338">
               <a:buFont typeface="+mj-lt"/>
-              <a:buAutoNum type="arabicPeriod" startAt="8"/>
+              <a:buAutoNum type="arabicPeriod"/>
             </a:pPr>
             <a:r>
               <a:rPr kumimoji="1" lang="zh-TW" altLang="en-US" sz="3200" dirty="0">
@@ -17033,368 +16067,11 @@
                 <a:ea typeface="微軟正黑體" panose="020B0604030504040204" pitchFamily="34" charset="-120"/>
                 <a:cs typeface="Heiti TC Light"/>
               </a:rPr>
-              <a:t>會做文件筆記</a:t>
-            </a:r>
-            <a:r>
-              <a:rPr kumimoji="1" lang="en-US" altLang="zh-TW" sz="3200" dirty="0">
-                <a:solidFill>
-                  <a:prstClr val="white"/>
-                </a:solidFill>
-                <a:effectLst>
-                  <a:outerShdw blurRad="38100" dist="38100" dir="2700000" algn="tl">
-                    <a:srgbClr val="000000">
-                      <a:alpha val="43137"/>
-                    </a:srgbClr>
-                  </a:outerShdw>
-                </a:effectLst>
-                <a:latin typeface="微軟正黑體" panose="020B0604030504040204" pitchFamily="34" charset="-120"/>
-                <a:ea typeface="微軟正黑體" panose="020B0604030504040204" pitchFamily="34" charset="-120"/>
-                <a:cs typeface="Heiti TC Light"/>
-              </a:rPr>
-              <a:t>(</a:t>
-            </a:r>
-            <a:r>
-              <a:rPr kumimoji="1" lang="en-US" altLang="zh-TW" sz="3200" dirty="0" err="1">
-                <a:solidFill>
-                  <a:prstClr val="white"/>
-                </a:solidFill>
-                <a:effectLst>
-                  <a:outerShdw blurRad="38100" dist="38100" dir="2700000" algn="tl">
-                    <a:srgbClr val="000000">
-                      <a:alpha val="43137"/>
-                    </a:srgbClr>
-                  </a:outerShdw>
-                </a:effectLst>
-                <a:latin typeface="微軟正黑體" panose="020B0604030504040204" pitchFamily="34" charset="-120"/>
-                <a:ea typeface="微軟正黑體" panose="020B0604030504040204" pitchFamily="34" charset="-120"/>
-                <a:cs typeface="Heiti TC Light"/>
-              </a:rPr>
-              <a:t>anytype</a:t>
-            </a:r>
-            <a:r>
-              <a:rPr kumimoji="1" lang="en-US" altLang="zh-TW" sz="3200" dirty="0">
-                <a:solidFill>
-                  <a:prstClr val="white"/>
-                </a:solidFill>
-                <a:effectLst>
-                  <a:outerShdw blurRad="38100" dist="38100" dir="2700000" algn="tl">
-                    <a:srgbClr val="000000">
-                      <a:alpha val="43137"/>
-                    </a:srgbClr>
-                  </a:outerShdw>
-                </a:effectLst>
-                <a:latin typeface="微軟正黑體" panose="020B0604030504040204" pitchFamily="34" charset="-120"/>
-                <a:ea typeface="微軟正黑體" panose="020B0604030504040204" pitchFamily="34" charset="-120"/>
-                <a:cs typeface="Heiti TC Light"/>
-              </a:rPr>
-              <a:t>, notion, </a:t>
-            </a:r>
-            <a:r>
-              <a:rPr kumimoji="1" lang="en-US" altLang="zh-TW" sz="3200" dirty="0" err="1">
-                <a:solidFill>
-                  <a:prstClr val="white"/>
-                </a:solidFill>
-                <a:effectLst>
-                  <a:outerShdw blurRad="38100" dist="38100" dir="2700000" algn="tl">
-                    <a:srgbClr val="000000">
-                      <a:alpha val="43137"/>
-                    </a:srgbClr>
-                  </a:outerShdw>
-                </a:effectLst>
-                <a:latin typeface="微軟正黑體" panose="020B0604030504040204" pitchFamily="34" charset="-120"/>
-                <a:ea typeface="微軟正黑體" panose="020B0604030504040204" pitchFamily="34" charset="-120"/>
-                <a:cs typeface="Heiti TC Light"/>
-              </a:rPr>
-              <a:t>MarkDown</a:t>
-            </a:r>
-            <a:r>
-              <a:rPr kumimoji="1" lang="en-US" altLang="zh-TW" sz="3200" dirty="0">
-                <a:solidFill>
-                  <a:prstClr val="white"/>
-                </a:solidFill>
-                <a:effectLst>
-                  <a:outerShdw blurRad="38100" dist="38100" dir="2700000" algn="tl">
-                    <a:srgbClr val="000000">
-                      <a:alpha val="43137"/>
-                    </a:srgbClr>
-                  </a:outerShdw>
-                </a:effectLst>
-                <a:latin typeface="微軟正黑體" panose="020B0604030504040204" pitchFamily="34" charset="-120"/>
-                <a:ea typeface="微軟正黑體" panose="020B0604030504040204" pitchFamily="34" charset="-120"/>
-                <a:cs typeface="Heiti TC Light"/>
-              </a:rPr>
-              <a:t>, </a:t>
-            </a:r>
-            <a:r>
-              <a:rPr kumimoji="1" lang="en-US" altLang="zh-TW" sz="3200" dirty="0" err="1">
-                <a:solidFill>
-                  <a:prstClr val="white"/>
-                </a:solidFill>
-                <a:effectLst>
-                  <a:outerShdw blurRad="38100" dist="38100" dir="2700000" algn="tl">
-                    <a:srgbClr val="000000">
-                      <a:alpha val="43137"/>
-                    </a:srgbClr>
-                  </a:outerShdw>
-                </a:effectLst>
-                <a:latin typeface="微軟正黑體" panose="020B0604030504040204" pitchFamily="34" charset="-120"/>
-                <a:ea typeface="微軟正黑體" panose="020B0604030504040204" pitchFamily="34" charset="-120"/>
-                <a:cs typeface="Heiti TC Light"/>
-              </a:rPr>
-              <a:t>hackmd</a:t>
-            </a:r>
-            <a:r>
-              <a:rPr kumimoji="1" lang="en-US" altLang="zh-TW" sz="3200" dirty="0">
-                <a:solidFill>
-                  <a:prstClr val="white"/>
-                </a:solidFill>
-                <a:effectLst>
-                  <a:outerShdw blurRad="38100" dist="38100" dir="2700000" algn="tl">
-                    <a:srgbClr val="000000">
-                      <a:alpha val="43137"/>
-                    </a:srgbClr>
-                  </a:outerShdw>
-                </a:effectLst>
-                <a:latin typeface="微軟正黑體" panose="020B0604030504040204" pitchFamily="34" charset="-120"/>
-                <a:ea typeface="微軟正黑體" panose="020B0604030504040204" pitchFamily="34" charset="-120"/>
-                <a:cs typeface="Heiti TC Light"/>
-              </a:rPr>
-              <a:t>, </a:t>
-            </a:r>
-            <a:r>
-              <a:rPr kumimoji="1" lang="en-US" altLang="zh-TW" sz="3200" dirty="0" err="1">
-                <a:solidFill>
-                  <a:prstClr val="white"/>
-                </a:solidFill>
-                <a:effectLst>
-                  <a:outerShdw blurRad="38100" dist="38100" dir="2700000" algn="tl">
-                    <a:srgbClr val="000000">
-                      <a:alpha val="43137"/>
-                    </a:srgbClr>
-                  </a:outerShdw>
-                </a:effectLst>
-                <a:latin typeface="微軟正黑體" panose="020B0604030504040204" pitchFamily="34" charset="-120"/>
-                <a:ea typeface="微軟正黑體" panose="020B0604030504040204" pitchFamily="34" charset="-120"/>
-                <a:cs typeface="Heiti TC Light"/>
-              </a:rPr>
-              <a:t>github</a:t>
-            </a:r>
-            <a:r>
-              <a:rPr kumimoji="1" lang="en-US" altLang="zh-TW" sz="3200" dirty="0">
-                <a:solidFill>
-                  <a:prstClr val="white"/>
-                </a:solidFill>
-                <a:effectLst>
-                  <a:outerShdw blurRad="38100" dist="38100" dir="2700000" algn="tl">
-                    <a:srgbClr val="000000">
-                      <a:alpha val="43137"/>
-                    </a:srgbClr>
-                  </a:outerShdw>
-                </a:effectLst>
-                <a:latin typeface="微軟正黑體" panose="020B0604030504040204" pitchFamily="34" charset="-120"/>
-                <a:ea typeface="微軟正黑體" panose="020B0604030504040204" pitchFamily="34" charset="-120"/>
-                <a:cs typeface="Heiti TC Light"/>
-              </a:rPr>
-              <a:t>)</a:t>
-            </a:r>
-          </a:p>
-          <a:p>
-            <a:pPr marL="514338" indent="-514338">
-              <a:buFont typeface="+mj-lt"/>
-              <a:buAutoNum type="arabicPeriod" startAt="8"/>
-            </a:pPr>
-            <a:r>
-              <a:rPr kumimoji="1" lang="zh-TW" altLang="en-US" sz="3200" dirty="0">
-                <a:solidFill>
-                  <a:prstClr val="white"/>
-                </a:solidFill>
-                <a:effectLst>
-                  <a:outerShdw blurRad="38100" dist="38100" dir="2700000" algn="tl">
-                    <a:srgbClr val="000000">
-                      <a:alpha val="43137"/>
-                    </a:srgbClr>
-                  </a:outerShdw>
-                </a:effectLst>
-                <a:latin typeface="微軟正黑體" panose="020B0604030504040204" pitchFamily="34" charset="-120"/>
-                <a:ea typeface="微軟正黑體" panose="020B0604030504040204" pitchFamily="34" charset="-120"/>
-                <a:cs typeface="Heiti TC Light"/>
-              </a:rPr>
-              <a:t>善用工具</a:t>
-            </a:r>
-            <a:r>
-              <a:rPr kumimoji="1" lang="en-US" altLang="zh-TW" sz="3200" dirty="0">
-                <a:solidFill>
-                  <a:prstClr val="white"/>
-                </a:solidFill>
-                <a:effectLst>
-                  <a:outerShdw blurRad="38100" dist="38100" dir="2700000" algn="tl">
-                    <a:srgbClr val="000000">
-                      <a:alpha val="43137"/>
-                    </a:srgbClr>
-                  </a:outerShdw>
-                </a:effectLst>
-                <a:latin typeface="微軟正黑體" panose="020B0604030504040204" pitchFamily="34" charset="-120"/>
-                <a:ea typeface="微軟正黑體" panose="020B0604030504040204" pitchFamily="34" charset="-120"/>
-                <a:cs typeface="Heiti TC Light"/>
-              </a:rPr>
-              <a:t>(</a:t>
-            </a:r>
-            <a:r>
-              <a:rPr kumimoji="1" lang="en-US" altLang="zh-TW" sz="3200" dirty="0" err="1">
-                <a:solidFill>
-                  <a:prstClr val="white"/>
-                </a:solidFill>
-                <a:effectLst>
-                  <a:outerShdw blurRad="38100" dist="38100" dir="2700000" algn="tl">
-                    <a:srgbClr val="000000">
-                      <a:alpha val="43137"/>
-                    </a:srgbClr>
-                  </a:outerShdw>
-                </a:effectLst>
-                <a:latin typeface="微軟正黑體" panose="020B0604030504040204" pitchFamily="34" charset="-120"/>
-                <a:ea typeface="微軟正黑體" panose="020B0604030504040204" pitchFamily="34" charset="-120"/>
-                <a:cs typeface="Heiti TC Light"/>
-              </a:rPr>
-              <a:t>github</a:t>
-            </a:r>
-            <a:r>
-              <a:rPr kumimoji="1" lang="en-US" altLang="zh-TW" sz="3200" dirty="0">
-                <a:solidFill>
-                  <a:prstClr val="white"/>
-                </a:solidFill>
-                <a:effectLst>
-                  <a:outerShdw blurRad="38100" dist="38100" dir="2700000" algn="tl">
-                    <a:srgbClr val="000000">
-                      <a:alpha val="43137"/>
-                    </a:srgbClr>
-                  </a:outerShdw>
-                </a:effectLst>
-                <a:latin typeface="微軟正黑體" panose="020B0604030504040204" pitchFamily="34" charset="-120"/>
-                <a:ea typeface="微軟正黑體" panose="020B0604030504040204" pitchFamily="34" charset="-120"/>
-                <a:cs typeface="Heiti TC Light"/>
-              </a:rPr>
-              <a:t> copilot)</a:t>
-            </a:r>
-          </a:p>
-        </p:txBody>
-      </p:sp>
-      <p:sp>
-        <p:nvSpPr>
-          <p:cNvPr id="4" name="文字版面配置區 2"/>
-          <p:cNvSpPr txBox="1">
-            <a:spLocks/>
-          </p:cNvSpPr>
-          <p:nvPr/>
-        </p:nvSpPr>
-        <p:spPr>
-          <a:xfrm>
-            <a:off x="2186940" y="304800"/>
-            <a:ext cx="4876800" cy="990600"/>
-          </a:xfrm>
-          <a:prstGeom prst="rect">
-            <a:avLst/>
-          </a:prstGeom>
-        </p:spPr>
-        <p:txBody>
-          <a:bodyPr tIns="91440" bIns="91440" anchor="b" anchorCtr="0">
-            <a:noAutofit/>
-          </a:bodyPr>
-          <a:lstStyle/>
-          <a:p>
-            <a:pPr algn="just">
-              <a:spcBef>
-                <a:spcPct val="20000"/>
-              </a:spcBef>
-              <a:defRPr/>
-            </a:pPr>
-            <a:r>
-              <a:rPr lang="en-US" altLang="zh-TW" sz="4800" b="1" kern="0" dirty="0">
-                <a:solidFill>
-                  <a:srgbClr val="00B0F0"/>
-                </a:solidFill>
-                <a:effectLst>
-                  <a:outerShdw blurRad="38100" dist="38100" dir="2700000" algn="tl">
-                    <a:srgbClr val="000000">
-                      <a:alpha val="43137"/>
-                    </a:srgbClr>
-                  </a:outerShdw>
-                </a:effectLst>
-                <a:latin typeface="微軟正黑體" panose="020B0604030504040204" pitchFamily="34" charset="-120"/>
-                <a:ea typeface="微軟正黑體" panose="020B0604030504040204" pitchFamily="34" charset="-120"/>
-              </a:rPr>
-              <a:t>1</a:t>
-            </a:r>
-            <a:r>
-              <a:rPr lang="zh-TW" altLang="en-US" sz="4800" b="1" kern="0" dirty="0">
-                <a:solidFill>
-                  <a:srgbClr val="00B0F0"/>
-                </a:solidFill>
-                <a:effectLst>
-                  <a:outerShdw blurRad="38100" dist="38100" dir="2700000" algn="tl">
-                    <a:srgbClr val="000000">
-                      <a:alpha val="43137"/>
-                    </a:srgbClr>
-                  </a:outerShdw>
-                </a:effectLst>
-                <a:latin typeface="微軟正黑體" panose="020B0604030504040204" pitchFamily="34" charset="-120"/>
-                <a:ea typeface="微軟正黑體" panose="020B0604030504040204" pitchFamily="34" charset="-120"/>
-              </a:rPr>
-              <a:t>、課前準備</a:t>
-            </a:r>
-            <a:r>
-              <a:rPr lang="en-US" altLang="zh-TW" sz="4800" b="1" kern="0" dirty="0">
-                <a:solidFill>
-                  <a:srgbClr val="00B0F0"/>
-                </a:solidFill>
-                <a:effectLst>
-                  <a:outerShdw blurRad="38100" dist="38100" dir="2700000" algn="tl">
-                    <a:srgbClr val="000000">
-                      <a:alpha val="43137"/>
-                    </a:srgbClr>
-                  </a:outerShdw>
-                </a:effectLst>
-                <a:latin typeface="微軟正黑體" panose="020B0604030504040204" pitchFamily="34" charset="-120"/>
-                <a:ea typeface="微軟正黑體" panose="020B0604030504040204" pitchFamily="34" charset="-120"/>
-              </a:rPr>
-              <a:t>(</a:t>
-            </a:r>
-            <a:r>
-              <a:rPr lang="zh-TW" altLang="en-US" sz="4800" b="1" kern="0" dirty="0">
-                <a:solidFill>
-                  <a:srgbClr val="00B0F0"/>
-                </a:solidFill>
-                <a:effectLst>
-                  <a:outerShdw blurRad="38100" dist="38100" dir="2700000" algn="tl">
-                    <a:srgbClr val="000000">
-                      <a:alpha val="43137"/>
-                    </a:srgbClr>
-                  </a:outerShdw>
-                </a:effectLst>
-                <a:latin typeface="微軟正黑體" panose="020B0604030504040204" pitchFamily="34" charset="-120"/>
-                <a:ea typeface="微軟正黑體" panose="020B0604030504040204" pitchFamily="34" charset="-120"/>
-              </a:rPr>
-              <a:t>續</a:t>
-            </a:r>
-            <a:r>
-              <a:rPr lang="en-US" altLang="zh-TW" sz="4800" b="1" kern="0" dirty="0">
-                <a:solidFill>
-                  <a:srgbClr val="00B0F0"/>
-                </a:solidFill>
-                <a:effectLst>
-                  <a:outerShdw blurRad="38100" dist="38100" dir="2700000" algn="tl">
-                    <a:srgbClr val="000000">
-                      <a:alpha val="43137"/>
-                    </a:srgbClr>
-                  </a:outerShdw>
-                </a:effectLst>
-                <a:latin typeface="微軟正黑體" panose="020B0604030504040204" pitchFamily="34" charset="-120"/>
-                <a:ea typeface="微軟正黑體" panose="020B0604030504040204" pitchFamily="34" charset="-120"/>
-              </a:rPr>
-              <a:t>)</a:t>
-            </a:r>
-            <a:endParaRPr lang="zh-TW" altLang="en-US" sz="4800" b="1" kern="0" dirty="0">
+              <a:t>帳號申請及金鑰</a:t>
+            </a:r>
+            <a:endParaRPr kumimoji="1" lang="en-US" altLang="zh-TW" sz="3200" dirty="0">
               <a:solidFill>
-                <a:srgbClr val="00B0F0"/>
+                <a:prstClr val="white"/>
               </a:solidFill>
               <a:effectLst>
                 <a:outerShdw blurRad="38100" dist="38100" dir="2700000" algn="tl">
@@ -17405,14 +16082,220 @@
               </a:effectLst>
               <a:latin typeface="微軟正黑體" panose="020B0604030504040204" pitchFamily="34" charset="-120"/>
               <a:ea typeface="微軟正黑體" panose="020B0604030504040204" pitchFamily="34" charset="-120"/>
+              <a:cs typeface="Heiti TC Light"/>
             </a:endParaRPr>
+          </a:p>
+          <a:p>
+            <a:pPr marL="514338" indent="-514338">
+              <a:buFont typeface="+mj-lt"/>
+              <a:buAutoNum type="arabicPeriod"/>
+            </a:pPr>
+            <a:r>
+              <a:rPr kumimoji="1" lang="zh-TW" altLang="en-US" sz="3200" dirty="0">
+                <a:solidFill>
+                  <a:prstClr val="white"/>
+                </a:solidFill>
+                <a:effectLst>
+                  <a:outerShdw blurRad="38100" dist="38100" dir="2700000" algn="tl">
+                    <a:srgbClr val="000000">
+                      <a:alpha val="43137"/>
+                    </a:srgbClr>
+                  </a:outerShdw>
+                </a:effectLst>
+                <a:latin typeface="微軟正黑體" panose="020B0604030504040204" pitchFamily="34" charset="-120"/>
+                <a:ea typeface="微軟正黑體" panose="020B0604030504040204" pitchFamily="34" charset="-120"/>
+                <a:cs typeface="Heiti TC Light"/>
+              </a:rPr>
+              <a:t>基礎觀念及知識</a:t>
+            </a:r>
+            <a:endParaRPr kumimoji="1" lang="en-US" altLang="zh-TW" sz="3200" dirty="0">
+              <a:solidFill>
+                <a:prstClr val="white"/>
+              </a:solidFill>
+              <a:effectLst>
+                <a:outerShdw blurRad="38100" dist="38100" dir="2700000" algn="tl">
+                  <a:srgbClr val="000000">
+                    <a:alpha val="43137"/>
+                  </a:srgbClr>
+                </a:outerShdw>
+              </a:effectLst>
+              <a:latin typeface="微軟正黑體" panose="020B0604030504040204" pitchFamily="34" charset="-120"/>
+              <a:ea typeface="微軟正黑體" panose="020B0604030504040204" pitchFamily="34" charset="-120"/>
+              <a:cs typeface="Heiti TC Light"/>
+            </a:endParaRPr>
+          </a:p>
+          <a:p>
+            <a:pPr marL="514338" indent="-514338">
+              <a:buFont typeface="+mj-lt"/>
+              <a:buAutoNum type="arabicPeriod"/>
+            </a:pPr>
+            <a:r>
+              <a:rPr kumimoji="1" lang="zh-TW" altLang="en-US" sz="3200" dirty="0">
+                <a:solidFill>
+                  <a:prstClr val="white"/>
+                </a:solidFill>
+                <a:effectLst>
+                  <a:outerShdw blurRad="38100" dist="38100" dir="2700000" algn="tl">
+                    <a:srgbClr val="000000">
+                      <a:alpha val="43137"/>
+                    </a:srgbClr>
+                  </a:outerShdw>
+                </a:effectLst>
+                <a:latin typeface="微軟正黑體" panose="020B0604030504040204" pitchFamily="34" charset="-120"/>
+                <a:ea typeface="微軟正黑體" panose="020B0604030504040204" pitchFamily="34" charset="-120"/>
+                <a:cs typeface="Heiti TC Light"/>
+              </a:rPr>
+              <a:t>程式碼撰寫及說明</a:t>
+            </a:r>
+            <a:endParaRPr kumimoji="1" lang="en-US" altLang="zh-TW" sz="3200" dirty="0">
+              <a:solidFill>
+                <a:prstClr val="white"/>
+              </a:solidFill>
+              <a:effectLst>
+                <a:outerShdw blurRad="38100" dist="38100" dir="2700000" algn="tl">
+                  <a:srgbClr val="000000">
+                    <a:alpha val="43137"/>
+                  </a:srgbClr>
+                </a:outerShdw>
+              </a:effectLst>
+              <a:latin typeface="微軟正黑體" panose="020B0604030504040204" pitchFamily="34" charset="-120"/>
+              <a:ea typeface="微軟正黑體" panose="020B0604030504040204" pitchFamily="34" charset="-120"/>
+              <a:cs typeface="Heiti TC Light"/>
+            </a:endParaRPr>
+          </a:p>
+          <a:p>
+            <a:pPr marL="514338" indent="-514338">
+              <a:buFont typeface="+mj-lt"/>
+              <a:buAutoNum type="arabicPeriod"/>
+            </a:pPr>
+            <a:r>
+              <a:rPr kumimoji="1" lang="en-US" altLang="zh-TW" sz="3200" dirty="0">
+                <a:solidFill>
+                  <a:prstClr val="white"/>
+                </a:solidFill>
+                <a:effectLst>
+                  <a:outerShdw blurRad="38100" dist="38100" dir="2700000" algn="tl">
+                    <a:srgbClr val="000000">
+                      <a:alpha val="43137"/>
+                    </a:srgbClr>
+                  </a:outerShdw>
+                </a:effectLst>
+                <a:latin typeface="微軟正黑體" panose="020B0604030504040204" pitchFamily="34" charset="-120"/>
+                <a:ea typeface="微軟正黑體" panose="020B0604030504040204" pitchFamily="34" charset="-120"/>
+                <a:cs typeface="Heiti TC Light"/>
+              </a:rPr>
+              <a:t>OpenAI API</a:t>
+            </a:r>
+            <a:r>
+              <a:rPr kumimoji="1" lang="zh-TW" altLang="en-US" sz="3200" dirty="0">
+                <a:solidFill>
+                  <a:prstClr val="white"/>
+                </a:solidFill>
+                <a:effectLst>
+                  <a:outerShdw blurRad="38100" dist="38100" dir="2700000" algn="tl">
+                    <a:srgbClr val="000000">
+                      <a:alpha val="43137"/>
+                    </a:srgbClr>
+                  </a:outerShdw>
+                </a:effectLst>
+                <a:latin typeface="微軟正黑體" panose="020B0604030504040204" pitchFamily="34" charset="-120"/>
+                <a:ea typeface="微軟正黑體" panose="020B0604030504040204" pitchFamily="34" charset="-120"/>
+                <a:cs typeface="Heiti TC Light"/>
+              </a:rPr>
+              <a:t>說明及整合</a:t>
+            </a:r>
+            <a:endParaRPr kumimoji="1" lang="en-US" altLang="zh-TW" sz="3200" dirty="0">
+              <a:solidFill>
+                <a:prstClr val="white"/>
+              </a:solidFill>
+              <a:effectLst>
+                <a:outerShdw blurRad="38100" dist="38100" dir="2700000" algn="tl">
+                  <a:srgbClr val="000000">
+                    <a:alpha val="43137"/>
+                  </a:srgbClr>
+                </a:outerShdw>
+              </a:effectLst>
+              <a:latin typeface="微軟正黑體" panose="020B0604030504040204" pitchFamily="34" charset="-120"/>
+              <a:ea typeface="微軟正黑體" panose="020B0604030504040204" pitchFamily="34" charset="-120"/>
+              <a:cs typeface="Heiti TC Light"/>
+            </a:endParaRPr>
+          </a:p>
+          <a:p>
+            <a:pPr marL="514338" indent="-514338">
+              <a:buFont typeface="+mj-lt"/>
+              <a:buAutoNum type="arabicPeriod"/>
+            </a:pPr>
+            <a:endParaRPr kumimoji="1" lang="en-US" altLang="zh-TW" sz="3200" dirty="0">
+              <a:solidFill>
+                <a:prstClr val="white"/>
+              </a:solidFill>
+              <a:effectLst>
+                <a:outerShdw blurRad="38100" dist="38100" dir="2700000" algn="tl">
+                  <a:srgbClr val="000000">
+                    <a:alpha val="43137"/>
+                  </a:srgbClr>
+                </a:outerShdw>
+              </a:effectLst>
+              <a:latin typeface="微軟正黑體" panose="020B0604030504040204" pitchFamily="34" charset="-120"/>
+              <a:ea typeface="微軟正黑體" panose="020B0604030504040204" pitchFamily="34" charset="-120"/>
+              <a:cs typeface="Heiti TC Light"/>
+            </a:endParaRPr>
+          </a:p>
+        </p:txBody>
+      </p:sp>
+      <p:sp>
+        <p:nvSpPr>
+          <p:cNvPr id="4" name="文字版面配置區 2"/>
+          <p:cNvSpPr txBox="1">
+            <a:spLocks/>
+          </p:cNvSpPr>
+          <p:nvPr/>
+        </p:nvSpPr>
+        <p:spPr>
+          <a:xfrm>
+            <a:off x="3276600" y="304800"/>
+            <a:ext cx="3048000" cy="990600"/>
+          </a:xfrm>
+          <a:prstGeom prst="rect">
+            <a:avLst/>
+          </a:prstGeom>
+        </p:spPr>
+        <p:txBody>
+          <a:bodyPr tIns="91440" bIns="91440" anchor="b" anchorCtr="0">
+            <a:noAutofit/>
+          </a:bodyPr>
+          <a:lstStyle/>
+          <a:p>
+            <a:pPr algn="just">
+              <a:spcBef>
+                <a:spcPct val="20000"/>
+              </a:spcBef>
+              <a:defRPr/>
+            </a:pPr>
+            <a:r>
+              <a:rPr lang="zh-TW" altLang="en-US" sz="4800" b="1" kern="0" dirty="0">
+                <a:solidFill>
+                  <a:srgbClr val="00B0F0"/>
+                </a:solidFill>
+                <a:effectLst>
+                  <a:outerShdw blurRad="38100" dist="38100" dir="2700000" algn="tl">
+                    <a:srgbClr val="000000">
+                      <a:alpha val="43137"/>
+                    </a:srgbClr>
+                  </a:outerShdw>
+                </a:effectLst>
+                <a:latin typeface="微軟正黑體" panose="020B0604030504040204" pitchFamily="34" charset="-120"/>
+                <a:ea typeface="微軟正黑體" panose="020B0604030504040204" pitchFamily="34" charset="-120"/>
+              </a:rPr>
+              <a:t>課程大綱</a:t>
+            </a:r>
           </a:p>
         </p:txBody>
       </p:sp>
     </p:spTree>
     <p:extLst>
       <p:ext uri="{BB962C8B-B14F-4D97-AF65-F5344CB8AC3E}">
-        <p14:creationId xmlns:p14="http://schemas.microsoft.com/office/powerpoint/2010/main" val="3417810378"/>
+        <p14:creationId xmlns:p14="http://schemas.microsoft.com/office/powerpoint/2010/main" val="3933910064"/>
       </p:ext>
     </p:extLst>
   </p:cSld>
@@ -17469,29 +16352,6 @@
               <a:buAutoNum type="arabicPeriod"/>
             </a:pPr>
             <a:r>
-              <a:rPr lang="zh-TW" altLang="en-US" sz="3200" dirty="0">
-                <a:solidFill>
-                  <a:prstClr val="white"/>
-                </a:solidFill>
-                <a:latin typeface="微軟正黑體" panose="020B0604030504040204" pitchFamily="34" charset="-120"/>
-                <a:ea typeface="微軟正黑體" panose="020B0604030504040204" pitchFamily="34" charset="-120"/>
-              </a:rPr>
-              <a:t>課前準備</a:t>
-            </a:r>
-            <a:endParaRPr lang="en-US" altLang="zh-TW" sz="3200" dirty="0">
-              <a:solidFill>
-                <a:prstClr val="white"/>
-              </a:solidFill>
-              <a:latin typeface="微軟正黑體" panose="020B0604030504040204" pitchFamily="34" charset="-120"/>
-              <a:ea typeface="微軟正黑體" panose="020B0604030504040204" pitchFamily="34" charset="-120"/>
-            </a:endParaRPr>
-          </a:p>
-          <a:p>
-            <a:pPr marL="514338" indent="-514338">
-              <a:buFont typeface="+mj-lt"/>
-              <a:buAutoNum type="arabicPeriod"/>
-            </a:pPr>
-            <a:r>
               <a:rPr kumimoji="1" lang="zh-TW" altLang="en-US" sz="3200" dirty="0">
                 <a:solidFill>
                   <a:prstClr val="white"/>
@@ -17507,7 +16367,43 @@
                 <a:ea typeface="微軟正黑體" panose="020B0604030504040204" pitchFamily="34" charset="-120"/>
                 <a:cs typeface="Heiti TC Light"/>
               </a:rPr>
-              <a:t>開發環境安裝及測試</a:t>
+              <a:t>熟采</a:t>
+            </a:r>
+            <a:r>
+              <a:rPr kumimoji="1" lang="en-US" altLang="zh-TW" sz="3200" dirty="0">
+                <a:solidFill>
+                  <a:prstClr val="white"/>
+                </a:solidFill>
+                <a:effectLst>
+                  <a:outerShdw blurRad="38100" dist="38100" dir="2700000" algn="tl">
+                    <a:srgbClr val="000000">
+                      <a:alpha val="43137"/>
+                    </a:srgbClr>
+                  </a:outerShdw>
+                </a:effectLst>
+                <a:latin typeface="微軟正黑體" panose="020B0604030504040204" pitchFamily="34" charset="-120"/>
+                <a:ea typeface="微軟正黑體" panose="020B0604030504040204" pitchFamily="34" charset="-120"/>
+                <a:cs typeface="Heiti TC Light"/>
+              </a:rPr>
+              <a:t>Linux</a:t>
+            </a:r>
+            <a:r>
+              <a:rPr kumimoji="1" lang="zh-TW" altLang="en-US" sz="3200" dirty="0">
+                <a:solidFill>
+                  <a:prstClr val="white"/>
+                </a:solidFill>
+                <a:effectLst>
+                  <a:outerShdw blurRad="38100" dist="38100" dir="2700000" algn="tl">
+                    <a:srgbClr val="000000">
+                      <a:alpha val="43137"/>
+                    </a:srgbClr>
+                  </a:outerShdw>
+                </a:effectLst>
+                <a:latin typeface="微軟正黑體" panose="020B0604030504040204" pitchFamily="34" charset="-120"/>
+                <a:ea typeface="微軟正黑體" panose="020B0604030504040204" pitchFamily="34" charset="-120"/>
+                <a:cs typeface="Heiti TC Light"/>
+              </a:rPr>
+              <a:t>指令</a:t>
             </a:r>
             <a:endParaRPr kumimoji="1" lang="en-US" altLang="zh-TW" sz="3200" dirty="0">
               <a:solidFill>
@@ -17546,7 +16442,7 @@
                 <a:ea typeface="微軟正黑體" panose="020B0604030504040204" pitchFamily="34" charset="-120"/>
                 <a:cs typeface="Heiti TC Light"/>
               </a:rPr>
-              <a:t>LINE</a:t>
+              <a:t>git</a:t>
             </a:r>
             <a:r>
               <a:rPr kumimoji="1" lang="zh-TW" altLang="en-US" sz="3200" dirty="0">
@@ -17564,7 +16460,7 @@
                 <a:ea typeface="微軟正黑體" panose="020B0604030504040204" pitchFamily="34" charset="-120"/>
                 <a:cs typeface="Heiti TC Light"/>
               </a:rPr>
-              <a:t>平台基礎知識</a:t>
+              <a:t>的使用</a:t>
             </a:r>
             <a:endParaRPr kumimoji="1" lang="en-US" altLang="zh-TW" sz="3200" dirty="0">
               <a:solidFill>
@@ -17588,7 +16484,7 @@
               <a:buAutoNum type="arabicPeriod"/>
             </a:pPr>
             <a:r>
-              <a:rPr kumimoji="1" lang="zh-TW" altLang="en-US" sz="3200" dirty="0">
+              <a:rPr kumimoji="1" lang="en-US" altLang="zh-TW" sz="3200" dirty="0">
                 <a:solidFill>
                   <a:prstClr val="white"/>
                 </a:solidFill>
@@ -17603,7 +16499,427 @@
                 <a:ea typeface="微軟正黑體" panose="020B0604030504040204" pitchFamily="34" charset="-120"/>
                 <a:cs typeface="Heiti TC Light"/>
               </a:rPr>
-              <a:t>帳號申請及金鑰</a:t>
+              <a:t>docker(</a:t>
+            </a:r>
+            <a:r>
+              <a:rPr kumimoji="1" lang="zh-TW" altLang="en-US" sz="3200" dirty="0">
+                <a:solidFill>
+                  <a:prstClr val="white"/>
+                </a:solidFill>
+                <a:effectLst>
+                  <a:outerShdw blurRad="38100" dist="38100" dir="2700000" algn="tl">
+                    <a:srgbClr val="000000">
+                      <a:alpha val="43137"/>
+                    </a:srgbClr>
+                  </a:outerShdw>
+                </a:effectLst>
+                <a:latin typeface="微軟正黑體" panose="020B0604030504040204" pitchFamily="34" charset="-120"/>
+                <a:ea typeface="微軟正黑體" panose="020B0604030504040204" pitchFamily="34" charset="-120"/>
+                <a:cs typeface="Heiti TC Light"/>
+              </a:rPr>
+              <a:t>了解容器</a:t>
+            </a:r>
+            <a:r>
+              <a:rPr kumimoji="1" lang="en-US" altLang="zh-TW" sz="3200" dirty="0">
+                <a:solidFill>
+                  <a:prstClr val="white"/>
+                </a:solidFill>
+                <a:effectLst>
+                  <a:outerShdw blurRad="38100" dist="38100" dir="2700000" algn="tl">
+                    <a:srgbClr val="000000">
+                      <a:alpha val="43137"/>
+                    </a:srgbClr>
+                  </a:outerShdw>
+                </a:effectLst>
+                <a:latin typeface="微軟正黑體" panose="020B0604030504040204" pitchFamily="34" charset="-120"/>
+                <a:ea typeface="微軟正黑體" panose="020B0604030504040204" pitchFamily="34" charset="-120"/>
+                <a:cs typeface="Heiti TC Light"/>
+              </a:rPr>
+              <a:t>)</a:t>
+            </a:r>
+          </a:p>
+          <a:p>
+            <a:pPr marL="514338" indent="-514338">
+              <a:buFont typeface="+mj-lt"/>
+              <a:buAutoNum type="arabicPeriod"/>
+            </a:pPr>
+            <a:r>
+              <a:rPr kumimoji="1" lang="zh-TW" altLang="en-US" sz="3200" dirty="0">
+                <a:solidFill>
+                  <a:prstClr val="white"/>
+                </a:solidFill>
+                <a:effectLst>
+                  <a:outerShdw blurRad="38100" dist="38100" dir="2700000" algn="tl">
+                    <a:srgbClr val="000000">
+                      <a:alpha val="43137"/>
+                    </a:srgbClr>
+                  </a:outerShdw>
+                </a:effectLst>
+                <a:latin typeface="微軟正黑體" panose="020B0604030504040204" pitchFamily="34" charset="-120"/>
+                <a:ea typeface="微軟正黑體" panose="020B0604030504040204" pitchFamily="34" charset="-120"/>
+                <a:cs typeface="Heiti TC Light"/>
+              </a:rPr>
+              <a:t>編輯器的選擇</a:t>
+            </a:r>
+            <a:r>
+              <a:rPr kumimoji="1" lang="en-US" altLang="zh-TW" sz="3200" dirty="0">
+                <a:solidFill>
+                  <a:prstClr val="white"/>
+                </a:solidFill>
+                <a:effectLst>
+                  <a:outerShdw blurRad="38100" dist="38100" dir="2700000" algn="tl">
+                    <a:srgbClr val="000000">
+                      <a:alpha val="43137"/>
+                    </a:srgbClr>
+                  </a:outerShdw>
+                </a:effectLst>
+                <a:latin typeface="微軟正黑體" panose="020B0604030504040204" pitchFamily="34" charset="-120"/>
+                <a:ea typeface="微軟正黑體" panose="020B0604030504040204" pitchFamily="34" charset="-120"/>
+                <a:cs typeface="Heiti TC Light"/>
+              </a:rPr>
+              <a:t>, </a:t>
+            </a:r>
+            <a:r>
+              <a:rPr kumimoji="1" lang="en-US" altLang="zh-TW" sz="3200" dirty="0" err="1">
+                <a:solidFill>
+                  <a:prstClr val="white"/>
+                </a:solidFill>
+                <a:effectLst>
+                  <a:outerShdw blurRad="38100" dist="38100" dir="2700000" algn="tl">
+                    <a:srgbClr val="000000">
+                      <a:alpha val="43137"/>
+                    </a:srgbClr>
+                  </a:outerShdw>
+                </a:effectLst>
+                <a:latin typeface="微軟正黑體" panose="020B0604030504040204" pitchFamily="34" charset="-120"/>
+                <a:ea typeface="微軟正黑體" panose="020B0604030504040204" pitchFamily="34" charset="-120"/>
+                <a:cs typeface="Heiti TC Light"/>
+              </a:rPr>
+              <a:t>vscode</a:t>
+            </a:r>
+            <a:r>
+              <a:rPr kumimoji="1" lang="zh-TW" altLang="en-US" sz="3200" dirty="0">
+                <a:solidFill>
+                  <a:prstClr val="white"/>
+                </a:solidFill>
+                <a:effectLst>
+                  <a:outerShdw blurRad="38100" dist="38100" dir="2700000" algn="tl">
+                    <a:srgbClr val="000000">
+                      <a:alpha val="43137"/>
+                    </a:srgbClr>
+                  </a:outerShdw>
+                </a:effectLst>
+                <a:latin typeface="微軟正黑體" panose="020B0604030504040204" pitchFamily="34" charset="-120"/>
+                <a:ea typeface="微軟正黑體" panose="020B0604030504040204" pitchFamily="34" charset="-120"/>
+                <a:cs typeface="Heiti TC Light"/>
+              </a:rPr>
+              <a:t>已成</a:t>
+            </a:r>
+            <a:r>
+              <a:rPr kumimoji="1" lang="en-US" altLang="zh-TW" sz="3200" dirty="0">
+                <a:solidFill>
+                  <a:prstClr val="white"/>
+                </a:solidFill>
+                <a:effectLst>
+                  <a:outerShdw blurRad="38100" dist="38100" dir="2700000" algn="tl">
+                    <a:srgbClr val="000000">
+                      <a:alpha val="43137"/>
+                    </a:srgbClr>
+                  </a:outerShdw>
+                </a:effectLst>
+                <a:latin typeface="微軟正黑體" panose="020B0604030504040204" pitchFamily="34" charset="-120"/>
+                <a:ea typeface="微軟正黑體" panose="020B0604030504040204" pitchFamily="34" charset="-120"/>
+                <a:cs typeface="Heiti TC Light"/>
+              </a:rPr>
+              <a:t>de facto</a:t>
+            </a:r>
+          </a:p>
+          <a:p>
+            <a:pPr marL="514338" indent="-514338">
+              <a:buFont typeface="+mj-lt"/>
+              <a:buAutoNum type="arabicPeriod"/>
+            </a:pPr>
+            <a:r>
+              <a:rPr kumimoji="1" lang="zh-TW" altLang="en-US" sz="3200" dirty="0">
+                <a:solidFill>
+                  <a:prstClr val="white"/>
+                </a:solidFill>
+                <a:effectLst>
+                  <a:outerShdw blurRad="38100" dist="38100" dir="2700000" algn="tl">
+                    <a:srgbClr val="000000">
+                      <a:alpha val="43137"/>
+                    </a:srgbClr>
+                  </a:outerShdw>
+                </a:effectLst>
+                <a:latin typeface="微軟正黑體" panose="020B0604030504040204" pitchFamily="34" charset="-120"/>
+                <a:ea typeface="微軟正黑體" panose="020B0604030504040204" pitchFamily="34" charset="-120"/>
+                <a:cs typeface="Heiti TC Light"/>
+              </a:rPr>
+              <a:t>學會開發</a:t>
+            </a:r>
+            <a:r>
+              <a:rPr kumimoji="1" lang="en-US" altLang="zh-TW" sz="3200" dirty="0">
+                <a:solidFill>
+                  <a:prstClr val="white"/>
+                </a:solidFill>
+                <a:effectLst>
+                  <a:outerShdw blurRad="38100" dist="38100" dir="2700000" algn="tl">
+                    <a:srgbClr val="000000">
+                      <a:alpha val="43137"/>
+                    </a:srgbClr>
+                  </a:outerShdw>
+                </a:effectLst>
+                <a:latin typeface="微軟正黑體" panose="020B0604030504040204" pitchFamily="34" charset="-120"/>
+                <a:ea typeface="微軟正黑體" panose="020B0604030504040204" pitchFamily="34" charset="-120"/>
+                <a:cs typeface="Heiti TC Light"/>
+              </a:rPr>
+              <a:t>-</a:t>
+            </a:r>
+            <a:r>
+              <a:rPr kumimoji="1" lang="zh-TW" altLang="en-US" sz="3200" dirty="0">
+                <a:solidFill>
+                  <a:prstClr val="white"/>
+                </a:solidFill>
+                <a:effectLst>
+                  <a:outerShdw blurRad="38100" dist="38100" dir="2700000" algn="tl">
+                    <a:srgbClr val="000000">
+                      <a:alpha val="43137"/>
+                    </a:srgbClr>
+                  </a:outerShdw>
+                </a:effectLst>
+                <a:latin typeface="微軟正黑體" panose="020B0604030504040204" pitchFamily="34" charset="-120"/>
+                <a:ea typeface="微軟正黑體" panose="020B0604030504040204" pitchFamily="34" charset="-120"/>
+                <a:cs typeface="Heiti TC Light"/>
+              </a:rPr>
+              <a:t>測試</a:t>
+            </a:r>
+            <a:r>
+              <a:rPr kumimoji="1" lang="en-US" altLang="zh-TW" sz="3200" dirty="0">
+                <a:solidFill>
+                  <a:prstClr val="white"/>
+                </a:solidFill>
+                <a:effectLst>
+                  <a:outerShdw blurRad="38100" dist="38100" dir="2700000" algn="tl">
+                    <a:srgbClr val="000000">
+                      <a:alpha val="43137"/>
+                    </a:srgbClr>
+                  </a:outerShdw>
+                </a:effectLst>
+                <a:latin typeface="微軟正黑體" panose="020B0604030504040204" pitchFamily="34" charset="-120"/>
+                <a:ea typeface="微軟正黑體" panose="020B0604030504040204" pitchFamily="34" charset="-120"/>
+                <a:cs typeface="Heiti TC Light"/>
+              </a:rPr>
+              <a:t>-</a:t>
+            </a:r>
+            <a:r>
+              <a:rPr kumimoji="1" lang="zh-TW" altLang="en-US" sz="3200" dirty="0">
+                <a:solidFill>
+                  <a:prstClr val="white"/>
+                </a:solidFill>
+                <a:effectLst>
+                  <a:outerShdw blurRad="38100" dist="38100" dir="2700000" algn="tl">
+                    <a:srgbClr val="000000">
+                      <a:alpha val="43137"/>
+                    </a:srgbClr>
+                  </a:outerShdw>
+                </a:effectLst>
+                <a:latin typeface="微軟正黑體" panose="020B0604030504040204" pitchFamily="34" charset="-120"/>
+                <a:ea typeface="微軟正黑體" panose="020B0604030504040204" pitchFamily="34" charset="-120"/>
+                <a:cs typeface="Heiti TC Light"/>
+              </a:rPr>
+              <a:t>生產環境的鎖定</a:t>
+            </a:r>
+            <a:r>
+              <a:rPr kumimoji="1" lang="en-US" altLang="zh-TW" sz="3200" dirty="0">
+                <a:solidFill>
+                  <a:prstClr val="white"/>
+                </a:solidFill>
+                <a:effectLst>
+                  <a:outerShdw blurRad="38100" dist="38100" dir="2700000" algn="tl">
+                    <a:srgbClr val="000000">
+                      <a:alpha val="43137"/>
+                    </a:srgbClr>
+                  </a:outerShdw>
+                </a:effectLst>
+                <a:latin typeface="微軟正黑體" panose="020B0604030504040204" pitchFamily="34" charset="-120"/>
+                <a:ea typeface="微軟正黑體" panose="020B0604030504040204" pitchFamily="34" charset="-120"/>
+                <a:cs typeface="Heiti TC Light"/>
+              </a:rPr>
+              <a:t>(</a:t>
+            </a:r>
+            <a:r>
+              <a:rPr kumimoji="1" lang="en-US" altLang="zh-TW" sz="3200" dirty="0" err="1">
+                <a:solidFill>
+                  <a:prstClr val="white"/>
+                </a:solidFill>
+                <a:effectLst>
+                  <a:outerShdw blurRad="38100" dist="38100" dir="2700000" algn="tl">
+                    <a:srgbClr val="000000">
+                      <a:alpha val="43137"/>
+                    </a:srgbClr>
+                  </a:outerShdw>
+                </a:effectLst>
+                <a:latin typeface="微軟正黑體" panose="020B0604030504040204" pitchFamily="34" charset="-120"/>
+                <a:ea typeface="微軟正黑體" panose="020B0604030504040204" pitchFamily="34" charset="-120"/>
+                <a:cs typeface="Heiti TC Light"/>
+              </a:rPr>
+              <a:t>github</a:t>
+            </a:r>
+            <a:r>
+              <a:rPr kumimoji="1" lang="en-US" altLang="zh-TW" sz="3200" dirty="0">
+                <a:solidFill>
+                  <a:prstClr val="white"/>
+                </a:solidFill>
+                <a:effectLst>
+                  <a:outerShdw blurRad="38100" dist="38100" dir="2700000" algn="tl">
+                    <a:srgbClr val="000000">
+                      <a:alpha val="43137"/>
+                    </a:srgbClr>
+                  </a:outerShdw>
+                </a:effectLst>
+                <a:latin typeface="微軟正黑體" panose="020B0604030504040204" pitchFamily="34" charset="-120"/>
+                <a:ea typeface="微軟正黑體" panose="020B0604030504040204" pitchFamily="34" charset="-120"/>
+                <a:cs typeface="Heiti TC Light"/>
+              </a:rPr>
+              <a:t>, </a:t>
+            </a:r>
+            <a:r>
+              <a:rPr kumimoji="1" lang="en-US" altLang="zh-TW" sz="3200" dirty="0" err="1">
+                <a:solidFill>
+                  <a:prstClr val="white"/>
+                </a:solidFill>
+                <a:effectLst>
+                  <a:outerShdw blurRad="38100" dist="38100" dir="2700000" algn="tl">
+                    <a:srgbClr val="000000">
+                      <a:alpha val="43137"/>
+                    </a:srgbClr>
+                  </a:outerShdw>
+                </a:effectLst>
+                <a:latin typeface="微軟正黑體" panose="020B0604030504040204" pitchFamily="34" charset="-120"/>
+                <a:ea typeface="微軟正黑體" panose="020B0604030504040204" pitchFamily="34" charset="-120"/>
+                <a:cs typeface="Heiti TC Light"/>
+              </a:rPr>
+              <a:t>gitlab</a:t>
+            </a:r>
+            <a:r>
+              <a:rPr kumimoji="1" lang="en-US" altLang="zh-TW" sz="3200" dirty="0">
+                <a:solidFill>
+                  <a:prstClr val="white"/>
+                </a:solidFill>
+                <a:effectLst>
+                  <a:outerShdw blurRad="38100" dist="38100" dir="2700000" algn="tl">
+                    <a:srgbClr val="000000">
+                      <a:alpha val="43137"/>
+                    </a:srgbClr>
+                  </a:outerShdw>
+                </a:effectLst>
+                <a:latin typeface="微軟正黑體" panose="020B0604030504040204" pitchFamily="34" charset="-120"/>
+                <a:ea typeface="微軟正黑體" panose="020B0604030504040204" pitchFamily="34" charset="-120"/>
+                <a:cs typeface="Heiti TC Light"/>
+              </a:rPr>
+              <a:t>, </a:t>
+            </a:r>
+            <a:r>
+              <a:rPr kumimoji="1" lang="en-US" altLang="zh-TW" sz="3200" dirty="0" err="1">
+                <a:solidFill>
+                  <a:prstClr val="white"/>
+                </a:solidFill>
+                <a:effectLst>
+                  <a:outerShdw blurRad="38100" dist="38100" dir="2700000" algn="tl">
+                    <a:srgbClr val="000000">
+                      <a:alpha val="43137"/>
+                    </a:srgbClr>
+                  </a:outerShdw>
+                </a:effectLst>
+                <a:latin typeface="微軟正黑體" panose="020B0604030504040204" pitchFamily="34" charset="-120"/>
+                <a:ea typeface="微軟正黑體" panose="020B0604030504040204" pitchFamily="34" charset="-120"/>
+                <a:cs typeface="Heiti TC Light"/>
+              </a:rPr>
+              <a:t>bitbuckert</a:t>
+            </a:r>
+            <a:r>
+              <a:rPr kumimoji="1" lang="en-US" altLang="zh-TW" sz="3200" dirty="0">
+                <a:solidFill>
+                  <a:prstClr val="white"/>
+                </a:solidFill>
+                <a:effectLst>
+                  <a:outerShdw blurRad="38100" dist="38100" dir="2700000" algn="tl">
+                    <a:srgbClr val="000000">
+                      <a:alpha val="43137"/>
+                    </a:srgbClr>
+                  </a:outerShdw>
+                </a:effectLst>
+                <a:latin typeface="微軟正黑體" panose="020B0604030504040204" pitchFamily="34" charset="-120"/>
+                <a:ea typeface="微軟正黑體" panose="020B0604030504040204" pitchFamily="34" charset="-120"/>
+                <a:cs typeface="Heiti TC Light"/>
+              </a:rPr>
+              <a:t>, docker hub)</a:t>
+            </a:r>
+          </a:p>
+          <a:p>
+            <a:pPr marL="514338" indent="-514338">
+              <a:buFont typeface="+mj-lt"/>
+              <a:buAutoNum type="arabicPeriod"/>
+            </a:pPr>
+            <a:r>
+              <a:rPr kumimoji="1" lang="en-US" altLang="zh-TW" sz="3200" dirty="0">
+                <a:solidFill>
+                  <a:prstClr val="white"/>
+                </a:solidFill>
+                <a:effectLst>
+                  <a:outerShdw blurRad="38100" dist="38100" dir="2700000" algn="tl">
+                    <a:srgbClr val="000000">
+                      <a:alpha val="43137"/>
+                    </a:srgbClr>
+                  </a:outerShdw>
+                </a:effectLst>
+                <a:latin typeface="微軟正黑體" panose="020B0604030504040204" pitchFamily="34" charset="-120"/>
+                <a:ea typeface="微軟正黑體" panose="020B0604030504040204" pitchFamily="34" charset="-120"/>
+                <a:cs typeface="Heiti TC Light"/>
+              </a:rPr>
+              <a:t>ssh</a:t>
+            </a:r>
+            <a:r>
+              <a:rPr kumimoji="1" lang="zh-TW" altLang="en-US" sz="3200" dirty="0">
+                <a:solidFill>
+                  <a:prstClr val="white"/>
+                </a:solidFill>
+                <a:effectLst>
+                  <a:outerShdw blurRad="38100" dist="38100" dir="2700000" algn="tl">
+                    <a:srgbClr val="000000">
+                      <a:alpha val="43137"/>
+                    </a:srgbClr>
+                  </a:outerShdw>
+                </a:effectLst>
+                <a:latin typeface="微軟正黑體" panose="020B0604030504040204" pitchFamily="34" charset="-120"/>
+                <a:ea typeface="微軟正黑體" panose="020B0604030504040204" pitchFamily="34" charset="-120"/>
+                <a:cs typeface="Heiti TC Light"/>
+              </a:rPr>
+              <a:t>的概念</a:t>
+            </a:r>
+          </a:p>
+          <a:p>
+            <a:pPr marL="514338" indent="-514338">
+              <a:buFont typeface="+mj-lt"/>
+              <a:buAutoNum type="arabicPeriod"/>
+            </a:pPr>
+            <a:r>
+              <a:rPr kumimoji="1" lang="zh-TW" altLang="en-US" sz="3200" dirty="0">
+                <a:solidFill>
+                  <a:prstClr val="white"/>
+                </a:solidFill>
+                <a:effectLst>
+                  <a:outerShdw blurRad="38100" dist="38100" dir="2700000" algn="tl">
+                    <a:srgbClr val="000000">
+                      <a:alpha val="43137"/>
+                    </a:srgbClr>
+                  </a:outerShdw>
+                </a:effectLst>
+                <a:latin typeface="微軟正黑體" panose="020B0604030504040204" pitchFamily="34" charset="-120"/>
+                <a:ea typeface="微軟正黑體" panose="020B0604030504040204" pitchFamily="34" charset="-120"/>
+                <a:cs typeface="Heiti TC Light"/>
+              </a:rPr>
+              <a:t>金鑰的概念</a:t>
             </a:r>
             <a:endParaRPr kumimoji="1" lang="en-US" altLang="zh-TW" sz="3200" dirty="0">
               <a:solidFill>
@@ -17621,15 +16937,41 @@
               <a:cs typeface="Heiti TC Light"/>
             </a:endParaRPr>
           </a:p>
-          <a:p>
-            <a:pPr marL="514338" indent="-514338">
-              <a:buFont typeface="+mj-lt"/>
-              <a:buAutoNum type="arabicPeriod"/>
+        </p:txBody>
+      </p:sp>
+      <p:sp>
+        <p:nvSpPr>
+          <p:cNvPr id="4" name="文字版面配置區 2"/>
+          <p:cNvSpPr txBox="1">
+            <a:spLocks/>
+          </p:cNvSpPr>
+          <p:nvPr/>
+        </p:nvSpPr>
+        <p:spPr>
+          <a:xfrm>
+            <a:off x="2514600" y="304800"/>
+            <a:ext cx="3810000" cy="990600"/>
+          </a:xfrm>
+          <a:prstGeom prst="rect">
+            <a:avLst/>
+          </a:prstGeom>
+        </p:spPr>
+        <p:txBody>
+          <a:bodyPr tIns="91440" bIns="91440" anchor="b" anchorCtr="0">
+            <a:noAutofit/>
+          </a:bodyPr>
+          <a:lstStyle/>
+          <a:p>
+            <a:pPr algn="just">
+              <a:spcBef>
+                <a:spcPct val="20000"/>
+              </a:spcBef>
+              <a:defRPr/>
             </a:pPr>
             <a:r>
-              <a:rPr kumimoji="1" lang="zh-TW" altLang="en-US" sz="3200" dirty="0">
-                <a:solidFill>
-                  <a:prstClr val="white"/>
+              <a:rPr lang="en-US" altLang="zh-TW" sz="4800" b="1" kern="0" dirty="0">
+                <a:solidFill>
+                  <a:srgbClr val="00B0F0"/>
                 </a:solidFill>
                 <a:effectLst>
                   <a:outerShdw blurRad="38100" dist="38100" dir="2700000" algn="tl">
@@ -17640,35 +16982,13 @@
                 </a:effectLst>
                 <a:latin typeface="微軟正黑體" panose="020B0604030504040204" pitchFamily="34" charset="-120"/>
                 <a:ea typeface="微軟正黑體" panose="020B0604030504040204" pitchFamily="34" charset="-120"/>
-                <a:cs typeface="Heiti TC Light"/>
-              </a:rPr>
-              <a:t>基礎觀念及知識</a:t>
-            </a:r>
-            <a:endParaRPr kumimoji="1" lang="en-US" altLang="zh-TW" sz="3200" dirty="0">
-              <a:solidFill>
-                <a:prstClr val="white"/>
-              </a:solidFill>
-              <a:effectLst>
-                <a:outerShdw blurRad="38100" dist="38100" dir="2700000" algn="tl">
-                  <a:srgbClr val="000000">
-                    <a:alpha val="43137"/>
-                  </a:srgbClr>
-                </a:outerShdw>
-              </a:effectLst>
-              <a:latin typeface="微軟正黑體" panose="020B0604030504040204" pitchFamily="34" charset="-120"/>
-              <a:ea typeface="微軟正黑體" panose="020B0604030504040204" pitchFamily="34" charset="-120"/>
-              <a:cs typeface="Heiti TC Light"/>
-            </a:endParaRPr>
-          </a:p>
-          <a:p>
-            <a:pPr marL="514338" indent="-514338">
-              <a:buFont typeface="+mj-lt"/>
-              <a:buAutoNum type="arabicPeriod"/>
-            </a:pPr>
-            <a:r>
-              <a:rPr kumimoji="1" lang="zh-TW" altLang="en-US" sz="3200" dirty="0">
-                <a:solidFill>
-                  <a:prstClr val="white"/>
+              </a:rPr>
+              <a:t>1</a:t>
+            </a:r>
+            <a:r>
+              <a:rPr lang="zh-TW" altLang="en-US" sz="4800" b="1" kern="0" dirty="0">
+                <a:solidFill>
+                  <a:srgbClr val="00B0F0"/>
                 </a:solidFill>
                 <a:effectLst>
                   <a:outerShdw blurRad="38100" dist="38100" dir="2700000" algn="tl">
@@ -17679,151 +16999,8 @@
                 </a:effectLst>
                 <a:latin typeface="微軟正黑體" panose="020B0604030504040204" pitchFamily="34" charset="-120"/>
                 <a:ea typeface="微軟正黑體" panose="020B0604030504040204" pitchFamily="34" charset="-120"/>
-                <a:cs typeface="Heiti TC Light"/>
-              </a:rPr>
-              <a:t>程式碼撰寫及說明</a:t>
-            </a:r>
-            <a:endParaRPr kumimoji="1" lang="en-US" altLang="zh-TW" sz="3200" dirty="0">
-              <a:solidFill>
-                <a:prstClr val="white"/>
-              </a:solidFill>
-              <a:effectLst>
-                <a:outerShdw blurRad="38100" dist="38100" dir="2700000" algn="tl">
-                  <a:srgbClr val="000000">
-                    <a:alpha val="43137"/>
-                  </a:srgbClr>
-                </a:outerShdw>
-              </a:effectLst>
-              <a:latin typeface="微軟正黑體" panose="020B0604030504040204" pitchFamily="34" charset="-120"/>
-              <a:ea typeface="微軟正黑體" panose="020B0604030504040204" pitchFamily="34" charset="-120"/>
-              <a:cs typeface="Heiti TC Light"/>
-            </a:endParaRPr>
-          </a:p>
-          <a:p>
-            <a:pPr marL="514338" indent="-514338">
-              <a:buFont typeface="+mj-lt"/>
-              <a:buAutoNum type="arabicPeriod"/>
-            </a:pPr>
-            <a:r>
-              <a:rPr kumimoji="1" lang="en-US" altLang="zh-TW" sz="3200" dirty="0">
-                <a:solidFill>
-                  <a:prstClr val="white"/>
-                </a:solidFill>
-                <a:effectLst>
-                  <a:outerShdw blurRad="38100" dist="38100" dir="2700000" algn="tl">
-                    <a:srgbClr val="000000">
-                      <a:alpha val="43137"/>
-                    </a:srgbClr>
-                  </a:outerShdw>
-                </a:effectLst>
-                <a:latin typeface="微軟正黑體" panose="020B0604030504040204" pitchFamily="34" charset="-120"/>
-                <a:ea typeface="微軟正黑體" panose="020B0604030504040204" pitchFamily="34" charset="-120"/>
-                <a:cs typeface="Heiti TC Light"/>
-              </a:rPr>
-              <a:t>OpenAI API</a:t>
-            </a:r>
-            <a:r>
-              <a:rPr kumimoji="1" lang="zh-TW" altLang="en-US" sz="3200" dirty="0">
-                <a:solidFill>
-                  <a:prstClr val="white"/>
-                </a:solidFill>
-                <a:effectLst>
-                  <a:outerShdw blurRad="38100" dist="38100" dir="2700000" algn="tl">
-                    <a:srgbClr val="000000">
-                      <a:alpha val="43137"/>
-                    </a:srgbClr>
-                  </a:outerShdw>
-                </a:effectLst>
-                <a:latin typeface="微軟正黑體" panose="020B0604030504040204" pitchFamily="34" charset="-120"/>
-                <a:ea typeface="微軟正黑體" panose="020B0604030504040204" pitchFamily="34" charset="-120"/>
-                <a:cs typeface="Heiti TC Light"/>
-              </a:rPr>
-              <a:t>說明及整合</a:t>
-            </a:r>
-            <a:endParaRPr kumimoji="1" lang="en-US" altLang="zh-TW" sz="3200" dirty="0">
-              <a:solidFill>
-                <a:prstClr val="white"/>
-              </a:solidFill>
-              <a:effectLst>
-                <a:outerShdw blurRad="38100" dist="38100" dir="2700000" algn="tl">
-                  <a:srgbClr val="000000">
-                    <a:alpha val="43137"/>
-                  </a:srgbClr>
-                </a:outerShdw>
-              </a:effectLst>
-              <a:latin typeface="微軟正黑體" panose="020B0604030504040204" pitchFamily="34" charset="-120"/>
-              <a:ea typeface="微軟正黑體" panose="020B0604030504040204" pitchFamily="34" charset="-120"/>
-              <a:cs typeface="Heiti TC Light"/>
-            </a:endParaRPr>
-          </a:p>
-          <a:p>
-            <a:pPr marL="514338" indent="-514338">
-              <a:buFont typeface="+mj-lt"/>
-              <a:buAutoNum type="arabicPeriod"/>
-            </a:pPr>
-            <a:endParaRPr kumimoji="1" lang="en-US" altLang="zh-TW" sz="3200" dirty="0">
-              <a:solidFill>
-                <a:prstClr val="white"/>
-              </a:solidFill>
-              <a:effectLst>
-                <a:outerShdw blurRad="38100" dist="38100" dir="2700000" algn="tl">
-                  <a:srgbClr val="000000">
-                    <a:alpha val="43137"/>
-                  </a:srgbClr>
-                </a:outerShdw>
-              </a:effectLst>
-              <a:latin typeface="微軟正黑體" panose="020B0604030504040204" pitchFamily="34" charset="-120"/>
-              <a:ea typeface="微軟正黑體" panose="020B0604030504040204" pitchFamily="34" charset="-120"/>
-              <a:cs typeface="Heiti TC Light"/>
-            </a:endParaRPr>
-          </a:p>
-        </p:txBody>
-      </p:sp>
-      <p:sp>
-        <p:nvSpPr>
-          <p:cNvPr id="4" name="文字版面配置區 2"/>
-          <p:cNvSpPr txBox="1">
-            <a:spLocks/>
-          </p:cNvSpPr>
-          <p:nvPr/>
-        </p:nvSpPr>
-        <p:spPr>
-          <a:xfrm>
-            <a:off x="3276600" y="304800"/>
-            <a:ext cx="3048000" cy="990600"/>
-          </a:xfrm>
-          <a:prstGeom prst="rect">
-            <a:avLst/>
-          </a:prstGeom>
-        </p:spPr>
-        <p:txBody>
-          <a:bodyPr tIns="91440" bIns="91440" anchor="b" anchorCtr="0">
-            <a:noAutofit/>
-          </a:bodyPr>
-          <a:lstStyle/>
-          <a:p>
-            <a:pPr algn="just">
-              <a:spcBef>
-                <a:spcPct val="20000"/>
-              </a:spcBef>
-              <a:defRPr/>
-            </a:pPr>
-            <a:r>
-              <a:rPr lang="zh-TW" altLang="en-US" sz="4800" b="1" kern="0" dirty="0">
-                <a:solidFill>
-                  <a:srgbClr val="00B0F0"/>
-                </a:solidFill>
-                <a:effectLst>
-                  <a:outerShdw blurRad="38100" dist="38100" dir="2700000" algn="tl">
-                    <a:srgbClr val="000000">
-                      <a:alpha val="43137"/>
-                    </a:srgbClr>
-                  </a:outerShdw>
-                </a:effectLst>
-                <a:latin typeface="微軟正黑體" panose="020B0604030504040204" pitchFamily="34" charset="-120"/>
-                <a:ea typeface="微軟正黑體" panose="020B0604030504040204" pitchFamily="34" charset="-120"/>
-              </a:rPr>
-              <a:t>課程大綱</a:t>
+              </a:rPr>
+              <a:t>、課前準備</a:t>
             </a:r>
           </a:p>
         </p:txBody>
@@ -17831,7 +17008,7 @@
     </p:spTree>
     <p:extLst>
       <p:ext uri="{BB962C8B-B14F-4D97-AF65-F5344CB8AC3E}">
-        <p14:creationId xmlns:p14="http://schemas.microsoft.com/office/powerpoint/2010/main" val="3933910064"/>
+        <p14:creationId xmlns:p14="http://schemas.microsoft.com/office/powerpoint/2010/main" val="1404831700"/>
       </p:ext>
     </p:extLst>
   </p:cSld>
@@ -17870,7 +17047,7 @@
         <p:spPr>
           <a:xfrm>
             <a:off x="693420" y="1841244"/>
-            <a:ext cx="8077200" cy="4031873"/>
+            <a:ext cx="8077200" cy="3046988"/>
           </a:xfrm>
           <a:prstGeom prst="rect">
             <a:avLst/>
@@ -17883,12 +17060,12 @@
           </a:bodyPr>
           <a:lstStyle/>
           <a:p>
-            <a:pPr marL="514338" indent="-514338">
+            <a:pPr marL="514350" indent="-514350">
               <a:buFont typeface="+mj-lt"/>
-              <a:buAutoNum type="arabicPeriod"/>
+              <a:buAutoNum type="arabicPeriod" startAt="8"/>
             </a:pPr>
             <a:r>
-              <a:rPr kumimoji="1" lang="zh-TW" altLang="en-US" sz="3200" dirty="0">
+              <a:rPr kumimoji="1" lang="en-US" altLang="zh-TW" sz="3200" dirty="0">
                 <a:solidFill>
                   <a:prstClr val="white"/>
                 </a:solidFill>
@@ -17903,10 +17080,10 @@
                 <a:ea typeface="微軟正黑體" panose="020B0604030504040204" pitchFamily="34" charset="-120"/>
                 <a:cs typeface="Heiti TC Light"/>
               </a:rPr>
-              <a:t>熟采</a:t>
-            </a:r>
-            <a:r>
-              <a:rPr kumimoji="1" lang="en-US" altLang="zh-TW" sz="3200" dirty="0">
+              <a:t>CLI</a:t>
+            </a:r>
+            <a:r>
+              <a:rPr kumimoji="1" lang="zh-TW" altLang="en-US" sz="3200" dirty="0">
                 <a:solidFill>
                   <a:prstClr val="white"/>
                 </a:solidFill>
@@ -17921,25 +17098,7 @@
                 <a:ea typeface="微軟正黑體" panose="020B0604030504040204" pitchFamily="34" charset="-120"/>
                 <a:cs typeface="Heiti TC Light"/>
               </a:rPr>
-              <a:t>Linux</a:t>
-            </a:r>
-            <a:r>
-              <a:rPr kumimoji="1" lang="zh-TW" altLang="en-US" sz="3200" dirty="0">
-                <a:solidFill>
-                  <a:prstClr val="white"/>
-                </a:solidFill>
-                <a:effectLst>
-                  <a:outerShdw blurRad="38100" dist="38100" dir="2700000" algn="tl">
-                    <a:srgbClr val="000000">
-                      <a:alpha val="43137"/>
-                    </a:srgbClr>
-                  </a:outerShdw>
-                </a:effectLst>
-                <a:latin typeface="微軟正黑體" panose="020B0604030504040204" pitchFamily="34" charset="-120"/>
-                <a:ea typeface="微軟正黑體" panose="020B0604030504040204" pitchFamily="34" charset="-120"/>
-                <a:cs typeface="Heiti TC Light"/>
-              </a:rPr>
-              <a:t>指令</a:t>
+              <a:t>的好處：自動化</a:t>
             </a:r>
             <a:endParaRPr kumimoji="1" lang="en-US" altLang="zh-TW" sz="3200" dirty="0">
               <a:solidFill>
@@ -17960,10 +17119,10 @@
           <a:p>
             <a:pPr marL="514338" indent="-514338">
               <a:buFont typeface="+mj-lt"/>
-              <a:buAutoNum type="arabicPeriod"/>
+              <a:buAutoNum type="arabicPeriod" startAt="8"/>
             </a:pPr>
             <a:r>
-              <a:rPr kumimoji="1" lang="en-US" altLang="zh-TW" sz="3200" dirty="0">
+              <a:rPr kumimoji="1" lang="zh-TW" altLang="en-US" sz="3200" dirty="0">
                 <a:solidFill>
                   <a:prstClr val="white"/>
                 </a:solidFill>
@@ -17978,10 +17137,10 @@
                 <a:ea typeface="微軟正黑體" panose="020B0604030504040204" pitchFamily="34" charset="-120"/>
                 <a:cs typeface="Heiti TC Light"/>
               </a:rPr>
-              <a:t>git</a:t>
-            </a:r>
-            <a:r>
-              <a:rPr kumimoji="1" lang="zh-TW" altLang="en-US" sz="3200" dirty="0">
+              <a:t>問問題的地方</a:t>
+            </a:r>
+            <a:r>
+              <a:rPr kumimoji="1" lang="en-US" altLang="zh-TW" sz="3200" dirty="0" err="1">
                 <a:solidFill>
                   <a:prstClr val="white"/>
                 </a:solidFill>
@@ -17996,7 +17155,79 @@
                 <a:ea typeface="微軟正黑體" panose="020B0604030504040204" pitchFamily="34" charset="-120"/>
                 <a:cs typeface="Heiti TC Light"/>
               </a:rPr>
-              <a:t>的使用</a:t>
+              <a:t>github</a:t>
+            </a:r>
+            <a:r>
+              <a:rPr kumimoji="1" lang="en-US" altLang="zh-TW" sz="3200" dirty="0">
+                <a:solidFill>
+                  <a:prstClr val="white"/>
+                </a:solidFill>
+                <a:effectLst>
+                  <a:outerShdw blurRad="38100" dist="38100" dir="2700000" algn="tl">
+                    <a:srgbClr val="000000">
+                      <a:alpha val="43137"/>
+                    </a:srgbClr>
+                  </a:outerShdw>
+                </a:effectLst>
+                <a:latin typeface="微軟正黑體" panose="020B0604030504040204" pitchFamily="34" charset="-120"/>
+                <a:ea typeface="微軟正黑體" panose="020B0604030504040204" pitchFamily="34" charset="-120"/>
+                <a:cs typeface="Heiti TC Light"/>
+              </a:rPr>
+              <a:t>, </a:t>
+            </a:r>
+            <a:r>
+              <a:rPr kumimoji="1" lang="en-US" altLang="zh-TW" sz="3200" dirty="0" err="1">
+                <a:solidFill>
+                  <a:prstClr val="white"/>
+                </a:solidFill>
+                <a:effectLst>
+                  <a:outerShdw blurRad="38100" dist="38100" dir="2700000" algn="tl">
+                    <a:srgbClr val="000000">
+                      <a:alpha val="43137"/>
+                    </a:srgbClr>
+                  </a:outerShdw>
+                </a:effectLst>
+                <a:latin typeface="微軟正黑體" panose="020B0604030504040204" pitchFamily="34" charset="-120"/>
+                <a:ea typeface="微軟正黑體" panose="020B0604030504040204" pitchFamily="34" charset="-120"/>
+                <a:cs typeface="Heiti TC Light"/>
+              </a:rPr>
+              <a:t>stackoverflow</a:t>
+            </a:r>
+            <a:r>
+              <a:rPr kumimoji="1" lang="en-US" altLang="zh-TW" sz="3200" dirty="0">
+                <a:solidFill>
+                  <a:prstClr val="white"/>
+                </a:solidFill>
+                <a:effectLst>
+                  <a:outerShdw blurRad="38100" dist="38100" dir="2700000" algn="tl">
+                    <a:srgbClr val="000000">
+                      <a:alpha val="43137"/>
+                    </a:srgbClr>
+                  </a:outerShdw>
+                </a:effectLst>
+                <a:latin typeface="微軟正黑體" panose="020B0604030504040204" pitchFamily="34" charset="-120"/>
+                <a:ea typeface="微軟正黑體" panose="020B0604030504040204" pitchFamily="34" charset="-120"/>
+                <a:cs typeface="Heiti TC Light"/>
+              </a:rPr>
+              <a:t>, reddit </a:t>
+            </a:r>
+            <a:r>
+              <a:rPr kumimoji="1" lang="en-US" altLang="zh-TW" sz="3200" dirty="0" err="1">
+                <a:solidFill>
+                  <a:prstClr val="white"/>
+                </a:solidFill>
+                <a:effectLst>
+                  <a:outerShdw blurRad="38100" dist="38100" dir="2700000" algn="tl">
+                    <a:srgbClr val="000000">
+                      <a:alpha val="43137"/>
+                    </a:srgbClr>
+                  </a:outerShdw>
+                </a:effectLst>
+                <a:latin typeface="微軟正黑體" panose="020B0604030504040204" pitchFamily="34" charset="-120"/>
+                <a:ea typeface="微軟正黑體" panose="020B0604030504040204" pitchFamily="34" charset="-120"/>
+                <a:cs typeface="Heiti TC Light"/>
+              </a:rPr>
+              <a:t>quora</a:t>
             </a:r>
             <a:endParaRPr kumimoji="1" lang="en-US" altLang="zh-TW" sz="3200" dirty="0">
               <a:solidFill>
@@ -18017,10 +17248,10 @@
           <a:p>
             <a:pPr marL="514338" indent="-514338">
               <a:buFont typeface="+mj-lt"/>
-              <a:buAutoNum type="arabicPeriod"/>
+              <a:buAutoNum type="arabicPeriod" startAt="8"/>
             </a:pPr>
             <a:r>
-              <a:rPr kumimoji="1" lang="en-US" altLang="zh-TW" sz="3200" dirty="0">
+              <a:rPr kumimoji="1" lang="zh-TW" altLang="en-US" sz="3200" dirty="0">
                 <a:solidFill>
                   <a:prstClr val="white"/>
                 </a:solidFill>
@@ -18035,10 +17266,10 @@
                 <a:ea typeface="微軟正黑體" panose="020B0604030504040204" pitchFamily="34" charset="-120"/>
                 <a:cs typeface="Heiti TC Light"/>
               </a:rPr>
-              <a:t>docker(</a:t>
-            </a:r>
-            <a:r>
-              <a:rPr kumimoji="1" lang="zh-TW" altLang="en-US" sz="3200" dirty="0">
+              <a:t>會做文件筆記</a:t>
+            </a:r>
+            <a:r>
+              <a:rPr kumimoji="1" lang="en-US" altLang="zh-TW" sz="3200" dirty="0">
                 <a:solidFill>
                   <a:prstClr val="white"/>
                 </a:solidFill>
@@ -18053,10 +17284,10 @@
                 <a:ea typeface="微軟正黑體" panose="020B0604030504040204" pitchFamily="34" charset="-120"/>
                 <a:cs typeface="Heiti TC Light"/>
               </a:rPr>
-              <a:t>了解容器</a:t>
-            </a:r>
-            <a:r>
-              <a:rPr kumimoji="1" lang="en-US" altLang="zh-TW" sz="3200" dirty="0">
+              <a:t>(</a:t>
+            </a:r>
+            <a:r>
+              <a:rPr kumimoji="1" lang="en-US" altLang="zh-TW" sz="3200" dirty="0" err="1">
                 <a:solidFill>
                   <a:prstClr val="white"/>
                 </a:solidFill>
@@ -18071,16 +17302,10 @@
                 <a:ea typeface="微軟正黑體" panose="020B0604030504040204" pitchFamily="34" charset="-120"/>
                 <a:cs typeface="Heiti TC Light"/>
               </a:rPr>
-              <a:t>)</a:t>
-            </a:r>
-          </a:p>
-          <a:p>
-            <a:pPr marL="514338" indent="-514338">
-              <a:buFont typeface="+mj-lt"/>
-              <a:buAutoNum type="arabicPeriod"/>
-            </a:pPr>
-            <a:r>
-              <a:rPr kumimoji="1" lang="zh-TW" altLang="en-US" sz="3200" dirty="0">
+              <a:t>anytype</a:t>
+            </a:r>
+            <a:r>
+              <a:rPr kumimoji="1" lang="en-US" altLang="zh-TW" sz="3200" dirty="0">
                 <a:solidFill>
                   <a:prstClr val="white"/>
                 </a:solidFill>
@@ -18095,10 +17320,10 @@
                 <a:ea typeface="微軟正黑體" panose="020B0604030504040204" pitchFamily="34" charset="-120"/>
                 <a:cs typeface="Heiti TC Light"/>
               </a:rPr>
-              <a:t>編輯器的選擇</a:t>
-            </a:r>
-            <a:r>
-              <a:rPr kumimoji="1" lang="en-US" altLang="zh-TW" sz="3200" dirty="0">
+              <a:t>, notion, </a:t>
+            </a:r>
+            <a:r>
+              <a:rPr kumimoji="1" lang="en-US" altLang="zh-TW" sz="3200" dirty="0" err="1">
                 <a:solidFill>
                   <a:prstClr val="white"/>
                 </a:solidFill>
@@ -18113,10 +17338,10 @@
                 <a:ea typeface="微軟正黑體" panose="020B0604030504040204" pitchFamily="34" charset="-120"/>
                 <a:cs typeface="Heiti TC Light"/>
               </a:rPr>
-              <a:t>, </a:t>
-            </a:r>
-            <a:r>
-              <a:rPr kumimoji="1" lang="en-US" altLang="zh-TW" sz="3200" dirty="0" err="1">
+              <a:t>MarkDown</a:t>
+            </a:r>
+            <a:r>
+              <a:rPr kumimoji="1" lang="en-US" altLang="zh-TW" sz="3200" dirty="0">
                 <a:solidFill>
                   <a:prstClr val="white"/>
                 </a:solidFill>
@@ -18131,10 +17356,10 @@
                 <a:ea typeface="微軟正黑體" panose="020B0604030504040204" pitchFamily="34" charset="-120"/>
                 <a:cs typeface="Heiti TC Light"/>
               </a:rPr>
-              <a:t>vscode</a:t>
-            </a:r>
-            <a:r>
-              <a:rPr kumimoji="1" lang="zh-TW" altLang="en-US" sz="3200" dirty="0">
+              <a:t>, </a:t>
+            </a:r>
+            <a:r>
+              <a:rPr kumimoji="1" lang="en-US" altLang="zh-TW" sz="3200" dirty="0" err="1">
                 <a:solidFill>
                   <a:prstClr val="white"/>
                 </a:solidFill>
@@ -18149,7 +17374,7 @@
                 <a:ea typeface="微軟正黑體" panose="020B0604030504040204" pitchFamily="34" charset="-120"/>
                 <a:cs typeface="Heiti TC Light"/>
               </a:rPr>
-              <a:t>已成</a:t>
+              <a:t>hackmd</a:t>
             </a:r>
             <a:r>
               <a:rPr kumimoji="1" lang="en-US" altLang="zh-TW" sz="3200" dirty="0">
@@ -18167,16 +17392,10 @@
                 <a:ea typeface="微軟正黑體" panose="020B0604030504040204" pitchFamily="34" charset="-120"/>
                 <a:cs typeface="Heiti TC Light"/>
               </a:rPr>
-              <a:t>de facto</a:t>
-            </a:r>
-          </a:p>
-          <a:p>
-            <a:pPr marL="514338" indent="-514338">
-              <a:buFont typeface="+mj-lt"/>
-              <a:buAutoNum type="arabicPeriod"/>
-            </a:pPr>
-            <a:r>
-              <a:rPr kumimoji="1" lang="zh-TW" altLang="en-US" sz="3200" dirty="0">
+              <a:t>, </a:t>
+            </a:r>
+            <a:r>
+              <a:rPr kumimoji="1" lang="en-US" altLang="zh-TW" sz="3200" dirty="0" err="1">
                 <a:solidFill>
                   <a:prstClr val="white"/>
                 </a:solidFill>
@@ -18191,7 +17410,7 @@
                 <a:ea typeface="微軟正黑體" panose="020B0604030504040204" pitchFamily="34" charset="-120"/>
                 <a:cs typeface="Heiti TC Light"/>
               </a:rPr>
-              <a:t>學會開發</a:t>
+              <a:t>github</a:t>
             </a:r>
             <a:r>
               <a:rPr kumimoji="1" lang="en-US" altLang="zh-TW" sz="3200" dirty="0">
@@ -18209,8 +17428,14 @@
                 <a:ea typeface="微軟正黑體" panose="020B0604030504040204" pitchFamily="34" charset="-120"/>
                 <a:cs typeface="Heiti TC Light"/>
               </a:rPr>
-              <a:t>-</a:t>
-            </a:r>
+              <a:t>)</a:t>
+            </a:r>
+          </a:p>
+          <a:p>
+            <a:pPr marL="514338" indent="-514338">
+              <a:buFont typeface="+mj-lt"/>
+              <a:buAutoNum type="arabicPeriod" startAt="8"/>
+            </a:pPr>
             <a:r>
               <a:rPr kumimoji="1" lang="zh-TW" altLang="en-US" sz="3200" dirty="0">
                 <a:solidFill>
@@ -18227,7 +17452,7 @@
                 <a:ea typeface="微軟正黑體" panose="020B0604030504040204" pitchFamily="34" charset="-120"/>
                 <a:cs typeface="Heiti TC Light"/>
               </a:rPr>
-              <a:t>測試</a:t>
+              <a:t>善用工具</a:t>
             </a:r>
             <a:r>
               <a:rPr kumimoji="1" lang="en-US" altLang="zh-TW" sz="3200" dirty="0">
@@ -18245,10 +17470,10 @@
                 <a:ea typeface="微軟正黑體" panose="020B0604030504040204" pitchFamily="34" charset="-120"/>
                 <a:cs typeface="Heiti TC Light"/>
               </a:rPr>
-              <a:t>-</a:t>
-            </a:r>
-            <a:r>
-              <a:rPr kumimoji="1" lang="zh-TW" altLang="en-US" sz="3200" dirty="0">
+              <a:t>(</a:t>
+            </a:r>
+            <a:r>
+              <a:rPr kumimoji="1" lang="en-US" altLang="zh-TW" sz="3200" dirty="0" err="1">
                 <a:solidFill>
                   <a:prstClr val="white"/>
                 </a:solidFill>
@@ -18263,7 +17488,7 @@
                 <a:ea typeface="微軟正黑體" panose="020B0604030504040204" pitchFamily="34" charset="-120"/>
                 <a:cs typeface="Heiti TC Light"/>
               </a:rPr>
-              <a:t>生產環境的鎖定</a:t>
+              <a:t>github</a:t>
             </a:r>
             <a:r>
               <a:rPr kumimoji="1" lang="en-US" altLang="zh-TW" sz="3200" dirty="0">
@@ -18281,12 +17506,44 @@
                 <a:ea typeface="微軟正黑體" panose="020B0604030504040204" pitchFamily="34" charset="-120"/>
                 <a:cs typeface="Heiti TC Light"/>
               </a:rPr>
-              <a:t>(</a:t>
-            </a:r>
-            <a:r>
-              <a:rPr kumimoji="1" lang="en-US" altLang="zh-TW" sz="3200" dirty="0" err="1">
-                <a:solidFill>
-                  <a:prstClr val="white"/>
+              <a:t> copilot)</a:t>
+            </a:r>
+          </a:p>
+        </p:txBody>
+      </p:sp>
+      <p:sp>
+        <p:nvSpPr>
+          <p:cNvPr id="4" name="文字版面配置區 2"/>
+          <p:cNvSpPr txBox="1">
+            <a:spLocks/>
+          </p:cNvSpPr>
+          <p:nvPr/>
+        </p:nvSpPr>
+        <p:spPr>
+          <a:xfrm>
+            <a:off x="2186940" y="304800"/>
+            <a:ext cx="4876800" cy="990600"/>
+          </a:xfrm>
+          <a:prstGeom prst="rect">
+            <a:avLst/>
+          </a:prstGeom>
+        </p:spPr>
+        <p:txBody>
+          <a:bodyPr tIns="91440" bIns="91440" anchor="b" anchorCtr="0">
+            <a:noAutofit/>
+          </a:bodyPr>
+          <a:lstStyle/>
+          <a:p>
+            <a:pPr algn="just">
+              <a:spcBef>
+                <a:spcPct val="20000"/>
+              </a:spcBef>
+              <a:defRPr/>
+            </a:pPr>
+            <a:r>
+              <a:rPr lang="en-US" altLang="zh-TW" sz="4800" b="1" kern="0" dirty="0">
+                <a:solidFill>
+                  <a:srgbClr val="00B0F0"/>
                 </a:solidFill>
                 <a:effectLst>
                   <a:outerShdw blurRad="38100" dist="38100" dir="2700000" algn="tl">
@@ -18297,14 +17554,13 @@
                 </a:effectLst>
                 <a:latin typeface="微軟正黑體" panose="020B0604030504040204" pitchFamily="34" charset="-120"/>
                 <a:ea typeface="微軟正黑體" panose="020B0604030504040204" pitchFamily="34" charset="-120"/>
-                <a:cs typeface="Heiti TC Light"/>
-              </a:rPr>
-              <a:t>github</a:t>
-            </a:r>
-            <a:r>
-              <a:rPr kumimoji="1" lang="en-US" altLang="zh-TW" sz="3200" dirty="0">
-                <a:solidFill>
-                  <a:prstClr val="white"/>
+              </a:rPr>
+              <a:t>1</a:t>
+            </a:r>
+            <a:r>
+              <a:rPr lang="zh-TW" altLang="en-US" sz="4800" b="1" kern="0" dirty="0">
+                <a:solidFill>
+                  <a:srgbClr val="00B0F0"/>
                 </a:solidFill>
                 <a:effectLst>
                   <a:outerShdw blurRad="38100" dist="38100" dir="2700000" algn="tl">
@@ -18315,14 +17571,13 @@
                 </a:effectLst>
                 <a:latin typeface="微軟正黑體" panose="020B0604030504040204" pitchFamily="34" charset="-120"/>
                 <a:ea typeface="微軟正黑體" panose="020B0604030504040204" pitchFamily="34" charset="-120"/>
-                <a:cs typeface="Heiti TC Light"/>
-              </a:rPr>
-              <a:t>, </a:t>
-            </a:r>
-            <a:r>
-              <a:rPr kumimoji="1" lang="en-US" altLang="zh-TW" sz="3200" dirty="0" err="1">
-                <a:solidFill>
-                  <a:prstClr val="white"/>
+              </a:rPr>
+              <a:t>、課前準備</a:t>
+            </a:r>
+            <a:r>
+              <a:rPr lang="en-US" altLang="zh-TW" sz="4800" b="1" kern="0" dirty="0">
+                <a:solidFill>
+                  <a:srgbClr val="00B0F0"/>
                 </a:solidFill>
                 <a:effectLst>
                   <a:outerShdw blurRad="38100" dist="38100" dir="2700000" algn="tl">
@@ -18333,14 +17588,13 @@
                 </a:effectLst>
                 <a:latin typeface="微軟正黑體" panose="020B0604030504040204" pitchFamily="34" charset="-120"/>
                 <a:ea typeface="微軟正黑體" panose="020B0604030504040204" pitchFamily="34" charset="-120"/>
-                <a:cs typeface="Heiti TC Light"/>
-              </a:rPr>
-              <a:t>gitlab</a:t>
-            </a:r>
-            <a:r>
-              <a:rPr kumimoji="1" lang="en-US" altLang="zh-TW" sz="3200" dirty="0">
-                <a:solidFill>
-                  <a:prstClr val="white"/>
+              </a:rPr>
+              <a:t>(</a:t>
+            </a:r>
+            <a:r>
+              <a:rPr lang="zh-TW" altLang="en-US" sz="4800" b="1" kern="0" dirty="0">
+                <a:solidFill>
+                  <a:srgbClr val="00B0F0"/>
                 </a:solidFill>
                 <a:effectLst>
                   <a:outerShdw blurRad="38100" dist="38100" dir="2700000" algn="tl">
@@ -18351,14 +17605,13 @@
                 </a:effectLst>
                 <a:latin typeface="微軟正黑體" panose="020B0604030504040204" pitchFamily="34" charset="-120"/>
                 <a:ea typeface="微軟正黑體" panose="020B0604030504040204" pitchFamily="34" charset="-120"/>
-                <a:cs typeface="Heiti TC Light"/>
-              </a:rPr>
-              <a:t>, </a:t>
-            </a:r>
-            <a:r>
-              <a:rPr kumimoji="1" lang="en-US" altLang="zh-TW" sz="3200" dirty="0" err="1">
-                <a:solidFill>
-                  <a:prstClr val="white"/>
+              </a:rPr>
+              <a:t>續</a:t>
+            </a:r>
+            <a:r>
+              <a:rPr lang="en-US" altLang="zh-TW" sz="4800" b="1" kern="0" dirty="0">
+                <a:solidFill>
+                  <a:srgbClr val="00B0F0"/>
                 </a:solidFill>
                 <a:effectLst>
                   <a:outerShdw blurRad="38100" dist="38100" dir="2700000" algn="tl">
@@ -18369,97 +17622,12 @@
                 </a:effectLst>
                 <a:latin typeface="微軟正黑體" panose="020B0604030504040204" pitchFamily="34" charset="-120"/>
                 <a:ea typeface="微軟正黑體" panose="020B0604030504040204" pitchFamily="34" charset="-120"/>
-                <a:cs typeface="Heiti TC Light"/>
-              </a:rPr>
-              <a:t>bitbuckert</a:t>
-            </a:r>
-            <a:r>
-              <a:rPr kumimoji="1" lang="en-US" altLang="zh-TW" sz="3200" dirty="0">
-                <a:solidFill>
-                  <a:prstClr val="white"/>
-                </a:solidFill>
-                <a:effectLst>
-                  <a:outerShdw blurRad="38100" dist="38100" dir="2700000" algn="tl">
-                    <a:srgbClr val="000000">
-                      <a:alpha val="43137"/>
-                    </a:srgbClr>
-                  </a:outerShdw>
-                </a:effectLst>
-                <a:latin typeface="微軟正黑體" panose="020B0604030504040204" pitchFamily="34" charset="-120"/>
-                <a:ea typeface="微軟正黑體" panose="020B0604030504040204" pitchFamily="34" charset="-120"/>
-                <a:cs typeface="Heiti TC Light"/>
-              </a:rPr>
-              <a:t>, docker hub)</a:t>
-            </a:r>
-          </a:p>
-          <a:p>
-            <a:pPr marL="514338" indent="-514338">
-              <a:buFont typeface="+mj-lt"/>
-              <a:buAutoNum type="arabicPeriod"/>
-            </a:pPr>
-            <a:r>
-              <a:rPr kumimoji="1" lang="en-US" altLang="zh-TW" sz="3200" dirty="0">
-                <a:solidFill>
-                  <a:prstClr val="white"/>
-                </a:solidFill>
-                <a:effectLst>
-                  <a:outerShdw blurRad="38100" dist="38100" dir="2700000" algn="tl">
-                    <a:srgbClr val="000000">
-                      <a:alpha val="43137"/>
-                    </a:srgbClr>
-                  </a:outerShdw>
-                </a:effectLst>
-                <a:latin typeface="微軟正黑體" panose="020B0604030504040204" pitchFamily="34" charset="-120"/>
-                <a:ea typeface="微軟正黑體" panose="020B0604030504040204" pitchFamily="34" charset="-120"/>
-                <a:cs typeface="Heiti TC Light"/>
-              </a:rPr>
-              <a:t>ssh</a:t>
-            </a:r>
-            <a:r>
-              <a:rPr kumimoji="1" lang="zh-TW" altLang="en-US" sz="3200" dirty="0">
-                <a:solidFill>
-                  <a:prstClr val="white"/>
-                </a:solidFill>
-                <a:effectLst>
-                  <a:outerShdw blurRad="38100" dist="38100" dir="2700000" algn="tl">
-                    <a:srgbClr val="000000">
-                      <a:alpha val="43137"/>
-                    </a:srgbClr>
-                  </a:outerShdw>
-                </a:effectLst>
-                <a:latin typeface="微軟正黑體" panose="020B0604030504040204" pitchFamily="34" charset="-120"/>
-                <a:ea typeface="微軟正黑體" panose="020B0604030504040204" pitchFamily="34" charset="-120"/>
-                <a:cs typeface="Heiti TC Light"/>
-              </a:rPr>
-              <a:t>的概念</a:t>
-            </a:r>
-          </a:p>
-          <a:p>
-            <a:pPr marL="514338" indent="-514338">
-              <a:buFont typeface="+mj-lt"/>
-              <a:buAutoNum type="arabicPeriod"/>
-            </a:pPr>
-            <a:r>
-              <a:rPr kumimoji="1" lang="zh-TW" altLang="en-US" sz="3200" dirty="0">
-                <a:solidFill>
-                  <a:prstClr val="white"/>
-                </a:solidFill>
-                <a:effectLst>
-                  <a:outerShdw blurRad="38100" dist="38100" dir="2700000" algn="tl">
-                    <a:srgbClr val="000000">
-                      <a:alpha val="43137"/>
-                    </a:srgbClr>
-                  </a:outerShdw>
-                </a:effectLst>
-                <a:latin typeface="微軟正黑體" panose="020B0604030504040204" pitchFamily="34" charset="-120"/>
-                <a:ea typeface="微軟正黑體" panose="020B0604030504040204" pitchFamily="34" charset="-120"/>
-                <a:cs typeface="Heiti TC Light"/>
-              </a:rPr>
-              <a:t>金鑰的概念</a:t>
-            </a:r>
-            <a:endParaRPr kumimoji="1" lang="en-US" altLang="zh-TW" sz="3200" dirty="0">
+              </a:rPr>
+              <a:t>)</a:t>
+            </a:r>
+            <a:endParaRPr lang="zh-TW" altLang="en-US" sz="4800" b="1" kern="0" dirty="0">
               <a:solidFill>
-                <a:prstClr val="white"/>
+                <a:srgbClr val="00B0F0"/>
               </a:solidFill>
               <a:effectLst>
                 <a:outerShdw blurRad="38100" dist="38100" dir="2700000" algn="tl">
@@ -18470,81 +17638,14 @@
               </a:effectLst>
               <a:latin typeface="微軟正黑體" panose="020B0604030504040204" pitchFamily="34" charset="-120"/>
               <a:ea typeface="微軟正黑體" panose="020B0604030504040204" pitchFamily="34" charset="-120"/>
-              <a:cs typeface="Heiti TC Light"/>
             </a:endParaRPr>
-          </a:p>
-        </p:txBody>
-      </p:sp>
-      <p:sp>
-        <p:nvSpPr>
-          <p:cNvPr id="4" name="文字版面配置區 2"/>
-          <p:cNvSpPr txBox="1">
-            <a:spLocks/>
-          </p:cNvSpPr>
-          <p:nvPr/>
-        </p:nvSpPr>
-        <p:spPr>
-          <a:xfrm>
-            <a:off x="2514600" y="304800"/>
-            <a:ext cx="3810000" cy="990600"/>
-          </a:xfrm>
-          <a:prstGeom prst="rect">
-            <a:avLst/>
-          </a:prstGeom>
-        </p:spPr>
-        <p:txBody>
-          <a:bodyPr tIns="91440" bIns="91440" anchor="b" anchorCtr="0">
-            <a:noAutofit/>
-          </a:bodyPr>
-          <a:lstStyle/>
-          <a:p>
-            <a:pPr algn="just">
-              <a:spcBef>
-                <a:spcPct val="20000"/>
-              </a:spcBef>
-              <a:defRPr/>
-            </a:pPr>
-            <a:r>
-              <a:rPr lang="en-US" altLang="zh-TW" sz="4800" b="1" kern="0" dirty="0">
-                <a:solidFill>
-                  <a:srgbClr val="00B0F0"/>
-                </a:solidFill>
-                <a:effectLst>
-                  <a:outerShdw blurRad="38100" dist="38100" dir="2700000" algn="tl">
-                    <a:srgbClr val="000000">
-                      <a:alpha val="43137"/>
-                    </a:srgbClr>
-                  </a:outerShdw>
-                </a:effectLst>
-                <a:latin typeface="微軟正黑體" panose="020B0604030504040204" pitchFamily="34" charset="-120"/>
-                <a:ea typeface="微軟正黑體" panose="020B0604030504040204" pitchFamily="34" charset="-120"/>
-              </a:rPr>
-              <a:t>1</a:t>
-            </a:r>
-            <a:r>
-              <a:rPr lang="zh-TW" altLang="en-US" sz="4800" b="1" kern="0" dirty="0">
-                <a:solidFill>
-                  <a:srgbClr val="00B0F0"/>
-                </a:solidFill>
-                <a:effectLst>
-                  <a:outerShdw blurRad="38100" dist="38100" dir="2700000" algn="tl">
-                    <a:srgbClr val="000000">
-                      <a:alpha val="43137"/>
-                    </a:srgbClr>
-                  </a:outerShdw>
-                </a:effectLst>
-                <a:latin typeface="微軟正黑體" panose="020B0604030504040204" pitchFamily="34" charset="-120"/>
-                <a:ea typeface="微軟正黑體" panose="020B0604030504040204" pitchFamily="34" charset="-120"/>
-              </a:rPr>
-              <a:t>、課前準備</a:t>
-            </a:r>
           </a:p>
         </p:txBody>
       </p:sp>
     </p:spTree>
     <p:extLst>
       <p:ext uri="{BB962C8B-B14F-4D97-AF65-F5344CB8AC3E}">
-        <p14:creationId xmlns:p14="http://schemas.microsoft.com/office/powerpoint/2010/main" val="1404831700"/>
+        <p14:creationId xmlns:p14="http://schemas.microsoft.com/office/powerpoint/2010/main" val="3830444442"/>
       </p:ext>
     </p:extLst>
   </p:cSld>
@@ -18583,7 +17684,7 @@
         <p:spPr>
           <a:xfrm>
             <a:off x="693420" y="1841244"/>
-            <a:ext cx="8077200" cy="3046988"/>
+            <a:ext cx="8077200" cy="2554545"/>
           </a:xfrm>
           <a:prstGeom prst="rect">
             <a:avLst/>
@@ -18596,12 +17697,12 @@
           </a:bodyPr>
           <a:lstStyle/>
           <a:p>
-            <a:pPr marL="514350" indent="-514350">
+            <a:pPr marL="514338" indent="-514338">
               <a:buFont typeface="+mj-lt"/>
-              <a:buAutoNum type="arabicPeriod" startAt="8"/>
+              <a:buAutoNum type="arabicPeriod"/>
             </a:pPr>
             <a:r>
-              <a:rPr kumimoji="1" lang="en-US" altLang="zh-TW" sz="3200" dirty="0">
+              <a:rPr kumimoji="1" lang="zh-TW" altLang="en-US" sz="3200" dirty="0">
                 <a:solidFill>
                   <a:prstClr val="white"/>
                 </a:solidFill>
@@ -18616,25 +17717,7 @@
                 <a:ea typeface="微軟正黑體" panose="020B0604030504040204" pitchFamily="34" charset="-120"/>
                 <a:cs typeface="Heiti TC Light"/>
               </a:rPr>
-              <a:t>CLI</a:t>
-            </a:r>
-            <a:r>
-              <a:rPr kumimoji="1" lang="zh-TW" altLang="en-US" sz="3200" dirty="0">
-                <a:solidFill>
-                  <a:prstClr val="white"/>
-                </a:solidFill>
-                <a:effectLst>
-                  <a:outerShdw blurRad="38100" dist="38100" dir="2700000" algn="tl">
-                    <a:srgbClr val="000000">
-                      <a:alpha val="43137"/>
-                    </a:srgbClr>
-                  </a:outerShdw>
-                </a:effectLst>
-                <a:latin typeface="微軟正黑體" panose="020B0604030504040204" pitchFamily="34" charset="-120"/>
-                <a:ea typeface="微軟正黑體" panose="020B0604030504040204" pitchFamily="34" charset="-120"/>
-                <a:cs typeface="Heiti TC Light"/>
-              </a:rPr>
-              <a:t>的好處：自動化</a:t>
+              <a:t>虛擬環境的重要性</a:t>
             </a:r>
             <a:endParaRPr kumimoji="1" lang="en-US" altLang="zh-TW" sz="3200" dirty="0">
               <a:solidFill>
@@ -18655,10 +17738,10 @@
           <a:p>
             <a:pPr marL="514338" indent="-514338">
               <a:buFont typeface="+mj-lt"/>
-              <a:buAutoNum type="arabicPeriod" startAt="8"/>
+              <a:buAutoNum type="arabicPeriod"/>
             </a:pPr>
             <a:r>
-              <a:rPr kumimoji="1" lang="zh-TW" altLang="en-US" sz="3200" dirty="0">
+              <a:rPr kumimoji="1" lang="en-US" altLang="zh-TW" sz="3200" dirty="0" err="1">
                 <a:solidFill>
                   <a:prstClr val="white"/>
                 </a:solidFill>
@@ -18673,10 +17756,10 @@
                 <a:ea typeface="微軟正黑體" panose="020B0604030504040204" pitchFamily="34" charset="-120"/>
                 <a:cs typeface="Heiti TC Light"/>
               </a:rPr>
-              <a:t>問問題的地方</a:t>
-            </a:r>
-            <a:r>
-              <a:rPr kumimoji="1" lang="en-US" altLang="zh-TW" sz="3200" dirty="0" err="1">
+              <a:t>miniconda</a:t>
+            </a:r>
+            <a:r>
+              <a:rPr kumimoji="1" lang="zh-TW" altLang="en-US" sz="3200" dirty="0">
                 <a:solidFill>
                   <a:prstClr val="white"/>
                 </a:solidFill>
@@ -18691,79 +17774,7 @@
                 <a:ea typeface="微軟正黑體" panose="020B0604030504040204" pitchFamily="34" charset="-120"/>
                 <a:cs typeface="Heiti TC Light"/>
               </a:rPr>
-              <a:t>github</a:t>
-            </a:r>
-            <a:r>
-              <a:rPr kumimoji="1" lang="en-US" altLang="zh-TW" sz="3200" dirty="0">
-                <a:solidFill>
-                  <a:prstClr val="white"/>
-                </a:solidFill>
-                <a:effectLst>
-                  <a:outerShdw blurRad="38100" dist="38100" dir="2700000" algn="tl">
-                    <a:srgbClr val="000000">
-                      <a:alpha val="43137"/>
-                    </a:srgbClr>
-                  </a:outerShdw>
-                </a:effectLst>
-                <a:latin typeface="微軟正黑體" panose="020B0604030504040204" pitchFamily="34" charset="-120"/>
-                <a:ea typeface="微軟正黑體" panose="020B0604030504040204" pitchFamily="34" charset="-120"/>
-                <a:cs typeface="Heiti TC Light"/>
-              </a:rPr>
-              <a:t>, </a:t>
-            </a:r>
-            <a:r>
-              <a:rPr kumimoji="1" lang="en-US" altLang="zh-TW" sz="3200" dirty="0" err="1">
-                <a:solidFill>
-                  <a:prstClr val="white"/>
-                </a:solidFill>
-                <a:effectLst>
-                  <a:outerShdw blurRad="38100" dist="38100" dir="2700000" algn="tl">
-                    <a:srgbClr val="000000">
-                      <a:alpha val="43137"/>
-                    </a:srgbClr>
-                  </a:outerShdw>
-                </a:effectLst>
-                <a:latin typeface="微軟正黑體" panose="020B0604030504040204" pitchFamily="34" charset="-120"/>
-                <a:ea typeface="微軟正黑體" panose="020B0604030504040204" pitchFamily="34" charset="-120"/>
-                <a:cs typeface="Heiti TC Light"/>
-              </a:rPr>
-              <a:t>stackoverflow</a:t>
-            </a:r>
-            <a:r>
-              <a:rPr kumimoji="1" lang="en-US" altLang="zh-TW" sz="3200" dirty="0">
-                <a:solidFill>
-                  <a:prstClr val="white"/>
-                </a:solidFill>
-                <a:effectLst>
-                  <a:outerShdw blurRad="38100" dist="38100" dir="2700000" algn="tl">
-                    <a:srgbClr val="000000">
-                      <a:alpha val="43137"/>
-                    </a:srgbClr>
-                  </a:outerShdw>
-                </a:effectLst>
-                <a:latin typeface="微軟正黑體" panose="020B0604030504040204" pitchFamily="34" charset="-120"/>
-                <a:ea typeface="微軟正黑體" panose="020B0604030504040204" pitchFamily="34" charset="-120"/>
-                <a:cs typeface="Heiti TC Light"/>
-              </a:rPr>
-              <a:t>, reddit </a:t>
-            </a:r>
-            <a:r>
-              <a:rPr kumimoji="1" lang="en-US" altLang="zh-TW" sz="3200" dirty="0" err="1">
-                <a:solidFill>
-                  <a:prstClr val="white"/>
-                </a:solidFill>
-                <a:effectLst>
-                  <a:outerShdw blurRad="38100" dist="38100" dir="2700000" algn="tl">
-                    <a:srgbClr val="000000">
-                      <a:alpha val="43137"/>
-                    </a:srgbClr>
-                  </a:outerShdw>
-                </a:effectLst>
-                <a:latin typeface="微軟正黑體" panose="020B0604030504040204" pitchFamily="34" charset="-120"/>
-                <a:ea typeface="微軟正黑體" panose="020B0604030504040204" pitchFamily="34" charset="-120"/>
-                <a:cs typeface="Heiti TC Light"/>
-              </a:rPr>
-              <a:t>quora</a:t>
+              <a:t>安裝</a:t>
             </a:r>
             <a:endParaRPr kumimoji="1" lang="en-US" altLang="zh-TW" sz="3200" dirty="0">
               <a:solidFill>
@@ -18784,10 +17795,10 @@
           <a:p>
             <a:pPr marL="514338" indent="-514338">
               <a:buFont typeface="+mj-lt"/>
-              <a:buAutoNum type="arabicPeriod" startAt="8"/>
+              <a:buAutoNum type="arabicPeriod"/>
             </a:pPr>
             <a:r>
-              <a:rPr kumimoji="1" lang="zh-TW" altLang="en-US" sz="3200" dirty="0">
+              <a:rPr kumimoji="1" lang="en-US" altLang="zh-TW" sz="3200" dirty="0" err="1">
                 <a:solidFill>
                   <a:prstClr val="white"/>
                 </a:solidFill>
@@ -18802,10 +17813,10 @@
                 <a:ea typeface="微軟正黑體" panose="020B0604030504040204" pitchFamily="34" charset="-120"/>
                 <a:cs typeface="Heiti TC Light"/>
               </a:rPr>
-              <a:t>會做文件筆記</a:t>
-            </a:r>
-            <a:r>
-              <a:rPr kumimoji="1" lang="en-US" altLang="zh-TW" sz="3200" dirty="0">
+              <a:t>linebot</a:t>
+            </a:r>
+            <a:r>
+              <a:rPr kumimoji="1" lang="zh-TW" altLang="en-US" sz="3200" dirty="0">
                 <a:solidFill>
                   <a:prstClr val="white"/>
                 </a:solidFill>
@@ -18820,350 +17831,11 @@
                 <a:ea typeface="微軟正黑體" panose="020B0604030504040204" pitchFamily="34" charset="-120"/>
                 <a:cs typeface="Heiti TC Light"/>
               </a:rPr>
-              <a:t>(</a:t>
-            </a:r>
-            <a:r>
-              <a:rPr kumimoji="1" lang="en-US" altLang="zh-TW" sz="3200" dirty="0" err="1">
-                <a:solidFill>
-                  <a:prstClr val="white"/>
-                </a:solidFill>
-                <a:effectLst>
-                  <a:outerShdw blurRad="38100" dist="38100" dir="2700000" algn="tl">
-                    <a:srgbClr val="000000">
-                      <a:alpha val="43137"/>
-                    </a:srgbClr>
-                  </a:outerShdw>
-                </a:effectLst>
-                <a:latin typeface="微軟正黑體" panose="020B0604030504040204" pitchFamily="34" charset="-120"/>
-                <a:ea typeface="微軟正黑體" panose="020B0604030504040204" pitchFamily="34" charset="-120"/>
-                <a:cs typeface="Heiti TC Light"/>
-              </a:rPr>
-              <a:t>anytype</a:t>
-            </a:r>
-            <a:r>
-              <a:rPr kumimoji="1" lang="en-US" altLang="zh-TW" sz="3200" dirty="0">
-                <a:solidFill>
-                  <a:prstClr val="white"/>
-                </a:solidFill>
-                <a:effectLst>
-                  <a:outerShdw blurRad="38100" dist="38100" dir="2700000" algn="tl">
-                    <a:srgbClr val="000000">
-                      <a:alpha val="43137"/>
-                    </a:srgbClr>
-                  </a:outerShdw>
-                </a:effectLst>
-                <a:latin typeface="微軟正黑體" panose="020B0604030504040204" pitchFamily="34" charset="-120"/>
-                <a:ea typeface="微軟正黑體" panose="020B0604030504040204" pitchFamily="34" charset="-120"/>
-                <a:cs typeface="Heiti TC Light"/>
-              </a:rPr>
-              <a:t>, notion, </a:t>
-            </a:r>
-            <a:r>
-              <a:rPr kumimoji="1" lang="en-US" altLang="zh-TW" sz="3200" dirty="0" err="1">
-                <a:solidFill>
-                  <a:prstClr val="white"/>
-                </a:solidFill>
-                <a:effectLst>
-                  <a:outerShdw blurRad="38100" dist="38100" dir="2700000" algn="tl">
-                    <a:srgbClr val="000000">
-                      <a:alpha val="43137"/>
-                    </a:srgbClr>
-                  </a:outerShdw>
-                </a:effectLst>
-                <a:latin typeface="微軟正黑體" panose="020B0604030504040204" pitchFamily="34" charset="-120"/>
-                <a:ea typeface="微軟正黑體" panose="020B0604030504040204" pitchFamily="34" charset="-120"/>
-                <a:cs typeface="Heiti TC Light"/>
-              </a:rPr>
-              <a:t>MarkDown</a:t>
-            </a:r>
-            <a:r>
-              <a:rPr kumimoji="1" lang="en-US" altLang="zh-TW" sz="3200" dirty="0">
-                <a:solidFill>
-                  <a:prstClr val="white"/>
-                </a:solidFill>
-                <a:effectLst>
-                  <a:outerShdw blurRad="38100" dist="38100" dir="2700000" algn="tl">
-                    <a:srgbClr val="000000">
-                      <a:alpha val="43137"/>
-                    </a:srgbClr>
-                  </a:outerShdw>
-                </a:effectLst>
-                <a:latin typeface="微軟正黑體" panose="020B0604030504040204" pitchFamily="34" charset="-120"/>
-                <a:ea typeface="微軟正黑體" panose="020B0604030504040204" pitchFamily="34" charset="-120"/>
-                <a:cs typeface="Heiti TC Light"/>
-              </a:rPr>
-              <a:t>, </a:t>
-            </a:r>
-            <a:r>
-              <a:rPr kumimoji="1" lang="en-US" altLang="zh-TW" sz="3200" dirty="0" err="1">
-                <a:solidFill>
-                  <a:prstClr val="white"/>
-                </a:solidFill>
-                <a:effectLst>
-                  <a:outerShdw blurRad="38100" dist="38100" dir="2700000" algn="tl">
-                    <a:srgbClr val="000000">
-                      <a:alpha val="43137"/>
-                    </a:srgbClr>
-                  </a:outerShdw>
-                </a:effectLst>
-                <a:latin typeface="微軟正黑體" panose="020B0604030504040204" pitchFamily="34" charset="-120"/>
-                <a:ea typeface="微軟正黑體" panose="020B0604030504040204" pitchFamily="34" charset="-120"/>
-                <a:cs typeface="Heiti TC Light"/>
-              </a:rPr>
-              <a:t>hackmd</a:t>
-            </a:r>
-            <a:r>
-              <a:rPr kumimoji="1" lang="en-US" altLang="zh-TW" sz="3200" dirty="0">
-                <a:solidFill>
-                  <a:prstClr val="white"/>
-                </a:solidFill>
-                <a:effectLst>
-                  <a:outerShdw blurRad="38100" dist="38100" dir="2700000" algn="tl">
-                    <a:srgbClr val="000000">
-                      <a:alpha val="43137"/>
-                    </a:srgbClr>
-                  </a:outerShdw>
-                </a:effectLst>
-                <a:latin typeface="微軟正黑體" panose="020B0604030504040204" pitchFamily="34" charset="-120"/>
-                <a:ea typeface="微軟正黑體" panose="020B0604030504040204" pitchFamily="34" charset="-120"/>
-                <a:cs typeface="Heiti TC Light"/>
-              </a:rPr>
-              <a:t>, </a:t>
-            </a:r>
-            <a:r>
-              <a:rPr kumimoji="1" lang="en-US" altLang="zh-TW" sz="3200" dirty="0" err="1">
-                <a:solidFill>
-                  <a:prstClr val="white"/>
-                </a:solidFill>
-                <a:effectLst>
-                  <a:outerShdw blurRad="38100" dist="38100" dir="2700000" algn="tl">
-                    <a:srgbClr val="000000">
-                      <a:alpha val="43137"/>
-                    </a:srgbClr>
-                  </a:outerShdw>
-                </a:effectLst>
-                <a:latin typeface="微軟正黑體" panose="020B0604030504040204" pitchFamily="34" charset="-120"/>
-                <a:ea typeface="微軟正黑體" panose="020B0604030504040204" pitchFamily="34" charset="-120"/>
-                <a:cs typeface="Heiti TC Light"/>
-              </a:rPr>
-              <a:t>github</a:t>
-            </a:r>
-            <a:r>
-              <a:rPr kumimoji="1" lang="en-US" altLang="zh-TW" sz="3200" dirty="0">
-                <a:solidFill>
-                  <a:prstClr val="white"/>
-                </a:solidFill>
-                <a:effectLst>
-                  <a:outerShdw blurRad="38100" dist="38100" dir="2700000" algn="tl">
-                    <a:srgbClr val="000000">
-                      <a:alpha val="43137"/>
-                    </a:srgbClr>
-                  </a:outerShdw>
-                </a:effectLst>
-                <a:latin typeface="微軟正黑體" panose="020B0604030504040204" pitchFamily="34" charset="-120"/>
-                <a:ea typeface="微軟正黑體" panose="020B0604030504040204" pitchFamily="34" charset="-120"/>
-                <a:cs typeface="Heiti TC Light"/>
-              </a:rPr>
-              <a:t>)</a:t>
-            </a:r>
-          </a:p>
-          <a:p>
-            <a:pPr marL="514338" indent="-514338">
-              <a:buFont typeface="+mj-lt"/>
-              <a:buAutoNum type="arabicPeriod" startAt="8"/>
-            </a:pPr>
-            <a:r>
-              <a:rPr kumimoji="1" lang="zh-TW" altLang="en-US" sz="3200" dirty="0">
-                <a:solidFill>
-                  <a:prstClr val="white"/>
-                </a:solidFill>
-                <a:effectLst>
-                  <a:outerShdw blurRad="38100" dist="38100" dir="2700000" algn="tl">
-                    <a:srgbClr val="000000">
-                      <a:alpha val="43137"/>
-                    </a:srgbClr>
-                  </a:outerShdw>
-                </a:effectLst>
-                <a:latin typeface="微軟正黑體" panose="020B0604030504040204" pitchFamily="34" charset="-120"/>
-                <a:ea typeface="微軟正黑體" panose="020B0604030504040204" pitchFamily="34" charset="-120"/>
-                <a:cs typeface="Heiti TC Light"/>
-              </a:rPr>
-              <a:t>善用工具</a:t>
-            </a:r>
-            <a:r>
-              <a:rPr kumimoji="1" lang="en-US" altLang="zh-TW" sz="3200" dirty="0">
-                <a:solidFill>
-                  <a:prstClr val="white"/>
-                </a:solidFill>
-                <a:effectLst>
-                  <a:outerShdw blurRad="38100" dist="38100" dir="2700000" algn="tl">
-                    <a:srgbClr val="000000">
-                      <a:alpha val="43137"/>
-                    </a:srgbClr>
-                  </a:outerShdw>
-                </a:effectLst>
-                <a:latin typeface="微軟正黑體" panose="020B0604030504040204" pitchFamily="34" charset="-120"/>
-                <a:ea typeface="微軟正黑體" panose="020B0604030504040204" pitchFamily="34" charset="-120"/>
-                <a:cs typeface="Heiti TC Light"/>
-              </a:rPr>
-              <a:t>(</a:t>
-            </a:r>
-            <a:r>
-              <a:rPr kumimoji="1" lang="en-US" altLang="zh-TW" sz="3200" dirty="0" err="1">
-                <a:solidFill>
-                  <a:prstClr val="white"/>
-                </a:solidFill>
-                <a:effectLst>
-                  <a:outerShdw blurRad="38100" dist="38100" dir="2700000" algn="tl">
-                    <a:srgbClr val="000000">
-                      <a:alpha val="43137"/>
-                    </a:srgbClr>
-                  </a:outerShdw>
-                </a:effectLst>
-                <a:latin typeface="微軟正黑體" panose="020B0604030504040204" pitchFamily="34" charset="-120"/>
-                <a:ea typeface="微軟正黑體" panose="020B0604030504040204" pitchFamily="34" charset="-120"/>
-                <a:cs typeface="Heiti TC Light"/>
-              </a:rPr>
-              <a:t>github</a:t>
-            </a:r>
-            <a:r>
-              <a:rPr kumimoji="1" lang="en-US" altLang="zh-TW" sz="3200" dirty="0">
-                <a:solidFill>
-                  <a:prstClr val="white"/>
-                </a:solidFill>
-                <a:effectLst>
-                  <a:outerShdw blurRad="38100" dist="38100" dir="2700000" algn="tl">
-                    <a:srgbClr val="000000">
-                      <a:alpha val="43137"/>
-                    </a:srgbClr>
-                  </a:outerShdw>
-                </a:effectLst>
-                <a:latin typeface="微軟正黑體" panose="020B0604030504040204" pitchFamily="34" charset="-120"/>
-                <a:ea typeface="微軟正黑體" panose="020B0604030504040204" pitchFamily="34" charset="-120"/>
-                <a:cs typeface="Heiti TC Light"/>
-              </a:rPr>
-              <a:t> copilot)</a:t>
-            </a:r>
-          </a:p>
-        </p:txBody>
-      </p:sp>
-      <p:sp>
-        <p:nvSpPr>
-          <p:cNvPr id="4" name="文字版面配置區 2"/>
-          <p:cNvSpPr txBox="1">
-            <a:spLocks/>
-          </p:cNvSpPr>
-          <p:nvPr/>
-        </p:nvSpPr>
-        <p:spPr>
-          <a:xfrm>
-            <a:off x="2186940" y="304800"/>
-            <a:ext cx="4876800" cy="990600"/>
-          </a:xfrm>
-          <a:prstGeom prst="rect">
-            <a:avLst/>
-          </a:prstGeom>
-        </p:spPr>
-        <p:txBody>
-          <a:bodyPr tIns="91440" bIns="91440" anchor="b" anchorCtr="0">
-            <a:noAutofit/>
-          </a:bodyPr>
-          <a:lstStyle/>
-          <a:p>
-            <a:pPr algn="just">
-              <a:spcBef>
-                <a:spcPct val="20000"/>
-              </a:spcBef>
-              <a:defRPr/>
-            </a:pPr>
-            <a:r>
-              <a:rPr lang="en-US" altLang="zh-TW" sz="4800" b="1" kern="0" dirty="0">
-                <a:solidFill>
-                  <a:srgbClr val="00B0F0"/>
-                </a:solidFill>
-                <a:effectLst>
-                  <a:outerShdw blurRad="38100" dist="38100" dir="2700000" algn="tl">
-                    <a:srgbClr val="000000">
-                      <a:alpha val="43137"/>
-                    </a:srgbClr>
-                  </a:outerShdw>
-                </a:effectLst>
-                <a:latin typeface="微軟正黑體" panose="020B0604030504040204" pitchFamily="34" charset="-120"/>
-                <a:ea typeface="微軟正黑體" panose="020B0604030504040204" pitchFamily="34" charset="-120"/>
-              </a:rPr>
-              <a:t>1</a:t>
-            </a:r>
-            <a:r>
-              <a:rPr lang="zh-TW" altLang="en-US" sz="4800" b="1" kern="0" dirty="0">
-                <a:solidFill>
-                  <a:srgbClr val="00B0F0"/>
-                </a:solidFill>
-                <a:effectLst>
-                  <a:outerShdw blurRad="38100" dist="38100" dir="2700000" algn="tl">
-                    <a:srgbClr val="000000">
-                      <a:alpha val="43137"/>
-                    </a:srgbClr>
-                  </a:outerShdw>
-                </a:effectLst>
-                <a:latin typeface="微軟正黑體" panose="020B0604030504040204" pitchFamily="34" charset="-120"/>
-                <a:ea typeface="微軟正黑體" panose="020B0604030504040204" pitchFamily="34" charset="-120"/>
-              </a:rPr>
-              <a:t>、課前準備</a:t>
-            </a:r>
-            <a:r>
-              <a:rPr lang="en-US" altLang="zh-TW" sz="4800" b="1" kern="0" dirty="0">
-                <a:solidFill>
-                  <a:srgbClr val="00B0F0"/>
-                </a:solidFill>
-                <a:effectLst>
-                  <a:outerShdw blurRad="38100" dist="38100" dir="2700000" algn="tl">
-                    <a:srgbClr val="000000">
-                      <a:alpha val="43137"/>
-                    </a:srgbClr>
-                  </a:outerShdw>
-                </a:effectLst>
-                <a:latin typeface="微軟正黑體" panose="020B0604030504040204" pitchFamily="34" charset="-120"/>
-                <a:ea typeface="微軟正黑體" panose="020B0604030504040204" pitchFamily="34" charset="-120"/>
-              </a:rPr>
-              <a:t>(</a:t>
-            </a:r>
-            <a:r>
-              <a:rPr lang="zh-TW" altLang="en-US" sz="4800" b="1" kern="0" dirty="0">
-                <a:solidFill>
-                  <a:srgbClr val="00B0F0"/>
-                </a:solidFill>
-                <a:effectLst>
-                  <a:outerShdw blurRad="38100" dist="38100" dir="2700000" algn="tl">
-                    <a:srgbClr val="000000">
-                      <a:alpha val="43137"/>
-                    </a:srgbClr>
-                  </a:outerShdw>
-                </a:effectLst>
-                <a:latin typeface="微軟正黑體" panose="020B0604030504040204" pitchFamily="34" charset="-120"/>
-                <a:ea typeface="微軟正黑體" panose="020B0604030504040204" pitchFamily="34" charset="-120"/>
-              </a:rPr>
-              <a:t>續</a:t>
-            </a:r>
-            <a:r>
-              <a:rPr lang="en-US" altLang="zh-TW" sz="4800" b="1" kern="0" dirty="0">
-                <a:solidFill>
-                  <a:srgbClr val="00B0F0"/>
-                </a:solidFill>
-                <a:effectLst>
-                  <a:outerShdw blurRad="38100" dist="38100" dir="2700000" algn="tl">
-                    <a:srgbClr val="000000">
-                      <a:alpha val="43137"/>
-                    </a:srgbClr>
-                  </a:outerShdw>
-                </a:effectLst>
-                <a:latin typeface="微軟正黑體" panose="020B0604030504040204" pitchFamily="34" charset="-120"/>
-                <a:ea typeface="微軟正黑體" panose="020B0604030504040204" pitchFamily="34" charset="-120"/>
-              </a:rPr>
-              <a:t>)</a:t>
-            </a:r>
-            <a:endParaRPr lang="zh-TW" altLang="en-US" sz="4800" b="1" kern="0" dirty="0">
+              <a:t>開發虛擬環境安裝</a:t>
+            </a:r>
+            <a:endParaRPr kumimoji="1" lang="en-US" altLang="zh-TW" sz="3200" dirty="0">
               <a:solidFill>
-                <a:srgbClr val="00B0F0"/>
+                <a:prstClr val="white"/>
               </a:solidFill>
               <a:effectLst>
                 <a:outerShdw blurRad="38100" dist="38100" dir="2700000" algn="tl">
@@ -19174,14 +17846,213 @@
               </a:effectLst>
               <a:latin typeface="微軟正黑體" panose="020B0604030504040204" pitchFamily="34" charset="-120"/>
               <a:ea typeface="微軟正黑體" panose="020B0604030504040204" pitchFamily="34" charset="-120"/>
+              <a:cs typeface="Heiti TC Light"/>
             </a:endParaRPr>
+          </a:p>
+          <a:p>
+            <a:pPr marL="514338" indent="-514338">
+              <a:buFont typeface="+mj-lt"/>
+              <a:buAutoNum type="arabicPeriod"/>
+            </a:pPr>
+            <a:r>
+              <a:rPr kumimoji="1" lang="en-US" altLang="zh-TW" sz="3200" dirty="0" err="1">
+                <a:solidFill>
+                  <a:prstClr val="white"/>
+                </a:solidFill>
+                <a:effectLst>
+                  <a:outerShdw blurRad="38100" dist="38100" dir="2700000" algn="tl">
+                    <a:srgbClr val="000000">
+                      <a:alpha val="43137"/>
+                    </a:srgbClr>
+                  </a:outerShdw>
+                </a:effectLst>
+                <a:latin typeface="微軟正黑體" panose="020B0604030504040204" pitchFamily="34" charset="-120"/>
+                <a:ea typeface="微軟正黑體" panose="020B0604030504040204" pitchFamily="34" charset="-120"/>
+                <a:cs typeface="Heiti TC Light"/>
+              </a:rPr>
+              <a:t>vscode</a:t>
+            </a:r>
+            <a:r>
+              <a:rPr kumimoji="1" lang="zh-TW" altLang="en-US" sz="3200" dirty="0">
+                <a:solidFill>
+                  <a:prstClr val="white"/>
+                </a:solidFill>
+                <a:effectLst>
+                  <a:outerShdw blurRad="38100" dist="38100" dir="2700000" algn="tl">
+                    <a:srgbClr val="000000">
+                      <a:alpha val="43137"/>
+                    </a:srgbClr>
+                  </a:outerShdw>
+                </a:effectLst>
+                <a:latin typeface="微軟正黑體" panose="020B0604030504040204" pitchFamily="34" charset="-120"/>
+                <a:ea typeface="微軟正黑體" panose="020B0604030504040204" pitchFamily="34" charset="-120"/>
+                <a:cs typeface="Heiti TC Light"/>
+              </a:rPr>
+              <a:t>能使用開發環境，安裝外掛套件</a:t>
+            </a:r>
+            <a:endParaRPr kumimoji="1" lang="en-US" altLang="zh-TW" sz="3200" dirty="0">
+              <a:solidFill>
+                <a:prstClr val="white"/>
+              </a:solidFill>
+              <a:effectLst>
+                <a:outerShdw blurRad="38100" dist="38100" dir="2700000" algn="tl">
+                  <a:srgbClr val="000000">
+                    <a:alpha val="43137"/>
+                  </a:srgbClr>
+                </a:outerShdw>
+              </a:effectLst>
+              <a:latin typeface="微軟正黑體" panose="020B0604030504040204" pitchFamily="34" charset="-120"/>
+              <a:ea typeface="微軟正黑體" panose="020B0604030504040204" pitchFamily="34" charset="-120"/>
+              <a:cs typeface="Heiti TC Light"/>
+            </a:endParaRPr>
+          </a:p>
+          <a:p>
+            <a:pPr marL="514338" indent="-514338">
+              <a:buFont typeface="+mj-lt"/>
+              <a:buAutoNum type="arabicPeriod"/>
+            </a:pPr>
+            <a:r>
+              <a:rPr kumimoji="1" lang="en-US" altLang="zh-TW" sz="3200" dirty="0">
+                <a:solidFill>
+                  <a:prstClr val="white"/>
+                </a:solidFill>
+                <a:effectLst>
+                  <a:outerShdw blurRad="38100" dist="38100" dir="2700000" algn="tl">
+                    <a:srgbClr val="000000">
+                      <a:alpha val="43137"/>
+                    </a:srgbClr>
+                  </a:outerShdw>
+                </a:effectLst>
+                <a:latin typeface="微軟正黑體" panose="020B0604030504040204" pitchFamily="34" charset="-120"/>
+                <a:ea typeface="微軟正黑體" panose="020B0604030504040204" pitchFamily="34" charset="-120"/>
+                <a:cs typeface="Heiti TC Light"/>
+              </a:rPr>
+              <a:t>git/</a:t>
+            </a:r>
+            <a:r>
+              <a:rPr kumimoji="1" lang="en-US" altLang="zh-TW" sz="3200" dirty="0" err="1">
+                <a:solidFill>
+                  <a:prstClr val="white"/>
+                </a:solidFill>
+                <a:effectLst>
+                  <a:outerShdw blurRad="38100" dist="38100" dir="2700000" algn="tl">
+                    <a:srgbClr val="000000">
+                      <a:alpha val="43137"/>
+                    </a:srgbClr>
+                  </a:outerShdw>
+                </a:effectLst>
+                <a:latin typeface="微軟正黑體" panose="020B0604030504040204" pitchFamily="34" charset="-120"/>
+                <a:ea typeface="微軟正黑體" panose="020B0604030504040204" pitchFamily="34" charset="-120"/>
+                <a:cs typeface="Heiti TC Light"/>
+              </a:rPr>
+              <a:t>github</a:t>
+            </a:r>
+            <a:r>
+              <a:rPr kumimoji="1" lang="zh-TW" altLang="en-US" sz="3200" dirty="0">
+                <a:solidFill>
+                  <a:prstClr val="white"/>
+                </a:solidFill>
+                <a:effectLst>
+                  <a:outerShdw blurRad="38100" dist="38100" dir="2700000" algn="tl">
+                    <a:srgbClr val="000000">
+                      <a:alpha val="43137"/>
+                    </a:srgbClr>
+                  </a:outerShdw>
+                </a:effectLst>
+                <a:latin typeface="微軟正黑體" panose="020B0604030504040204" pitchFamily="34" charset="-120"/>
+                <a:ea typeface="微軟正黑體" panose="020B0604030504040204" pitchFamily="34" charset="-120"/>
+                <a:cs typeface="Heiti TC Light"/>
+              </a:rPr>
+              <a:t>備份程式碼</a:t>
+            </a:r>
+            <a:endParaRPr kumimoji="1" lang="en-US" altLang="zh-TW" sz="3200" dirty="0">
+              <a:solidFill>
+                <a:prstClr val="white"/>
+              </a:solidFill>
+              <a:effectLst>
+                <a:outerShdw blurRad="38100" dist="38100" dir="2700000" algn="tl">
+                  <a:srgbClr val="000000">
+                    <a:alpha val="43137"/>
+                  </a:srgbClr>
+                </a:outerShdw>
+              </a:effectLst>
+              <a:latin typeface="微軟正黑體" panose="020B0604030504040204" pitchFamily="34" charset="-120"/>
+              <a:ea typeface="微軟正黑體" panose="020B0604030504040204" pitchFamily="34" charset="-120"/>
+              <a:cs typeface="Heiti TC Light"/>
+            </a:endParaRPr>
+          </a:p>
+        </p:txBody>
+      </p:sp>
+      <p:sp>
+        <p:nvSpPr>
+          <p:cNvPr id="4" name="文字版面配置區 2"/>
+          <p:cNvSpPr txBox="1">
+            <a:spLocks/>
+          </p:cNvSpPr>
+          <p:nvPr/>
+        </p:nvSpPr>
+        <p:spPr>
+          <a:xfrm>
+            <a:off x="1196340" y="304800"/>
+            <a:ext cx="7063740" cy="990600"/>
+          </a:xfrm>
+          <a:prstGeom prst="rect">
+            <a:avLst/>
+          </a:prstGeom>
+        </p:spPr>
+        <p:txBody>
+          <a:bodyPr tIns="91440" bIns="91440" anchor="b" anchorCtr="0">
+            <a:noAutofit/>
+          </a:bodyPr>
+          <a:lstStyle/>
+          <a:p>
+            <a:pPr algn="just">
+              <a:spcBef>
+                <a:spcPct val="20000"/>
+              </a:spcBef>
+              <a:defRPr/>
+            </a:pPr>
+            <a:r>
+              <a:rPr lang="en-US" altLang="zh-TW" sz="4800" b="1" kern="0" dirty="0">
+                <a:solidFill>
+                  <a:srgbClr val="00B0F0"/>
+                </a:solidFill>
+                <a:effectLst>
+                  <a:outerShdw blurRad="38100" dist="38100" dir="2700000" algn="tl">
+                    <a:srgbClr val="000000">
+                      <a:alpha val="43137"/>
+                    </a:srgbClr>
+                  </a:outerShdw>
+                </a:effectLst>
+                <a:latin typeface="微軟正黑體" panose="020B0604030504040204" pitchFamily="34" charset="-120"/>
+                <a:ea typeface="微軟正黑體" panose="020B0604030504040204" pitchFamily="34" charset="-120"/>
+              </a:rPr>
+              <a:t>2</a:t>
+            </a:r>
+            <a:r>
+              <a:rPr lang="zh-TW" altLang="en-US" sz="4800" b="1" kern="0" dirty="0">
+                <a:solidFill>
+                  <a:srgbClr val="00B0F0"/>
+                </a:solidFill>
+                <a:effectLst>
+                  <a:outerShdw blurRad="38100" dist="38100" dir="2700000" algn="tl">
+                    <a:srgbClr val="000000">
+                      <a:alpha val="43137"/>
+                    </a:srgbClr>
+                  </a:outerShdw>
+                </a:effectLst>
+                <a:latin typeface="微軟正黑體" panose="020B0604030504040204" pitchFamily="34" charset="-120"/>
+                <a:ea typeface="微軟正黑體" panose="020B0604030504040204" pitchFamily="34" charset="-120"/>
+              </a:rPr>
+              <a:t>、開發環境安裝及測試</a:t>
+            </a:r>
           </a:p>
         </p:txBody>
       </p:sp>
     </p:spTree>
     <p:extLst>
       <p:ext uri="{BB962C8B-B14F-4D97-AF65-F5344CB8AC3E}">
-        <p14:creationId xmlns:p14="http://schemas.microsoft.com/office/powerpoint/2010/main" val="3830444442"/>
+        <p14:creationId xmlns:p14="http://schemas.microsoft.com/office/powerpoint/2010/main" val="3695340447"/>
       </p:ext>
     </p:extLst>
   </p:cSld>
@@ -19220,7 +18091,7 @@
         <p:spPr>
           <a:xfrm>
             <a:off x="693420" y="1841244"/>
-            <a:ext cx="8077200" cy="2554545"/>
+            <a:ext cx="8077200" cy="3046988"/>
           </a:xfrm>
           <a:prstGeom prst="rect">
             <a:avLst/>
@@ -19238,7 +18109,7 @@
               <a:buAutoNum type="arabicPeriod"/>
             </a:pPr>
             <a:r>
-              <a:rPr kumimoji="1" lang="zh-TW" altLang="en-US" sz="3200" dirty="0">
+              <a:rPr kumimoji="1" lang="en-US" altLang="zh-TW" sz="3200" dirty="0">
                 <a:solidFill>
                   <a:prstClr val="white"/>
                 </a:solidFill>
@@ -19253,7 +18124,61 @@
                 <a:ea typeface="微軟正黑體" panose="020B0604030504040204" pitchFamily="34" charset="-120"/>
                 <a:cs typeface="Heiti TC Light"/>
               </a:rPr>
-              <a:t>虛擬環境的重要性</a:t>
+              <a:t>LINE</a:t>
+            </a:r>
+            <a:r>
+              <a:rPr kumimoji="1" lang="zh-TW" altLang="en-US" sz="3200" dirty="0">
+                <a:solidFill>
+                  <a:prstClr val="white"/>
+                </a:solidFill>
+                <a:effectLst>
+                  <a:outerShdw blurRad="38100" dist="38100" dir="2700000" algn="tl">
+                    <a:srgbClr val="000000">
+                      <a:alpha val="43137"/>
+                    </a:srgbClr>
+                  </a:outerShdw>
+                </a:effectLst>
+                <a:latin typeface="微軟正黑體" panose="020B0604030504040204" pitchFamily="34" charset="-120"/>
+                <a:ea typeface="微軟正黑體" panose="020B0604030504040204" pitchFamily="34" charset="-120"/>
+                <a:cs typeface="Heiti TC Light"/>
+              </a:rPr>
+              <a:t>平台帳號和一般</a:t>
+            </a:r>
+            <a:r>
+              <a:rPr kumimoji="1" lang="en-US" altLang="zh-TW" sz="3200" dirty="0">
+                <a:solidFill>
+                  <a:prstClr val="white"/>
+                </a:solidFill>
+                <a:effectLst>
+                  <a:outerShdw blurRad="38100" dist="38100" dir="2700000" algn="tl">
+                    <a:srgbClr val="000000">
+                      <a:alpha val="43137"/>
+                    </a:srgbClr>
+                  </a:outerShdw>
+                </a:effectLst>
+                <a:latin typeface="微軟正黑體" panose="020B0604030504040204" pitchFamily="34" charset="-120"/>
+                <a:ea typeface="微軟正黑體" panose="020B0604030504040204" pitchFamily="34" charset="-120"/>
+                <a:cs typeface="Heiti TC Light"/>
+              </a:rPr>
+              <a:t>LINE</a:t>
+            </a:r>
+            <a:r>
+              <a:rPr kumimoji="1" lang="zh-TW" altLang="en-US" sz="3200" dirty="0">
+                <a:solidFill>
+                  <a:prstClr val="white"/>
+                </a:solidFill>
+                <a:effectLst>
+                  <a:outerShdw blurRad="38100" dist="38100" dir="2700000" algn="tl">
+                    <a:srgbClr val="000000">
+                      <a:alpha val="43137"/>
+                    </a:srgbClr>
+                  </a:outerShdw>
+                </a:effectLst>
+                <a:latin typeface="微軟正黑體" panose="020B0604030504040204" pitchFamily="34" charset="-120"/>
+                <a:ea typeface="微軟正黑體" panose="020B0604030504040204" pitchFamily="34" charset="-120"/>
+                <a:cs typeface="Heiti TC Light"/>
+              </a:rPr>
+              <a:t>帳號</a:t>
             </a:r>
             <a:endParaRPr kumimoji="1" lang="en-US" altLang="zh-TW" sz="3200" dirty="0">
               <a:solidFill>
@@ -19277,7 +18202,7 @@
               <a:buAutoNum type="arabicPeriod"/>
             </a:pPr>
             <a:r>
-              <a:rPr kumimoji="1" lang="en-US" altLang="zh-TW" sz="3200" dirty="0" err="1">
+              <a:rPr kumimoji="1" lang="en-US" altLang="zh-TW" sz="3200" dirty="0">
                 <a:solidFill>
                   <a:prstClr val="white"/>
                 </a:solidFill>
@@ -19292,10 +18217,16 @@
                 <a:ea typeface="微軟正黑體" panose="020B0604030504040204" pitchFamily="34" charset="-120"/>
                 <a:cs typeface="Heiti TC Light"/>
               </a:rPr>
-              <a:t>miniconda</a:t>
-            </a:r>
-            <a:r>
-              <a:rPr kumimoji="1" lang="zh-TW" altLang="en-US" sz="3200" dirty="0">
+              <a:t>Provider</a:t>
+            </a:r>
+          </a:p>
+          <a:p>
+            <a:pPr marL="514338" indent="-514338">
+              <a:buFont typeface="+mj-lt"/>
+              <a:buAutoNum type="arabicPeriod"/>
+            </a:pPr>
+            <a:r>
+              <a:rPr kumimoji="1" lang="en-US" altLang="zh-TW" sz="3200" dirty="0">
                 <a:solidFill>
                   <a:prstClr val="white"/>
                 </a:solidFill>
@@ -19310,7 +18241,97 @@
                 <a:ea typeface="微軟正黑體" panose="020B0604030504040204" pitchFamily="34" charset="-120"/>
                 <a:cs typeface="Heiti TC Light"/>
               </a:rPr>
-              <a:t>安裝</a:t>
+              <a:t>Developer</a:t>
+            </a:r>
+          </a:p>
+          <a:p>
+            <a:pPr marL="514338" indent="-514338">
+              <a:buFont typeface="+mj-lt"/>
+              <a:buAutoNum type="arabicPeriod"/>
+            </a:pPr>
+            <a:r>
+              <a:rPr kumimoji="1" lang="en-US" altLang="zh-TW" sz="3200" dirty="0">
+                <a:solidFill>
+                  <a:prstClr val="white"/>
+                </a:solidFill>
+                <a:effectLst>
+                  <a:outerShdw blurRad="38100" dist="38100" dir="2700000" algn="tl">
+                    <a:srgbClr val="000000">
+                      <a:alpha val="43137"/>
+                    </a:srgbClr>
+                  </a:outerShdw>
+                </a:effectLst>
+                <a:latin typeface="微軟正黑體" panose="020B0604030504040204" pitchFamily="34" charset="-120"/>
+                <a:ea typeface="微軟正黑體" panose="020B0604030504040204" pitchFamily="34" charset="-120"/>
+                <a:cs typeface="Heiti TC Light"/>
+              </a:rPr>
+              <a:t>Channel</a:t>
+            </a:r>
+          </a:p>
+          <a:p>
+            <a:pPr marL="514338" indent="-514338">
+              <a:buFont typeface="+mj-lt"/>
+              <a:buAutoNum type="arabicPeriod"/>
+            </a:pPr>
+            <a:r>
+              <a:rPr kumimoji="1" lang="zh-TW" altLang="en-US" sz="3200" dirty="0">
+                <a:solidFill>
+                  <a:prstClr val="white"/>
+                </a:solidFill>
+                <a:effectLst>
+                  <a:outerShdw blurRad="38100" dist="38100" dir="2700000" algn="tl">
+                    <a:srgbClr val="000000">
+                      <a:alpha val="43137"/>
+                    </a:srgbClr>
+                  </a:outerShdw>
+                </a:effectLst>
+                <a:latin typeface="微軟正黑體" panose="020B0604030504040204" pitchFamily="34" charset="-120"/>
+                <a:ea typeface="微軟正黑體" panose="020B0604030504040204" pitchFamily="34" charset="-120"/>
+                <a:cs typeface="Heiti TC Light"/>
+              </a:rPr>
+              <a:t>使用</a:t>
+            </a:r>
+            <a:r>
+              <a:rPr kumimoji="1" lang="en-US" altLang="zh-TW" sz="3200" dirty="0">
+                <a:solidFill>
+                  <a:prstClr val="white"/>
+                </a:solidFill>
+                <a:effectLst>
+                  <a:outerShdw blurRad="38100" dist="38100" dir="2700000" algn="tl">
+                    <a:srgbClr val="000000">
+                      <a:alpha val="43137"/>
+                    </a:srgbClr>
+                  </a:outerShdw>
+                </a:effectLst>
+                <a:latin typeface="微軟正黑體" panose="020B0604030504040204" pitchFamily="34" charset="-120"/>
+                <a:ea typeface="微軟正黑體" panose="020B0604030504040204" pitchFamily="34" charset="-120"/>
+                <a:cs typeface="Heiti TC Light"/>
+              </a:rPr>
+              <a:t>Message API</a:t>
+            </a:r>
+          </a:p>
+          <a:p>
+            <a:pPr marL="514338" indent="-514338">
+              <a:buFont typeface="+mj-lt"/>
+              <a:buAutoNum type="arabicPeriod"/>
+            </a:pPr>
+            <a:r>
+              <a:rPr kumimoji="1" lang="zh-TW" altLang="en-US" sz="3200" dirty="0">
+                <a:solidFill>
+                  <a:prstClr val="white"/>
+                </a:solidFill>
+                <a:effectLst>
+                  <a:outerShdw blurRad="38100" dist="38100" dir="2700000" algn="tl">
+                    <a:srgbClr val="000000">
+                      <a:alpha val="43137"/>
+                    </a:srgbClr>
+                  </a:outerShdw>
+                </a:effectLst>
+                <a:latin typeface="微軟正黑體" panose="020B0604030504040204" pitchFamily="34" charset="-120"/>
+                <a:ea typeface="微軟正黑體" panose="020B0604030504040204" pitchFamily="34" charset="-120"/>
+                <a:cs typeface="Heiti TC Light"/>
+              </a:rPr>
+              <a:t>機器人開發流程</a:t>
             </a:r>
             <a:endParaRPr kumimoji="1" lang="en-US" altLang="zh-TW" sz="3200" dirty="0">
               <a:solidFill>
@@ -19328,15 +18349,41 @@
               <a:cs typeface="Heiti TC Light"/>
             </a:endParaRPr>
           </a:p>
-          <a:p>
-            <a:pPr marL="514338" indent="-514338">
-              <a:buFont typeface="+mj-lt"/>
-              <a:buAutoNum type="arabicPeriod"/>
+        </p:txBody>
+      </p:sp>
+      <p:sp>
+        <p:nvSpPr>
+          <p:cNvPr id="4" name="文字版面配置區 2"/>
+          <p:cNvSpPr txBox="1">
+            <a:spLocks/>
+          </p:cNvSpPr>
+          <p:nvPr/>
+        </p:nvSpPr>
+        <p:spPr>
+          <a:xfrm>
+            <a:off x="1196340" y="304800"/>
+            <a:ext cx="7063740" cy="990600"/>
+          </a:xfrm>
+          <a:prstGeom prst="rect">
+            <a:avLst/>
+          </a:prstGeom>
+        </p:spPr>
+        <p:txBody>
+          <a:bodyPr tIns="91440" bIns="91440" anchor="b" anchorCtr="0">
+            <a:noAutofit/>
+          </a:bodyPr>
+          <a:lstStyle/>
+          <a:p>
+            <a:pPr algn="just">
+              <a:spcBef>
+                <a:spcPct val="20000"/>
+              </a:spcBef>
+              <a:defRPr/>
             </a:pPr>
             <a:r>
-              <a:rPr kumimoji="1" lang="en-US" altLang="zh-TW" sz="3200" dirty="0" err="1">
-                <a:solidFill>
-                  <a:prstClr val="white"/>
+              <a:rPr lang="en-US" altLang="zh-TW" sz="4800" b="1" kern="0" dirty="0">
+                <a:solidFill>
+                  <a:srgbClr val="00B0F0"/>
                 </a:solidFill>
                 <a:effectLst>
                   <a:outerShdw blurRad="38100" dist="38100" dir="2700000" algn="tl">
@@ -19347,14 +18394,13 @@
                 </a:effectLst>
                 <a:latin typeface="微軟正黑體" panose="020B0604030504040204" pitchFamily="34" charset="-120"/>
                 <a:ea typeface="微軟正黑體" panose="020B0604030504040204" pitchFamily="34" charset="-120"/>
-                <a:cs typeface="Heiti TC Light"/>
-              </a:rPr>
-              <a:t>linebot</a:t>
-            </a:r>
-            <a:r>
-              <a:rPr kumimoji="1" lang="zh-TW" altLang="en-US" sz="3200" dirty="0">
-                <a:solidFill>
-                  <a:prstClr val="white"/>
+              </a:rPr>
+              <a:t>3</a:t>
+            </a:r>
+            <a:r>
+              <a:rPr lang="zh-TW" altLang="en-US" sz="4800" b="1" kern="0" dirty="0">
+                <a:solidFill>
+                  <a:srgbClr val="00B0F0"/>
                 </a:solidFill>
                 <a:effectLst>
                   <a:outerShdw blurRad="38100" dist="38100" dir="2700000" algn="tl">
@@ -19365,13 +18411,48 @@
                 </a:effectLst>
                 <a:latin typeface="微軟正黑體" panose="020B0604030504040204" pitchFamily="34" charset="-120"/>
                 <a:ea typeface="微軟正黑體" panose="020B0604030504040204" pitchFamily="34" charset="-120"/>
+              </a:rPr>
+              <a:t>、</a:t>
+            </a:r>
+            <a:r>
+              <a:rPr kumimoji="1" lang="en-US" altLang="zh-TW" sz="4800" b="1" dirty="0">
+                <a:solidFill>
+                  <a:srgbClr val="00B0F0"/>
+                </a:solidFill>
+                <a:effectLst>
+                  <a:outerShdw blurRad="38100" dist="38100" dir="2700000" algn="tl">
+                    <a:srgbClr val="000000">
+                      <a:alpha val="43137"/>
+                    </a:srgbClr>
+                  </a:outerShdw>
+                </a:effectLst>
+                <a:latin typeface="微軟正黑體" panose="020B0604030504040204" pitchFamily="34" charset="-120"/>
+                <a:ea typeface="微軟正黑體" panose="020B0604030504040204" pitchFamily="34" charset="-120"/>
                 <a:cs typeface="Heiti TC Light"/>
               </a:rPr>
-              <a:t>開發虛擬環境安裝</a:t>
-            </a:r>
-            <a:endParaRPr kumimoji="1" lang="en-US" altLang="zh-TW" sz="3200" dirty="0">
+              <a:t>LINE</a:t>
+            </a:r>
+            <a:r>
+              <a:rPr kumimoji="1" lang="zh-TW" altLang="en-US" sz="4800" b="1" dirty="0">
+                <a:solidFill>
+                  <a:srgbClr val="00B0F0"/>
+                </a:solidFill>
+                <a:effectLst>
+                  <a:outerShdw blurRad="38100" dist="38100" dir="2700000" algn="tl">
+                    <a:srgbClr val="000000">
+                      <a:alpha val="43137"/>
+                    </a:srgbClr>
+                  </a:outerShdw>
+                </a:effectLst>
+                <a:latin typeface="微軟正黑體" panose="020B0604030504040204" pitchFamily="34" charset="-120"/>
+                <a:ea typeface="微軟正黑體" panose="020B0604030504040204" pitchFamily="34" charset="-120"/>
+                <a:cs typeface="Heiti TC Light"/>
+              </a:rPr>
+              <a:t>平台基礎知識</a:t>
+            </a:r>
+            <a:endParaRPr kumimoji="1" lang="en-US" altLang="zh-TW" sz="4800" b="1" dirty="0">
               <a:solidFill>
-                <a:prstClr val="white"/>
+                <a:srgbClr val="00B0F0"/>
               </a:solidFill>
               <a:effectLst>
                 <a:outerShdw blurRad="38100" dist="38100" dir="2700000" algn="tl">
@@ -19385,210 +18466,12 @@
               <a:cs typeface="Heiti TC Light"/>
             </a:endParaRPr>
           </a:p>
-          <a:p>
-            <a:pPr marL="514338" indent="-514338">
-              <a:buFont typeface="+mj-lt"/>
-              <a:buAutoNum type="arabicPeriod"/>
-            </a:pPr>
-            <a:r>
-              <a:rPr kumimoji="1" lang="en-US" altLang="zh-TW" sz="3200" dirty="0" err="1">
-                <a:solidFill>
-                  <a:prstClr val="white"/>
-                </a:solidFill>
-                <a:effectLst>
-                  <a:outerShdw blurRad="38100" dist="38100" dir="2700000" algn="tl">
-                    <a:srgbClr val="000000">
-                      <a:alpha val="43137"/>
-                    </a:srgbClr>
-                  </a:outerShdw>
-                </a:effectLst>
-                <a:latin typeface="微軟正黑體" panose="020B0604030504040204" pitchFamily="34" charset="-120"/>
-                <a:ea typeface="微軟正黑體" panose="020B0604030504040204" pitchFamily="34" charset="-120"/>
-                <a:cs typeface="Heiti TC Light"/>
-              </a:rPr>
-              <a:t>vscode</a:t>
-            </a:r>
-            <a:r>
-              <a:rPr kumimoji="1" lang="zh-TW" altLang="en-US" sz="3200" dirty="0">
-                <a:solidFill>
-                  <a:prstClr val="white"/>
-                </a:solidFill>
-                <a:effectLst>
-                  <a:outerShdw blurRad="38100" dist="38100" dir="2700000" algn="tl">
-                    <a:srgbClr val="000000">
-                      <a:alpha val="43137"/>
-                    </a:srgbClr>
-                  </a:outerShdw>
-                </a:effectLst>
-                <a:latin typeface="微軟正黑體" panose="020B0604030504040204" pitchFamily="34" charset="-120"/>
-                <a:ea typeface="微軟正黑體" panose="020B0604030504040204" pitchFamily="34" charset="-120"/>
-                <a:cs typeface="Heiti TC Light"/>
-              </a:rPr>
-              <a:t>能使用開發環境，安裝外掛套件</a:t>
-            </a:r>
-            <a:endParaRPr kumimoji="1" lang="en-US" altLang="zh-TW" sz="3200" dirty="0">
-              <a:solidFill>
-                <a:prstClr val="white"/>
-              </a:solidFill>
-              <a:effectLst>
-                <a:outerShdw blurRad="38100" dist="38100" dir="2700000" algn="tl">
-                  <a:srgbClr val="000000">
-                    <a:alpha val="43137"/>
-                  </a:srgbClr>
-                </a:outerShdw>
-              </a:effectLst>
-              <a:latin typeface="微軟正黑體" panose="020B0604030504040204" pitchFamily="34" charset="-120"/>
-              <a:ea typeface="微軟正黑體" panose="020B0604030504040204" pitchFamily="34" charset="-120"/>
-              <a:cs typeface="Heiti TC Light"/>
-            </a:endParaRPr>
-          </a:p>
-          <a:p>
-            <a:pPr marL="514338" indent="-514338">
-              <a:buFont typeface="+mj-lt"/>
-              <a:buAutoNum type="arabicPeriod"/>
-            </a:pPr>
-            <a:r>
-              <a:rPr kumimoji="1" lang="en-US" altLang="zh-TW" sz="3200" dirty="0">
-                <a:solidFill>
-                  <a:prstClr val="white"/>
-                </a:solidFill>
-                <a:effectLst>
-                  <a:outerShdw blurRad="38100" dist="38100" dir="2700000" algn="tl">
-                    <a:srgbClr val="000000">
-                      <a:alpha val="43137"/>
-                    </a:srgbClr>
-                  </a:outerShdw>
-                </a:effectLst>
-                <a:latin typeface="微軟正黑體" panose="020B0604030504040204" pitchFamily="34" charset="-120"/>
-                <a:ea typeface="微軟正黑體" panose="020B0604030504040204" pitchFamily="34" charset="-120"/>
-                <a:cs typeface="Heiti TC Light"/>
-              </a:rPr>
-              <a:t>git/</a:t>
-            </a:r>
-            <a:r>
-              <a:rPr kumimoji="1" lang="en-US" altLang="zh-TW" sz="3200" dirty="0" err="1">
-                <a:solidFill>
-                  <a:prstClr val="white"/>
-                </a:solidFill>
-                <a:effectLst>
-                  <a:outerShdw blurRad="38100" dist="38100" dir="2700000" algn="tl">
-                    <a:srgbClr val="000000">
-                      <a:alpha val="43137"/>
-                    </a:srgbClr>
-                  </a:outerShdw>
-                </a:effectLst>
-                <a:latin typeface="微軟正黑體" panose="020B0604030504040204" pitchFamily="34" charset="-120"/>
-                <a:ea typeface="微軟正黑體" panose="020B0604030504040204" pitchFamily="34" charset="-120"/>
-                <a:cs typeface="Heiti TC Light"/>
-              </a:rPr>
-              <a:t>github</a:t>
-            </a:r>
-            <a:r>
-              <a:rPr kumimoji="1" lang="zh-TW" altLang="en-US" sz="3200" dirty="0">
-                <a:solidFill>
-                  <a:prstClr val="white"/>
-                </a:solidFill>
-                <a:effectLst>
-                  <a:outerShdw blurRad="38100" dist="38100" dir="2700000" algn="tl">
-                    <a:srgbClr val="000000">
-                      <a:alpha val="43137"/>
-                    </a:srgbClr>
-                  </a:outerShdw>
-                </a:effectLst>
-                <a:latin typeface="微軟正黑體" panose="020B0604030504040204" pitchFamily="34" charset="-120"/>
-                <a:ea typeface="微軟正黑體" panose="020B0604030504040204" pitchFamily="34" charset="-120"/>
-                <a:cs typeface="Heiti TC Light"/>
-              </a:rPr>
-              <a:t>備份程式碼</a:t>
-            </a:r>
-            <a:endParaRPr kumimoji="1" lang="en-US" altLang="zh-TW" sz="3200" dirty="0">
-              <a:solidFill>
-                <a:prstClr val="white"/>
-              </a:solidFill>
-              <a:effectLst>
-                <a:outerShdw blurRad="38100" dist="38100" dir="2700000" algn="tl">
-                  <a:srgbClr val="000000">
-                    <a:alpha val="43137"/>
-                  </a:srgbClr>
-                </a:outerShdw>
-              </a:effectLst>
-              <a:latin typeface="微軟正黑體" panose="020B0604030504040204" pitchFamily="34" charset="-120"/>
-              <a:ea typeface="微軟正黑體" panose="020B0604030504040204" pitchFamily="34" charset="-120"/>
-              <a:cs typeface="Heiti TC Light"/>
-            </a:endParaRPr>
-          </a:p>
-        </p:txBody>
-      </p:sp>
-      <p:sp>
-        <p:nvSpPr>
-          <p:cNvPr id="4" name="文字版面配置區 2"/>
-          <p:cNvSpPr txBox="1">
-            <a:spLocks/>
-          </p:cNvSpPr>
-          <p:nvPr/>
-        </p:nvSpPr>
-        <p:spPr>
-          <a:xfrm>
-            <a:off x="1196340" y="304800"/>
-            <a:ext cx="7063740" cy="990600"/>
-          </a:xfrm>
-          <a:prstGeom prst="rect">
-            <a:avLst/>
-          </a:prstGeom>
-        </p:spPr>
-        <p:txBody>
-          <a:bodyPr tIns="91440" bIns="91440" anchor="b" anchorCtr="0">
-            <a:noAutofit/>
-          </a:bodyPr>
-          <a:lstStyle/>
-          <a:p>
-            <a:pPr algn="just">
-              <a:spcBef>
-                <a:spcPct val="20000"/>
-              </a:spcBef>
-              <a:defRPr/>
-            </a:pPr>
-            <a:r>
-              <a:rPr lang="en-US" altLang="zh-TW" sz="4800" b="1" kern="0" dirty="0">
-                <a:solidFill>
-                  <a:srgbClr val="00B0F0"/>
-                </a:solidFill>
-                <a:effectLst>
-                  <a:outerShdw blurRad="38100" dist="38100" dir="2700000" algn="tl">
-                    <a:srgbClr val="000000">
-                      <a:alpha val="43137"/>
-                    </a:srgbClr>
-                  </a:outerShdw>
-                </a:effectLst>
-                <a:latin typeface="微軟正黑體" panose="020B0604030504040204" pitchFamily="34" charset="-120"/>
-                <a:ea typeface="微軟正黑體" panose="020B0604030504040204" pitchFamily="34" charset="-120"/>
-              </a:rPr>
-              <a:t>2</a:t>
-            </a:r>
-            <a:r>
-              <a:rPr lang="zh-TW" altLang="en-US" sz="4800" b="1" kern="0" dirty="0">
-                <a:solidFill>
-                  <a:srgbClr val="00B0F0"/>
-                </a:solidFill>
-                <a:effectLst>
-                  <a:outerShdw blurRad="38100" dist="38100" dir="2700000" algn="tl">
-                    <a:srgbClr val="000000">
-                      <a:alpha val="43137"/>
-                    </a:srgbClr>
-                  </a:outerShdw>
-                </a:effectLst>
-                <a:latin typeface="微軟正黑體" panose="020B0604030504040204" pitchFamily="34" charset="-120"/>
-                <a:ea typeface="微軟正黑體" panose="020B0604030504040204" pitchFamily="34" charset="-120"/>
-              </a:rPr>
-              <a:t>、開發環境安裝及測試</a:t>
-            </a:r>
-          </a:p>
         </p:txBody>
       </p:sp>
     </p:spTree>
     <p:extLst>
       <p:ext uri="{BB962C8B-B14F-4D97-AF65-F5344CB8AC3E}">
-        <p14:creationId xmlns:p14="http://schemas.microsoft.com/office/powerpoint/2010/main" val="3695340447"/>
+        <p14:creationId xmlns:p14="http://schemas.microsoft.com/office/powerpoint/2010/main" val="1869647548"/>
       </p:ext>
     </p:extLst>
   </p:cSld>
@@ -19627,7 +18510,7 @@
         <p:spPr>
           <a:xfrm>
             <a:off x="693420" y="1841244"/>
-            <a:ext cx="8077200" cy="3046988"/>
+            <a:ext cx="8077200" cy="2062103"/>
           </a:xfrm>
           <a:prstGeom prst="rect">
             <a:avLst/>
@@ -19640,12 +18523,12 @@
           </a:bodyPr>
           <a:lstStyle/>
           <a:p>
-            <a:pPr marL="514338" indent="-514338">
+            <a:pPr marL="514350" indent="-514350">
               <a:buFont typeface="+mj-lt"/>
               <a:buAutoNum type="arabicPeriod"/>
             </a:pPr>
             <a:r>
-              <a:rPr kumimoji="1" lang="en-US" altLang="zh-TW" sz="3200" dirty="0">
+              <a:rPr kumimoji="1" lang="en-US" altLang="zh-TW" sz="3200" dirty="0" err="1">
                 <a:solidFill>
                   <a:prstClr val="white"/>
                 </a:solidFill>
@@ -19660,10 +18543,10 @@
                 <a:ea typeface="微軟正黑體" panose="020B0604030504040204" pitchFamily="34" charset="-120"/>
                 <a:cs typeface="Heiti TC Light"/>
               </a:rPr>
-              <a:t>LINE</a:t>
-            </a:r>
-            <a:r>
-              <a:rPr kumimoji="1" lang="zh-TW" altLang="en-US" sz="3200" dirty="0">
+              <a:t>ngrok</a:t>
+            </a:r>
+            <a:r>
+              <a:rPr kumimoji="1" lang="en-US" altLang="zh-TW" sz="3200" dirty="0">
                 <a:solidFill>
                   <a:prstClr val="white"/>
                 </a:solidFill>
@@ -19678,10 +18561,10 @@
                 <a:ea typeface="微軟正黑體" panose="020B0604030504040204" pitchFamily="34" charset="-120"/>
                 <a:cs typeface="Heiti TC Light"/>
               </a:rPr>
-              <a:t>平台帳號和一般</a:t>
-            </a:r>
-            <a:r>
-              <a:rPr kumimoji="1" lang="en-US" altLang="zh-TW" sz="3200" dirty="0">
+              <a:t>(</a:t>
+            </a:r>
+            <a:r>
+              <a:rPr kumimoji="1" lang="zh-TW" altLang="en-US" sz="3200" dirty="0">
                 <a:solidFill>
                   <a:prstClr val="white"/>
                 </a:solidFill>
@@ -19696,10 +18579,10 @@
                 <a:ea typeface="微軟正黑體" panose="020B0604030504040204" pitchFamily="34" charset="-120"/>
                 <a:cs typeface="Heiti TC Light"/>
               </a:rPr>
-              <a:t>LINE</a:t>
-            </a:r>
-            <a:r>
-              <a:rPr kumimoji="1" lang="zh-TW" altLang="en-US" sz="3200" dirty="0">
+              <a:t>使用</a:t>
+            </a:r>
+            <a:r>
+              <a:rPr kumimoji="1" lang="en-US" altLang="zh-TW" sz="3200" dirty="0">
                 <a:solidFill>
                   <a:prstClr val="white"/>
                 </a:solidFill>
@@ -19714,7 +18597,61 @@
                 <a:ea typeface="微軟正黑體" panose="020B0604030504040204" pitchFamily="34" charset="-120"/>
                 <a:cs typeface="Heiti TC Light"/>
               </a:rPr>
-              <a:t>帳號</a:t>
+              <a:t>docker</a:t>
+            </a:r>
+            <a:r>
+              <a:rPr kumimoji="1" lang="zh-TW" altLang="en-US" sz="3200" dirty="0">
+                <a:solidFill>
+                  <a:prstClr val="white"/>
+                </a:solidFill>
+                <a:effectLst>
+                  <a:outerShdw blurRad="38100" dist="38100" dir="2700000" algn="tl">
+                    <a:srgbClr val="000000">
+                      <a:alpha val="43137"/>
+                    </a:srgbClr>
+                  </a:outerShdw>
+                </a:effectLst>
+                <a:latin typeface="微軟正黑體" panose="020B0604030504040204" pitchFamily="34" charset="-120"/>
+                <a:ea typeface="微軟正黑體" panose="020B0604030504040204" pitchFamily="34" charset="-120"/>
+                <a:cs typeface="Heiti TC Light"/>
+              </a:rPr>
+              <a:t>測試</a:t>
+            </a:r>
+            <a:r>
+              <a:rPr kumimoji="1" lang="en-US" altLang="zh-TW" sz="3200" dirty="0">
+                <a:solidFill>
+                  <a:prstClr val="white"/>
+                </a:solidFill>
+                <a:effectLst>
+                  <a:outerShdw blurRad="38100" dist="38100" dir="2700000" algn="tl">
+                    <a:srgbClr val="000000">
+                      <a:alpha val="43137"/>
+                    </a:srgbClr>
+                  </a:outerShdw>
+                </a:effectLst>
+                <a:latin typeface="微軟正黑體" panose="020B0604030504040204" pitchFamily="34" charset="-120"/>
+                <a:ea typeface="微軟正黑體" panose="020B0604030504040204" pitchFamily="34" charset="-120"/>
+                <a:cs typeface="Heiti TC Light"/>
+              </a:rPr>
+              <a:t>)</a:t>
+            </a:r>
+            <a:r>
+              <a:rPr kumimoji="1" lang="zh-TW" altLang="en-US" sz="3200" dirty="0">
+                <a:solidFill>
+                  <a:prstClr val="white"/>
+                </a:solidFill>
+                <a:effectLst>
+                  <a:outerShdw blurRad="38100" dist="38100" dir="2700000" algn="tl">
+                    <a:srgbClr val="000000">
+                      <a:alpha val="43137"/>
+                    </a:srgbClr>
+                  </a:outerShdw>
+                </a:effectLst>
+                <a:latin typeface="微軟正黑體" panose="020B0604030504040204" pitchFamily="34" charset="-120"/>
+                <a:ea typeface="微軟正黑體" panose="020B0604030504040204" pitchFamily="34" charset="-120"/>
+                <a:cs typeface="Heiti TC Light"/>
+              </a:rPr>
+              <a:t>及操作</a:t>
             </a:r>
             <a:endParaRPr kumimoji="1" lang="en-US" altLang="zh-TW" sz="3200" dirty="0">
               <a:solidFill>
@@ -19733,7 +18670,7 @@
             </a:endParaRPr>
           </a:p>
           <a:p>
-            <a:pPr marL="514338" indent="-514338">
+            <a:pPr marL="514350" indent="-514350">
               <a:buFont typeface="+mj-lt"/>
               <a:buAutoNum type="arabicPeriod"/>
             </a:pPr>
@@ -19753,16 +18690,10 @@
                 <a:ea typeface="微軟正黑體" panose="020B0604030504040204" pitchFamily="34" charset="-120"/>
                 <a:cs typeface="Heiti TC Light"/>
               </a:rPr>
-              <a:t>Provider</a:t>
-            </a:r>
-          </a:p>
-          <a:p>
-            <a:pPr marL="514338" indent="-514338">
-              <a:buFont typeface="+mj-lt"/>
-              <a:buAutoNum type="arabicPeriod"/>
-            </a:pPr>
-            <a:r>
-              <a:rPr kumimoji="1" lang="en-US" altLang="zh-TW" sz="3200" dirty="0">
+              <a:t>line</a:t>
+            </a:r>
+            <a:r>
+              <a:rPr kumimoji="1" lang="zh-TW" altLang="en-US" sz="3200" dirty="0">
                 <a:solidFill>
                   <a:prstClr val="white"/>
                 </a:solidFill>
@@ -19777,14 +18708,8 @@
                 <a:ea typeface="微軟正黑體" panose="020B0604030504040204" pitchFamily="34" charset="-120"/>
                 <a:cs typeface="Heiti TC Light"/>
               </a:rPr>
-              <a:t>Developer</a:t>
-            </a:r>
-          </a:p>
-          <a:p>
-            <a:pPr marL="514338" indent="-514338">
-              <a:buFont typeface="+mj-lt"/>
-              <a:buAutoNum type="arabicPeriod"/>
-            </a:pPr>
+              <a:t>的</a:t>
+            </a:r>
             <a:r>
               <a:rPr kumimoji="1" lang="en-US" altLang="zh-TW" sz="3200" dirty="0">
                 <a:solidFill>
@@ -19801,14 +18726,8 @@
                 <a:ea typeface="微軟正黑體" panose="020B0604030504040204" pitchFamily="34" charset="-120"/>
                 <a:cs typeface="Heiti TC Light"/>
               </a:rPr>
-              <a:t>Channel</a:t>
-            </a:r>
-          </a:p>
-          <a:p>
-            <a:pPr marL="514338" indent="-514338">
-              <a:buFont typeface="+mj-lt"/>
-              <a:buAutoNum type="arabicPeriod"/>
-            </a:pPr>
+              <a:t>developer, provider, channel</a:t>
+            </a:r>
             <a:r>
               <a:rPr kumimoji="1" lang="zh-TW" altLang="en-US" sz="3200" dirty="0">
                 <a:solidFill>
@@ -19825,49 +18744,7 @@
                 <a:ea typeface="微軟正黑體" panose="020B0604030504040204" pitchFamily="34" charset="-120"/>
                 <a:cs typeface="Heiti TC Light"/>
               </a:rPr>
-              <a:t>使用</a:t>
-            </a:r>
-            <a:r>
-              <a:rPr kumimoji="1" lang="en-US" altLang="zh-TW" sz="3200" dirty="0">
-                <a:solidFill>
-                  <a:prstClr val="white"/>
-                </a:solidFill>
-                <a:effectLst>
-                  <a:outerShdw blurRad="38100" dist="38100" dir="2700000" algn="tl">
-                    <a:srgbClr val="000000">
-                      <a:alpha val="43137"/>
-                    </a:srgbClr>
-                  </a:outerShdw>
-                </a:effectLst>
-                <a:latin typeface="微軟正黑體" panose="020B0604030504040204" pitchFamily="34" charset="-120"/>
-                <a:ea typeface="微軟正黑體" panose="020B0604030504040204" pitchFamily="34" charset="-120"/>
-                <a:cs typeface="Heiti TC Light"/>
-              </a:rPr>
-              <a:t>Message API</a:t>
-            </a:r>
-          </a:p>
-          <a:p>
-            <a:pPr marL="514338" indent="-514338">
-              <a:buFont typeface="+mj-lt"/>
-              <a:buAutoNum type="arabicPeriod"/>
-            </a:pPr>
-            <a:r>
-              <a:rPr kumimoji="1" lang="zh-TW" altLang="en-US" sz="3200" dirty="0">
-                <a:solidFill>
-                  <a:prstClr val="white"/>
-                </a:solidFill>
-                <a:effectLst>
-                  <a:outerShdw blurRad="38100" dist="38100" dir="2700000" algn="tl">
-                    <a:srgbClr val="000000">
-                      <a:alpha val="43137"/>
-                    </a:srgbClr>
-                  </a:outerShdw>
-                </a:effectLst>
-                <a:latin typeface="微軟正黑體" panose="020B0604030504040204" pitchFamily="34" charset="-120"/>
-                <a:ea typeface="微軟正黑體" panose="020B0604030504040204" pitchFamily="34" charset="-120"/>
-                <a:cs typeface="Heiti TC Light"/>
-              </a:rPr>
-              <a:t>機器人開發流程</a:t>
+              <a:t>等</a:t>
             </a:r>
             <a:endParaRPr kumimoji="1" lang="en-US" altLang="zh-TW" sz="3200" dirty="0">
               <a:solidFill>
@@ -19885,41 +18762,15 @@
               <a:cs typeface="Heiti TC Light"/>
             </a:endParaRPr>
           </a:p>
-        </p:txBody>
-      </p:sp>
-      <p:sp>
-        <p:nvSpPr>
-          <p:cNvPr id="4" name="文字版面配置區 2"/>
-          <p:cNvSpPr txBox="1">
-            <a:spLocks/>
-          </p:cNvSpPr>
-          <p:nvPr/>
-        </p:nvSpPr>
-        <p:spPr>
-          <a:xfrm>
-            <a:off x="1196340" y="304800"/>
-            <a:ext cx="7063740" cy="990600"/>
-          </a:xfrm>
-          <a:prstGeom prst="rect">
-            <a:avLst/>
-          </a:prstGeom>
-        </p:spPr>
-        <p:txBody>
-          <a:bodyPr tIns="91440" bIns="91440" anchor="b" anchorCtr="0">
-            <a:noAutofit/>
-          </a:bodyPr>
-          <a:lstStyle/>
-          <a:p>
-            <a:pPr algn="just">
-              <a:spcBef>
-                <a:spcPct val="20000"/>
-              </a:spcBef>
-              <a:defRPr/>
+          <a:p>
+            <a:pPr marL="514350" indent="-514350">
+              <a:buFont typeface="+mj-lt"/>
+              <a:buAutoNum type="arabicPeriod"/>
             </a:pPr>
             <a:r>
-              <a:rPr lang="en-US" altLang="zh-TW" sz="4800" b="1" kern="0" dirty="0">
-                <a:solidFill>
-                  <a:srgbClr val="00B0F0"/>
+              <a:rPr kumimoji="1" lang="en-US" altLang="zh-TW" sz="3200" dirty="0">
+                <a:solidFill>
+                  <a:prstClr val="white"/>
                 </a:solidFill>
                 <a:effectLst>
                   <a:outerShdw blurRad="38100" dist="38100" dir="2700000" algn="tl">
@@ -19930,13 +18781,14 @@
                 </a:effectLst>
                 <a:latin typeface="微軟正黑體" panose="020B0604030504040204" pitchFamily="34" charset="-120"/>
                 <a:ea typeface="微軟正黑體" panose="020B0604030504040204" pitchFamily="34" charset="-120"/>
-              </a:rPr>
-              <a:t>3</a:t>
-            </a:r>
-            <a:r>
-              <a:rPr lang="zh-TW" altLang="en-US" sz="4800" b="1" kern="0" dirty="0">
-                <a:solidFill>
-                  <a:srgbClr val="00B0F0"/>
+                <a:cs typeface="Heiti TC Light"/>
+              </a:rPr>
+              <a:t>OpenAI API</a:t>
+            </a:r>
+            <a:r>
+              <a:rPr kumimoji="1" lang="zh-TW" altLang="en-US" sz="3200" dirty="0">
+                <a:solidFill>
+                  <a:prstClr val="white"/>
                 </a:solidFill>
                 <a:effectLst>
                   <a:outerShdw blurRad="38100" dist="38100" dir="2700000" algn="tl">
@@ -19947,48 +18799,13 @@
                 </a:effectLst>
                 <a:latin typeface="微軟正黑體" panose="020B0604030504040204" pitchFamily="34" charset="-120"/>
                 <a:ea typeface="微軟正黑體" panose="020B0604030504040204" pitchFamily="34" charset="-120"/>
-              </a:rPr>
-              <a:t>、</a:t>
-            </a:r>
-            <a:r>
-              <a:rPr kumimoji="1" lang="en-US" altLang="zh-TW" sz="4800" b="1" dirty="0">
-                <a:solidFill>
-                  <a:srgbClr val="00B0F0"/>
-                </a:solidFill>
-                <a:effectLst>
-                  <a:outerShdw blurRad="38100" dist="38100" dir="2700000" algn="tl">
-                    <a:srgbClr val="000000">
-                      <a:alpha val="43137"/>
-                    </a:srgbClr>
-                  </a:outerShdw>
-                </a:effectLst>
-                <a:latin typeface="微軟正黑體" panose="020B0604030504040204" pitchFamily="34" charset="-120"/>
-                <a:ea typeface="微軟正黑體" panose="020B0604030504040204" pitchFamily="34" charset="-120"/>
                 <a:cs typeface="Heiti TC Light"/>
               </a:rPr>
-              <a:t>LINE</a:t>
-            </a:r>
-            <a:r>
-              <a:rPr kumimoji="1" lang="zh-TW" altLang="en-US" sz="4800" b="1" dirty="0">
-                <a:solidFill>
-                  <a:srgbClr val="00B0F0"/>
-                </a:solidFill>
-                <a:effectLst>
-                  <a:outerShdw blurRad="38100" dist="38100" dir="2700000" algn="tl">
-                    <a:srgbClr val="000000">
-                      <a:alpha val="43137"/>
-                    </a:srgbClr>
-                  </a:outerShdw>
-                </a:effectLst>
-                <a:latin typeface="微軟正黑體" panose="020B0604030504040204" pitchFamily="34" charset="-120"/>
-                <a:ea typeface="微軟正黑體" panose="020B0604030504040204" pitchFamily="34" charset="-120"/>
-                <a:cs typeface="Heiti TC Light"/>
-              </a:rPr>
-              <a:t>平台基礎知識</a:t>
-            </a:r>
-            <a:endParaRPr kumimoji="1" lang="en-US" altLang="zh-TW" sz="4800" b="1" dirty="0">
+              <a:t>帳號申請及金鑰</a:t>
+            </a:r>
+            <a:endParaRPr kumimoji="1" lang="en-US" altLang="zh-TW" sz="3200" dirty="0">
               <a:solidFill>
-                <a:srgbClr val="00B0F0"/>
+                <a:prstClr val="white"/>
               </a:solidFill>
               <a:effectLst>
                 <a:outerShdw blurRad="38100" dist="38100" dir="2700000" algn="tl">
@@ -20002,12 +18819,117 @@
               <a:cs typeface="Heiti TC Light"/>
             </a:endParaRPr>
           </a:p>
+          <a:p>
+            <a:pPr marL="514350" indent="-514350">
+              <a:buFont typeface="+mj-lt"/>
+              <a:buAutoNum type="arabicPeriod"/>
+            </a:pPr>
+            <a:r>
+              <a:rPr kumimoji="1" lang="zh-TW" altLang="en-US" sz="3200" dirty="0">
+                <a:solidFill>
+                  <a:prstClr val="white"/>
+                </a:solidFill>
+                <a:effectLst>
+                  <a:outerShdw blurRad="38100" dist="38100" dir="2700000" algn="tl">
+                    <a:srgbClr val="000000">
+                      <a:alpha val="43137"/>
+                    </a:srgbClr>
+                  </a:outerShdw>
+                </a:effectLst>
+                <a:latin typeface="微軟正黑體" panose="020B0604030504040204" pitchFamily="34" charset="-120"/>
+                <a:ea typeface="微軟正黑體" panose="020B0604030504040204" pitchFamily="34" charset="-120"/>
+                <a:cs typeface="Heiti TC Light"/>
+              </a:rPr>
+              <a:t>在不同開發環境中設定變數</a:t>
+            </a:r>
+            <a:endParaRPr kumimoji="1" lang="en-US" altLang="zh-TW" sz="3200" dirty="0">
+              <a:solidFill>
+                <a:prstClr val="white"/>
+              </a:solidFill>
+              <a:effectLst>
+                <a:outerShdw blurRad="38100" dist="38100" dir="2700000" algn="tl">
+                  <a:srgbClr val="000000">
+                    <a:alpha val="43137"/>
+                  </a:srgbClr>
+                </a:outerShdw>
+              </a:effectLst>
+              <a:latin typeface="微軟正黑體" panose="020B0604030504040204" pitchFamily="34" charset="-120"/>
+              <a:ea typeface="微軟正黑體" panose="020B0604030504040204" pitchFamily="34" charset="-120"/>
+              <a:cs typeface="Heiti TC Light"/>
+            </a:endParaRPr>
+          </a:p>
+        </p:txBody>
+      </p:sp>
+      <p:sp>
+        <p:nvSpPr>
+          <p:cNvPr id="4" name="文字版面配置區 2"/>
+          <p:cNvSpPr txBox="1">
+            <a:spLocks/>
+          </p:cNvSpPr>
+          <p:nvPr/>
+        </p:nvSpPr>
+        <p:spPr>
+          <a:xfrm>
+            <a:off x="1379220" y="281940"/>
+            <a:ext cx="7482840" cy="990600"/>
+          </a:xfrm>
+          <a:prstGeom prst="rect">
+            <a:avLst/>
+          </a:prstGeom>
+        </p:spPr>
+        <p:txBody>
+          <a:bodyPr tIns="91440" bIns="91440" anchor="b" anchorCtr="0">
+            <a:noAutofit/>
+          </a:bodyPr>
+          <a:lstStyle/>
+          <a:p>
+            <a:pPr algn="just">
+              <a:spcBef>
+                <a:spcPct val="20000"/>
+              </a:spcBef>
+              <a:defRPr/>
+            </a:pPr>
+            <a:r>
+              <a:rPr lang="en-US" altLang="zh-TW" sz="4800" b="1" kern="0" dirty="0">
+                <a:solidFill>
+                  <a:srgbClr val="00B0F0"/>
+                </a:solidFill>
+                <a:effectLst>
+                  <a:outerShdw blurRad="38100" dist="38100" dir="2700000" algn="tl">
+                    <a:srgbClr val="000000">
+                      <a:alpha val="43137"/>
+                    </a:srgbClr>
+                  </a:outerShdw>
+                </a:effectLst>
+                <a:latin typeface="微軟正黑體" panose="020B0604030504040204" pitchFamily="34" charset="-120"/>
+                <a:ea typeface="微軟正黑體" panose="020B0604030504040204" pitchFamily="34" charset="-120"/>
+              </a:rPr>
+              <a:t>4</a:t>
+            </a:r>
+            <a:r>
+              <a:rPr lang="zh-TW" altLang="en-US" sz="4800" b="1" kern="0" dirty="0">
+                <a:solidFill>
+                  <a:srgbClr val="00B0F0"/>
+                </a:solidFill>
+                <a:effectLst>
+                  <a:outerShdw blurRad="38100" dist="38100" dir="2700000" algn="tl">
+                    <a:srgbClr val="000000">
+                      <a:alpha val="43137"/>
+                    </a:srgbClr>
+                  </a:outerShdw>
+                </a:effectLst>
+                <a:latin typeface="微軟正黑體" panose="020B0604030504040204" pitchFamily="34" charset="-120"/>
+                <a:ea typeface="微軟正黑體" panose="020B0604030504040204" pitchFamily="34" charset="-120"/>
+              </a:rPr>
+              <a:t>、申請帳號、金鑰等</a:t>
+            </a:r>
+          </a:p>
         </p:txBody>
       </p:sp>
     </p:spTree>
     <p:extLst>
       <p:ext uri="{BB962C8B-B14F-4D97-AF65-F5344CB8AC3E}">
-        <p14:creationId xmlns:p14="http://schemas.microsoft.com/office/powerpoint/2010/main" val="1869647548"/>
+        <p14:creationId xmlns:p14="http://schemas.microsoft.com/office/powerpoint/2010/main" val="3721619489"/>
       </p:ext>
     </p:extLst>
   </p:cSld>
@@ -20046,7 +18968,7 @@
         <p:spPr>
           <a:xfrm>
             <a:off x="693420" y="1841244"/>
-            <a:ext cx="8077200" cy="2062103"/>
+            <a:ext cx="8077200" cy="4524315"/>
           </a:xfrm>
           <a:prstGeom prst="rect">
             <a:avLst/>
@@ -20064,7 +18986,7 @@
               <a:buAutoNum type="arabicPeriod"/>
             </a:pPr>
             <a:r>
-              <a:rPr kumimoji="1" lang="en-US" altLang="zh-TW" sz="3200" dirty="0" err="1">
+              <a:rPr kumimoji="1" lang="en-US" altLang="zh-TW" sz="3200" dirty="0">
                 <a:solidFill>
                   <a:prstClr val="white"/>
                 </a:solidFill>
@@ -20079,10 +19001,10 @@
                 <a:ea typeface="微軟正黑體" panose="020B0604030504040204" pitchFamily="34" charset="-120"/>
                 <a:cs typeface="Heiti TC Light"/>
               </a:rPr>
-              <a:t>ngrok</a:t>
-            </a:r>
-            <a:r>
-              <a:rPr kumimoji="1" lang="en-US" altLang="zh-TW" sz="3200" dirty="0">
+              <a:t>HTTP</a:t>
+            </a:r>
+            <a:r>
+              <a:rPr kumimoji="1" lang="zh-TW" altLang="en-US" sz="3200" dirty="0">
                 <a:solidFill>
                   <a:prstClr val="white"/>
                 </a:solidFill>
@@ -20097,10 +19019,10 @@
                 <a:ea typeface="微軟正黑體" panose="020B0604030504040204" pitchFamily="34" charset="-120"/>
                 <a:cs typeface="Heiti TC Light"/>
               </a:rPr>
-              <a:t>(</a:t>
-            </a:r>
-            <a:r>
-              <a:rPr kumimoji="1" lang="zh-TW" altLang="en-US" sz="3200" dirty="0">
+              <a:t>原理</a:t>
+            </a:r>
+            <a:r>
+              <a:rPr kumimoji="1" lang="en-US" altLang="zh-TW" sz="3200" dirty="0">
                 <a:solidFill>
                   <a:prstClr val="white"/>
                 </a:solidFill>
@@ -20115,10 +19037,10 @@
                 <a:ea typeface="微軟正黑體" panose="020B0604030504040204" pitchFamily="34" charset="-120"/>
                 <a:cs typeface="Heiti TC Light"/>
               </a:rPr>
-              <a:t>使用</a:t>
-            </a:r>
-            <a:r>
-              <a:rPr kumimoji="1" lang="en-US" altLang="zh-TW" sz="3200" dirty="0">
+              <a:t>(</a:t>
+            </a:r>
+            <a:r>
+              <a:rPr kumimoji="1" lang="zh-TW" altLang="en-US" sz="3200" dirty="0">
                 <a:solidFill>
                   <a:prstClr val="white"/>
                 </a:solidFill>
@@ -20133,10 +19055,10 @@
                 <a:ea typeface="微軟正黑體" panose="020B0604030504040204" pitchFamily="34" charset="-120"/>
                 <a:cs typeface="Heiti TC Light"/>
               </a:rPr>
-              <a:t>docker</a:t>
-            </a:r>
-            <a:r>
-              <a:rPr kumimoji="1" lang="zh-TW" altLang="en-US" sz="3200" dirty="0">
+              <a:t>主要是</a:t>
+            </a:r>
+            <a:r>
+              <a:rPr kumimoji="1" lang="en-US" altLang="zh-TW" sz="3200" dirty="0">
                 <a:solidFill>
                   <a:prstClr val="white"/>
                 </a:solidFill>
@@ -20151,10 +19073,10 @@
                 <a:ea typeface="微軟正黑體" panose="020B0604030504040204" pitchFamily="34" charset="-120"/>
                 <a:cs typeface="Heiti TC Light"/>
               </a:rPr>
-              <a:t>測試</a:t>
-            </a:r>
-            <a:r>
-              <a:rPr kumimoji="1" lang="en-US" altLang="zh-TW" sz="3200" dirty="0">
+              <a:t>POST</a:t>
+            </a:r>
+            <a:r>
+              <a:rPr kumimoji="1" lang="zh-TW" altLang="en-US" sz="3200" dirty="0">
                 <a:solidFill>
                   <a:prstClr val="white"/>
                 </a:solidFill>
@@ -20169,10 +19091,10 @@
                 <a:ea typeface="微軟正黑體" panose="020B0604030504040204" pitchFamily="34" charset="-120"/>
                 <a:cs typeface="Heiti TC Light"/>
               </a:rPr>
-              <a:t>)</a:t>
-            </a:r>
-            <a:r>
-              <a:rPr kumimoji="1" lang="zh-TW" altLang="en-US" sz="3200" dirty="0">
+              <a:t>和</a:t>
+            </a:r>
+            <a:r>
+              <a:rPr kumimoji="1" lang="en-US" altLang="zh-TW" sz="3200" dirty="0">
                 <a:solidFill>
                   <a:prstClr val="white"/>
                 </a:solidFill>
@@ -20187,7 +19109,31 @@
                 <a:ea typeface="微軟正黑體" panose="020B0604030504040204" pitchFamily="34" charset="-120"/>
                 <a:cs typeface="Heiti TC Light"/>
               </a:rPr>
-              <a:t>及操作</a:t>
+              <a:t>GET)</a:t>
+            </a:r>
+          </a:p>
+          <a:p>
+            <a:pPr marL="514350" indent="-514350">
+              <a:buFont typeface="+mj-lt"/>
+              <a:buAutoNum type="arabicPeriod"/>
+            </a:pPr>
+            <a:r>
+              <a:rPr kumimoji="1" lang="zh-TW" altLang="en-US" sz="3200" dirty="0">
+                <a:solidFill>
+                  <a:prstClr val="white"/>
+                </a:solidFill>
+                <a:effectLst>
+                  <a:outerShdw blurRad="38100" dist="38100" dir="2700000" algn="tl">
+                    <a:srgbClr val="000000">
+                      <a:alpha val="43137"/>
+                    </a:srgbClr>
+                  </a:outerShdw>
+                </a:effectLst>
+                <a:latin typeface="微軟正黑體" panose="020B0604030504040204" pitchFamily="34" charset="-120"/>
+                <a:ea typeface="微軟正黑體" panose="020B0604030504040204" pitchFamily="34" charset="-120"/>
+                <a:cs typeface="Heiti TC Light"/>
+              </a:rPr>
+              <a:t>使用程式而非瀏覽器存取網頁</a:t>
             </a:r>
             <a:endParaRPr kumimoji="1" lang="en-US" altLang="zh-TW" sz="3200" dirty="0">
               <a:solidFill>
@@ -20211,7 +19157,7 @@
               <a:buAutoNum type="arabicPeriod"/>
             </a:pPr>
             <a:r>
-              <a:rPr kumimoji="1" lang="en-US" altLang="zh-TW" sz="3200" dirty="0">
+              <a:rPr kumimoji="1" lang="en-US" altLang="zh-TW" sz="3200" dirty="0" err="1">
                 <a:solidFill>
                   <a:prstClr val="white"/>
                 </a:solidFill>
@@ -20226,7 +19172,7 @@
                 <a:ea typeface="微軟正黑體" panose="020B0604030504040204" pitchFamily="34" charset="-120"/>
                 <a:cs typeface="Heiti TC Light"/>
               </a:rPr>
-              <a:t>line</a:t>
+              <a:t>WebHook</a:t>
             </a:r>
             <a:r>
               <a:rPr kumimoji="1" lang="zh-TW" altLang="en-US" sz="3200" dirty="0">
@@ -20244,43 +19190,7 @@
                 <a:ea typeface="微軟正黑體" panose="020B0604030504040204" pitchFamily="34" charset="-120"/>
                 <a:cs typeface="Heiti TC Light"/>
               </a:rPr>
-              <a:t>的</a:t>
-            </a:r>
-            <a:r>
-              <a:rPr kumimoji="1" lang="en-US" altLang="zh-TW" sz="3200" dirty="0">
-                <a:solidFill>
-                  <a:prstClr val="white"/>
-                </a:solidFill>
-                <a:effectLst>
-                  <a:outerShdw blurRad="38100" dist="38100" dir="2700000" algn="tl">
-                    <a:srgbClr val="000000">
-                      <a:alpha val="43137"/>
-                    </a:srgbClr>
-                  </a:outerShdw>
-                </a:effectLst>
-                <a:latin typeface="微軟正黑體" panose="020B0604030504040204" pitchFamily="34" charset="-120"/>
-                <a:ea typeface="微軟正黑體" panose="020B0604030504040204" pitchFamily="34" charset="-120"/>
-                <a:cs typeface="Heiti TC Light"/>
-              </a:rPr>
-              <a:t>developer, provider, channel</a:t>
-            </a:r>
-            <a:r>
-              <a:rPr kumimoji="1" lang="zh-TW" altLang="en-US" sz="3200" dirty="0">
-                <a:solidFill>
-                  <a:prstClr val="white"/>
-                </a:solidFill>
-                <a:effectLst>
-                  <a:outerShdw blurRad="38100" dist="38100" dir="2700000" algn="tl">
-                    <a:srgbClr val="000000">
-                      <a:alpha val="43137"/>
-                    </a:srgbClr>
-                  </a:outerShdw>
-                </a:effectLst>
-                <a:latin typeface="微軟正黑體" panose="020B0604030504040204" pitchFamily="34" charset="-120"/>
-                <a:ea typeface="微軟正黑體" panose="020B0604030504040204" pitchFamily="34" charset="-120"/>
-                <a:cs typeface="Heiti TC Light"/>
-              </a:rPr>
-              <a:t>等</a:t>
+              <a:t>原理</a:t>
             </a:r>
             <a:endParaRPr kumimoji="1" lang="en-US" altLang="zh-TW" sz="3200" dirty="0">
               <a:solidFill>
@@ -20319,7 +19229,7 @@
                 <a:ea typeface="微軟正黑體" panose="020B0604030504040204" pitchFamily="34" charset="-120"/>
                 <a:cs typeface="Heiti TC Light"/>
               </a:rPr>
-              <a:t>OpenAI API</a:t>
+              <a:t>JSON</a:t>
             </a:r>
             <a:r>
               <a:rPr kumimoji="1" lang="zh-TW" altLang="en-US" sz="3200" dirty="0">
@@ -20337,7 +19247,7 @@
                 <a:ea typeface="微軟正黑體" panose="020B0604030504040204" pitchFamily="34" charset="-120"/>
                 <a:cs typeface="Heiti TC Light"/>
               </a:rPr>
-              <a:t>帳號申請及金鑰</a:t>
+              <a:t>格式說明</a:t>
             </a:r>
             <a:endParaRPr kumimoji="1" lang="en-US" altLang="zh-TW" sz="3200" dirty="0">
               <a:solidFill>
@@ -20376,7 +19286,253 @@
                 <a:ea typeface="微軟正黑體" panose="020B0604030504040204" pitchFamily="34" charset="-120"/>
                 <a:cs typeface="Heiti TC Light"/>
               </a:rPr>
-              <a:t>在不同開發環境中設定變數</a:t>
+              <a:t>物件導向基礎及</a:t>
+            </a:r>
+            <a:r>
+              <a:rPr kumimoji="1" lang="en-US" altLang="zh-TW" sz="3200" dirty="0">
+                <a:solidFill>
+                  <a:prstClr val="white"/>
+                </a:solidFill>
+                <a:effectLst>
+                  <a:outerShdw blurRad="38100" dist="38100" dir="2700000" algn="tl">
+                    <a:srgbClr val="000000">
+                      <a:alpha val="43137"/>
+                    </a:srgbClr>
+                  </a:outerShdw>
+                </a:effectLst>
+                <a:latin typeface="微軟正黑體" panose="020B0604030504040204" pitchFamily="34" charset="-120"/>
+                <a:ea typeface="微軟正黑體" panose="020B0604030504040204" pitchFamily="34" charset="-120"/>
+                <a:cs typeface="Heiti TC Light"/>
+              </a:rPr>
+              <a:t>Decorator</a:t>
+            </a:r>
+          </a:p>
+          <a:p>
+            <a:pPr marL="514350" indent="-514350">
+              <a:buFont typeface="+mj-lt"/>
+              <a:buAutoNum type="arabicPeriod"/>
+            </a:pPr>
+            <a:r>
+              <a:rPr kumimoji="1" lang="en-US" altLang="zh-TW" sz="3200" dirty="0">
+                <a:solidFill>
+                  <a:prstClr val="white"/>
+                </a:solidFill>
+                <a:effectLst>
+                  <a:outerShdw blurRad="38100" dist="38100" dir="2700000" algn="tl">
+                    <a:srgbClr val="000000">
+                      <a:alpha val="43137"/>
+                    </a:srgbClr>
+                  </a:outerShdw>
+                </a:effectLst>
+                <a:latin typeface="微軟正黑體" panose="020B0604030504040204" pitchFamily="34" charset="-120"/>
+                <a:ea typeface="微軟正黑體" panose="020B0604030504040204" pitchFamily="34" charset="-120"/>
+                <a:cs typeface="Heiti TC Light"/>
+              </a:rPr>
+              <a:t>Web</a:t>
+            </a:r>
+            <a:r>
+              <a:rPr kumimoji="1" lang="zh-TW" altLang="en-US" sz="3200" dirty="0">
+                <a:solidFill>
+                  <a:prstClr val="white"/>
+                </a:solidFill>
+                <a:effectLst>
+                  <a:outerShdw blurRad="38100" dist="38100" dir="2700000" algn="tl">
+                    <a:srgbClr val="000000">
+                      <a:alpha val="43137"/>
+                    </a:srgbClr>
+                  </a:outerShdw>
+                </a:effectLst>
+                <a:latin typeface="微軟正黑體" panose="020B0604030504040204" pitchFamily="34" charset="-120"/>
+                <a:ea typeface="微軟正黑體" panose="020B0604030504040204" pitchFamily="34" charset="-120"/>
+                <a:cs typeface="Heiti TC Light"/>
+              </a:rPr>
+              <a:t>開發框架</a:t>
+            </a:r>
+            <a:r>
+              <a:rPr kumimoji="1" lang="en-US" altLang="zh-TW" sz="3200" dirty="0">
+                <a:solidFill>
+                  <a:prstClr val="white"/>
+                </a:solidFill>
+                <a:effectLst>
+                  <a:outerShdw blurRad="38100" dist="38100" dir="2700000" algn="tl">
+                    <a:srgbClr val="000000">
+                      <a:alpha val="43137"/>
+                    </a:srgbClr>
+                  </a:outerShdw>
+                </a:effectLst>
+                <a:latin typeface="微軟正黑體" panose="020B0604030504040204" pitchFamily="34" charset="-120"/>
+                <a:ea typeface="微軟正黑體" panose="020B0604030504040204" pitchFamily="34" charset="-120"/>
+                <a:cs typeface="Heiti TC Light"/>
+              </a:rPr>
+              <a:t>Flask(</a:t>
+            </a:r>
+            <a:r>
+              <a:rPr kumimoji="1" lang="en-US" altLang="zh-TW" sz="3200" dirty="0" err="1">
+                <a:solidFill>
+                  <a:prstClr val="white"/>
+                </a:solidFill>
+                <a:effectLst>
+                  <a:outerShdw blurRad="38100" dist="38100" dir="2700000" algn="tl">
+                    <a:srgbClr val="000000">
+                      <a:alpha val="43137"/>
+                    </a:srgbClr>
+                  </a:outerShdw>
+                </a:effectLst>
+                <a:latin typeface="微軟正黑體" panose="020B0604030504040204" pitchFamily="34" charset="-120"/>
+                <a:ea typeface="微軟正黑體" panose="020B0604030504040204" pitchFamily="34" charset="-120"/>
+                <a:cs typeface="Heiti TC Light"/>
+              </a:rPr>
+              <a:t>FastAPI</a:t>
+            </a:r>
+            <a:r>
+              <a:rPr kumimoji="1" lang="en-US" altLang="zh-TW" sz="3200" dirty="0">
+                <a:solidFill>
+                  <a:prstClr val="white"/>
+                </a:solidFill>
+                <a:effectLst>
+                  <a:outerShdw blurRad="38100" dist="38100" dir="2700000" algn="tl">
+                    <a:srgbClr val="000000">
+                      <a:alpha val="43137"/>
+                    </a:srgbClr>
+                  </a:outerShdw>
+                </a:effectLst>
+                <a:latin typeface="微軟正黑體" panose="020B0604030504040204" pitchFamily="34" charset="-120"/>
+                <a:ea typeface="微軟正黑體" panose="020B0604030504040204" pitchFamily="34" charset="-120"/>
+                <a:cs typeface="Heiti TC Light"/>
+              </a:rPr>
+              <a:t>, </a:t>
+            </a:r>
+            <a:r>
+              <a:rPr kumimoji="1" lang="en-US" altLang="zh-TW" sz="3200" dirty="0" err="1">
+                <a:solidFill>
+                  <a:prstClr val="white"/>
+                </a:solidFill>
+                <a:effectLst>
+                  <a:outerShdw blurRad="38100" dist="38100" dir="2700000" algn="tl">
+                    <a:srgbClr val="000000">
+                      <a:alpha val="43137"/>
+                    </a:srgbClr>
+                  </a:outerShdw>
+                </a:effectLst>
+                <a:latin typeface="微軟正黑體" panose="020B0604030504040204" pitchFamily="34" charset="-120"/>
+                <a:ea typeface="微軟正黑體" panose="020B0604030504040204" pitchFamily="34" charset="-120"/>
+                <a:cs typeface="Heiti TC Light"/>
+              </a:rPr>
+              <a:t>Gradio</a:t>
+            </a:r>
+            <a:r>
+              <a:rPr kumimoji="1" lang="en-US" altLang="zh-TW" sz="3200" dirty="0">
+                <a:solidFill>
+                  <a:prstClr val="white"/>
+                </a:solidFill>
+                <a:effectLst>
+                  <a:outerShdw blurRad="38100" dist="38100" dir="2700000" algn="tl">
+                    <a:srgbClr val="000000">
+                      <a:alpha val="43137"/>
+                    </a:srgbClr>
+                  </a:outerShdw>
+                </a:effectLst>
+                <a:latin typeface="微軟正黑體" panose="020B0604030504040204" pitchFamily="34" charset="-120"/>
+                <a:ea typeface="微軟正黑體" panose="020B0604030504040204" pitchFamily="34" charset="-120"/>
+                <a:cs typeface="Heiti TC Light"/>
+              </a:rPr>
+              <a:t>, </a:t>
+            </a:r>
+            <a:r>
+              <a:rPr kumimoji="1" lang="en-US" altLang="zh-TW" sz="3200" dirty="0" err="1">
+                <a:solidFill>
+                  <a:prstClr val="white"/>
+                </a:solidFill>
+                <a:effectLst>
+                  <a:outerShdw blurRad="38100" dist="38100" dir="2700000" algn="tl">
+                    <a:srgbClr val="000000">
+                      <a:alpha val="43137"/>
+                    </a:srgbClr>
+                  </a:outerShdw>
+                </a:effectLst>
+                <a:latin typeface="微軟正黑體" panose="020B0604030504040204" pitchFamily="34" charset="-120"/>
+                <a:ea typeface="微軟正黑體" panose="020B0604030504040204" pitchFamily="34" charset="-120"/>
+                <a:cs typeface="Heiti TC Light"/>
+              </a:rPr>
+              <a:t>Streamlit</a:t>
+            </a:r>
+            <a:r>
+              <a:rPr kumimoji="1" lang="en-US" altLang="zh-TW" sz="3200" dirty="0">
+                <a:solidFill>
+                  <a:prstClr val="white"/>
+                </a:solidFill>
+                <a:effectLst>
+                  <a:outerShdw blurRad="38100" dist="38100" dir="2700000" algn="tl">
+                    <a:srgbClr val="000000">
+                      <a:alpha val="43137"/>
+                    </a:srgbClr>
+                  </a:outerShdw>
+                </a:effectLst>
+                <a:latin typeface="微軟正黑體" panose="020B0604030504040204" pitchFamily="34" charset="-120"/>
+                <a:ea typeface="微軟正黑體" panose="020B0604030504040204" pitchFamily="34" charset="-120"/>
+                <a:cs typeface="Heiti TC Light"/>
+              </a:rPr>
+              <a:t>, Django, Twister....)</a:t>
+            </a:r>
+          </a:p>
+          <a:p>
+            <a:pPr marL="514350" indent="-514350">
+              <a:buFont typeface="+mj-lt"/>
+              <a:buAutoNum type="arabicPeriod"/>
+            </a:pPr>
+            <a:r>
+              <a:rPr kumimoji="1" lang="zh-TW" altLang="en-US" sz="3200" dirty="0">
+                <a:solidFill>
+                  <a:prstClr val="white"/>
+                </a:solidFill>
+                <a:effectLst>
+                  <a:outerShdw blurRad="38100" dist="38100" dir="2700000" algn="tl">
+                    <a:srgbClr val="000000">
+                      <a:alpha val="43137"/>
+                    </a:srgbClr>
+                  </a:outerShdw>
+                </a:effectLst>
+                <a:latin typeface="微軟正黑體" panose="020B0604030504040204" pitchFamily="34" charset="-120"/>
+                <a:ea typeface="微軟正黑體" panose="020B0604030504040204" pitchFamily="34" charset="-120"/>
+                <a:cs typeface="Heiti TC Light"/>
+              </a:rPr>
+              <a:t>利用</a:t>
+            </a:r>
+            <a:r>
+              <a:rPr kumimoji="1" lang="en-US" altLang="zh-TW" sz="3200" dirty="0">
+                <a:solidFill>
+                  <a:prstClr val="white"/>
+                </a:solidFill>
+                <a:effectLst>
+                  <a:outerShdw blurRad="38100" dist="38100" dir="2700000" algn="tl">
+                    <a:srgbClr val="000000">
+                      <a:alpha val="43137"/>
+                    </a:srgbClr>
+                  </a:outerShdw>
+                </a:effectLst>
+                <a:latin typeface="微軟正黑體" panose="020B0604030504040204" pitchFamily="34" charset="-120"/>
+                <a:ea typeface="微軟正黑體" panose="020B0604030504040204" pitchFamily="34" charset="-120"/>
+                <a:cs typeface="Heiti TC Light"/>
+              </a:rPr>
+              <a:t>ssh</a:t>
+            </a:r>
+            <a:r>
+              <a:rPr kumimoji="1" lang="zh-TW" altLang="en-US" sz="3200" dirty="0">
+                <a:solidFill>
+                  <a:prstClr val="white"/>
+                </a:solidFill>
+                <a:effectLst>
+                  <a:outerShdw blurRad="38100" dist="38100" dir="2700000" algn="tl">
+                    <a:srgbClr val="000000">
+                      <a:alpha val="43137"/>
+                    </a:srgbClr>
+                  </a:outerShdw>
+                </a:effectLst>
+                <a:latin typeface="微軟正黑體" panose="020B0604030504040204" pitchFamily="34" charset="-120"/>
+                <a:ea typeface="微軟正黑體" panose="020B0604030504040204" pitchFamily="34" charset="-120"/>
+                <a:cs typeface="Heiti TC Light"/>
+              </a:rPr>
+              <a:t>通道轉址</a:t>
             </a:r>
             <a:endParaRPr kumimoji="1" lang="en-US" altLang="zh-TW" sz="3200" dirty="0">
               <a:solidFill>
@@ -20394,41 +19550,15 @@
               <a:cs typeface="Heiti TC Light"/>
             </a:endParaRPr>
           </a:p>
-        </p:txBody>
-      </p:sp>
-      <p:sp>
-        <p:nvSpPr>
-          <p:cNvPr id="4" name="文字版面配置區 2"/>
-          <p:cNvSpPr txBox="1">
-            <a:spLocks/>
-          </p:cNvSpPr>
-          <p:nvPr/>
-        </p:nvSpPr>
-        <p:spPr>
-          <a:xfrm>
-            <a:off x="1379220" y="281940"/>
-            <a:ext cx="7482840" cy="990600"/>
-          </a:xfrm>
-          <a:prstGeom prst="rect">
-            <a:avLst/>
-          </a:prstGeom>
-        </p:spPr>
-        <p:txBody>
-          <a:bodyPr tIns="91440" bIns="91440" anchor="b" anchorCtr="0">
-            <a:noAutofit/>
-          </a:bodyPr>
-          <a:lstStyle/>
-          <a:p>
-            <a:pPr algn="just">
-              <a:spcBef>
-                <a:spcPct val="20000"/>
-              </a:spcBef>
-              <a:defRPr/>
+          <a:p>
+            <a:pPr marL="514350" indent="-514350">
+              <a:buFont typeface="+mj-lt"/>
+              <a:buAutoNum type="arabicPeriod"/>
             </a:pPr>
             <a:r>
-              <a:rPr lang="en-US" altLang="zh-TW" sz="4800" b="1" kern="0" dirty="0">
-                <a:solidFill>
-                  <a:srgbClr val="00B0F0"/>
+              <a:rPr kumimoji="1" lang="en-US" altLang="zh-TW" sz="3200" dirty="0" err="1">
+                <a:solidFill>
+                  <a:prstClr val="white"/>
                 </a:solidFill>
                 <a:effectLst>
                   <a:outerShdw blurRad="38100" dist="38100" dir="2700000" algn="tl">
@@ -20439,13 +19569,14 @@
                 </a:effectLst>
                 <a:latin typeface="微軟正黑體" panose="020B0604030504040204" pitchFamily="34" charset="-120"/>
                 <a:ea typeface="微軟正黑體" panose="020B0604030504040204" pitchFamily="34" charset="-120"/>
-              </a:rPr>
-              <a:t>4</a:t>
-            </a:r>
-            <a:r>
-              <a:rPr lang="zh-TW" altLang="en-US" sz="4800" b="1" kern="0" dirty="0">
-                <a:solidFill>
-                  <a:srgbClr val="00B0F0"/>
+                <a:cs typeface="Heiti TC Light"/>
+              </a:rPr>
+              <a:t>ngrok</a:t>
+            </a:r>
+            <a:r>
+              <a:rPr kumimoji="1" lang="zh-TW" altLang="en-US" sz="3200" dirty="0">
+                <a:solidFill>
+                  <a:prstClr val="white"/>
                 </a:solidFill>
                 <a:effectLst>
                   <a:outerShdw blurRad="38100" dist="38100" dir="2700000" algn="tl">
@@ -20456,8 +19587,90 @@
                 </a:effectLst>
                 <a:latin typeface="微軟正黑體" panose="020B0604030504040204" pitchFamily="34" charset="-120"/>
                 <a:ea typeface="微軟正黑體" panose="020B0604030504040204" pitchFamily="34" charset="-120"/>
-              </a:rPr>
-              <a:t>、申請帳號、金鑰等</a:t>
+                <a:cs typeface="Heiti TC Light"/>
+              </a:rPr>
+              <a:t>的操作及示範</a:t>
+            </a:r>
+            <a:endParaRPr kumimoji="1" lang="en-US" altLang="zh-TW" sz="3200" dirty="0">
+              <a:solidFill>
+                <a:prstClr val="white"/>
+              </a:solidFill>
+              <a:effectLst>
+                <a:outerShdw blurRad="38100" dist="38100" dir="2700000" algn="tl">
+                  <a:srgbClr val="000000">
+                    <a:alpha val="43137"/>
+                  </a:srgbClr>
+                </a:outerShdw>
+              </a:effectLst>
+              <a:latin typeface="微軟正黑體" panose="020B0604030504040204" pitchFamily="34" charset="-120"/>
+              <a:ea typeface="微軟正黑體" panose="020B0604030504040204" pitchFamily="34" charset="-120"/>
+              <a:cs typeface="Heiti TC Light"/>
+            </a:endParaRPr>
+          </a:p>
+        </p:txBody>
+      </p:sp>
+      <p:sp>
+        <p:nvSpPr>
+          <p:cNvPr id="4" name="文字版面配置區 2"/>
+          <p:cNvSpPr txBox="1">
+            <a:spLocks/>
+          </p:cNvSpPr>
+          <p:nvPr/>
+        </p:nvSpPr>
+        <p:spPr>
+          <a:xfrm>
+            <a:off x="1706880" y="281940"/>
+            <a:ext cx="7482840" cy="990600"/>
+          </a:xfrm>
+          <a:prstGeom prst="rect">
+            <a:avLst/>
+          </a:prstGeom>
+        </p:spPr>
+        <p:txBody>
+          <a:bodyPr tIns="91440" bIns="91440" anchor="b" anchorCtr="0">
+            <a:noAutofit/>
+          </a:bodyPr>
+          <a:lstStyle/>
+          <a:p>
+            <a:pPr algn="just">
+              <a:spcBef>
+                <a:spcPct val="20000"/>
+              </a:spcBef>
+              <a:defRPr/>
+            </a:pPr>
+            <a:r>
+              <a:rPr lang="en-US" altLang="zh-TW" sz="4800" b="1" kern="0" dirty="0">
+                <a:solidFill>
+                  <a:srgbClr val="00B0F0"/>
+                </a:solidFill>
+                <a:effectLst>
+                  <a:outerShdw blurRad="38100" dist="38100" dir="2700000" algn="tl">
+                    <a:srgbClr val="000000">
+                      <a:alpha val="43137"/>
+                    </a:srgbClr>
+                  </a:outerShdw>
+                </a:effectLst>
+                <a:latin typeface="微軟正黑體" panose="020B0604030504040204" pitchFamily="34" charset="-120"/>
+                <a:ea typeface="微軟正黑體" panose="020B0604030504040204" pitchFamily="34" charset="-120"/>
+              </a:rPr>
+              <a:t>5</a:t>
+            </a:r>
+            <a:r>
+              <a:rPr lang="zh-TW" altLang="en-US" sz="4800" b="1" kern="0" dirty="0">
+                <a:solidFill>
+                  <a:srgbClr val="00B0F0"/>
+                </a:solidFill>
+                <a:effectLst>
+                  <a:outerShdw blurRad="38100" dist="38100" dir="2700000" algn="tl">
+                    <a:srgbClr val="000000">
+                      <a:alpha val="43137"/>
+                    </a:srgbClr>
+                  </a:outerShdw>
+                </a:effectLst>
+                <a:latin typeface="微軟正黑體" panose="020B0604030504040204" pitchFamily="34" charset="-120"/>
+                <a:ea typeface="微軟正黑體" panose="020B0604030504040204" pitchFamily="34" charset="-120"/>
+              </a:rPr>
+              <a:t>、基礎觀念及知識</a:t>
             </a:r>
           </a:p>
         </p:txBody>
@@ -20465,7 +19678,7 @@
     </p:spTree>
     <p:extLst>
       <p:ext uri="{BB962C8B-B14F-4D97-AF65-F5344CB8AC3E}">
-        <p14:creationId xmlns:p14="http://schemas.microsoft.com/office/powerpoint/2010/main" val="3721619489"/>
+        <p14:creationId xmlns:p14="http://schemas.microsoft.com/office/powerpoint/2010/main" val="3025205387"/>
       </p:ext>
     </p:extLst>
   </p:cSld>

--- a/Slides/課程大綱.pptx
+++ b/Slides/課程大綱.pptx
@@ -209,7 +209,7 @@
           <a:p>
             <a:fld id="{90CC8E63-1016-4C78-A51D-85D69DBCD8EF}" type="datetimeFigureOut">
               <a:rPr lang="zh-TW" altLang="en-US" smtClean="0"/>
-              <a:t>2024/5/10</a:t>
+              <a:t>2024/5/11</a:t>
             </a:fld>
             <a:endParaRPr lang="zh-TW" altLang="en-US"/>
           </a:p>
@@ -2413,7 +2413,7 @@
           <a:p>
             <a:fld id="{2E29796B-F55F-40BA-947E-19D03180300F}" type="datetimeFigureOut">
               <a:rPr lang="zh-TW" altLang="en-US" smtClean="0"/>
-              <a:t>2024/5/10</a:t>
+              <a:t>2024/5/11</a:t>
             </a:fld>
             <a:endParaRPr lang="zh-TW" altLang="en-US"/>
           </a:p>
@@ -2611,7 +2611,7 @@
           <a:p>
             <a:fld id="{2E29796B-F55F-40BA-947E-19D03180300F}" type="datetimeFigureOut">
               <a:rPr lang="zh-TW" altLang="en-US" smtClean="0"/>
-              <a:t>2024/5/10</a:t>
+              <a:t>2024/5/11</a:t>
             </a:fld>
             <a:endParaRPr lang="zh-TW" altLang="en-US"/>
           </a:p>
@@ -2819,7 +2819,7 @@
           <a:p>
             <a:fld id="{2E29796B-F55F-40BA-947E-19D03180300F}" type="datetimeFigureOut">
               <a:rPr lang="zh-TW" altLang="en-US" smtClean="0"/>
-              <a:t>2024/5/10</a:t>
+              <a:t>2024/5/11</a:t>
             </a:fld>
             <a:endParaRPr lang="zh-TW" altLang="en-US"/>
           </a:p>
@@ -3200,7 +3200,7 @@
                 </a:solidFill>
               </a:rPr>
               <a:pPr/>
-              <a:t>5/10/2024</a:t>
+              <a:t>5/11/2024</a:t>
             </a:fld>
             <a:endParaRPr kumimoji="0" lang="en-US" dirty="0"/>
           </a:p>
@@ -3431,7 +3431,7 @@
                 </a:solidFill>
               </a:rPr>
               <a:pPr/>
-              <a:t>5/10/2024</a:t>
+              <a:t>5/11/2024</a:t>
             </a:fld>
             <a:endParaRPr kumimoji="0" lang="en-US" dirty="0"/>
           </a:p>
@@ -3664,7 +3664,7 @@
                 </a:solidFill>
               </a:rPr>
               <a:pPr/>
-              <a:t>5/10/2024</a:t>
+              <a:t>5/11/2024</a:t>
             </a:fld>
             <a:endParaRPr kumimoji="0" lang="en-US" dirty="0"/>
           </a:p>
@@ -4146,7 +4146,7 @@
                 </a:solidFill>
               </a:rPr>
               <a:pPr/>
-              <a:t>5/10/2024</a:t>
+              <a:t>5/11/2024</a:t>
             </a:fld>
             <a:endParaRPr kumimoji="0" lang="en-US" dirty="0"/>
           </a:p>
@@ -4503,7 +4503,7 @@
                 </a:solidFill>
               </a:rPr>
               <a:pPr/>
-              <a:t>5/10/2024</a:t>
+              <a:t>5/11/2024</a:t>
             </a:fld>
             <a:endParaRPr kumimoji="0" lang="en-US" dirty="0"/>
           </a:p>
@@ -4866,7 +4866,7 @@
                 </a:solidFill>
               </a:rPr>
               <a:pPr/>
-              <a:t>5/10/2024</a:t>
+              <a:t>5/11/2024</a:t>
             </a:fld>
             <a:endParaRPr kumimoji="0" lang="en-US" dirty="0"/>
           </a:p>
@@ -5176,7 +5176,7 @@
                 </a:solidFill>
               </a:rPr>
               <a:pPr/>
-              <a:t>5/10/2024</a:t>
+              <a:t>5/11/2024</a:t>
             </a:fld>
             <a:endParaRPr kumimoji="0" lang="en-US" dirty="0"/>
           </a:p>
@@ -5371,7 +5371,7 @@
           <a:p>
             <a:fld id="{2E29796B-F55F-40BA-947E-19D03180300F}" type="datetimeFigureOut">
               <a:rPr lang="zh-TW" altLang="en-US" smtClean="0"/>
-              <a:t>2024/5/10</a:t>
+              <a:t>2024/5/11</a:t>
             </a:fld>
             <a:endParaRPr lang="zh-TW" altLang="en-US"/>
           </a:p>
@@ -5855,7 +5855,7 @@
                 </a:solidFill>
               </a:rPr>
               <a:pPr/>
-              <a:t>5/10/2024</a:t>
+              <a:t>5/11/2024</a:t>
             </a:fld>
             <a:endParaRPr kumimoji="0" lang="en-US" dirty="0"/>
           </a:p>
@@ -6251,7 +6251,7 @@
                 </a:solidFill>
               </a:rPr>
               <a:pPr/>
-              <a:t>5/10/2024</a:t>
+              <a:t>5/11/2024</a:t>
             </a:fld>
             <a:endParaRPr kumimoji="0" lang="en-US" dirty="0"/>
           </a:p>
@@ -6591,7 +6591,7 @@
                 </a:solidFill>
               </a:rPr>
               <a:pPr/>
-              <a:t>5/10/2024</a:t>
+              <a:t>5/11/2024</a:t>
             </a:fld>
             <a:endParaRPr kumimoji="0" lang="en-US" dirty="0"/>
           </a:p>
@@ -7172,7 +7172,7 @@
                 </a:solidFill>
               </a:rPr>
               <a:pPr/>
-              <a:t>5/10/2024</a:t>
+              <a:t>5/11/2024</a:t>
             </a:fld>
             <a:endParaRPr kumimoji="0" lang="en-US" dirty="0"/>
           </a:p>
@@ -7741,7 +7741,7 @@
                 </a:solidFill>
               </a:rPr>
               <a:pPr/>
-              <a:t>5/10/2024</a:t>
+              <a:t>5/11/2024</a:t>
             </a:fld>
             <a:endParaRPr kumimoji="0" lang="en-US" dirty="0"/>
           </a:p>
@@ -8205,7 +8205,7 @@
                 </a:solidFill>
               </a:rPr>
               <a:pPr/>
-              <a:t>5/10/2024</a:t>
+              <a:t>5/11/2024</a:t>
             </a:fld>
             <a:endParaRPr kumimoji="0" lang="en-US" dirty="0"/>
           </a:p>
@@ -8634,7 +8634,7 @@
                 </a:solidFill>
               </a:rPr>
               <a:pPr/>
-              <a:t>5/10/2024</a:t>
+              <a:t>5/11/2024</a:t>
             </a:fld>
             <a:endParaRPr kumimoji="0" lang="en-US" dirty="0"/>
           </a:p>
@@ -9143,7 +9143,7 @@
                 </a:solidFill>
               </a:rPr>
               <a:pPr/>
-              <a:t>5/10/2024</a:t>
+              <a:t>5/11/2024</a:t>
             </a:fld>
             <a:endParaRPr kumimoji="0" lang="en-US" dirty="0"/>
           </a:p>
@@ -9652,7 +9652,7 @@
                 </a:solidFill>
               </a:rPr>
               <a:pPr/>
-              <a:t>5/10/2024</a:t>
+              <a:t>5/11/2024</a:t>
             </a:fld>
             <a:endParaRPr kumimoji="0" lang="en-US" dirty="0"/>
           </a:p>
@@ -9873,7 +9873,7 @@
                 </a:solidFill>
               </a:rPr>
               <a:pPr/>
-              <a:t>5/10/2024</a:t>
+              <a:t>5/11/2024</a:t>
             </a:fld>
             <a:endParaRPr kumimoji="0" lang="en-US" dirty="0"/>
           </a:p>
@@ -10145,7 +10145,7 @@
           <a:p>
             <a:fld id="{2E29796B-F55F-40BA-947E-19D03180300F}" type="datetimeFigureOut">
               <a:rPr lang="zh-TW" altLang="en-US" smtClean="0"/>
-              <a:t>2024/5/10</a:t>
+              <a:t>2024/5/11</a:t>
             </a:fld>
             <a:endParaRPr lang="zh-TW" altLang="en-US"/>
           </a:p>
@@ -10481,7 +10481,7 @@
                 </a:solidFill>
               </a:rPr>
               <a:pPr/>
-              <a:t>5/10/2024</a:t>
+              <a:t>5/11/2024</a:t>
             </a:fld>
             <a:endParaRPr kumimoji="0" lang="en-US" dirty="0"/>
           </a:p>
@@ -10705,7 +10705,7 @@
                 </a:solidFill>
               </a:rPr>
               <a:pPr/>
-              <a:t>5/10/2024</a:t>
+              <a:t>5/11/2024</a:t>
             </a:fld>
             <a:endParaRPr kumimoji="0" lang="en-US" dirty="0"/>
           </a:p>
@@ -10886,7 +10886,7 @@
             <a:fld id="{ACB2EC6F-6501-4E04-BD6C-A8A6CABB2C5B}" type="datetimeFigureOut">
               <a:rPr kumimoji="0" lang="en-US" smtClean="0"/>
               <a:pPr/>
-              <a:t>5/10/2024</a:t>
+              <a:t>5/11/2024</a:t>
             </a:fld>
             <a:endParaRPr kumimoji="0" lang="en-US" dirty="0"/>
           </a:p>
@@ -11170,7 +11170,7 @@
           <a:p>
             <a:fld id="{2E29796B-F55F-40BA-947E-19D03180300F}" type="datetimeFigureOut">
               <a:rPr lang="zh-TW" altLang="en-US" smtClean="0"/>
-              <a:t>2024/5/10</a:t>
+              <a:t>2024/5/11</a:t>
             </a:fld>
             <a:endParaRPr lang="zh-TW" altLang="en-US"/>
           </a:p>
@@ -11582,7 +11582,7 @@
           <a:p>
             <a:fld id="{2E29796B-F55F-40BA-947E-19D03180300F}" type="datetimeFigureOut">
               <a:rPr lang="zh-TW" altLang="en-US" smtClean="0"/>
-              <a:t>2024/5/10</a:t>
+              <a:t>2024/5/11</a:t>
             </a:fld>
             <a:endParaRPr lang="zh-TW" altLang="en-US"/>
           </a:p>
@@ -11723,7 +11723,7 @@
           <a:p>
             <a:fld id="{2E29796B-F55F-40BA-947E-19D03180300F}" type="datetimeFigureOut">
               <a:rPr lang="zh-TW" altLang="en-US" smtClean="0"/>
-              <a:t>2024/5/10</a:t>
+              <a:t>2024/5/11</a:t>
             </a:fld>
             <a:endParaRPr lang="zh-TW" altLang="en-US"/>
           </a:p>
@@ -11836,7 +11836,7 @@
           <a:p>
             <a:fld id="{2E29796B-F55F-40BA-947E-19D03180300F}" type="datetimeFigureOut">
               <a:rPr lang="zh-TW" altLang="en-US" smtClean="0"/>
-              <a:t>2024/5/10</a:t>
+              <a:t>2024/5/11</a:t>
             </a:fld>
             <a:endParaRPr lang="zh-TW" altLang="en-US"/>
           </a:p>
@@ -12147,7 +12147,7 @@
           <a:p>
             <a:fld id="{2E29796B-F55F-40BA-947E-19D03180300F}" type="datetimeFigureOut">
               <a:rPr lang="zh-TW" altLang="en-US" smtClean="0"/>
-              <a:t>2024/5/10</a:t>
+              <a:t>2024/5/11</a:t>
             </a:fld>
             <a:endParaRPr lang="zh-TW" altLang="en-US"/>
           </a:p>
@@ -12435,7 +12435,7 @@
           <a:p>
             <a:fld id="{2E29796B-F55F-40BA-947E-19D03180300F}" type="datetimeFigureOut">
               <a:rPr lang="zh-TW" altLang="en-US" smtClean="0"/>
-              <a:t>2024/5/10</a:t>
+              <a:t>2024/5/11</a:t>
             </a:fld>
             <a:endParaRPr lang="zh-TW" altLang="en-US"/>
           </a:p>
@@ -12676,7 +12676,7 @@
           <a:p>
             <a:fld id="{2E29796B-F55F-40BA-947E-19D03180300F}" type="datetimeFigureOut">
               <a:rPr lang="zh-TW" altLang="en-US" smtClean="0"/>
-              <a:t>2024/5/10</a:t>
+              <a:t>2024/5/11</a:t>
             </a:fld>
             <a:endParaRPr lang="zh-TW" altLang="en-US"/>
           </a:p>
@@ -13248,7 +13248,7 @@
                 </a:solidFill>
               </a:rPr>
               <a:pPr/>
-              <a:t>5/10/2024</a:t>
+              <a:t>5/11/2024</a:t>
             </a:fld>
             <a:endParaRPr kumimoji="0" lang="en-US" sz="1200" dirty="0">
               <a:solidFill>
@@ -18510,7 +18510,7 @@
         <p:spPr>
           <a:xfrm>
             <a:off x="693420" y="1841244"/>
-            <a:ext cx="8077200" cy="2062103"/>
+            <a:ext cx="8077200" cy="1569660"/>
           </a:xfrm>
           <a:prstGeom prst="rect">
             <a:avLst/>
@@ -18690,7 +18690,7 @@
                 <a:ea typeface="微軟正黑體" panose="020B0604030504040204" pitchFamily="34" charset="-120"/>
                 <a:cs typeface="Heiti TC Light"/>
               </a:rPr>
-              <a:t>line</a:t>
+              <a:t>OpenAI API</a:t>
             </a:r>
             <a:r>
               <a:rPr kumimoji="1" lang="zh-TW" altLang="en-US" sz="3200" dirty="0">
@@ -18708,43 +18708,7 @@
                 <a:ea typeface="微軟正黑體" panose="020B0604030504040204" pitchFamily="34" charset="-120"/>
                 <a:cs typeface="Heiti TC Light"/>
               </a:rPr>
-              <a:t>的</a:t>
-            </a:r>
-            <a:r>
-              <a:rPr kumimoji="1" lang="en-US" altLang="zh-TW" sz="3200" dirty="0">
-                <a:solidFill>
-                  <a:prstClr val="white"/>
-                </a:solidFill>
-                <a:effectLst>
-                  <a:outerShdw blurRad="38100" dist="38100" dir="2700000" algn="tl">
-                    <a:srgbClr val="000000">
-                      <a:alpha val="43137"/>
-                    </a:srgbClr>
-                  </a:outerShdw>
-                </a:effectLst>
-                <a:latin typeface="微軟正黑體" panose="020B0604030504040204" pitchFamily="34" charset="-120"/>
-                <a:ea typeface="微軟正黑體" panose="020B0604030504040204" pitchFamily="34" charset="-120"/>
-                <a:cs typeface="Heiti TC Light"/>
-              </a:rPr>
-              <a:t>developer, provider, channel</a:t>
-            </a:r>
-            <a:r>
-              <a:rPr kumimoji="1" lang="zh-TW" altLang="en-US" sz="3200" dirty="0">
-                <a:solidFill>
-                  <a:prstClr val="white"/>
-                </a:solidFill>
-                <a:effectLst>
-                  <a:outerShdw blurRad="38100" dist="38100" dir="2700000" algn="tl">
-                    <a:srgbClr val="000000">
-                      <a:alpha val="43137"/>
-                    </a:srgbClr>
-                  </a:outerShdw>
-                </a:effectLst>
-                <a:latin typeface="微軟正黑體" panose="020B0604030504040204" pitchFamily="34" charset="-120"/>
-                <a:ea typeface="微軟正黑體" panose="020B0604030504040204" pitchFamily="34" charset="-120"/>
-                <a:cs typeface="Heiti TC Light"/>
-              </a:rPr>
-              <a:t>等</a:t>
+              <a:t>帳號申請及金鑰</a:t>
             </a:r>
             <a:endParaRPr kumimoji="1" lang="en-US" altLang="zh-TW" sz="3200" dirty="0">
               <a:solidFill>
@@ -18768,7 +18732,7 @@
               <a:buAutoNum type="arabicPeriod"/>
             </a:pPr>
             <a:r>
-              <a:rPr kumimoji="1" lang="en-US" altLang="zh-TW" sz="3200" dirty="0">
+              <a:rPr kumimoji="1" lang="zh-TW" altLang="en-US" sz="3200" dirty="0">
                 <a:solidFill>
                   <a:prstClr val="white"/>
                 </a:solidFill>
@@ -18783,25 +18747,7 @@
                 <a:ea typeface="微軟正黑體" panose="020B0604030504040204" pitchFamily="34" charset="-120"/>
                 <a:cs typeface="Heiti TC Light"/>
               </a:rPr>
-              <a:t>OpenAI API</a:t>
-            </a:r>
-            <a:r>
-              <a:rPr kumimoji="1" lang="zh-TW" altLang="en-US" sz="3200" dirty="0">
-                <a:solidFill>
-                  <a:prstClr val="white"/>
-                </a:solidFill>
-                <a:effectLst>
-                  <a:outerShdw blurRad="38100" dist="38100" dir="2700000" algn="tl">
-                    <a:srgbClr val="000000">
-                      <a:alpha val="43137"/>
-                    </a:srgbClr>
-                  </a:outerShdw>
-                </a:effectLst>
-                <a:latin typeface="微軟正黑體" panose="020B0604030504040204" pitchFamily="34" charset="-120"/>
-                <a:ea typeface="微軟正黑體" panose="020B0604030504040204" pitchFamily="34" charset="-120"/>
-                <a:cs typeface="Heiti TC Light"/>
-              </a:rPr>
-              <a:t>帳號申請及金鑰</a:t>
+              <a:t>在不同開發環境中設定變數</a:t>
             </a:r>
             <a:endParaRPr kumimoji="1" lang="en-US" altLang="zh-TW" sz="3200" dirty="0">
               <a:solidFill>
@@ -18819,15 +18765,41 @@
               <a:cs typeface="Heiti TC Light"/>
             </a:endParaRPr>
           </a:p>
-          <a:p>
-            <a:pPr marL="514350" indent="-514350">
-              <a:buFont typeface="+mj-lt"/>
-              <a:buAutoNum type="arabicPeriod"/>
+        </p:txBody>
+      </p:sp>
+      <p:sp>
+        <p:nvSpPr>
+          <p:cNvPr id="4" name="文字版面配置區 2"/>
+          <p:cNvSpPr txBox="1">
+            <a:spLocks/>
+          </p:cNvSpPr>
+          <p:nvPr/>
+        </p:nvSpPr>
+        <p:spPr>
+          <a:xfrm>
+            <a:off x="784860" y="281940"/>
+            <a:ext cx="8077200" cy="990600"/>
+          </a:xfrm>
+          <a:prstGeom prst="rect">
+            <a:avLst/>
+          </a:prstGeom>
+        </p:spPr>
+        <p:txBody>
+          <a:bodyPr tIns="91440" bIns="91440" anchor="b" anchorCtr="0">
+            <a:noAutofit/>
+          </a:bodyPr>
+          <a:lstStyle/>
+          <a:p>
+            <a:pPr algn="just">
+              <a:spcBef>
+                <a:spcPct val="20000"/>
+              </a:spcBef>
+              <a:defRPr/>
             </a:pPr>
             <a:r>
-              <a:rPr kumimoji="1" lang="zh-TW" altLang="en-US" sz="3200" dirty="0">
-                <a:solidFill>
-                  <a:prstClr val="white"/>
+              <a:rPr lang="en-US" altLang="zh-TW" sz="4800" b="1" kern="0" dirty="0">
+                <a:solidFill>
+                  <a:srgbClr val="00B0F0"/>
                 </a:solidFill>
                 <a:effectLst>
                   <a:outerShdw blurRad="38100" dist="38100" dir="2700000" algn="tl">
@@ -18838,13 +18810,63 @@
                 </a:effectLst>
                 <a:latin typeface="微軟正黑體" panose="020B0604030504040204" pitchFamily="34" charset="-120"/>
                 <a:ea typeface="微軟正黑體" panose="020B0604030504040204" pitchFamily="34" charset="-120"/>
-                <a:cs typeface="Heiti TC Light"/>
-              </a:rPr>
-              <a:t>在不同開發環境中設定變數</a:t>
-            </a:r>
-            <a:endParaRPr kumimoji="1" lang="en-US" altLang="zh-TW" sz="3200" dirty="0">
+              </a:rPr>
+              <a:t>4</a:t>
+            </a:r>
+            <a:r>
+              <a:rPr lang="zh-TW" altLang="en-US" sz="4800" b="1" kern="0" dirty="0">
+                <a:solidFill>
+                  <a:srgbClr val="00B0F0"/>
+                </a:solidFill>
+                <a:effectLst>
+                  <a:outerShdw blurRad="38100" dist="38100" dir="2700000" algn="tl">
+                    <a:srgbClr val="000000">
+                      <a:alpha val="43137"/>
+                    </a:srgbClr>
+                  </a:outerShdw>
+                </a:effectLst>
+                <a:latin typeface="微軟正黑體" panose="020B0604030504040204" pitchFamily="34" charset="-120"/>
+                <a:ea typeface="微軟正黑體" panose="020B0604030504040204" pitchFamily="34" charset="-120"/>
+              </a:rPr>
+              <a:t>、</a:t>
+            </a:r>
+            <a:r>
+              <a:rPr lang="en-US" altLang="zh-TW" sz="4800" b="1" kern="0" dirty="0" err="1">
+                <a:solidFill>
+                  <a:srgbClr val="00B0F0"/>
+                </a:solidFill>
+                <a:effectLst>
+                  <a:outerShdw blurRad="38100" dist="38100" dir="2700000" algn="tl">
+                    <a:srgbClr val="000000">
+                      <a:alpha val="43137"/>
+                    </a:srgbClr>
+                  </a:outerShdw>
+                </a:effectLst>
+                <a:latin typeface="微軟正黑體" panose="020B0604030504040204" pitchFamily="34" charset="-120"/>
+                <a:ea typeface="微軟正黑體" panose="020B0604030504040204" pitchFamily="34" charset="-120"/>
+              </a:rPr>
+              <a:t>ngrok</a:t>
+            </a:r>
+            <a:r>
+              <a:rPr lang="en-US" altLang="zh-TW" sz="4800" b="1" kern="0" dirty="0">
+                <a:solidFill>
+                  <a:srgbClr val="00B0F0"/>
+                </a:solidFill>
+                <a:effectLst>
+                  <a:outerShdw blurRad="38100" dist="38100" dir="2700000" algn="tl">
+                    <a:srgbClr val="000000">
+                      <a:alpha val="43137"/>
+                    </a:srgbClr>
+                  </a:outerShdw>
+                </a:effectLst>
+                <a:latin typeface="微軟正黑體" panose="020B0604030504040204" pitchFamily="34" charset="-120"/>
+                <a:ea typeface="微軟正黑體" panose="020B0604030504040204" pitchFamily="34" charset="-120"/>
+              </a:rPr>
+              <a:t>/docker/OpenAI</a:t>
+            </a:r>
+            <a:endParaRPr lang="zh-TW" altLang="en-US" sz="4800" b="1" kern="0" dirty="0">
               <a:solidFill>
-                <a:prstClr val="white"/>
+                <a:srgbClr val="00B0F0"/>
               </a:solidFill>
               <a:effectLst>
                 <a:outerShdw blurRad="38100" dist="38100" dir="2700000" algn="tl">
@@ -18855,74 +18877,7 @@
               </a:effectLst>
               <a:latin typeface="微軟正黑體" panose="020B0604030504040204" pitchFamily="34" charset="-120"/>
               <a:ea typeface="微軟正黑體" panose="020B0604030504040204" pitchFamily="34" charset="-120"/>
-              <a:cs typeface="Heiti TC Light"/>
             </a:endParaRPr>
-          </a:p>
-        </p:txBody>
-      </p:sp>
-      <p:sp>
-        <p:nvSpPr>
-          <p:cNvPr id="4" name="文字版面配置區 2"/>
-          <p:cNvSpPr txBox="1">
-            <a:spLocks/>
-          </p:cNvSpPr>
-          <p:nvPr/>
-        </p:nvSpPr>
-        <p:spPr>
-          <a:xfrm>
-            <a:off x="1379220" y="281940"/>
-            <a:ext cx="7482840" cy="990600"/>
-          </a:xfrm>
-          <a:prstGeom prst="rect">
-            <a:avLst/>
-          </a:prstGeom>
-        </p:spPr>
-        <p:txBody>
-          <a:bodyPr tIns="91440" bIns="91440" anchor="b" anchorCtr="0">
-            <a:noAutofit/>
-          </a:bodyPr>
-          <a:lstStyle/>
-          <a:p>
-            <a:pPr algn="just">
-              <a:spcBef>
-                <a:spcPct val="20000"/>
-              </a:spcBef>
-              <a:defRPr/>
-            </a:pPr>
-            <a:r>
-              <a:rPr lang="en-US" altLang="zh-TW" sz="4800" b="1" kern="0" dirty="0">
-                <a:solidFill>
-                  <a:srgbClr val="00B0F0"/>
-                </a:solidFill>
-                <a:effectLst>
-                  <a:outerShdw blurRad="38100" dist="38100" dir="2700000" algn="tl">
-                    <a:srgbClr val="000000">
-                      <a:alpha val="43137"/>
-                    </a:srgbClr>
-                  </a:outerShdw>
-                </a:effectLst>
-                <a:latin typeface="微軟正黑體" panose="020B0604030504040204" pitchFamily="34" charset="-120"/>
-                <a:ea typeface="微軟正黑體" panose="020B0604030504040204" pitchFamily="34" charset="-120"/>
-              </a:rPr>
-              <a:t>4</a:t>
-            </a:r>
-            <a:r>
-              <a:rPr lang="zh-TW" altLang="en-US" sz="4800" b="1" kern="0" dirty="0">
-                <a:solidFill>
-                  <a:srgbClr val="00B0F0"/>
-                </a:solidFill>
-                <a:effectLst>
-                  <a:outerShdw blurRad="38100" dist="38100" dir="2700000" algn="tl">
-                    <a:srgbClr val="000000">
-                      <a:alpha val="43137"/>
-                    </a:srgbClr>
-                  </a:outerShdw>
-                </a:effectLst>
-                <a:latin typeface="微軟正黑體" panose="020B0604030504040204" pitchFamily="34" charset="-120"/>
-                <a:ea typeface="微軟正黑體" panose="020B0604030504040204" pitchFamily="34" charset="-120"/>
-              </a:rPr>
-              <a:t>、申請帳號、金鑰等</a:t>
-            </a:r>
           </a:p>
         </p:txBody>
       </p:sp>

--- a/Slides/課程大綱.pptx
+++ b/Slides/課程大綱.pptx
@@ -209,7 +209,7 @@
           <a:p>
             <a:fld id="{90CC8E63-1016-4C78-A51D-85D69DBCD8EF}" type="datetimeFigureOut">
               <a:rPr lang="zh-TW" altLang="en-US" smtClean="0"/>
-              <a:t>2024/5/11</a:t>
+              <a:t>2024/5/12</a:t>
             </a:fld>
             <a:endParaRPr lang="zh-TW" altLang="en-US"/>
           </a:p>
@@ -2413,7 +2413,7 @@
           <a:p>
             <a:fld id="{2E29796B-F55F-40BA-947E-19D03180300F}" type="datetimeFigureOut">
               <a:rPr lang="zh-TW" altLang="en-US" smtClean="0"/>
-              <a:t>2024/5/11</a:t>
+              <a:t>2024/5/12</a:t>
             </a:fld>
             <a:endParaRPr lang="zh-TW" altLang="en-US"/>
           </a:p>
@@ -2611,7 +2611,7 @@
           <a:p>
             <a:fld id="{2E29796B-F55F-40BA-947E-19D03180300F}" type="datetimeFigureOut">
               <a:rPr lang="zh-TW" altLang="en-US" smtClean="0"/>
-              <a:t>2024/5/11</a:t>
+              <a:t>2024/5/12</a:t>
             </a:fld>
             <a:endParaRPr lang="zh-TW" altLang="en-US"/>
           </a:p>
@@ -2819,7 +2819,7 @@
           <a:p>
             <a:fld id="{2E29796B-F55F-40BA-947E-19D03180300F}" type="datetimeFigureOut">
               <a:rPr lang="zh-TW" altLang="en-US" smtClean="0"/>
-              <a:t>2024/5/11</a:t>
+              <a:t>2024/5/12</a:t>
             </a:fld>
             <a:endParaRPr lang="zh-TW" altLang="en-US"/>
           </a:p>
@@ -3200,7 +3200,7 @@
                 </a:solidFill>
               </a:rPr>
               <a:pPr/>
-              <a:t>5/11/2024</a:t>
+              <a:t>5/12/2024</a:t>
             </a:fld>
             <a:endParaRPr kumimoji="0" lang="en-US" dirty="0"/>
           </a:p>
@@ -3431,7 +3431,7 @@
                 </a:solidFill>
               </a:rPr>
               <a:pPr/>
-              <a:t>5/11/2024</a:t>
+              <a:t>5/12/2024</a:t>
             </a:fld>
             <a:endParaRPr kumimoji="0" lang="en-US" dirty="0"/>
           </a:p>
@@ -3664,7 +3664,7 @@
                 </a:solidFill>
               </a:rPr>
               <a:pPr/>
-              <a:t>5/11/2024</a:t>
+              <a:t>5/12/2024</a:t>
             </a:fld>
             <a:endParaRPr kumimoji="0" lang="en-US" dirty="0"/>
           </a:p>
@@ -4146,7 +4146,7 @@
                 </a:solidFill>
               </a:rPr>
               <a:pPr/>
-              <a:t>5/11/2024</a:t>
+              <a:t>5/12/2024</a:t>
             </a:fld>
             <a:endParaRPr kumimoji="0" lang="en-US" dirty="0"/>
           </a:p>
@@ -4503,7 +4503,7 @@
                 </a:solidFill>
               </a:rPr>
               <a:pPr/>
-              <a:t>5/11/2024</a:t>
+              <a:t>5/12/2024</a:t>
             </a:fld>
             <a:endParaRPr kumimoji="0" lang="en-US" dirty="0"/>
           </a:p>
@@ -4866,7 +4866,7 @@
                 </a:solidFill>
               </a:rPr>
               <a:pPr/>
-              <a:t>5/11/2024</a:t>
+              <a:t>5/12/2024</a:t>
             </a:fld>
             <a:endParaRPr kumimoji="0" lang="en-US" dirty="0"/>
           </a:p>
@@ -5176,7 +5176,7 @@
                 </a:solidFill>
               </a:rPr>
               <a:pPr/>
-              <a:t>5/11/2024</a:t>
+              <a:t>5/12/2024</a:t>
             </a:fld>
             <a:endParaRPr kumimoji="0" lang="en-US" dirty="0"/>
           </a:p>
@@ -5371,7 +5371,7 @@
           <a:p>
             <a:fld id="{2E29796B-F55F-40BA-947E-19D03180300F}" type="datetimeFigureOut">
               <a:rPr lang="zh-TW" altLang="en-US" smtClean="0"/>
-              <a:t>2024/5/11</a:t>
+              <a:t>2024/5/12</a:t>
             </a:fld>
             <a:endParaRPr lang="zh-TW" altLang="en-US"/>
           </a:p>
@@ -5855,7 +5855,7 @@
                 </a:solidFill>
               </a:rPr>
               <a:pPr/>
-              <a:t>5/11/2024</a:t>
+              <a:t>5/12/2024</a:t>
             </a:fld>
             <a:endParaRPr kumimoji="0" lang="en-US" dirty="0"/>
           </a:p>
@@ -6251,7 +6251,7 @@
                 </a:solidFill>
               </a:rPr>
               <a:pPr/>
-              <a:t>5/11/2024</a:t>
+              <a:t>5/12/2024</a:t>
             </a:fld>
             <a:endParaRPr kumimoji="0" lang="en-US" dirty="0"/>
           </a:p>
@@ -6591,7 +6591,7 @@
                 </a:solidFill>
               </a:rPr>
               <a:pPr/>
-              <a:t>5/11/2024</a:t>
+              <a:t>5/12/2024</a:t>
             </a:fld>
             <a:endParaRPr kumimoji="0" lang="en-US" dirty="0"/>
           </a:p>
@@ -7172,7 +7172,7 @@
                 </a:solidFill>
               </a:rPr>
               <a:pPr/>
-              <a:t>5/11/2024</a:t>
+              <a:t>5/12/2024</a:t>
             </a:fld>
             <a:endParaRPr kumimoji="0" lang="en-US" dirty="0"/>
           </a:p>
@@ -7741,7 +7741,7 @@
                 </a:solidFill>
               </a:rPr>
               <a:pPr/>
-              <a:t>5/11/2024</a:t>
+              <a:t>5/12/2024</a:t>
             </a:fld>
             <a:endParaRPr kumimoji="0" lang="en-US" dirty="0"/>
           </a:p>
@@ -8205,7 +8205,7 @@
                 </a:solidFill>
               </a:rPr>
               <a:pPr/>
-              <a:t>5/11/2024</a:t>
+              <a:t>5/12/2024</a:t>
             </a:fld>
             <a:endParaRPr kumimoji="0" lang="en-US" dirty="0"/>
           </a:p>
@@ -8634,7 +8634,7 @@
                 </a:solidFill>
               </a:rPr>
               <a:pPr/>
-              <a:t>5/11/2024</a:t>
+              <a:t>5/12/2024</a:t>
             </a:fld>
             <a:endParaRPr kumimoji="0" lang="en-US" dirty="0"/>
           </a:p>
@@ -9143,7 +9143,7 @@
                 </a:solidFill>
               </a:rPr>
               <a:pPr/>
-              <a:t>5/11/2024</a:t>
+              <a:t>5/12/2024</a:t>
             </a:fld>
             <a:endParaRPr kumimoji="0" lang="en-US" dirty="0"/>
           </a:p>
@@ -9652,7 +9652,7 @@
                 </a:solidFill>
               </a:rPr>
               <a:pPr/>
-              <a:t>5/11/2024</a:t>
+              <a:t>5/12/2024</a:t>
             </a:fld>
             <a:endParaRPr kumimoji="0" lang="en-US" dirty="0"/>
           </a:p>
@@ -9873,7 +9873,7 @@
                 </a:solidFill>
               </a:rPr>
               <a:pPr/>
-              <a:t>5/11/2024</a:t>
+              <a:t>5/12/2024</a:t>
             </a:fld>
             <a:endParaRPr kumimoji="0" lang="en-US" dirty="0"/>
           </a:p>
@@ -10145,7 +10145,7 @@
           <a:p>
             <a:fld id="{2E29796B-F55F-40BA-947E-19D03180300F}" type="datetimeFigureOut">
               <a:rPr lang="zh-TW" altLang="en-US" smtClean="0"/>
-              <a:t>2024/5/11</a:t>
+              <a:t>2024/5/12</a:t>
             </a:fld>
             <a:endParaRPr lang="zh-TW" altLang="en-US"/>
           </a:p>
@@ -10481,7 +10481,7 @@
                 </a:solidFill>
               </a:rPr>
               <a:pPr/>
-              <a:t>5/11/2024</a:t>
+              <a:t>5/12/2024</a:t>
             </a:fld>
             <a:endParaRPr kumimoji="0" lang="en-US" dirty="0"/>
           </a:p>
@@ -10705,7 +10705,7 @@
                 </a:solidFill>
               </a:rPr>
               <a:pPr/>
-              <a:t>5/11/2024</a:t>
+              <a:t>5/12/2024</a:t>
             </a:fld>
             <a:endParaRPr kumimoji="0" lang="en-US" dirty="0"/>
           </a:p>
@@ -10886,7 +10886,7 @@
             <a:fld id="{ACB2EC6F-6501-4E04-BD6C-A8A6CABB2C5B}" type="datetimeFigureOut">
               <a:rPr kumimoji="0" lang="en-US" smtClean="0"/>
               <a:pPr/>
-              <a:t>5/11/2024</a:t>
+              <a:t>5/12/2024</a:t>
             </a:fld>
             <a:endParaRPr kumimoji="0" lang="en-US" dirty="0"/>
           </a:p>
@@ -11170,7 +11170,7 @@
           <a:p>
             <a:fld id="{2E29796B-F55F-40BA-947E-19D03180300F}" type="datetimeFigureOut">
               <a:rPr lang="zh-TW" altLang="en-US" smtClean="0"/>
-              <a:t>2024/5/11</a:t>
+              <a:t>2024/5/12</a:t>
             </a:fld>
             <a:endParaRPr lang="zh-TW" altLang="en-US"/>
           </a:p>
@@ -11582,7 +11582,7 @@
           <a:p>
             <a:fld id="{2E29796B-F55F-40BA-947E-19D03180300F}" type="datetimeFigureOut">
               <a:rPr lang="zh-TW" altLang="en-US" smtClean="0"/>
-              <a:t>2024/5/11</a:t>
+              <a:t>2024/5/12</a:t>
             </a:fld>
             <a:endParaRPr lang="zh-TW" altLang="en-US"/>
           </a:p>
@@ -11723,7 +11723,7 @@
           <a:p>
             <a:fld id="{2E29796B-F55F-40BA-947E-19D03180300F}" type="datetimeFigureOut">
               <a:rPr lang="zh-TW" altLang="en-US" smtClean="0"/>
-              <a:t>2024/5/11</a:t>
+              <a:t>2024/5/12</a:t>
             </a:fld>
             <a:endParaRPr lang="zh-TW" altLang="en-US"/>
           </a:p>
@@ -11836,7 +11836,7 @@
           <a:p>
             <a:fld id="{2E29796B-F55F-40BA-947E-19D03180300F}" type="datetimeFigureOut">
               <a:rPr lang="zh-TW" altLang="en-US" smtClean="0"/>
-              <a:t>2024/5/11</a:t>
+              <a:t>2024/5/12</a:t>
             </a:fld>
             <a:endParaRPr lang="zh-TW" altLang="en-US"/>
           </a:p>
@@ -12147,7 +12147,7 @@
           <a:p>
             <a:fld id="{2E29796B-F55F-40BA-947E-19D03180300F}" type="datetimeFigureOut">
               <a:rPr lang="zh-TW" altLang="en-US" smtClean="0"/>
-              <a:t>2024/5/11</a:t>
+              <a:t>2024/5/12</a:t>
             </a:fld>
             <a:endParaRPr lang="zh-TW" altLang="en-US"/>
           </a:p>
@@ -12435,7 +12435,7 @@
           <a:p>
             <a:fld id="{2E29796B-F55F-40BA-947E-19D03180300F}" type="datetimeFigureOut">
               <a:rPr lang="zh-TW" altLang="en-US" smtClean="0"/>
-              <a:t>2024/5/11</a:t>
+              <a:t>2024/5/12</a:t>
             </a:fld>
             <a:endParaRPr lang="zh-TW" altLang="en-US"/>
           </a:p>
@@ -12676,7 +12676,7 @@
           <a:p>
             <a:fld id="{2E29796B-F55F-40BA-947E-19D03180300F}" type="datetimeFigureOut">
               <a:rPr lang="zh-TW" altLang="en-US" smtClean="0"/>
-              <a:t>2024/5/11</a:t>
+              <a:t>2024/5/12</a:t>
             </a:fld>
             <a:endParaRPr lang="zh-TW" altLang="en-US"/>
           </a:p>
@@ -13248,7 +13248,7 @@
                 </a:solidFill>
               </a:rPr>
               <a:pPr/>
-              <a:t>5/11/2024</a:t>
+              <a:t>5/12/2024</a:t>
             </a:fld>
             <a:endParaRPr kumimoji="0" lang="en-US" sz="1200" dirty="0">
               <a:solidFill>
@@ -18923,7 +18923,7 @@
         <p:spPr>
           <a:xfrm>
             <a:off x="693420" y="1841244"/>
-            <a:ext cx="8077200" cy="4524315"/>
+            <a:ext cx="8077200" cy="4031873"/>
           </a:xfrm>
           <a:prstGeom prst="rect">
             <a:avLst/>
@@ -19488,63 +19488,6 @@
                 <a:cs typeface="Heiti TC Light"/>
               </a:rPr>
               <a:t>通道轉址</a:t>
-            </a:r>
-            <a:endParaRPr kumimoji="1" lang="en-US" altLang="zh-TW" sz="3200" dirty="0">
-              <a:solidFill>
-                <a:prstClr val="white"/>
-              </a:solidFill>
-              <a:effectLst>
-                <a:outerShdw blurRad="38100" dist="38100" dir="2700000" algn="tl">
-                  <a:srgbClr val="000000">
-                    <a:alpha val="43137"/>
-                  </a:srgbClr>
-                </a:outerShdw>
-              </a:effectLst>
-              <a:latin typeface="微軟正黑體" panose="020B0604030504040204" pitchFamily="34" charset="-120"/>
-              <a:ea typeface="微軟正黑體" panose="020B0604030504040204" pitchFamily="34" charset="-120"/>
-              <a:cs typeface="Heiti TC Light"/>
-            </a:endParaRPr>
-          </a:p>
-          <a:p>
-            <a:pPr marL="514350" indent="-514350">
-              <a:buFont typeface="+mj-lt"/>
-              <a:buAutoNum type="arabicPeriod"/>
-            </a:pPr>
-            <a:r>
-              <a:rPr kumimoji="1" lang="en-US" altLang="zh-TW" sz="3200" dirty="0" err="1">
-                <a:solidFill>
-                  <a:prstClr val="white"/>
-                </a:solidFill>
-                <a:effectLst>
-                  <a:outerShdw blurRad="38100" dist="38100" dir="2700000" algn="tl">
-                    <a:srgbClr val="000000">
-                      <a:alpha val="43137"/>
-                    </a:srgbClr>
-                  </a:outerShdw>
-                </a:effectLst>
-                <a:latin typeface="微軟正黑體" panose="020B0604030504040204" pitchFamily="34" charset="-120"/>
-                <a:ea typeface="微軟正黑體" panose="020B0604030504040204" pitchFamily="34" charset="-120"/>
-                <a:cs typeface="Heiti TC Light"/>
-              </a:rPr>
-              <a:t>ngrok</a:t>
-            </a:r>
-            <a:r>
-              <a:rPr kumimoji="1" lang="zh-TW" altLang="en-US" sz="3200" dirty="0">
-                <a:solidFill>
-                  <a:prstClr val="white"/>
-                </a:solidFill>
-                <a:effectLst>
-                  <a:outerShdw blurRad="38100" dist="38100" dir="2700000" algn="tl">
-                    <a:srgbClr val="000000">
-                      <a:alpha val="43137"/>
-                    </a:srgbClr>
-                  </a:outerShdw>
-                </a:effectLst>
-                <a:latin typeface="微軟正黑體" panose="020B0604030504040204" pitchFamily="34" charset="-120"/>
-                <a:ea typeface="微軟正黑體" panose="020B0604030504040204" pitchFamily="34" charset="-120"/>
-                <a:cs typeface="Heiti TC Light"/>
-              </a:rPr>
-              <a:t>的操作及示範</a:t>
             </a:r>
             <a:endParaRPr kumimoji="1" lang="en-US" altLang="zh-TW" sz="3200" dirty="0">
               <a:solidFill>

--- a/Slides/課程大綱.pptx
+++ b/Slides/課程大綱.pptx
@@ -209,7 +209,7 @@
           <a:p>
             <a:fld id="{90CC8E63-1016-4C78-A51D-85D69DBCD8EF}" type="datetimeFigureOut">
               <a:rPr lang="zh-TW" altLang="en-US" smtClean="0"/>
-              <a:t>2024/5/12</a:t>
+              <a:t>2024/5/14</a:t>
             </a:fld>
             <a:endParaRPr lang="zh-TW" altLang="en-US"/>
           </a:p>
@@ -2413,7 +2413,7 @@
           <a:p>
             <a:fld id="{2E29796B-F55F-40BA-947E-19D03180300F}" type="datetimeFigureOut">
               <a:rPr lang="zh-TW" altLang="en-US" smtClean="0"/>
-              <a:t>2024/5/12</a:t>
+              <a:t>2024/5/14</a:t>
             </a:fld>
             <a:endParaRPr lang="zh-TW" altLang="en-US"/>
           </a:p>
@@ -2611,7 +2611,7 @@
           <a:p>
             <a:fld id="{2E29796B-F55F-40BA-947E-19D03180300F}" type="datetimeFigureOut">
               <a:rPr lang="zh-TW" altLang="en-US" smtClean="0"/>
-              <a:t>2024/5/12</a:t>
+              <a:t>2024/5/14</a:t>
             </a:fld>
             <a:endParaRPr lang="zh-TW" altLang="en-US"/>
           </a:p>
@@ -2819,7 +2819,7 @@
           <a:p>
             <a:fld id="{2E29796B-F55F-40BA-947E-19D03180300F}" type="datetimeFigureOut">
               <a:rPr lang="zh-TW" altLang="en-US" smtClean="0"/>
-              <a:t>2024/5/12</a:t>
+              <a:t>2024/5/14</a:t>
             </a:fld>
             <a:endParaRPr lang="zh-TW" altLang="en-US"/>
           </a:p>
@@ -3200,7 +3200,7 @@
                 </a:solidFill>
               </a:rPr>
               <a:pPr/>
-              <a:t>5/12/2024</a:t>
+              <a:t>5/14/2024</a:t>
             </a:fld>
             <a:endParaRPr kumimoji="0" lang="en-US" dirty="0"/>
           </a:p>
@@ -3431,7 +3431,7 @@
                 </a:solidFill>
               </a:rPr>
               <a:pPr/>
-              <a:t>5/12/2024</a:t>
+              <a:t>5/14/2024</a:t>
             </a:fld>
             <a:endParaRPr kumimoji="0" lang="en-US" dirty="0"/>
           </a:p>
@@ -3664,7 +3664,7 @@
                 </a:solidFill>
               </a:rPr>
               <a:pPr/>
-              <a:t>5/12/2024</a:t>
+              <a:t>5/14/2024</a:t>
             </a:fld>
             <a:endParaRPr kumimoji="0" lang="en-US" dirty="0"/>
           </a:p>
@@ -4146,7 +4146,7 @@
                 </a:solidFill>
               </a:rPr>
               <a:pPr/>
-              <a:t>5/12/2024</a:t>
+              <a:t>5/14/2024</a:t>
             </a:fld>
             <a:endParaRPr kumimoji="0" lang="en-US" dirty="0"/>
           </a:p>
@@ -4503,7 +4503,7 @@
                 </a:solidFill>
               </a:rPr>
               <a:pPr/>
-              <a:t>5/12/2024</a:t>
+              <a:t>5/14/2024</a:t>
             </a:fld>
             <a:endParaRPr kumimoji="0" lang="en-US" dirty="0"/>
           </a:p>
@@ -4866,7 +4866,7 @@
                 </a:solidFill>
               </a:rPr>
               <a:pPr/>
-              <a:t>5/12/2024</a:t>
+              <a:t>5/14/2024</a:t>
             </a:fld>
             <a:endParaRPr kumimoji="0" lang="en-US" dirty="0"/>
           </a:p>
@@ -5176,7 +5176,7 @@
                 </a:solidFill>
               </a:rPr>
               <a:pPr/>
-              <a:t>5/12/2024</a:t>
+              <a:t>5/14/2024</a:t>
             </a:fld>
             <a:endParaRPr kumimoji="0" lang="en-US" dirty="0"/>
           </a:p>
@@ -5371,7 +5371,7 @@
           <a:p>
             <a:fld id="{2E29796B-F55F-40BA-947E-19D03180300F}" type="datetimeFigureOut">
               <a:rPr lang="zh-TW" altLang="en-US" smtClean="0"/>
-              <a:t>2024/5/12</a:t>
+              <a:t>2024/5/14</a:t>
             </a:fld>
             <a:endParaRPr lang="zh-TW" altLang="en-US"/>
           </a:p>
@@ -5855,7 +5855,7 @@
                 </a:solidFill>
               </a:rPr>
               <a:pPr/>
-              <a:t>5/12/2024</a:t>
+              <a:t>5/14/2024</a:t>
             </a:fld>
             <a:endParaRPr kumimoji="0" lang="en-US" dirty="0"/>
           </a:p>
@@ -6251,7 +6251,7 @@
                 </a:solidFill>
               </a:rPr>
               <a:pPr/>
-              <a:t>5/12/2024</a:t>
+              <a:t>5/14/2024</a:t>
             </a:fld>
             <a:endParaRPr kumimoji="0" lang="en-US" dirty="0"/>
           </a:p>
@@ -6591,7 +6591,7 @@
                 </a:solidFill>
               </a:rPr>
               <a:pPr/>
-              <a:t>5/12/2024</a:t>
+              <a:t>5/14/2024</a:t>
             </a:fld>
             <a:endParaRPr kumimoji="0" lang="en-US" dirty="0"/>
           </a:p>
@@ -7172,7 +7172,7 @@
                 </a:solidFill>
               </a:rPr>
               <a:pPr/>
-              <a:t>5/12/2024</a:t>
+              <a:t>5/14/2024</a:t>
             </a:fld>
             <a:endParaRPr kumimoji="0" lang="en-US" dirty="0"/>
           </a:p>
@@ -7741,7 +7741,7 @@
                 </a:solidFill>
               </a:rPr>
               <a:pPr/>
-              <a:t>5/12/2024</a:t>
+              <a:t>5/14/2024</a:t>
             </a:fld>
             <a:endParaRPr kumimoji="0" lang="en-US" dirty="0"/>
           </a:p>
@@ -8205,7 +8205,7 @@
                 </a:solidFill>
               </a:rPr>
               <a:pPr/>
-              <a:t>5/12/2024</a:t>
+              <a:t>5/14/2024</a:t>
             </a:fld>
             <a:endParaRPr kumimoji="0" lang="en-US" dirty="0"/>
           </a:p>
@@ -8634,7 +8634,7 @@
                 </a:solidFill>
               </a:rPr>
               <a:pPr/>
-              <a:t>5/12/2024</a:t>
+              <a:t>5/14/2024</a:t>
             </a:fld>
             <a:endParaRPr kumimoji="0" lang="en-US" dirty="0"/>
           </a:p>
@@ -9143,7 +9143,7 @@
                 </a:solidFill>
               </a:rPr>
               <a:pPr/>
-              <a:t>5/12/2024</a:t>
+              <a:t>5/14/2024</a:t>
             </a:fld>
             <a:endParaRPr kumimoji="0" lang="en-US" dirty="0"/>
           </a:p>
@@ -9652,7 +9652,7 @@
                 </a:solidFill>
               </a:rPr>
               <a:pPr/>
-              <a:t>5/12/2024</a:t>
+              <a:t>5/14/2024</a:t>
             </a:fld>
             <a:endParaRPr kumimoji="0" lang="en-US" dirty="0"/>
           </a:p>
@@ -9873,7 +9873,7 @@
                 </a:solidFill>
               </a:rPr>
               <a:pPr/>
-              <a:t>5/12/2024</a:t>
+              <a:t>5/14/2024</a:t>
             </a:fld>
             <a:endParaRPr kumimoji="0" lang="en-US" dirty="0"/>
           </a:p>
@@ -10145,7 +10145,7 @@
           <a:p>
             <a:fld id="{2E29796B-F55F-40BA-947E-19D03180300F}" type="datetimeFigureOut">
               <a:rPr lang="zh-TW" altLang="en-US" smtClean="0"/>
-              <a:t>2024/5/12</a:t>
+              <a:t>2024/5/14</a:t>
             </a:fld>
             <a:endParaRPr lang="zh-TW" altLang="en-US"/>
           </a:p>
@@ -10481,7 +10481,7 @@
                 </a:solidFill>
               </a:rPr>
               <a:pPr/>
-              <a:t>5/12/2024</a:t>
+              <a:t>5/14/2024</a:t>
             </a:fld>
             <a:endParaRPr kumimoji="0" lang="en-US" dirty="0"/>
           </a:p>
@@ -10705,7 +10705,7 @@
                 </a:solidFill>
               </a:rPr>
               <a:pPr/>
-              <a:t>5/12/2024</a:t>
+              <a:t>5/14/2024</a:t>
             </a:fld>
             <a:endParaRPr kumimoji="0" lang="en-US" dirty="0"/>
           </a:p>
@@ -10886,7 +10886,7 @@
             <a:fld id="{ACB2EC6F-6501-4E04-BD6C-A8A6CABB2C5B}" type="datetimeFigureOut">
               <a:rPr kumimoji="0" lang="en-US" smtClean="0"/>
               <a:pPr/>
-              <a:t>5/12/2024</a:t>
+              <a:t>5/14/2024</a:t>
             </a:fld>
             <a:endParaRPr kumimoji="0" lang="en-US" dirty="0"/>
           </a:p>
@@ -11170,7 +11170,7 @@
           <a:p>
             <a:fld id="{2E29796B-F55F-40BA-947E-19D03180300F}" type="datetimeFigureOut">
               <a:rPr lang="zh-TW" altLang="en-US" smtClean="0"/>
-              <a:t>2024/5/12</a:t>
+              <a:t>2024/5/14</a:t>
             </a:fld>
             <a:endParaRPr lang="zh-TW" altLang="en-US"/>
           </a:p>
@@ -11582,7 +11582,7 @@
           <a:p>
             <a:fld id="{2E29796B-F55F-40BA-947E-19D03180300F}" type="datetimeFigureOut">
               <a:rPr lang="zh-TW" altLang="en-US" smtClean="0"/>
-              <a:t>2024/5/12</a:t>
+              <a:t>2024/5/14</a:t>
             </a:fld>
             <a:endParaRPr lang="zh-TW" altLang="en-US"/>
           </a:p>
@@ -11723,7 +11723,7 @@
           <a:p>
             <a:fld id="{2E29796B-F55F-40BA-947E-19D03180300F}" type="datetimeFigureOut">
               <a:rPr lang="zh-TW" altLang="en-US" smtClean="0"/>
-              <a:t>2024/5/12</a:t>
+              <a:t>2024/5/14</a:t>
             </a:fld>
             <a:endParaRPr lang="zh-TW" altLang="en-US"/>
           </a:p>
@@ -11836,7 +11836,7 @@
           <a:p>
             <a:fld id="{2E29796B-F55F-40BA-947E-19D03180300F}" type="datetimeFigureOut">
               <a:rPr lang="zh-TW" altLang="en-US" smtClean="0"/>
-              <a:t>2024/5/12</a:t>
+              <a:t>2024/5/14</a:t>
             </a:fld>
             <a:endParaRPr lang="zh-TW" altLang="en-US"/>
           </a:p>
@@ -12147,7 +12147,7 @@
           <a:p>
             <a:fld id="{2E29796B-F55F-40BA-947E-19D03180300F}" type="datetimeFigureOut">
               <a:rPr lang="zh-TW" altLang="en-US" smtClean="0"/>
-              <a:t>2024/5/12</a:t>
+              <a:t>2024/5/14</a:t>
             </a:fld>
             <a:endParaRPr lang="zh-TW" altLang="en-US"/>
           </a:p>
@@ -12435,7 +12435,7 @@
           <a:p>
             <a:fld id="{2E29796B-F55F-40BA-947E-19D03180300F}" type="datetimeFigureOut">
               <a:rPr lang="zh-TW" altLang="en-US" smtClean="0"/>
-              <a:t>2024/5/12</a:t>
+              <a:t>2024/5/14</a:t>
             </a:fld>
             <a:endParaRPr lang="zh-TW" altLang="en-US"/>
           </a:p>
@@ -12676,7 +12676,7 @@
           <a:p>
             <a:fld id="{2E29796B-F55F-40BA-947E-19D03180300F}" type="datetimeFigureOut">
               <a:rPr lang="zh-TW" altLang="en-US" smtClean="0"/>
-              <a:t>2024/5/12</a:t>
+              <a:t>2024/5/14</a:t>
             </a:fld>
             <a:endParaRPr lang="zh-TW" altLang="en-US"/>
           </a:p>
@@ -13248,7 +13248,7 @@
                 </a:solidFill>
               </a:rPr>
               <a:pPr/>
-              <a:t>5/12/2024</a:t>
+              <a:t>5/14/2024</a:t>
             </a:fld>
             <a:endParaRPr kumimoji="0" lang="en-US" sz="1200" dirty="0">
               <a:solidFill>
@@ -14965,7 +14965,7 @@
         <p:spPr>
           <a:xfrm>
             <a:off x="693420" y="1841244"/>
-            <a:ext cx="8077200" cy="4524315"/>
+            <a:ext cx="8077200" cy="5016758"/>
           </a:xfrm>
           <a:prstGeom prst="rect">
             <a:avLst/>
@@ -14983,7 +14983,7 @@
               <a:buAutoNum type="arabicPeriod"/>
             </a:pPr>
             <a:r>
-              <a:rPr kumimoji="1" lang="zh-TW" altLang="en-US" sz="3200" dirty="0">
+              <a:rPr kumimoji="1" lang="en-US" altLang="zh-TW" sz="3200" dirty="0">
                 <a:solidFill>
                   <a:prstClr val="white"/>
                 </a:solidFill>
@@ -14998,10 +14998,10 @@
                 <a:ea typeface="微軟正黑體" panose="020B0604030504040204" pitchFamily="34" charset="-120"/>
                 <a:cs typeface="Heiti TC Light"/>
               </a:rPr>
-              <a:t>啟動</a:t>
-            </a:r>
-            <a:r>
-              <a:rPr kumimoji="1" lang="en-US" altLang="zh-TW" sz="3200" dirty="0" err="1">
+              <a:t>OpenAI API</a:t>
+            </a:r>
+            <a:r>
+              <a:rPr kumimoji="1" lang="zh-TW" altLang="en-US" sz="3200" dirty="0">
                 <a:solidFill>
                   <a:prstClr val="white"/>
                 </a:solidFill>
@@ -15016,25 +15016,7 @@
                 <a:ea typeface="微軟正黑體" panose="020B0604030504040204" pitchFamily="34" charset="-120"/>
                 <a:cs typeface="Heiti TC Light"/>
               </a:rPr>
-              <a:t>ngrok</a:t>
-            </a:r>
-            <a:r>
-              <a:rPr kumimoji="1" lang="zh-TW" altLang="en-US" sz="3200" dirty="0">
-                <a:solidFill>
-                  <a:prstClr val="white"/>
-                </a:solidFill>
-                <a:effectLst>
-                  <a:outerShdw blurRad="38100" dist="38100" dir="2700000" algn="tl">
-                    <a:srgbClr val="000000">
-                      <a:alpha val="43137"/>
-                    </a:srgbClr>
-                  </a:outerShdw>
-                </a:effectLst>
-                <a:latin typeface="微軟正黑體" panose="020B0604030504040204" pitchFamily="34" charset="-120"/>
-                <a:ea typeface="微軟正黑體" panose="020B0604030504040204" pitchFamily="34" charset="-120"/>
-                <a:cs typeface="Heiti TC Light"/>
-              </a:rPr>
-              <a:t>建立自己的網址</a:t>
+              <a:t>說明</a:t>
             </a:r>
             <a:endParaRPr kumimoji="1" lang="en-US" altLang="zh-TW" sz="3200" dirty="0">
               <a:solidFill>
@@ -15073,163 +15055,7 @@
                 <a:ea typeface="微軟正黑體" panose="020B0604030504040204" pitchFamily="34" charset="-120"/>
                 <a:cs typeface="Heiti TC Light"/>
               </a:rPr>
-              <a:t>更新</a:t>
-            </a:r>
-            <a:r>
-              <a:rPr kumimoji="1" lang="en-US" altLang="zh-TW" sz="3200" dirty="0">
-                <a:solidFill>
-                  <a:prstClr val="white"/>
-                </a:solidFill>
-                <a:effectLst>
-                  <a:outerShdw blurRad="38100" dist="38100" dir="2700000" algn="tl">
-                    <a:srgbClr val="000000">
-                      <a:alpha val="43137"/>
-                    </a:srgbClr>
-                  </a:outerShdw>
-                </a:effectLst>
-                <a:latin typeface="微軟正黑體" panose="020B0604030504040204" pitchFamily="34" charset="-120"/>
-                <a:ea typeface="微軟正黑體" panose="020B0604030504040204" pitchFamily="34" charset="-120"/>
-                <a:cs typeface="Heiti TC Light"/>
-              </a:rPr>
-              <a:t>line</a:t>
-            </a:r>
-            <a:r>
-              <a:rPr kumimoji="1" lang="zh-TW" altLang="en-US" sz="3200" dirty="0">
-                <a:solidFill>
-                  <a:prstClr val="white"/>
-                </a:solidFill>
-                <a:effectLst>
-                  <a:outerShdw blurRad="38100" dist="38100" dir="2700000" algn="tl">
-                    <a:srgbClr val="000000">
-                      <a:alpha val="43137"/>
-                    </a:srgbClr>
-                  </a:outerShdw>
-                </a:effectLst>
-                <a:latin typeface="微軟正黑體" panose="020B0604030504040204" pitchFamily="34" charset="-120"/>
-                <a:ea typeface="微軟正黑體" panose="020B0604030504040204" pitchFamily="34" charset="-120"/>
-                <a:cs typeface="Heiti TC Light"/>
-              </a:rPr>
-              <a:t>的</a:t>
-            </a:r>
-            <a:r>
-              <a:rPr kumimoji="1" lang="en-US" altLang="zh-TW" sz="3200" dirty="0">
-                <a:solidFill>
-                  <a:prstClr val="white"/>
-                </a:solidFill>
-                <a:effectLst>
-                  <a:outerShdw blurRad="38100" dist="38100" dir="2700000" algn="tl">
-                    <a:srgbClr val="000000">
-                      <a:alpha val="43137"/>
-                    </a:srgbClr>
-                  </a:outerShdw>
-                </a:effectLst>
-                <a:latin typeface="微軟正黑體" panose="020B0604030504040204" pitchFamily="34" charset="-120"/>
-                <a:ea typeface="微軟正黑體" panose="020B0604030504040204" pitchFamily="34" charset="-120"/>
-                <a:cs typeface="Heiti TC Light"/>
-              </a:rPr>
-              <a:t>webhook</a:t>
-            </a:r>
-          </a:p>
-          <a:p>
-            <a:pPr marL="514350" indent="-514350">
-              <a:buFont typeface="+mj-lt"/>
-              <a:buAutoNum type="arabicPeriod"/>
-            </a:pPr>
-            <a:r>
-              <a:rPr kumimoji="1" lang="zh-TW" altLang="en-US" sz="3200" dirty="0">
-                <a:solidFill>
-                  <a:prstClr val="white"/>
-                </a:solidFill>
-                <a:effectLst>
-                  <a:outerShdw blurRad="38100" dist="38100" dir="2700000" algn="tl">
-                    <a:srgbClr val="000000">
-                      <a:alpha val="43137"/>
-                    </a:srgbClr>
-                  </a:outerShdw>
-                </a:effectLst>
-                <a:latin typeface="微軟正黑體" panose="020B0604030504040204" pitchFamily="34" charset="-120"/>
-                <a:ea typeface="微軟正黑體" panose="020B0604030504040204" pitchFamily="34" charset="-120"/>
-                <a:cs typeface="Heiti TC Light"/>
-              </a:rPr>
-              <a:t>設定讀取環境變數</a:t>
-            </a:r>
-            <a:r>
-              <a:rPr kumimoji="1" lang="en-US" altLang="zh-TW" sz="3200" dirty="0">
-                <a:solidFill>
-                  <a:prstClr val="white"/>
-                </a:solidFill>
-                <a:effectLst>
-                  <a:outerShdw blurRad="38100" dist="38100" dir="2700000" algn="tl">
-                    <a:srgbClr val="000000">
-                      <a:alpha val="43137"/>
-                    </a:srgbClr>
-                  </a:outerShdw>
-                </a:effectLst>
-                <a:latin typeface="微軟正黑體" panose="020B0604030504040204" pitchFamily="34" charset="-120"/>
-                <a:ea typeface="微軟正黑體" panose="020B0604030504040204" pitchFamily="34" charset="-120"/>
-                <a:cs typeface="Heiti TC Light"/>
-              </a:rPr>
-              <a:t>(</a:t>
-            </a:r>
-            <a:r>
-              <a:rPr kumimoji="1" lang="zh-TW" altLang="en-US" sz="3200" dirty="0">
-                <a:solidFill>
-                  <a:prstClr val="white"/>
-                </a:solidFill>
-                <a:effectLst>
-                  <a:outerShdw blurRad="38100" dist="38100" dir="2700000" algn="tl">
-                    <a:srgbClr val="000000">
-                      <a:alpha val="43137"/>
-                    </a:srgbClr>
-                  </a:outerShdw>
-                </a:effectLst>
-                <a:latin typeface="微軟正黑體" panose="020B0604030504040204" pitchFamily="34" charset="-120"/>
-                <a:ea typeface="微軟正黑體" panose="020B0604030504040204" pitchFamily="34" charset="-120"/>
-                <a:cs typeface="Heiti TC Light"/>
-              </a:rPr>
-              <a:t>視開發環境</a:t>
-            </a:r>
-            <a:r>
-              <a:rPr kumimoji="1" lang="en-US" altLang="zh-TW" sz="3200" dirty="0">
-                <a:solidFill>
-                  <a:prstClr val="white"/>
-                </a:solidFill>
-                <a:effectLst>
-                  <a:outerShdw blurRad="38100" dist="38100" dir="2700000" algn="tl">
-                    <a:srgbClr val="000000">
-                      <a:alpha val="43137"/>
-                    </a:srgbClr>
-                  </a:outerShdw>
-                </a:effectLst>
-                <a:latin typeface="微軟正黑體" panose="020B0604030504040204" pitchFamily="34" charset="-120"/>
-                <a:ea typeface="微軟正黑體" panose="020B0604030504040204" pitchFamily="34" charset="-120"/>
-                <a:cs typeface="Heiti TC Light"/>
-              </a:rPr>
-              <a:t>)</a:t>
-            </a:r>
-          </a:p>
-          <a:p>
-            <a:pPr marL="514350" indent="-514350">
-              <a:buFont typeface="+mj-lt"/>
-              <a:buAutoNum type="arabicPeriod"/>
-            </a:pPr>
-            <a:r>
-              <a:rPr kumimoji="1" lang="zh-TW" altLang="en-US" sz="3200" dirty="0">
-                <a:solidFill>
-                  <a:prstClr val="white"/>
-                </a:solidFill>
-                <a:effectLst>
-                  <a:outerShdw blurRad="38100" dist="38100" dir="2700000" algn="tl">
-                    <a:srgbClr val="000000">
-                      <a:alpha val="43137"/>
-                    </a:srgbClr>
-                  </a:outerShdw>
-                </a:effectLst>
-                <a:latin typeface="微軟正黑體" panose="020B0604030504040204" pitchFamily="34" charset="-120"/>
-                <a:ea typeface="微軟正黑體" panose="020B0604030504040204" pitchFamily="34" charset="-120"/>
-                <a:cs typeface="Heiti TC Light"/>
-              </a:rPr>
-              <a:t>載入套件的正確語法</a:t>
+              <a:t>獲得金鑰</a:t>
             </a:r>
             <a:endParaRPr kumimoji="1" lang="en-US" altLang="zh-TW" sz="3200" dirty="0">
               <a:solidFill>
@@ -15268,7 +15094,49 @@
                 <a:ea typeface="微軟正黑體" panose="020B0604030504040204" pitchFamily="34" charset="-120"/>
                 <a:cs typeface="Heiti TC Light"/>
               </a:rPr>
-              <a:t>套件及物件說明</a:t>
+              <a:t>了解要使用的</a:t>
+            </a:r>
+            <a:r>
+              <a:rPr kumimoji="1" lang="en-US" altLang="zh-TW" sz="3200" dirty="0">
+                <a:solidFill>
+                  <a:prstClr val="white"/>
+                </a:solidFill>
+                <a:effectLst>
+                  <a:outerShdw blurRad="38100" dist="38100" dir="2700000" algn="tl">
+                    <a:srgbClr val="000000">
+                      <a:alpha val="43137"/>
+                    </a:srgbClr>
+                  </a:outerShdw>
+                </a:effectLst>
+                <a:latin typeface="微軟正黑體" panose="020B0604030504040204" pitchFamily="34" charset="-120"/>
+                <a:ea typeface="微軟正黑體" panose="020B0604030504040204" pitchFamily="34" charset="-120"/>
+                <a:cs typeface="Heiti TC Light"/>
+              </a:rPr>
+              <a:t>function</a:t>
+            </a:r>
+          </a:p>
+          <a:p>
+            <a:pPr marL="514350" indent="-514350">
+              <a:buFont typeface="+mj-lt"/>
+              <a:buAutoNum type="arabicPeriod"/>
+            </a:pPr>
+            <a:r>
+              <a:rPr kumimoji="1" lang="zh-TW" altLang="en-US" sz="3200" dirty="0">
+                <a:solidFill>
+                  <a:prstClr val="white"/>
+                </a:solidFill>
+                <a:effectLst>
+                  <a:outerShdw blurRad="38100" dist="38100" dir="2700000" algn="tl">
+                    <a:srgbClr val="000000">
+                      <a:alpha val="43137"/>
+                    </a:srgbClr>
+                  </a:outerShdw>
+                </a:effectLst>
+                <a:latin typeface="微軟正黑體" panose="020B0604030504040204" pitchFamily="34" charset="-120"/>
+                <a:ea typeface="微軟正黑體" panose="020B0604030504040204" pitchFamily="34" charset="-120"/>
+                <a:cs typeface="Heiti TC Light"/>
+              </a:rPr>
+              <a:t>了解參數的應用</a:t>
             </a:r>
             <a:endParaRPr kumimoji="1" lang="en-US" altLang="zh-TW" sz="3200" dirty="0">
               <a:solidFill>
@@ -15292,7 +15160,7 @@
               <a:buAutoNum type="arabicPeriod"/>
             </a:pPr>
             <a:r>
-              <a:rPr kumimoji="1" lang="en-US" altLang="zh-TW" sz="3200" dirty="0">
+              <a:rPr kumimoji="1" lang="zh-TW" altLang="en-US" sz="3200" dirty="0">
                 <a:solidFill>
                   <a:prstClr val="white"/>
                 </a:solidFill>
@@ -15307,10 +15175,10 @@
                 <a:ea typeface="微軟正黑體" panose="020B0604030504040204" pitchFamily="34" charset="-120"/>
                 <a:cs typeface="Heiti TC Light"/>
               </a:rPr>
-              <a:t>Flask</a:t>
-            </a:r>
-            <a:r>
-              <a:rPr kumimoji="1" lang="zh-TW" altLang="en-US" sz="3200" dirty="0">
+              <a:t>放入</a:t>
+            </a:r>
+            <a:r>
+              <a:rPr kumimoji="1" lang="en-US" altLang="zh-TW" sz="3200" dirty="0">
                 <a:solidFill>
                   <a:prstClr val="white"/>
                 </a:solidFill>
@@ -15325,7 +15193,31 @@
                 <a:ea typeface="微軟正黑體" panose="020B0604030504040204" pitchFamily="34" charset="-120"/>
                 <a:cs typeface="Heiti TC Light"/>
               </a:rPr>
-              <a:t>的語法說明</a:t>
+              <a:t>LINE Bot</a:t>
+            </a:r>
+          </a:p>
+          <a:p>
+            <a:pPr marL="514350" indent="-514350">
+              <a:buFont typeface="+mj-lt"/>
+              <a:buAutoNum type="arabicPeriod"/>
+            </a:pPr>
+            <a:r>
+              <a:rPr kumimoji="1" lang="zh-TW" altLang="en-US" sz="3200" dirty="0">
+                <a:solidFill>
+                  <a:prstClr val="white"/>
+                </a:solidFill>
+                <a:effectLst>
+                  <a:outerShdw blurRad="38100" dist="38100" dir="2700000" algn="tl">
+                    <a:srgbClr val="000000">
+                      <a:alpha val="43137"/>
+                    </a:srgbClr>
+                  </a:outerShdw>
+                </a:effectLst>
+                <a:latin typeface="微軟正黑體" panose="020B0604030504040204" pitchFamily="34" charset="-120"/>
+                <a:ea typeface="微軟正黑體" panose="020B0604030504040204" pitchFamily="34" charset="-120"/>
+                <a:cs typeface="Heiti TC Light"/>
+              </a:rPr>
+              <a:t>無記憶的聊天</a:t>
             </a:r>
             <a:endParaRPr kumimoji="1" lang="en-US" altLang="zh-TW" sz="3200" dirty="0">
               <a:solidFill>
@@ -15364,7 +15256,7 @@
                 <a:ea typeface="微軟正黑體" panose="020B0604030504040204" pitchFamily="34" charset="-120"/>
                 <a:cs typeface="Heiti TC Light"/>
               </a:rPr>
-              <a:t>確保傳輸的安全</a:t>
+              <a:t>有記憶的聊天</a:t>
             </a:r>
             <a:endParaRPr kumimoji="1" lang="en-US" altLang="zh-TW" sz="3200" dirty="0">
               <a:solidFill>
@@ -15403,7 +15295,7 @@
                 <a:ea typeface="微軟正黑體" panose="020B0604030504040204" pitchFamily="34" charset="-120"/>
                 <a:cs typeface="Heiti TC Light"/>
               </a:rPr>
-              <a:t>讀取</a:t>
+              <a:t>正確</a:t>
             </a:r>
             <a:r>
               <a:rPr kumimoji="1" lang="en-US" altLang="zh-TW" sz="3200" dirty="0">
@@ -15421,7 +15313,7 @@
                 <a:ea typeface="微軟正黑體" panose="020B0604030504040204" pitchFamily="34" charset="-120"/>
                 <a:cs typeface="Heiti TC Light"/>
               </a:rPr>
-              <a:t>request</a:t>
+              <a:t>Stateful</a:t>
             </a:r>
             <a:r>
               <a:rPr kumimoji="1" lang="zh-TW" altLang="en-US" sz="3200" dirty="0">
@@ -15439,23 +15331,62 @@
                 <a:ea typeface="微軟正黑體" panose="020B0604030504040204" pitchFamily="34" charset="-120"/>
                 <a:cs typeface="Heiti TC Light"/>
               </a:rPr>
-              <a:t>並記錄</a:t>
-            </a:r>
-            <a:endParaRPr kumimoji="1" lang="en-US" altLang="zh-TW" sz="3200" dirty="0">
-              <a:solidFill>
-                <a:prstClr val="white"/>
-              </a:solidFill>
-              <a:effectLst>
-                <a:outerShdw blurRad="38100" dist="38100" dir="2700000" algn="tl">
-                  <a:srgbClr val="000000">
-                    <a:alpha val="43137"/>
-                  </a:srgbClr>
-                </a:outerShdw>
-              </a:effectLst>
-              <a:latin typeface="微軟正黑體" panose="020B0604030504040204" pitchFamily="34" charset="-120"/>
-              <a:ea typeface="微軟正黑體" panose="020B0604030504040204" pitchFamily="34" charset="-120"/>
-              <a:cs typeface="Heiti TC Light"/>
-            </a:endParaRPr>
+              <a:t>用法：使用</a:t>
+            </a:r>
+            <a:r>
+              <a:rPr kumimoji="1" lang="en-US" altLang="zh-TW" sz="3200" dirty="0">
+                <a:solidFill>
+                  <a:prstClr val="white"/>
+                </a:solidFill>
+                <a:effectLst>
+                  <a:outerShdw blurRad="38100" dist="38100" dir="2700000" algn="tl">
+                    <a:srgbClr val="000000">
+                      <a:alpha val="43137"/>
+                    </a:srgbClr>
+                  </a:outerShdw>
+                </a:effectLst>
+                <a:latin typeface="微軟正黑體" panose="020B0604030504040204" pitchFamily="34" charset="-120"/>
+                <a:ea typeface="微軟正黑體" panose="020B0604030504040204" pitchFamily="34" charset="-120"/>
+                <a:cs typeface="Heiti TC Light"/>
+              </a:rPr>
+              <a:t>Assistant API(</a:t>
+            </a:r>
+            <a:r>
+              <a:rPr kumimoji="1" lang="zh-TW" altLang="en-US" sz="3200" dirty="0">
+                <a:solidFill>
+                  <a:prstClr val="white"/>
+                </a:solidFill>
+                <a:effectLst>
+                  <a:outerShdw blurRad="38100" dist="38100" dir="2700000" algn="tl">
+                    <a:srgbClr val="000000">
+                      <a:alpha val="43137"/>
+                    </a:srgbClr>
+                  </a:outerShdw>
+                </a:effectLst>
+                <a:latin typeface="微軟正黑體" panose="020B0604030504040204" pitchFamily="34" charset="-120"/>
+                <a:ea typeface="微軟正黑體" panose="020B0604030504040204" pitchFamily="34" charset="-120"/>
+                <a:cs typeface="Heiti TC Light"/>
+              </a:rPr>
+              <a:t>選讀</a:t>
+            </a:r>
+            <a:r>
+              <a:rPr kumimoji="1" lang="en-US" altLang="zh-TW" sz="3200" dirty="0">
+                <a:solidFill>
+                  <a:prstClr val="white"/>
+                </a:solidFill>
+                <a:effectLst>
+                  <a:outerShdw blurRad="38100" dist="38100" dir="2700000" algn="tl">
+                    <a:srgbClr val="000000">
+                      <a:alpha val="43137"/>
+                    </a:srgbClr>
+                  </a:outerShdw>
+                </a:effectLst>
+                <a:latin typeface="微軟正黑體" panose="020B0604030504040204" pitchFamily="34" charset="-120"/>
+                <a:ea typeface="微軟正黑體" panose="020B0604030504040204" pitchFamily="34" charset="-120"/>
+                <a:cs typeface="Heiti TC Light"/>
+              </a:rPr>
+              <a:t>)</a:t>
+            </a:r>
           </a:p>
           <a:p>
             <a:endParaRPr kumimoji="1" lang="en-US" altLang="zh-TW" sz="3200" dirty="0">
@@ -15637,7 +15568,7 @@
         <p:spPr>
           <a:xfrm>
             <a:off x="693420" y="1841244"/>
-            <a:ext cx="8077200" cy="2062103"/>
+            <a:ext cx="8077200" cy="2554545"/>
           </a:xfrm>
           <a:prstGeom prst="rect">
             <a:avLst/>
@@ -15789,6 +15720,23 @@
               </a:rPr>
               <a:t>課程內容下載及提問</a:t>
             </a:r>
+            <a:endParaRPr kumimoji="1" lang="en-US" altLang="zh-TW" sz="3200" dirty="0">
+              <a:solidFill>
+                <a:prstClr val="white"/>
+              </a:solidFill>
+              <a:effectLst>
+                <a:outerShdw blurRad="38100" dist="38100" dir="2700000" algn="tl">
+                  <a:srgbClr val="000000">
+                    <a:alpha val="43137"/>
+                  </a:srgbClr>
+                </a:outerShdw>
+              </a:effectLst>
+              <a:latin typeface="微軟正黑體" panose="020B0604030504040204" pitchFamily="34" charset="-120"/>
+              <a:ea typeface="微軟正黑體" panose="020B0604030504040204" pitchFamily="34" charset="-120"/>
+              <a:cs typeface="Heiti TC Light"/>
+            </a:endParaRPr>
+          </a:p>
+          <a:p>
             <a:endParaRPr kumimoji="1" lang="en-US" altLang="zh-TW" sz="3200" dirty="0">
               <a:solidFill>
                 <a:prstClr val="white"/>
@@ -16367,7 +16315,7 @@
                 <a:ea typeface="微軟正黑體" panose="020B0604030504040204" pitchFamily="34" charset="-120"/>
                 <a:cs typeface="Heiti TC Light"/>
               </a:rPr>
-              <a:t>熟采</a:t>
+              <a:t>熟悉</a:t>
             </a:r>
             <a:r>
               <a:rPr kumimoji="1" lang="en-US" altLang="zh-TW" sz="3200" dirty="0">
@@ -17684,7 +17632,7 @@
         <p:spPr>
           <a:xfrm>
             <a:off x="693420" y="1841244"/>
-            <a:ext cx="8077200" cy="2554545"/>
+            <a:ext cx="8077200" cy="2062103"/>
           </a:xfrm>
           <a:prstGeom prst="rect">
             <a:avLst/>
@@ -17888,82 +17836,7 @@
                 <a:ea typeface="微軟正黑體" panose="020B0604030504040204" pitchFamily="34" charset="-120"/>
                 <a:cs typeface="Heiti TC Light"/>
               </a:rPr>
-              <a:t>能使用開發環境，安裝外掛套件</a:t>
-            </a:r>
-            <a:endParaRPr kumimoji="1" lang="en-US" altLang="zh-TW" sz="3200" dirty="0">
-              <a:solidFill>
-                <a:prstClr val="white"/>
-              </a:solidFill>
-              <a:effectLst>
-                <a:outerShdw blurRad="38100" dist="38100" dir="2700000" algn="tl">
-                  <a:srgbClr val="000000">
-                    <a:alpha val="43137"/>
-                  </a:srgbClr>
-                </a:outerShdw>
-              </a:effectLst>
-              <a:latin typeface="微軟正黑體" panose="020B0604030504040204" pitchFamily="34" charset="-120"/>
-              <a:ea typeface="微軟正黑體" panose="020B0604030504040204" pitchFamily="34" charset="-120"/>
-              <a:cs typeface="Heiti TC Light"/>
-            </a:endParaRPr>
-          </a:p>
-          <a:p>
-            <a:pPr marL="514338" indent="-514338">
-              <a:buFont typeface="+mj-lt"/>
-              <a:buAutoNum type="arabicPeriod"/>
-            </a:pPr>
-            <a:r>
-              <a:rPr kumimoji="1" lang="en-US" altLang="zh-TW" sz="3200" dirty="0">
-                <a:solidFill>
-                  <a:prstClr val="white"/>
-                </a:solidFill>
-                <a:effectLst>
-                  <a:outerShdw blurRad="38100" dist="38100" dir="2700000" algn="tl">
-                    <a:srgbClr val="000000">
-                      <a:alpha val="43137"/>
-                    </a:srgbClr>
-                  </a:outerShdw>
-                </a:effectLst>
-                <a:latin typeface="微軟正黑體" panose="020B0604030504040204" pitchFamily="34" charset="-120"/>
-                <a:ea typeface="微軟正黑體" panose="020B0604030504040204" pitchFamily="34" charset="-120"/>
-                <a:cs typeface="Heiti TC Light"/>
-              </a:rPr>
-              <a:t>git/</a:t>
-            </a:r>
-            <a:r>
-              <a:rPr kumimoji="1" lang="en-US" altLang="zh-TW" sz="3200" dirty="0" err="1">
-                <a:solidFill>
-                  <a:prstClr val="white"/>
-                </a:solidFill>
-                <a:effectLst>
-                  <a:outerShdw blurRad="38100" dist="38100" dir="2700000" algn="tl">
-                    <a:srgbClr val="000000">
-                      <a:alpha val="43137"/>
-                    </a:srgbClr>
-                  </a:outerShdw>
-                </a:effectLst>
-                <a:latin typeface="微軟正黑體" panose="020B0604030504040204" pitchFamily="34" charset="-120"/>
-                <a:ea typeface="微軟正黑體" panose="020B0604030504040204" pitchFamily="34" charset="-120"/>
-                <a:cs typeface="Heiti TC Light"/>
-              </a:rPr>
-              <a:t>github</a:t>
-            </a:r>
-            <a:r>
-              <a:rPr kumimoji="1" lang="zh-TW" altLang="en-US" sz="3200" dirty="0">
-                <a:solidFill>
-                  <a:prstClr val="white"/>
-                </a:solidFill>
-                <a:effectLst>
-                  <a:outerShdw blurRad="38100" dist="38100" dir="2700000" algn="tl">
-                    <a:srgbClr val="000000">
-                      <a:alpha val="43137"/>
-                    </a:srgbClr>
-                  </a:outerShdw>
-                </a:effectLst>
-                <a:latin typeface="微軟正黑體" panose="020B0604030504040204" pitchFamily="34" charset="-120"/>
-                <a:ea typeface="微軟正黑體" panose="020B0604030504040204" pitchFamily="34" charset="-120"/>
-                <a:cs typeface="Heiti TC Light"/>
-              </a:rPr>
-              <a:t>備份程式碼</a:t>
+              <a:t>安裝及設定</a:t>
             </a:r>
             <a:endParaRPr kumimoji="1" lang="en-US" altLang="zh-TW" sz="3200" dirty="0">
               <a:solidFill>
@@ -18091,7 +17964,7 @@
         <p:spPr>
           <a:xfrm>
             <a:off x="693420" y="1841244"/>
-            <a:ext cx="8077200" cy="3046988"/>
+            <a:ext cx="8077200" cy="2554545"/>
           </a:xfrm>
           <a:prstGeom prst="rect">
             <a:avLst/>
@@ -18142,43 +18015,7 @@
                 <a:ea typeface="微軟正黑體" panose="020B0604030504040204" pitchFamily="34" charset="-120"/>
                 <a:cs typeface="Heiti TC Light"/>
               </a:rPr>
-              <a:t>平台帳號和一般</a:t>
-            </a:r>
-            <a:r>
-              <a:rPr kumimoji="1" lang="en-US" altLang="zh-TW" sz="3200" dirty="0">
-                <a:solidFill>
-                  <a:prstClr val="white"/>
-                </a:solidFill>
-                <a:effectLst>
-                  <a:outerShdw blurRad="38100" dist="38100" dir="2700000" algn="tl">
-                    <a:srgbClr val="000000">
-                      <a:alpha val="43137"/>
-                    </a:srgbClr>
-                  </a:outerShdw>
-                </a:effectLst>
-                <a:latin typeface="微軟正黑體" panose="020B0604030504040204" pitchFamily="34" charset="-120"/>
-                <a:ea typeface="微軟正黑體" panose="020B0604030504040204" pitchFamily="34" charset="-120"/>
-                <a:cs typeface="Heiti TC Light"/>
-              </a:rPr>
-              <a:t>LINE</a:t>
-            </a:r>
-            <a:r>
-              <a:rPr kumimoji="1" lang="zh-TW" altLang="en-US" sz="3200" dirty="0">
-                <a:solidFill>
-                  <a:prstClr val="white"/>
-                </a:solidFill>
-                <a:effectLst>
-                  <a:outerShdw blurRad="38100" dist="38100" dir="2700000" algn="tl">
-                    <a:srgbClr val="000000">
-                      <a:alpha val="43137"/>
-                    </a:srgbClr>
-                  </a:outerShdw>
-                </a:effectLst>
-                <a:latin typeface="微軟正黑體" panose="020B0604030504040204" pitchFamily="34" charset="-120"/>
-                <a:ea typeface="微軟正黑體" panose="020B0604030504040204" pitchFamily="34" charset="-120"/>
-                <a:cs typeface="Heiti TC Light"/>
-              </a:rPr>
-              <a:t>帳號</a:t>
+              <a:t>開發者帳號</a:t>
             </a:r>
             <a:endParaRPr kumimoji="1" lang="en-US" altLang="zh-TW" sz="3200" dirty="0">
               <a:solidFill>
@@ -18241,7 +18078,7 @@
                 <a:ea typeface="微軟正黑體" panose="020B0604030504040204" pitchFamily="34" charset="-120"/>
                 <a:cs typeface="Heiti TC Light"/>
               </a:rPr>
-              <a:t>Developer</a:t>
+              <a:t>Channel</a:t>
             </a:r>
           </a:p>
           <a:p>
@@ -18249,48 +18086,6 @@
               <a:buFont typeface="+mj-lt"/>
               <a:buAutoNum type="arabicPeriod"/>
             </a:pPr>
-            <a:r>
-              <a:rPr kumimoji="1" lang="en-US" altLang="zh-TW" sz="3200" dirty="0">
-                <a:solidFill>
-                  <a:prstClr val="white"/>
-                </a:solidFill>
-                <a:effectLst>
-                  <a:outerShdw blurRad="38100" dist="38100" dir="2700000" algn="tl">
-                    <a:srgbClr val="000000">
-                      <a:alpha val="43137"/>
-                    </a:srgbClr>
-                  </a:outerShdw>
-                </a:effectLst>
-                <a:latin typeface="微軟正黑體" panose="020B0604030504040204" pitchFamily="34" charset="-120"/>
-                <a:ea typeface="微軟正黑體" panose="020B0604030504040204" pitchFamily="34" charset="-120"/>
-                <a:cs typeface="Heiti TC Light"/>
-              </a:rPr>
-              <a:t>Channel</a:t>
-            </a:r>
-          </a:p>
-          <a:p>
-            <a:pPr marL="514338" indent="-514338">
-              <a:buFont typeface="+mj-lt"/>
-              <a:buAutoNum type="arabicPeriod"/>
-            </a:pPr>
-            <a:r>
-              <a:rPr kumimoji="1" lang="zh-TW" altLang="en-US" sz="3200" dirty="0">
-                <a:solidFill>
-                  <a:prstClr val="white"/>
-                </a:solidFill>
-                <a:effectLst>
-                  <a:outerShdw blurRad="38100" dist="38100" dir="2700000" algn="tl">
-                    <a:srgbClr val="000000">
-                      <a:alpha val="43137"/>
-                    </a:srgbClr>
-                  </a:outerShdw>
-                </a:effectLst>
-                <a:latin typeface="微軟正黑體" panose="020B0604030504040204" pitchFamily="34" charset="-120"/>
-                <a:ea typeface="微軟正黑體" panose="020B0604030504040204" pitchFamily="34" charset="-120"/>
-                <a:cs typeface="Heiti TC Light"/>
-              </a:rPr>
-              <a:t>使用</a:t>
-            </a:r>
             <a:r>
               <a:rPr kumimoji="1" lang="en-US" altLang="zh-TW" sz="3200" dirty="0">
                 <a:solidFill>
@@ -18510,7 +18305,7 @@
         <p:spPr>
           <a:xfrm>
             <a:off x="693420" y="1841244"/>
-            <a:ext cx="8077200" cy="1569660"/>
+            <a:ext cx="8077200" cy="2554545"/>
           </a:xfrm>
           <a:prstGeom prst="rect">
             <a:avLst/>
@@ -18523,7 +18318,7 @@
           </a:bodyPr>
           <a:lstStyle/>
           <a:p>
-            <a:pPr marL="514350" indent="-514350">
+            <a:pPr marL="514338" indent="-514338">
               <a:buFont typeface="+mj-lt"/>
               <a:buAutoNum type="arabicPeriod"/>
             </a:pPr>
@@ -18546,7 +18341,7 @@
               <a:t>ngrok</a:t>
             </a:r>
             <a:r>
-              <a:rPr kumimoji="1" lang="en-US" altLang="zh-TW" sz="3200" dirty="0">
+              <a:rPr kumimoji="1" lang="zh-TW" altLang="en-US" sz="3200" dirty="0">
                 <a:solidFill>
                   <a:prstClr val="white"/>
                 </a:solidFill>
@@ -18561,8 +18356,14 @@
                 <a:ea typeface="微軟正黑體" panose="020B0604030504040204" pitchFamily="34" charset="-120"/>
                 <a:cs typeface="Heiti TC Light"/>
               </a:rPr>
-              <a:t>(</a:t>
-            </a:r>
+              <a:t>申請及操作</a:t>
+            </a:r>
+          </a:p>
+          <a:p>
+            <a:pPr marL="514338" indent="-514338">
+              <a:buFont typeface="+mj-lt"/>
+              <a:buAutoNum type="arabicPeriod"/>
+            </a:pPr>
             <a:r>
               <a:rPr kumimoji="1" lang="zh-TW" altLang="en-US" sz="3200" dirty="0">
                 <a:solidFill>
@@ -18579,7 +18380,7 @@
                 <a:ea typeface="微軟正黑體" panose="020B0604030504040204" pitchFamily="34" charset="-120"/>
                 <a:cs typeface="Heiti TC Light"/>
               </a:rPr>
-              <a:t>使用</a:t>
+              <a:t>用</a:t>
             </a:r>
             <a:r>
               <a:rPr kumimoji="1" lang="en-US" altLang="zh-TW" sz="3200" dirty="0">
@@ -18618,7 +18419,7 @@
               <a:t>測試</a:t>
             </a:r>
             <a:r>
-              <a:rPr kumimoji="1" lang="en-US" altLang="zh-TW" sz="3200" dirty="0">
+              <a:rPr kumimoji="1" lang="en-US" altLang="zh-TW" sz="3200" dirty="0" err="1">
                 <a:solidFill>
                   <a:prstClr val="white"/>
                 </a:solidFill>
@@ -18633,25 +18434,7 @@
                 <a:ea typeface="微軟正黑體" panose="020B0604030504040204" pitchFamily="34" charset="-120"/>
                 <a:cs typeface="Heiti TC Light"/>
               </a:rPr>
-              <a:t>)</a:t>
-            </a:r>
-            <a:r>
-              <a:rPr kumimoji="1" lang="zh-TW" altLang="en-US" sz="3200" dirty="0">
-                <a:solidFill>
-                  <a:prstClr val="white"/>
-                </a:solidFill>
-                <a:effectLst>
-                  <a:outerShdw blurRad="38100" dist="38100" dir="2700000" algn="tl">
-                    <a:srgbClr val="000000">
-                      <a:alpha val="43137"/>
-                    </a:srgbClr>
-                  </a:outerShdw>
-                </a:effectLst>
-                <a:latin typeface="微軟正黑體" panose="020B0604030504040204" pitchFamily="34" charset="-120"/>
-                <a:ea typeface="微軟正黑體" panose="020B0604030504040204" pitchFamily="34" charset="-120"/>
-                <a:cs typeface="Heiti TC Light"/>
-              </a:rPr>
-              <a:t>及操作</a:t>
+              <a:t>ngrok</a:t>
             </a:r>
             <a:endParaRPr kumimoji="1" lang="en-US" altLang="zh-TW" sz="3200" dirty="0">
               <a:solidFill>
@@ -18670,7 +18453,7 @@
             </a:endParaRPr>
           </a:p>
           <a:p>
-            <a:pPr marL="514350" indent="-514350">
+            <a:pPr marL="514338" indent="-514338">
               <a:buFont typeface="+mj-lt"/>
               <a:buAutoNum type="arabicPeriod"/>
             </a:pPr>
@@ -18709,6 +18492,30 @@
                 <a:cs typeface="Heiti TC Light"/>
               </a:rPr>
               <a:t>帳號申請及金鑰</a:t>
+            </a:r>
+          </a:p>
+          <a:p>
+            <a:pPr marL="514338" indent="-514338">
+              <a:buFont typeface="+mj-lt"/>
+              <a:buAutoNum type="arabicPeriod"/>
+            </a:pPr>
+            <a:r>
+              <a:rPr kumimoji="1" lang="zh-TW" altLang="en-US" sz="3200" dirty="0">
+                <a:solidFill>
+                  <a:prstClr val="white"/>
+                </a:solidFill>
+                <a:effectLst>
+                  <a:outerShdw blurRad="38100" dist="38100" dir="2700000" algn="tl">
+                    <a:srgbClr val="000000">
+                      <a:alpha val="43137"/>
+                    </a:srgbClr>
+                  </a:outerShdw>
+                </a:effectLst>
+                <a:latin typeface="微軟正黑體" panose="020B0604030504040204" pitchFamily="34" charset="-120"/>
+                <a:ea typeface="微軟正黑體" panose="020B0604030504040204" pitchFamily="34" charset="-120"/>
+                <a:cs typeface="Heiti TC Light"/>
+              </a:rPr>
+              <a:t>在開發環境中設定變數</a:t>
             </a:r>
             <a:endParaRPr kumimoji="1" lang="en-US" altLang="zh-TW" sz="3200" dirty="0">
               <a:solidFill>
@@ -18731,24 +18538,6 @@
               <a:buFont typeface="+mj-lt"/>
               <a:buAutoNum type="arabicPeriod"/>
             </a:pPr>
-            <a:r>
-              <a:rPr kumimoji="1" lang="zh-TW" altLang="en-US" sz="3200" dirty="0">
-                <a:solidFill>
-                  <a:prstClr val="white"/>
-                </a:solidFill>
-                <a:effectLst>
-                  <a:outerShdw blurRad="38100" dist="38100" dir="2700000" algn="tl">
-                    <a:srgbClr val="000000">
-                      <a:alpha val="43137"/>
-                    </a:srgbClr>
-                  </a:outerShdw>
-                </a:effectLst>
-                <a:latin typeface="微軟正黑體" panose="020B0604030504040204" pitchFamily="34" charset="-120"/>
-                <a:ea typeface="微軟正黑體" panose="020B0604030504040204" pitchFamily="34" charset="-120"/>
-                <a:cs typeface="Heiti TC Light"/>
-              </a:rPr>
-              <a:t>在不同開發環境中設定變數</a:t>
-            </a:r>
             <a:endParaRPr kumimoji="1" lang="en-US" altLang="zh-TW" sz="3200" dirty="0">
               <a:solidFill>
                 <a:prstClr val="white"/>

--- a/Slides/課程大綱.pptx
+++ b/Slides/課程大綱.pptx
@@ -6,7 +6,7 @@
     <p:sldMasterId id="2147483660" r:id="rId2"/>
   </p:sldMasterIdLst>
   <p:notesMasterIdLst>
-    <p:notesMasterId r:id="rId15"/>
+    <p:notesMasterId r:id="rId13"/>
   </p:notesMasterIdLst>
   <p:sldIdLst>
     <p:sldId id="681" r:id="rId3"/>
@@ -18,9 +18,7 @@
     <p:sldId id="1189" r:id="rId9"/>
     <p:sldId id="1186" r:id="rId10"/>
     <p:sldId id="1187" r:id="rId11"/>
-    <p:sldId id="1188" r:id="rId12"/>
-    <p:sldId id="1190" r:id="rId13"/>
-    <p:sldId id="1191" r:id="rId14"/>
+    <p:sldId id="1191" r:id="rId12"/>
   </p:sldIdLst>
   <p:sldSz cx="9144000" cy="6858000" type="screen4x3"/>
   <p:notesSz cx="6858000" cy="9144000"/>
@@ -209,7 +207,7 @@
           <a:p>
             <a:fld id="{90CC8E63-1016-4C78-A51D-85D69DBCD8EF}" type="datetimeFigureOut">
               <a:rPr lang="zh-TW" altLang="en-US" smtClean="0"/>
-              <a:t>2024/5/14</a:t>
+              <a:t>2024/5/27</a:t>
             </a:fld>
             <a:endParaRPr lang="zh-TW" altLang="en-US"/>
           </a:p>
@@ -766,304 +764,6 @@
     </p:spTree>
     <p:extLst>
       <p:ext uri="{BB962C8B-B14F-4D97-AF65-F5344CB8AC3E}">
-        <p14:creationId xmlns:p14="http://schemas.microsoft.com/office/powerpoint/2010/main" val="753307237"/>
-      </p:ext>
-    </p:extLst>
-  </p:cSld>
-  <p:clrMapOvr>
-    <a:masterClrMapping/>
-  </p:clrMapOvr>
-</p:notes>
-</file>
-
-<file path=ppt/notesSlides/notesSlide11.xml><?xml version="1.0" encoding="utf-8"?>
-<p:notes xmlns:a="http://schemas.openxmlformats.org/drawingml/2006/main" xmlns:r="http://schemas.openxmlformats.org/officeDocument/2006/relationships" xmlns:p="http://schemas.openxmlformats.org/presentationml/2006/main">
-  <p:cSld>
-    <p:spTree>
-      <p:nvGrpSpPr>
-        <p:cNvPr id="1" name=""/>
-        <p:cNvGrpSpPr/>
-        <p:nvPr/>
-      </p:nvGrpSpPr>
-      <p:grpSpPr>
-        <a:xfrm>
-          <a:off x="0" y="0"/>
-          <a:ext cx="0" cy="0"/>
-          <a:chOff x="0" y="0"/>
-          <a:chExt cx="0" cy="0"/>
-        </a:xfrm>
-      </p:grpSpPr>
-      <p:sp>
-        <p:nvSpPr>
-          <p:cNvPr id="2" name="投影片圖像版面配置區 1"/>
-          <p:cNvSpPr>
-            <a:spLocks noGrp="1" noRot="1" noChangeAspect="1"/>
-          </p:cNvSpPr>
-          <p:nvPr>
-            <p:ph type="sldImg"/>
-          </p:nvPr>
-        </p:nvSpPr>
-        <p:spPr>
-          <a:xfrm>
-            <a:off x="1371600" y="1143000"/>
-            <a:ext cx="4114800" cy="3086100"/>
-          </a:xfrm>
-        </p:spPr>
-      </p:sp>
-      <p:sp>
-        <p:nvSpPr>
-          <p:cNvPr id="3" name="備忘稿版面配置區 2"/>
-          <p:cNvSpPr>
-            <a:spLocks noGrp="1"/>
-          </p:cNvSpPr>
-          <p:nvPr>
-            <p:ph type="body" idx="1"/>
-          </p:nvPr>
-        </p:nvSpPr>
-        <p:spPr/>
-        <p:txBody>
-          <a:bodyPr/>
-          <a:lstStyle/>
-          <a:p>
-            <a:endParaRPr lang="zh-TW" altLang="en-US" dirty="0"/>
-          </a:p>
-        </p:txBody>
-      </p:sp>
-      <p:sp>
-        <p:nvSpPr>
-          <p:cNvPr id="4" name="投影片編號版面配置區 3"/>
-          <p:cNvSpPr>
-            <a:spLocks noGrp="1"/>
-          </p:cNvSpPr>
-          <p:nvPr>
-            <p:ph type="sldNum" sz="quarter" idx="10"/>
-          </p:nvPr>
-        </p:nvSpPr>
-        <p:spPr/>
-        <p:txBody>
-          <a:bodyPr/>
-          <a:lstStyle/>
-          <a:p>
-            <a:pPr marL="0" marR="0" lvl="0" indent="0" algn="r" defTabSz="914400" rtl="0" eaLnBrk="1" fontAlgn="auto" latinLnBrk="0" hangingPunct="1">
-              <a:lnSpc>
-                <a:spcPct val="100000"/>
-              </a:lnSpc>
-              <a:spcBef>
-                <a:spcPts val="0"/>
-              </a:spcBef>
-              <a:spcAft>
-                <a:spcPts val="0"/>
-              </a:spcAft>
-              <a:buClrTx/>
-              <a:buSzTx/>
-              <a:buFontTx/>
-              <a:buNone/>
-              <a:tabLst/>
-              <a:defRPr/>
-            </a:pPr>
-            <a:fld id="{9B26CD33-4337-4529-948A-94F6960B2374}" type="slidenum">
-              <a:rPr kumimoji="0" lang="en-US" sz="1200" b="0" i="0" u="none" strike="noStrike" kern="1200" cap="none" spc="0" normalizeH="0" baseline="0" noProof="0" smtClean="0">
-                <a:ln>
-                  <a:noFill/>
-                </a:ln>
-                <a:solidFill>
-                  <a:prstClr val="black"/>
-                </a:solidFill>
-                <a:effectLst/>
-                <a:uLnTx/>
-                <a:uFillTx/>
-                <a:latin typeface="Calibri"/>
-                <a:ea typeface="+mn-ea"/>
-                <a:cs typeface="+mn-cs"/>
-              </a:rPr>
-              <a:pPr marL="0" marR="0" lvl="0" indent="0" algn="r" defTabSz="914400" rtl="0" eaLnBrk="1" fontAlgn="auto" latinLnBrk="0" hangingPunct="1">
-                <a:lnSpc>
-                  <a:spcPct val="100000"/>
-                </a:lnSpc>
-                <a:spcBef>
-                  <a:spcPts val="0"/>
-                </a:spcBef>
-                <a:spcAft>
-                  <a:spcPts val="0"/>
-                </a:spcAft>
-                <a:buClrTx/>
-                <a:buSzTx/>
-                <a:buFontTx/>
-                <a:buNone/>
-                <a:tabLst/>
-                <a:defRPr/>
-              </a:pPr>
-              <a:t>11</a:t>
-            </a:fld>
-            <a:endParaRPr kumimoji="0" lang="en-US" sz="1200" b="0" i="0" u="none" strike="noStrike" kern="1200" cap="none" spc="0" normalizeH="0" baseline="0" noProof="0" dirty="0">
-              <a:ln>
-                <a:noFill/>
-              </a:ln>
-              <a:solidFill>
-                <a:prstClr val="black"/>
-              </a:solidFill>
-              <a:effectLst/>
-              <a:uLnTx/>
-              <a:uFillTx/>
-              <a:latin typeface="Calibri"/>
-              <a:ea typeface="+mn-ea"/>
-              <a:cs typeface="+mn-cs"/>
-            </a:endParaRPr>
-          </a:p>
-        </p:txBody>
-      </p:sp>
-    </p:spTree>
-    <p:extLst>
-      <p:ext uri="{BB962C8B-B14F-4D97-AF65-F5344CB8AC3E}">
-        <p14:creationId xmlns:p14="http://schemas.microsoft.com/office/powerpoint/2010/main" val="3104862962"/>
-      </p:ext>
-    </p:extLst>
-  </p:cSld>
-  <p:clrMapOvr>
-    <a:masterClrMapping/>
-  </p:clrMapOvr>
-</p:notes>
-</file>
-
-<file path=ppt/notesSlides/notesSlide12.xml><?xml version="1.0" encoding="utf-8"?>
-<p:notes xmlns:a="http://schemas.openxmlformats.org/drawingml/2006/main" xmlns:r="http://schemas.openxmlformats.org/officeDocument/2006/relationships" xmlns:p="http://schemas.openxmlformats.org/presentationml/2006/main">
-  <p:cSld>
-    <p:spTree>
-      <p:nvGrpSpPr>
-        <p:cNvPr id="1" name=""/>
-        <p:cNvGrpSpPr/>
-        <p:nvPr/>
-      </p:nvGrpSpPr>
-      <p:grpSpPr>
-        <a:xfrm>
-          <a:off x="0" y="0"/>
-          <a:ext cx="0" cy="0"/>
-          <a:chOff x="0" y="0"/>
-          <a:chExt cx="0" cy="0"/>
-        </a:xfrm>
-      </p:grpSpPr>
-      <p:sp>
-        <p:nvSpPr>
-          <p:cNvPr id="2" name="投影片圖像版面配置區 1"/>
-          <p:cNvSpPr>
-            <a:spLocks noGrp="1" noRot="1" noChangeAspect="1"/>
-          </p:cNvSpPr>
-          <p:nvPr>
-            <p:ph type="sldImg"/>
-          </p:nvPr>
-        </p:nvSpPr>
-        <p:spPr>
-          <a:xfrm>
-            <a:off x="1371600" y="1143000"/>
-            <a:ext cx="4114800" cy="3086100"/>
-          </a:xfrm>
-        </p:spPr>
-      </p:sp>
-      <p:sp>
-        <p:nvSpPr>
-          <p:cNvPr id="3" name="備忘稿版面配置區 2"/>
-          <p:cNvSpPr>
-            <a:spLocks noGrp="1"/>
-          </p:cNvSpPr>
-          <p:nvPr>
-            <p:ph type="body" idx="1"/>
-          </p:nvPr>
-        </p:nvSpPr>
-        <p:spPr/>
-        <p:txBody>
-          <a:bodyPr/>
-          <a:lstStyle/>
-          <a:p>
-            <a:endParaRPr lang="zh-TW" altLang="en-US" dirty="0"/>
-          </a:p>
-        </p:txBody>
-      </p:sp>
-      <p:sp>
-        <p:nvSpPr>
-          <p:cNvPr id="4" name="投影片編號版面配置區 3"/>
-          <p:cNvSpPr>
-            <a:spLocks noGrp="1"/>
-          </p:cNvSpPr>
-          <p:nvPr>
-            <p:ph type="sldNum" sz="quarter" idx="10"/>
-          </p:nvPr>
-        </p:nvSpPr>
-        <p:spPr/>
-        <p:txBody>
-          <a:bodyPr/>
-          <a:lstStyle/>
-          <a:p>
-            <a:pPr marL="0" marR="0" lvl="0" indent="0" algn="r" defTabSz="914400" rtl="0" eaLnBrk="1" fontAlgn="auto" latinLnBrk="0" hangingPunct="1">
-              <a:lnSpc>
-                <a:spcPct val="100000"/>
-              </a:lnSpc>
-              <a:spcBef>
-                <a:spcPts val="0"/>
-              </a:spcBef>
-              <a:spcAft>
-                <a:spcPts val="0"/>
-              </a:spcAft>
-              <a:buClrTx/>
-              <a:buSzTx/>
-              <a:buFontTx/>
-              <a:buNone/>
-              <a:tabLst/>
-              <a:defRPr/>
-            </a:pPr>
-            <a:fld id="{9B26CD33-4337-4529-948A-94F6960B2374}" type="slidenum">
-              <a:rPr kumimoji="0" lang="en-US" sz="1200" b="0" i="0" u="none" strike="noStrike" kern="1200" cap="none" spc="0" normalizeH="0" baseline="0" noProof="0" smtClean="0">
-                <a:ln>
-                  <a:noFill/>
-                </a:ln>
-                <a:solidFill>
-                  <a:prstClr val="black"/>
-                </a:solidFill>
-                <a:effectLst/>
-                <a:uLnTx/>
-                <a:uFillTx/>
-                <a:latin typeface="Calibri"/>
-                <a:ea typeface="+mn-ea"/>
-                <a:cs typeface="+mn-cs"/>
-              </a:rPr>
-              <a:pPr marL="0" marR="0" lvl="0" indent="0" algn="r" defTabSz="914400" rtl="0" eaLnBrk="1" fontAlgn="auto" latinLnBrk="0" hangingPunct="1">
-                <a:lnSpc>
-                  <a:spcPct val="100000"/>
-                </a:lnSpc>
-                <a:spcBef>
-                  <a:spcPts val="0"/>
-                </a:spcBef>
-                <a:spcAft>
-                  <a:spcPts val="0"/>
-                </a:spcAft>
-                <a:buClrTx/>
-                <a:buSzTx/>
-                <a:buFontTx/>
-                <a:buNone/>
-                <a:tabLst/>
-                <a:defRPr/>
-              </a:pPr>
-              <a:t>12</a:t>
-            </a:fld>
-            <a:endParaRPr kumimoji="0" lang="en-US" sz="1200" b="0" i="0" u="none" strike="noStrike" kern="1200" cap="none" spc="0" normalizeH="0" baseline="0" noProof="0" dirty="0">
-              <a:ln>
-                <a:noFill/>
-              </a:ln>
-              <a:solidFill>
-                <a:prstClr val="black"/>
-              </a:solidFill>
-              <a:effectLst/>
-              <a:uLnTx/>
-              <a:uFillTx/>
-              <a:latin typeface="Calibri"/>
-              <a:ea typeface="+mn-ea"/>
-              <a:cs typeface="+mn-cs"/>
-            </a:endParaRPr>
-          </a:p>
-        </p:txBody>
-      </p:sp>
-    </p:spTree>
-    <p:extLst>
-      <p:ext uri="{BB962C8B-B14F-4D97-AF65-F5344CB8AC3E}">
         <p14:creationId xmlns:p14="http://schemas.microsoft.com/office/powerpoint/2010/main" val="1137168550"/>
       </p:ext>
     </p:extLst>
@@ -2413,7 +2113,7 @@
           <a:p>
             <a:fld id="{2E29796B-F55F-40BA-947E-19D03180300F}" type="datetimeFigureOut">
               <a:rPr lang="zh-TW" altLang="en-US" smtClean="0"/>
-              <a:t>2024/5/14</a:t>
+              <a:t>2024/5/27</a:t>
             </a:fld>
             <a:endParaRPr lang="zh-TW" altLang="en-US"/>
           </a:p>
@@ -2611,7 +2311,7 @@
           <a:p>
             <a:fld id="{2E29796B-F55F-40BA-947E-19D03180300F}" type="datetimeFigureOut">
               <a:rPr lang="zh-TW" altLang="en-US" smtClean="0"/>
-              <a:t>2024/5/14</a:t>
+              <a:t>2024/5/27</a:t>
             </a:fld>
             <a:endParaRPr lang="zh-TW" altLang="en-US"/>
           </a:p>
@@ -2819,7 +2519,7 @@
           <a:p>
             <a:fld id="{2E29796B-F55F-40BA-947E-19D03180300F}" type="datetimeFigureOut">
               <a:rPr lang="zh-TW" altLang="en-US" smtClean="0"/>
-              <a:t>2024/5/14</a:t>
+              <a:t>2024/5/27</a:t>
             </a:fld>
             <a:endParaRPr lang="zh-TW" altLang="en-US"/>
           </a:p>
@@ -3200,7 +2900,7 @@
                 </a:solidFill>
               </a:rPr>
               <a:pPr/>
-              <a:t>5/14/2024</a:t>
+              <a:t>5/27/2024</a:t>
             </a:fld>
             <a:endParaRPr kumimoji="0" lang="en-US" dirty="0"/>
           </a:p>
@@ -3431,7 +3131,7 @@
                 </a:solidFill>
               </a:rPr>
               <a:pPr/>
-              <a:t>5/14/2024</a:t>
+              <a:t>5/27/2024</a:t>
             </a:fld>
             <a:endParaRPr kumimoji="0" lang="en-US" dirty="0"/>
           </a:p>
@@ -3664,7 +3364,7 @@
                 </a:solidFill>
               </a:rPr>
               <a:pPr/>
-              <a:t>5/14/2024</a:t>
+              <a:t>5/27/2024</a:t>
             </a:fld>
             <a:endParaRPr kumimoji="0" lang="en-US" dirty="0"/>
           </a:p>
@@ -4146,7 +3846,7 @@
                 </a:solidFill>
               </a:rPr>
               <a:pPr/>
-              <a:t>5/14/2024</a:t>
+              <a:t>5/27/2024</a:t>
             </a:fld>
             <a:endParaRPr kumimoji="0" lang="en-US" dirty="0"/>
           </a:p>
@@ -4503,7 +4203,7 @@
                 </a:solidFill>
               </a:rPr>
               <a:pPr/>
-              <a:t>5/14/2024</a:t>
+              <a:t>5/27/2024</a:t>
             </a:fld>
             <a:endParaRPr kumimoji="0" lang="en-US" dirty="0"/>
           </a:p>
@@ -4866,7 +4566,7 @@
                 </a:solidFill>
               </a:rPr>
               <a:pPr/>
-              <a:t>5/14/2024</a:t>
+              <a:t>5/27/2024</a:t>
             </a:fld>
             <a:endParaRPr kumimoji="0" lang="en-US" dirty="0"/>
           </a:p>
@@ -5176,7 +4876,7 @@
                 </a:solidFill>
               </a:rPr>
               <a:pPr/>
-              <a:t>5/14/2024</a:t>
+              <a:t>5/27/2024</a:t>
             </a:fld>
             <a:endParaRPr kumimoji="0" lang="en-US" dirty="0"/>
           </a:p>
@@ -5371,7 +5071,7 @@
           <a:p>
             <a:fld id="{2E29796B-F55F-40BA-947E-19D03180300F}" type="datetimeFigureOut">
               <a:rPr lang="zh-TW" altLang="en-US" smtClean="0"/>
-              <a:t>2024/5/14</a:t>
+              <a:t>2024/5/27</a:t>
             </a:fld>
             <a:endParaRPr lang="zh-TW" altLang="en-US"/>
           </a:p>
@@ -5855,7 +5555,7 @@
                 </a:solidFill>
               </a:rPr>
               <a:pPr/>
-              <a:t>5/14/2024</a:t>
+              <a:t>5/27/2024</a:t>
             </a:fld>
             <a:endParaRPr kumimoji="0" lang="en-US" dirty="0"/>
           </a:p>
@@ -6251,7 +5951,7 @@
                 </a:solidFill>
               </a:rPr>
               <a:pPr/>
-              <a:t>5/14/2024</a:t>
+              <a:t>5/27/2024</a:t>
             </a:fld>
             <a:endParaRPr kumimoji="0" lang="en-US" dirty="0"/>
           </a:p>
@@ -6591,7 +6291,7 @@
                 </a:solidFill>
               </a:rPr>
               <a:pPr/>
-              <a:t>5/14/2024</a:t>
+              <a:t>5/27/2024</a:t>
             </a:fld>
             <a:endParaRPr kumimoji="0" lang="en-US" dirty="0"/>
           </a:p>
@@ -7172,7 +6872,7 @@
                 </a:solidFill>
               </a:rPr>
               <a:pPr/>
-              <a:t>5/14/2024</a:t>
+              <a:t>5/27/2024</a:t>
             </a:fld>
             <a:endParaRPr kumimoji="0" lang="en-US" dirty="0"/>
           </a:p>
@@ -7741,7 +7441,7 @@
                 </a:solidFill>
               </a:rPr>
               <a:pPr/>
-              <a:t>5/14/2024</a:t>
+              <a:t>5/27/2024</a:t>
             </a:fld>
             <a:endParaRPr kumimoji="0" lang="en-US" dirty="0"/>
           </a:p>
@@ -8205,7 +7905,7 @@
                 </a:solidFill>
               </a:rPr>
               <a:pPr/>
-              <a:t>5/14/2024</a:t>
+              <a:t>5/27/2024</a:t>
             </a:fld>
             <a:endParaRPr kumimoji="0" lang="en-US" dirty="0"/>
           </a:p>
@@ -8634,7 +8334,7 @@
                 </a:solidFill>
               </a:rPr>
               <a:pPr/>
-              <a:t>5/14/2024</a:t>
+              <a:t>5/27/2024</a:t>
             </a:fld>
             <a:endParaRPr kumimoji="0" lang="en-US" dirty="0"/>
           </a:p>
@@ -9143,7 +8843,7 @@
                 </a:solidFill>
               </a:rPr>
               <a:pPr/>
-              <a:t>5/14/2024</a:t>
+              <a:t>5/27/2024</a:t>
             </a:fld>
             <a:endParaRPr kumimoji="0" lang="en-US" dirty="0"/>
           </a:p>
@@ -9652,7 +9352,7 @@
                 </a:solidFill>
               </a:rPr>
               <a:pPr/>
-              <a:t>5/14/2024</a:t>
+              <a:t>5/27/2024</a:t>
             </a:fld>
             <a:endParaRPr kumimoji="0" lang="en-US" dirty="0"/>
           </a:p>
@@ -9873,7 +9573,7 @@
                 </a:solidFill>
               </a:rPr>
               <a:pPr/>
-              <a:t>5/14/2024</a:t>
+              <a:t>5/27/2024</a:t>
             </a:fld>
             <a:endParaRPr kumimoji="0" lang="en-US" dirty="0"/>
           </a:p>
@@ -10145,7 +9845,7 @@
           <a:p>
             <a:fld id="{2E29796B-F55F-40BA-947E-19D03180300F}" type="datetimeFigureOut">
               <a:rPr lang="zh-TW" altLang="en-US" smtClean="0"/>
-              <a:t>2024/5/14</a:t>
+              <a:t>2024/5/27</a:t>
             </a:fld>
             <a:endParaRPr lang="zh-TW" altLang="en-US"/>
           </a:p>
@@ -10481,7 +10181,7 @@
                 </a:solidFill>
               </a:rPr>
               <a:pPr/>
-              <a:t>5/14/2024</a:t>
+              <a:t>5/27/2024</a:t>
             </a:fld>
             <a:endParaRPr kumimoji="0" lang="en-US" dirty="0"/>
           </a:p>
@@ -10705,7 +10405,7 @@
                 </a:solidFill>
               </a:rPr>
               <a:pPr/>
-              <a:t>5/14/2024</a:t>
+              <a:t>5/27/2024</a:t>
             </a:fld>
             <a:endParaRPr kumimoji="0" lang="en-US" dirty="0"/>
           </a:p>
@@ -10886,7 +10586,7 @@
             <a:fld id="{ACB2EC6F-6501-4E04-BD6C-A8A6CABB2C5B}" type="datetimeFigureOut">
               <a:rPr kumimoji="0" lang="en-US" smtClean="0"/>
               <a:pPr/>
-              <a:t>5/14/2024</a:t>
+              <a:t>5/27/2024</a:t>
             </a:fld>
             <a:endParaRPr kumimoji="0" lang="en-US" dirty="0"/>
           </a:p>
@@ -11170,7 +10870,7 @@
           <a:p>
             <a:fld id="{2E29796B-F55F-40BA-947E-19D03180300F}" type="datetimeFigureOut">
               <a:rPr lang="zh-TW" altLang="en-US" smtClean="0"/>
-              <a:t>2024/5/14</a:t>
+              <a:t>2024/5/27</a:t>
             </a:fld>
             <a:endParaRPr lang="zh-TW" altLang="en-US"/>
           </a:p>
@@ -11582,7 +11282,7 @@
           <a:p>
             <a:fld id="{2E29796B-F55F-40BA-947E-19D03180300F}" type="datetimeFigureOut">
               <a:rPr lang="zh-TW" altLang="en-US" smtClean="0"/>
-              <a:t>2024/5/14</a:t>
+              <a:t>2024/5/27</a:t>
             </a:fld>
             <a:endParaRPr lang="zh-TW" altLang="en-US"/>
           </a:p>
@@ -11723,7 +11423,7 @@
           <a:p>
             <a:fld id="{2E29796B-F55F-40BA-947E-19D03180300F}" type="datetimeFigureOut">
               <a:rPr lang="zh-TW" altLang="en-US" smtClean="0"/>
-              <a:t>2024/5/14</a:t>
+              <a:t>2024/5/27</a:t>
             </a:fld>
             <a:endParaRPr lang="zh-TW" altLang="en-US"/>
           </a:p>
@@ -11836,7 +11536,7 @@
           <a:p>
             <a:fld id="{2E29796B-F55F-40BA-947E-19D03180300F}" type="datetimeFigureOut">
               <a:rPr lang="zh-TW" altLang="en-US" smtClean="0"/>
-              <a:t>2024/5/14</a:t>
+              <a:t>2024/5/27</a:t>
             </a:fld>
             <a:endParaRPr lang="zh-TW" altLang="en-US"/>
           </a:p>
@@ -12147,7 +11847,7 @@
           <a:p>
             <a:fld id="{2E29796B-F55F-40BA-947E-19D03180300F}" type="datetimeFigureOut">
               <a:rPr lang="zh-TW" altLang="en-US" smtClean="0"/>
-              <a:t>2024/5/14</a:t>
+              <a:t>2024/5/27</a:t>
             </a:fld>
             <a:endParaRPr lang="zh-TW" altLang="en-US"/>
           </a:p>
@@ -12435,7 +12135,7 @@
           <a:p>
             <a:fld id="{2E29796B-F55F-40BA-947E-19D03180300F}" type="datetimeFigureOut">
               <a:rPr lang="zh-TW" altLang="en-US" smtClean="0"/>
-              <a:t>2024/5/14</a:t>
+              <a:t>2024/5/27</a:t>
             </a:fld>
             <a:endParaRPr lang="zh-TW" altLang="en-US"/>
           </a:p>
@@ -12676,7 +12376,7 @@
           <a:p>
             <a:fld id="{2E29796B-F55F-40BA-947E-19D03180300F}" type="datetimeFigureOut">
               <a:rPr lang="zh-TW" altLang="en-US" smtClean="0"/>
-              <a:t>2024/5/14</a:t>
+              <a:t>2024/5/27</a:t>
             </a:fld>
             <a:endParaRPr lang="zh-TW" altLang="en-US"/>
           </a:p>
@@ -13248,7 +12948,7 @@
                 </a:solidFill>
               </a:rPr>
               <a:pPr/>
-              <a:t>5/14/2024</a:t>
+              <a:t>5/27/2024</a:t>
             </a:fld>
             <a:endParaRPr kumimoji="0" lang="en-US" sz="1200" dirty="0">
               <a:solidFill>
@@ -13928,7 +13628,7 @@
         <p:spPr>
           <a:xfrm>
             <a:off x="693420" y="1841244"/>
-            <a:ext cx="8077200" cy="4524315"/>
+            <a:ext cx="8077200" cy="4031873"/>
           </a:xfrm>
           <a:prstGeom prst="rect">
             <a:avLst/>
@@ -13946,7 +13646,7 @@
               <a:buAutoNum type="arabicPeriod"/>
             </a:pPr>
             <a:r>
-              <a:rPr kumimoji="1" lang="zh-TW" altLang="en-US" sz="3200" dirty="0">
+              <a:rPr kumimoji="1" lang="en-US" altLang="zh-TW" sz="3200" dirty="0">
                 <a:solidFill>
                   <a:prstClr val="white"/>
                 </a:solidFill>
@@ -13961,10 +13661,10 @@
                 <a:ea typeface="微軟正黑體" panose="020B0604030504040204" pitchFamily="34" charset="-120"/>
                 <a:cs typeface="Heiti TC Light"/>
               </a:rPr>
-              <a:t>啟動</a:t>
-            </a:r>
-            <a:r>
-              <a:rPr kumimoji="1" lang="en-US" altLang="zh-TW" sz="3200" dirty="0" err="1">
+              <a:t>OpenAI API</a:t>
+            </a:r>
+            <a:r>
+              <a:rPr kumimoji="1" lang="zh-TW" altLang="en-US" sz="3200" dirty="0">
                 <a:solidFill>
                   <a:prstClr val="white"/>
                 </a:solidFill>
@@ -13979,25 +13679,7 @@
                 <a:ea typeface="微軟正黑體" panose="020B0604030504040204" pitchFamily="34" charset="-120"/>
                 <a:cs typeface="Heiti TC Light"/>
               </a:rPr>
-              <a:t>ngrok</a:t>
-            </a:r>
-            <a:r>
-              <a:rPr kumimoji="1" lang="zh-TW" altLang="en-US" sz="3200" dirty="0">
-                <a:solidFill>
-                  <a:prstClr val="white"/>
-                </a:solidFill>
-                <a:effectLst>
-                  <a:outerShdw blurRad="38100" dist="38100" dir="2700000" algn="tl">
-                    <a:srgbClr val="000000">
-                      <a:alpha val="43137"/>
-                    </a:srgbClr>
-                  </a:outerShdw>
-                </a:effectLst>
-                <a:latin typeface="微軟正黑體" panose="020B0604030504040204" pitchFamily="34" charset="-120"/>
-                <a:ea typeface="微軟正黑體" panose="020B0604030504040204" pitchFamily="34" charset="-120"/>
-                <a:cs typeface="Heiti TC Light"/>
-              </a:rPr>
-              <a:t>建立自己的網址</a:t>
+              <a:t>說明</a:t>
             </a:r>
             <a:endParaRPr kumimoji="1" lang="en-US" altLang="zh-TW" sz="3200" dirty="0">
               <a:solidFill>
@@ -14036,163 +13718,7 @@
                 <a:ea typeface="微軟正黑體" panose="020B0604030504040204" pitchFamily="34" charset="-120"/>
                 <a:cs typeface="Heiti TC Light"/>
               </a:rPr>
-              <a:t>更新</a:t>
-            </a:r>
-            <a:r>
-              <a:rPr kumimoji="1" lang="en-US" altLang="zh-TW" sz="3200" dirty="0">
-                <a:solidFill>
-                  <a:prstClr val="white"/>
-                </a:solidFill>
-                <a:effectLst>
-                  <a:outerShdw blurRad="38100" dist="38100" dir="2700000" algn="tl">
-                    <a:srgbClr val="000000">
-                      <a:alpha val="43137"/>
-                    </a:srgbClr>
-                  </a:outerShdw>
-                </a:effectLst>
-                <a:latin typeface="微軟正黑體" panose="020B0604030504040204" pitchFamily="34" charset="-120"/>
-                <a:ea typeface="微軟正黑體" panose="020B0604030504040204" pitchFamily="34" charset="-120"/>
-                <a:cs typeface="Heiti TC Light"/>
-              </a:rPr>
-              <a:t>line</a:t>
-            </a:r>
-            <a:r>
-              <a:rPr kumimoji="1" lang="zh-TW" altLang="en-US" sz="3200" dirty="0">
-                <a:solidFill>
-                  <a:prstClr val="white"/>
-                </a:solidFill>
-                <a:effectLst>
-                  <a:outerShdw blurRad="38100" dist="38100" dir="2700000" algn="tl">
-                    <a:srgbClr val="000000">
-                      <a:alpha val="43137"/>
-                    </a:srgbClr>
-                  </a:outerShdw>
-                </a:effectLst>
-                <a:latin typeface="微軟正黑體" panose="020B0604030504040204" pitchFamily="34" charset="-120"/>
-                <a:ea typeface="微軟正黑體" panose="020B0604030504040204" pitchFamily="34" charset="-120"/>
-                <a:cs typeface="Heiti TC Light"/>
-              </a:rPr>
-              <a:t>的</a:t>
-            </a:r>
-            <a:r>
-              <a:rPr kumimoji="1" lang="en-US" altLang="zh-TW" sz="3200" dirty="0">
-                <a:solidFill>
-                  <a:prstClr val="white"/>
-                </a:solidFill>
-                <a:effectLst>
-                  <a:outerShdw blurRad="38100" dist="38100" dir="2700000" algn="tl">
-                    <a:srgbClr val="000000">
-                      <a:alpha val="43137"/>
-                    </a:srgbClr>
-                  </a:outerShdw>
-                </a:effectLst>
-                <a:latin typeface="微軟正黑體" panose="020B0604030504040204" pitchFamily="34" charset="-120"/>
-                <a:ea typeface="微軟正黑體" panose="020B0604030504040204" pitchFamily="34" charset="-120"/>
-                <a:cs typeface="Heiti TC Light"/>
-              </a:rPr>
-              <a:t>webhook</a:t>
-            </a:r>
-          </a:p>
-          <a:p>
-            <a:pPr marL="514350" indent="-514350">
-              <a:buFont typeface="+mj-lt"/>
-              <a:buAutoNum type="arabicPeriod"/>
-            </a:pPr>
-            <a:r>
-              <a:rPr kumimoji="1" lang="zh-TW" altLang="en-US" sz="3200" dirty="0">
-                <a:solidFill>
-                  <a:prstClr val="white"/>
-                </a:solidFill>
-                <a:effectLst>
-                  <a:outerShdw blurRad="38100" dist="38100" dir="2700000" algn="tl">
-                    <a:srgbClr val="000000">
-                      <a:alpha val="43137"/>
-                    </a:srgbClr>
-                  </a:outerShdw>
-                </a:effectLst>
-                <a:latin typeface="微軟正黑體" panose="020B0604030504040204" pitchFamily="34" charset="-120"/>
-                <a:ea typeface="微軟正黑體" panose="020B0604030504040204" pitchFamily="34" charset="-120"/>
-                <a:cs typeface="Heiti TC Light"/>
-              </a:rPr>
-              <a:t>設定讀取環境變數</a:t>
-            </a:r>
-            <a:r>
-              <a:rPr kumimoji="1" lang="en-US" altLang="zh-TW" sz="3200" dirty="0">
-                <a:solidFill>
-                  <a:prstClr val="white"/>
-                </a:solidFill>
-                <a:effectLst>
-                  <a:outerShdw blurRad="38100" dist="38100" dir="2700000" algn="tl">
-                    <a:srgbClr val="000000">
-                      <a:alpha val="43137"/>
-                    </a:srgbClr>
-                  </a:outerShdw>
-                </a:effectLst>
-                <a:latin typeface="微軟正黑體" panose="020B0604030504040204" pitchFamily="34" charset="-120"/>
-                <a:ea typeface="微軟正黑體" panose="020B0604030504040204" pitchFamily="34" charset="-120"/>
-                <a:cs typeface="Heiti TC Light"/>
-              </a:rPr>
-              <a:t>(</a:t>
-            </a:r>
-            <a:r>
-              <a:rPr kumimoji="1" lang="zh-TW" altLang="en-US" sz="3200" dirty="0">
-                <a:solidFill>
-                  <a:prstClr val="white"/>
-                </a:solidFill>
-                <a:effectLst>
-                  <a:outerShdw blurRad="38100" dist="38100" dir="2700000" algn="tl">
-                    <a:srgbClr val="000000">
-                      <a:alpha val="43137"/>
-                    </a:srgbClr>
-                  </a:outerShdw>
-                </a:effectLst>
-                <a:latin typeface="微軟正黑體" panose="020B0604030504040204" pitchFamily="34" charset="-120"/>
-                <a:ea typeface="微軟正黑體" panose="020B0604030504040204" pitchFamily="34" charset="-120"/>
-                <a:cs typeface="Heiti TC Light"/>
-              </a:rPr>
-              <a:t>視開發環境</a:t>
-            </a:r>
-            <a:r>
-              <a:rPr kumimoji="1" lang="en-US" altLang="zh-TW" sz="3200" dirty="0">
-                <a:solidFill>
-                  <a:prstClr val="white"/>
-                </a:solidFill>
-                <a:effectLst>
-                  <a:outerShdw blurRad="38100" dist="38100" dir="2700000" algn="tl">
-                    <a:srgbClr val="000000">
-                      <a:alpha val="43137"/>
-                    </a:srgbClr>
-                  </a:outerShdw>
-                </a:effectLst>
-                <a:latin typeface="微軟正黑體" panose="020B0604030504040204" pitchFamily="34" charset="-120"/>
-                <a:ea typeface="微軟正黑體" panose="020B0604030504040204" pitchFamily="34" charset="-120"/>
-                <a:cs typeface="Heiti TC Light"/>
-              </a:rPr>
-              <a:t>)</a:t>
-            </a:r>
-          </a:p>
-          <a:p>
-            <a:pPr marL="514350" indent="-514350">
-              <a:buFont typeface="+mj-lt"/>
-              <a:buAutoNum type="arabicPeriod"/>
-            </a:pPr>
-            <a:r>
-              <a:rPr kumimoji="1" lang="zh-TW" altLang="en-US" sz="3200" dirty="0">
-                <a:solidFill>
-                  <a:prstClr val="white"/>
-                </a:solidFill>
-                <a:effectLst>
-                  <a:outerShdw blurRad="38100" dist="38100" dir="2700000" algn="tl">
-                    <a:srgbClr val="000000">
-                      <a:alpha val="43137"/>
-                    </a:srgbClr>
-                  </a:outerShdw>
-                </a:effectLst>
-                <a:latin typeface="微軟正黑體" panose="020B0604030504040204" pitchFamily="34" charset="-120"/>
-                <a:ea typeface="微軟正黑體" panose="020B0604030504040204" pitchFamily="34" charset="-120"/>
-                <a:cs typeface="Heiti TC Light"/>
-              </a:rPr>
-              <a:t>載入套件的正確語法</a:t>
+              <a:t>獲得金鑰</a:t>
             </a:r>
             <a:endParaRPr kumimoji="1" lang="en-US" altLang="zh-TW" sz="3200" dirty="0">
               <a:solidFill>
@@ -14231,7 +13757,49 @@
                 <a:ea typeface="微軟正黑體" panose="020B0604030504040204" pitchFamily="34" charset="-120"/>
                 <a:cs typeface="Heiti TC Light"/>
               </a:rPr>
-              <a:t>套件及物件說明</a:t>
+              <a:t>了解要使用的</a:t>
+            </a:r>
+            <a:r>
+              <a:rPr kumimoji="1" lang="en-US" altLang="zh-TW" sz="3200" dirty="0">
+                <a:solidFill>
+                  <a:prstClr val="white"/>
+                </a:solidFill>
+                <a:effectLst>
+                  <a:outerShdw blurRad="38100" dist="38100" dir="2700000" algn="tl">
+                    <a:srgbClr val="000000">
+                      <a:alpha val="43137"/>
+                    </a:srgbClr>
+                  </a:outerShdw>
+                </a:effectLst>
+                <a:latin typeface="微軟正黑體" panose="020B0604030504040204" pitchFamily="34" charset="-120"/>
+                <a:ea typeface="微軟正黑體" panose="020B0604030504040204" pitchFamily="34" charset="-120"/>
+                <a:cs typeface="Heiti TC Light"/>
+              </a:rPr>
+              <a:t>function</a:t>
+            </a:r>
+          </a:p>
+          <a:p>
+            <a:pPr marL="514350" indent="-514350">
+              <a:buFont typeface="+mj-lt"/>
+              <a:buAutoNum type="arabicPeriod"/>
+            </a:pPr>
+            <a:r>
+              <a:rPr kumimoji="1" lang="zh-TW" altLang="en-US" sz="3200" dirty="0">
+                <a:solidFill>
+                  <a:prstClr val="white"/>
+                </a:solidFill>
+                <a:effectLst>
+                  <a:outerShdw blurRad="38100" dist="38100" dir="2700000" algn="tl">
+                    <a:srgbClr val="000000">
+                      <a:alpha val="43137"/>
+                    </a:srgbClr>
+                  </a:outerShdw>
+                </a:effectLst>
+                <a:latin typeface="微軟正黑體" panose="020B0604030504040204" pitchFamily="34" charset="-120"/>
+                <a:ea typeface="微軟正黑體" panose="020B0604030504040204" pitchFamily="34" charset="-120"/>
+                <a:cs typeface="Heiti TC Light"/>
+              </a:rPr>
+              <a:t>了解參數的應用</a:t>
             </a:r>
             <a:endParaRPr kumimoji="1" lang="en-US" altLang="zh-TW" sz="3200" dirty="0">
               <a:solidFill>
@@ -14255,7 +13823,7 @@
               <a:buAutoNum type="arabicPeriod"/>
             </a:pPr>
             <a:r>
-              <a:rPr kumimoji="1" lang="en-US" altLang="zh-TW" sz="3200" dirty="0">
+              <a:rPr kumimoji="1" lang="zh-TW" altLang="en-US" sz="3200" dirty="0">
                 <a:solidFill>
                   <a:prstClr val="white"/>
                 </a:solidFill>
@@ -14270,10 +13838,10 @@
                 <a:ea typeface="微軟正黑體" panose="020B0604030504040204" pitchFamily="34" charset="-120"/>
                 <a:cs typeface="Heiti TC Light"/>
               </a:rPr>
-              <a:t>Flask</a:t>
-            </a:r>
-            <a:r>
-              <a:rPr kumimoji="1" lang="zh-TW" altLang="en-US" sz="3200" dirty="0">
+              <a:t>放入</a:t>
+            </a:r>
+            <a:r>
+              <a:rPr kumimoji="1" lang="en-US" altLang="zh-TW" sz="3200" dirty="0">
                 <a:solidFill>
                   <a:prstClr val="white"/>
                 </a:solidFill>
@@ -14288,7 +13856,31 @@
                 <a:ea typeface="微軟正黑體" panose="020B0604030504040204" pitchFamily="34" charset="-120"/>
                 <a:cs typeface="Heiti TC Light"/>
               </a:rPr>
-              <a:t>的語法說明</a:t>
+              <a:t>LINE Bot</a:t>
+            </a:r>
+          </a:p>
+          <a:p>
+            <a:pPr marL="514350" indent="-514350">
+              <a:buFont typeface="+mj-lt"/>
+              <a:buAutoNum type="arabicPeriod"/>
+            </a:pPr>
+            <a:r>
+              <a:rPr kumimoji="1" lang="zh-TW" altLang="en-US" sz="3200" dirty="0">
+                <a:solidFill>
+                  <a:prstClr val="white"/>
+                </a:solidFill>
+                <a:effectLst>
+                  <a:outerShdw blurRad="38100" dist="38100" dir="2700000" algn="tl">
+                    <a:srgbClr val="000000">
+                      <a:alpha val="43137"/>
+                    </a:srgbClr>
+                  </a:outerShdw>
+                </a:effectLst>
+                <a:latin typeface="微軟正黑體" panose="020B0604030504040204" pitchFamily="34" charset="-120"/>
+                <a:ea typeface="微軟正黑體" panose="020B0604030504040204" pitchFamily="34" charset="-120"/>
+                <a:cs typeface="Heiti TC Light"/>
+              </a:rPr>
+              <a:t>無記憶的聊天</a:t>
             </a:r>
             <a:endParaRPr kumimoji="1" lang="en-US" altLang="zh-TW" sz="3200" dirty="0">
               <a:solidFill>
@@ -14327,7 +13919,7 @@
                 <a:ea typeface="微軟正黑體" panose="020B0604030504040204" pitchFamily="34" charset="-120"/>
                 <a:cs typeface="Heiti TC Light"/>
               </a:rPr>
-              <a:t>確保傳輸的安全</a:t>
+              <a:t>有記憶的聊天</a:t>
             </a:r>
             <a:endParaRPr kumimoji="1" lang="en-US" altLang="zh-TW" sz="3200" dirty="0">
               <a:solidFill>
@@ -14346,64 +13938,6 @@
             </a:endParaRPr>
           </a:p>
           <a:p>
-            <a:pPr marL="514350" indent="-514350">
-              <a:buFont typeface="+mj-lt"/>
-              <a:buAutoNum type="arabicPeriod"/>
-            </a:pPr>
-            <a:r>
-              <a:rPr kumimoji="1" lang="zh-TW" altLang="en-US" sz="3200" dirty="0">
-                <a:solidFill>
-                  <a:prstClr val="white"/>
-                </a:solidFill>
-                <a:effectLst>
-                  <a:outerShdw blurRad="38100" dist="38100" dir="2700000" algn="tl">
-                    <a:srgbClr val="000000">
-                      <a:alpha val="43137"/>
-                    </a:srgbClr>
-                  </a:outerShdw>
-                </a:effectLst>
-                <a:latin typeface="微軟正黑體" panose="020B0604030504040204" pitchFamily="34" charset="-120"/>
-                <a:ea typeface="微軟正黑體" panose="020B0604030504040204" pitchFamily="34" charset="-120"/>
-                <a:cs typeface="Heiti TC Light"/>
-              </a:rPr>
-              <a:t>讀取</a:t>
-            </a:r>
-            <a:r>
-              <a:rPr kumimoji="1" lang="en-US" altLang="zh-TW" sz="3200" dirty="0">
-                <a:solidFill>
-                  <a:prstClr val="white"/>
-                </a:solidFill>
-                <a:effectLst>
-                  <a:outerShdw blurRad="38100" dist="38100" dir="2700000" algn="tl">
-                    <a:srgbClr val="000000">
-                      <a:alpha val="43137"/>
-                    </a:srgbClr>
-                  </a:outerShdw>
-                </a:effectLst>
-                <a:latin typeface="微軟正黑體" panose="020B0604030504040204" pitchFamily="34" charset="-120"/>
-                <a:ea typeface="微軟正黑體" panose="020B0604030504040204" pitchFamily="34" charset="-120"/>
-                <a:cs typeface="Heiti TC Light"/>
-              </a:rPr>
-              <a:t>request</a:t>
-            </a:r>
-            <a:r>
-              <a:rPr kumimoji="1" lang="zh-TW" altLang="en-US" sz="3200" dirty="0">
-                <a:solidFill>
-                  <a:prstClr val="white"/>
-                </a:solidFill>
-                <a:effectLst>
-                  <a:outerShdw blurRad="38100" dist="38100" dir="2700000" algn="tl">
-                    <a:srgbClr val="000000">
-                      <a:alpha val="43137"/>
-                    </a:srgbClr>
-                  </a:outerShdw>
-                </a:effectLst>
-                <a:latin typeface="微軟正黑體" panose="020B0604030504040204" pitchFamily="34" charset="-120"/>
-                <a:ea typeface="微軟正黑體" panose="020B0604030504040204" pitchFamily="34" charset="-120"/>
-                <a:cs typeface="Heiti TC Light"/>
-              </a:rPr>
-              <a:t>並記錄</a:t>
-            </a:r>
             <a:endParaRPr kumimoji="1" lang="en-US" altLang="zh-TW" sz="3200" dirty="0">
               <a:solidFill>
                 <a:prstClr val="white"/>
@@ -14420,23 +13954,6 @@
               <a:cs typeface="Heiti TC Light"/>
             </a:endParaRPr>
           </a:p>
-          <a:p>
-            <a:endParaRPr kumimoji="1" lang="en-US" altLang="zh-TW" sz="3200" dirty="0">
-              <a:solidFill>
-                <a:prstClr val="white"/>
-              </a:solidFill>
-              <a:effectLst>
-                <a:outerShdw blurRad="38100" dist="38100" dir="2700000" algn="tl">
-                  <a:srgbClr val="000000">
-                    <a:alpha val="43137"/>
-                  </a:srgbClr>
-                </a:outerShdw>
-              </a:effectLst>
-              <a:latin typeface="微軟正黑體" panose="020B0604030504040204" pitchFamily="34" charset="-120"/>
-              <a:ea typeface="微軟正黑體" panose="020B0604030504040204" pitchFamily="34" charset="-120"/>
-              <a:cs typeface="Heiti TC Light"/>
-            </a:endParaRPr>
-          </a:p>
         </p:txBody>
       </p:sp>
       <p:sp>
@@ -14449,8 +13966,8 @@
         </p:nvSpPr>
         <p:spPr>
           <a:xfrm>
-            <a:off x="1355838" y="329236"/>
-            <a:ext cx="6046075" cy="990600"/>
+            <a:off x="693420" y="329236"/>
+            <a:ext cx="7764561" cy="990600"/>
           </a:xfrm>
           <a:prstGeom prst="rect">
             <a:avLst/>
@@ -14485,974 +14002,6 @@
                 <a:cs typeface="Heiti TC Light"/>
               </a:rPr>
               <a:t>6</a:t>
-            </a:r>
-            <a:r>
-              <a:rPr kumimoji="1" lang="zh-TW" altLang="en-US" sz="4800" b="1" kern="0" dirty="0">
-                <a:solidFill>
-                  <a:srgbClr val="00B0F0"/>
-                </a:solidFill>
-                <a:effectLst>
-                  <a:outerShdw blurRad="38100" dist="38100" dir="2700000" algn="tl">
-                    <a:srgbClr val="000000">
-                      <a:alpha val="43137"/>
-                    </a:srgbClr>
-                  </a:outerShdw>
-                </a:effectLst>
-                <a:latin typeface="微軟正黑體" panose="020B0604030504040204" pitchFamily="34" charset="-120"/>
-                <a:ea typeface="微軟正黑體" panose="020B0604030504040204" pitchFamily="34" charset="-120"/>
-                <a:cs typeface="Heiti TC Light"/>
-              </a:rPr>
-              <a:t>、</a:t>
-            </a:r>
-            <a:r>
-              <a:rPr kumimoji="1" lang="zh-TW" altLang="en-US" sz="4800" b="1" dirty="0">
-                <a:solidFill>
-                  <a:srgbClr val="00B0F0"/>
-                </a:solidFill>
-                <a:effectLst>
-                  <a:outerShdw blurRad="38100" dist="38100" dir="2700000" algn="tl">
-                    <a:srgbClr val="000000">
-                      <a:alpha val="43137"/>
-                    </a:srgbClr>
-                  </a:outerShdw>
-                </a:effectLst>
-                <a:latin typeface="微軟正黑體" panose="020B0604030504040204" pitchFamily="34" charset="-120"/>
-                <a:ea typeface="微軟正黑體" panose="020B0604030504040204" pitchFamily="34" charset="-120"/>
-                <a:cs typeface="Heiti TC Light"/>
-              </a:rPr>
-              <a:t>程式碼撰寫及說明</a:t>
-            </a:r>
-            <a:endParaRPr lang="zh-TW" altLang="en-US" sz="4800" b="1" kern="0" dirty="0">
-              <a:solidFill>
-                <a:srgbClr val="00B0F0"/>
-              </a:solidFill>
-              <a:effectLst>
-                <a:outerShdw blurRad="38100" dist="38100" dir="2700000" algn="tl">
-                  <a:srgbClr val="000000">
-                    <a:alpha val="43137"/>
-                  </a:srgbClr>
-                </a:outerShdw>
-              </a:effectLst>
-              <a:latin typeface="微軟正黑體" panose="020B0604030504040204" pitchFamily="34" charset="-120"/>
-              <a:ea typeface="微軟正黑體" panose="020B0604030504040204" pitchFamily="34" charset="-120"/>
-            </a:endParaRPr>
-          </a:p>
-        </p:txBody>
-      </p:sp>
-    </p:spTree>
-    <p:extLst>
-      <p:ext uri="{BB962C8B-B14F-4D97-AF65-F5344CB8AC3E}">
-        <p14:creationId xmlns:p14="http://schemas.microsoft.com/office/powerpoint/2010/main" val="3982388943"/>
-      </p:ext>
-    </p:extLst>
-  </p:cSld>
-  <p:clrMapOvr>
-    <a:masterClrMapping/>
-  </p:clrMapOvr>
-  <p:transition>
-    <p:fade/>
-  </p:transition>
-</p:sld>
-</file>
-
-<file path=ppt/slides/slide11.xml><?xml version="1.0" encoding="utf-8"?>
-<p:sld xmlns:a="http://schemas.openxmlformats.org/drawingml/2006/main" xmlns:r="http://schemas.openxmlformats.org/officeDocument/2006/relationships" xmlns:p="http://schemas.openxmlformats.org/presentationml/2006/main">
-  <p:cSld>
-    <p:spTree>
-      <p:nvGrpSpPr>
-        <p:cNvPr id="1" name=""/>
-        <p:cNvGrpSpPr/>
-        <p:nvPr/>
-      </p:nvGrpSpPr>
-      <p:grpSpPr>
-        <a:xfrm>
-          <a:off x="0" y="0"/>
-          <a:ext cx="0" cy="0"/>
-          <a:chOff x="0" y="0"/>
-          <a:chExt cx="0" cy="0"/>
-        </a:xfrm>
-      </p:grpSpPr>
-      <p:sp>
-        <p:nvSpPr>
-          <p:cNvPr id="5" name="文字方塊 4"/>
-          <p:cNvSpPr txBox="1"/>
-          <p:nvPr/>
-        </p:nvSpPr>
-        <p:spPr>
-          <a:xfrm>
-            <a:off x="693420" y="1841244"/>
-            <a:ext cx="8077200" cy="2554545"/>
-          </a:xfrm>
-          <a:prstGeom prst="rect">
-            <a:avLst/>
-          </a:prstGeom>
-          <a:noFill/>
-        </p:spPr>
-        <p:txBody>
-          <a:bodyPr wrap="square" rtlCol="0">
-            <a:spAutoFit/>
-          </a:bodyPr>
-          <a:lstStyle/>
-          <a:p>
-            <a:pPr marL="514350" indent="-514350">
-              <a:buFont typeface="+mj-lt"/>
-              <a:buAutoNum type="arabicPeriod" startAt="9"/>
-            </a:pPr>
-            <a:r>
-              <a:rPr kumimoji="1" lang="zh-TW" altLang="en-US" sz="3200" dirty="0">
-                <a:solidFill>
-                  <a:prstClr val="white"/>
-                </a:solidFill>
-                <a:effectLst>
-                  <a:outerShdw blurRad="38100" dist="38100" dir="2700000" algn="tl">
-                    <a:srgbClr val="000000">
-                      <a:alpha val="43137"/>
-                    </a:srgbClr>
-                  </a:outerShdw>
-                </a:effectLst>
-                <a:latin typeface="微軟正黑體" panose="020B0604030504040204" pitchFamily="34" charset="-120"/>
-                <a:ea typeface="微軟正黑體" panose="020B0604030504040204" pitchFamily="34" charset="-120"/>
-                <a:cs typeface="Heiti TC Light"/>
-              </a:rPr>
-              <a:t>真正開始處理</a:t>
-            </a:r>
-            <a:r>
-              <a:rPr kumimoji="1" lang="en-US" altLang="zh-TW" sz="3200" dirty="0">
-                <a:solidFill>
-                  <a:prstClr val="white"/>
-                </a:solidFill>
-                <a:effectLst>
-                  <a:outerShdw blurRad="38100" dist="38100" dir="2700000" algn="tl">
-                    <a:srgbClr val="000000">
-                      <a:alpha val="43137"/>
-                    </a:srgbClr>
-                  </a:outerShdw>
-                </a:effectLst>
-                <a:latin typeface="微軟正黑體" panose="020B0604030504040204" pitchFamily="34" charset="-120"/>
-                <a:ea typeface="微軟正黑體" panose="020B0604030504040204" pitchFamily="34" charset="-120"/>
-                <a:cs typeface="Heiti TC Light"/>
-              </a:rPr>
-              <a:t>request</a:t>
-            </a:r>
-            <a:r>
-              <a:rPr kumimoji="1" lang="zh-TW" altLang="en-US" sz="3200" dirty="0">
-                <a:solidFill>
-                  <a:prstClr val="white"/>
-                </a:solidFill>
-                <a:effectLst>
-                  <a:outerShdw blurRad="38100" dist="38100" dir="2700000" algn="tl">
-                    <a:srgbClr val="000000">
-                      <a:alpha val="43137"/>
-                    </a:srgbClr>
-                  </a:outerShdw>
-                </a:effectLst>
-                <a:latin typeface="微軟正黑體" panose="020B0604030504040204" pitchFamily="34" charset="-120"/>
-                <a:ea typeface="微軟正黑體" panose="020B0604030504040204" pitchFamily="34" charset="-120"/>
-                <a:cs typeface="Heiti TC Light"/>
-              </a:rPr>
-              <a:t>回來的資料，並快速傳回正確訊息</a:t>
-            </a:r>
-            <a:endParaRPr kumimoji="1" lang="en-US" altLang="zh-TW" sz="3200" dirty="0">
-              <a:solidFill>
-                <a:prstClr val="white"/>
-              </a:solidFill>
-              <a:effectLst>
-                <a:outerShdw blurRad="38100" dist="38100" dir="2700000" algn="tl">
-                  <a:srgbClr val="000000">
-                    <a:alpha val="43137"/>
-                  </a:srgbClr>
-                </a:outerShdw>
-              </a:effectLst>
-              <a:latin typeface="微軟正黑體" panose="020B0604030504040204" pitchFamily="34" charset="-120"/>
-              <a:ea typeface="微軟正黑體" panose="020B0604030504040204" pitchFamily="34" charset="-120"/>
-              <a:cs typeface="Heiti TC Light"/>
-            </a:endParaRPr>
-          </a:p>
-          <a:p>
-            <a:pPr marL="514350" indent="-514350">
-              <a:buFont typeface="+mj-lt"/>
-              <a:buAutoNum type="arabicPeriod" startAt="9"/>
-            </a:pPr>
-            <a:r>
-              <a:rPr kumimoji="1" lang="zh-TW" altLang="en-US" sz="3200" dirty="0">
-                <a:solidFill>
-                  <a:prstClr val="white"/>
-                </a:solidFill>
-                <a:effectLst>
-                  <a:outerShdw blurRad="38100" dist="38100" dir="2700000" algn="tl">
-                    <a:srgbClr val="000000">
-                      <a:alpha val="43137"/>
-                    </a:srgbClr>
-                  </a:outerShdw>
-                </a:effectLst>
-                <a:latin typeface="微軟正黑體" panose="020B0604030504040204" pitchFamily="34" charset="-120"/>
-                <a:ea typeface="微軟正黑體" panose="020B0604030504040204" pitchFamily="34" charset="-120"/>
-                <a:cs typeface="Heiti TC Light"/>
-              </a:rPr>
-              <a:t>增加對不同類型物件的處理方法</a:t>
-            </a:r>
-            <a:endParaRPr kumimoji="1" lang="en-US" altLang="zh-TW" sz="3200" dirty="0">
-              <a:solidFill>
-                <a:prstClr val="white"/>
-              </a:solidFill>
-              <a:effectLst>
-                <a:outerShdw blurRad="38100" dist="38100" dir="2700000" algn="tl">
-                  <a:srgbClr val="000000">
-                    <a:alpha val="43137"/>
-                  </a:srgbClr>
-                </a:outerShdw>
-              </a:effectLst>
-              <a:latin typeface="微軟正黑體" panose="020B0604030504040204" pitchFamily="34" charset="-120"/>
-              <a:ea typeface="微軟正黑體" panose="020B0604030504040204" pitchFamily="34" charset="-120"/>
-              <a:cs typeface="Heiti TC Light"/>
-            </a:endParaRPr>
-          </a:p>
-          <a:p>
-            <a:pPr marL="514350" indent="-514350">
-              <a:buFont typeface="+mj-lt"/>
-              <a:buAutoNum type="arabicPeriod" startAt="9"/>
-            </a:pPr>
-            <a:r>
-              <a:rPr kumimoji="1" lang="zh-TW" altLang="en-US" sz="3200" dirty="0">
-                <a:solidFill>
-                  <a:prstClr val="white"/>
-                </a:solidFill>
-                <a:effectLst>
-                  <a:outerShdw blurRad="38100" dist="38100" dir="2700000" algn="tl">
-                    <a:srgbClr val="000000">
-                      <a:alpha val="43137"/>
-                    </a:srgbClr>
-                  </a:outerShdw>
-                </a:effectLst>
-                <a:latin typeface="微軟正黑體" panose="020B0604030504040204" pitchFamily="34" charset="-120"/>
-                <a:ea typeface="微軟正黑體" panose="020B0604030504040204" pitchFamily="34" charset="-120"/>
-                <a:cs typeface="Heiti TC Light"/>
-              </a:rPr>
-              <a:t>完整示範程式說明</a:t>
-            </a:r>
-            <a:endParaRPr kumimoji="1" lang="en-US" altLang="zh-TW" sz="3200" dirty="0">
-              <a:solidFill>
-                <a:prstClr val="white"/>
-              </a:solidFill>
-              <a:effectLst>
-                <a:outerShdw blurRad="38100" dist="38100" dir="2700000" algn="tl">
-                  <a:srgbClr val="000000">
-                    <a:alpha val="43137"/>
-                  </a:srgbClr>
-                </a:outerShdw>
-              </a:effectLst>
-              <a:latin typeface="微軟正黑體" panose="020B0604030504040204" pitchFamily="34" charset="-120"/>
-              <a:ea typeface="微軟正黑體" panose="020B0604030504040204" pitchFamily="34" charset="-120"/>
-              <a:cs typeface="Heiti TC Light"/>
-            </a:endParaRPr>
-          </a:p>
-          <a:p>
-            <a:pPr marL="514350" indent="-514350">
-              <a:buFont typeface="+mj-lt"/>
-              <a:buAutoNum type="arabicPeriod" startAt="9"/>
-            </a:pPr>
-            <a:endParaRPr kumimoji="1" lang="en-US" altLang="zh-TW" sz="3200" dirty="0">
-              <a:solidFill>
-                <a:prstClr val="white"/>
-              </a:solidFill>
-              <a:effectLst>
-                <a:outerShdw blurRad="38100" dist="38100" dir="2700000" algn="tl">
-                  <a:srgbClr val="000000">
-                    <a:alpha val="43137"/>
-                  </a:srgbClr>
-                </a:outerShdw>
-              </a:effectLst>
-              <a:latin typeface="微軟正黑體" panose="020B0604030504040204" pitchFamily="34" charset="-120"/>
-              <a:ea typeface="微軟正黑體" panose="020B0604030504040204" pitchFamily="34" charset="-120"/>
-              <a:cs typeface="Heiti TC Light"/>
-            </a:endParaRPr>
-          </a:p>
-        </p:txBody>
-      </p:sp>
-      <p:sp>
-        <p:nvSpPr>
-          <p:cNvPr id="4" name="文字版面配置區 2"/>
-          <p:cNvSpPr txBox="1">
-            <a:spLocks/>
-          </p:cNvSpPr>
-          <p:nvPr/>
-        </p:nvSpPr>
-        <p:spPr>
-          <a:xfrm>
-            <a:off x="906517" y="329236"/>
-            <a:ext cx="6999889" cy="990600"/>
-          </a:xfrm>
-          <a:prstGeom prst="rect">
-            <a:avLst/>
-          </a:prstGeom>
-        </p:spPr>
-        <p:txBody>
-          <a:bodyPr tIns="91440" bIns="91440" anchor="b" anchorCtr="0">
-            <a:noAutofit/>
-          </a:bodyPr>
-          <a:lstStyle/>
-          <a:p>
-            <a:pPr algn="just">
-              <a:spcBef>
-                <a:spcPct val="20000"/>
-              </a:spcBef>
-              <a:defRPr/>
-            </a:pPr>
-            <a:r>
-              <a:rPr kumimoji="1" lang="en-US" altLang="zh-TW" sz="4800" b="1" kern="0" dirty="0">
-                <a:solidFill>
-                  <a:srgbClr val="00B0F0"/>
-                </a:solidFill>
-                <a:effectLst>
-                  <a:outerShdw blurRad="38100" dist="38100" dir="2700000" algn="tl">
-                    <a:srgbClr val="000000">
-                      <a:alpha val="43137"/>
-                    </a:srgbClr>
-                  </a:outerShdw>
-                </a:effectLst>
-                <a:latin typeface="微軟正黑體" panose="020B0604030504040204" pitchFamily="34" charset="-120"/>
-                <a:ea typeface="微軟正黑體" panose="020B0604030504040204" pitchFamily="34" charset="-120"/>
-                <a:cs typeface="Heiti TC Light"/>
-              </a:rPr>
-              <a:t>6</a:t>
-            </a:r>
-            <a:r>
-              <a:rPr kumimoji="1" lang="zh-TW" altLang="en-US" sz="4800" b="1" kern="0" dirty="0">
-                <a:solidFill>
-                  <a:srgbClr val="00B0F0"/>
-                </a:solidFill>
-                <a:effectLst>
-                  <a:outerShdw blurRad="38100" dist="38100" dir="2700000" algn="tl">
-                    <a:srgbClr val="000000">
-                      <a:alpha val="43137"/>
-                    </a:srgbClr>
-                  </a:outerShdw>
-                </a:effectLst>
-                <a:latin typeface="微軟正黑體" panose="020B0604030504040204" pitchFamily="34" charset="-120"/>
-                <a:ea typeface="微軟正黑體" panose="020B0604030504040204" pitchFamily="34" charset="-120"/>
-                <a:cs typeface="Heiti TC Light"/>
-              </a:rPr>
-              <a:t>、</a:t>
-            </a:r>
-            <a:r>
-              <a:rPr kumimoji="1" lang="zh-TW" altLang="en-US" sz="4800" b="1" dirty="0">
-                <a:solidFill>
-                  <a:srgbClr val="00B0F0"/>
-                </a:solidFill>
-                <a:effectLst>
-                  <a:outerShdw blurRad="38100" dist="38100" dir="2700000" algn="tl">
-                    <a:srgbClr val="000000">
-                      <a:alpha val="43137"/>
-                    </a:srgbClr>
-                  </a:outerShdw>
-                </a:effectLst>
-                <a:latin typeface="微軟正黑體" panose="020B0604030504040204" pitchFamily="34" charset="-120"/>
-                <a:ea typeface="微軟正黑體" panose="020B0604030504040204" pitchFamily="34" charset="-120"/>
-                <a:cs typeface="Heiti TC Light"/>
-              </a:rPr>
-              <a:t>程式碼撰寫及說明</a:t>
-            </a:r>
-            <a:r>
-              <a:rPr kumimoji="1" lang="en-US" altLang="zh-TW" sz="4800" b="1" dirty="0">
-                <a:solidFill>
-                  <a:srgbClr val="00B0F0"/>
-                </a:solidFill>
-                <a:effectLst>
-                  <a:outerShdw blurRad="38100" dist="38100" dir="2700000" algn="tl">
-                    <a:srgbClr val="000000">
-                      <a:alpha val="43137"/>
-                    </a:srgbClr>
-                  </a:outerShdw>
-                </a:effectLst>
-                <a:latin typeface="微軟正黑體" panose="020B0604030504040204" pitchFamily="34" charset="-120"/>
-                <a:ea typeface="微軟正黑體" panose="020B0604030504040204" pitchFamily="34" charset="-120"/>
-                <a:cs typeface="Heiti TC Light"/>
-              </a:rPr>
-              <a:t>(</a:t>
-            </a:r>
-            <a:r>
-              <a:rPr kumimoji="1" lang="zh-TW" altLang="en-US" sz="4800" b="1" dirty="0">
-                <a:solidFill>
-                  <a:srgbClr val="00B0F0"/>
-                </a:solidFill>
-                <a:effectLst>
-                  <a:outerShdw blurRad="38100" dist="38100" dir="2700000" algn="tl">
-                    <a:srgbClr val="000000">
-                      <a:alpha val="43137"/>
-                    </a:srgbClr>
-                  </a:outerShdw>
-                </a:effectLst>
-                <a:latin typeface="微軟正黑體" panose="020B0604030504040204" pitchFamily="34" charset="-120"/>
-                <a:ea typeface="微軟正黑體" panose="020B0604030504040204" pitchFamily="34" charset="-120"/>
-                <a:cs typeface="Heiti TC Light"/>
-              </a:rPr>
-              <a:t>續</a:t>
-            </a:r>
-            <a:r>
-              <a:rPr kumimoji="1" lang="en-US" altLang="zh-TW" sz="4800" b="1" dirty="0">
-                <a:solidFill>
-                  <a:srgbClr val="00B0F0"/>
-                </a:solidFill>
-                <a:effectLst>
-                  <a:outerShdw blurRad="38100" dist="38100" dir="2700000" algn="tl">
-                    <a:srgbClr val="000000">
-                      <a:alpha val="43137"/>
-                    </a:srgbClr>
-                  </a:outerShdw>
-                </a:effectLst>
-                <a:latin typeface="微軟正黑體" panose="020B0604030504040204" pitchFamily="34" charset="-120"/>
-                <a:ea typeface="微軟正黑體" panose="020B0604030504040204" pitchFamily="34" charset="-120"/>
-                <a:cs typeface="Heiti TC Light"/>
-              </a:rPr>
-              <a:t>)</a:t>
-            </a:r>
-            <a:endParaRPr lang="zh-TW" altLang="en-US" sz="4800" b="1" kern="0" dirty="0">
-              <a:solidFill>
-                <a:srgbClr val="00B0F0"/>
-              </a:solidFill>
-              <a:effectLst>
-                <a:outerShdw blurRad="38100" dist="38100" dir="2700000" algn="tl">
-                  <a:srgbClr val="000000">
-                    <a:alpha val="43137"/>
-                  </a:srgbClr>
-                </a:outerShdw>
-              </a:effectLst>
-              <a:latin typeface="微軟正黑體" panose="020B0604030504040204" pitchFamily="34" charset="-120"/>
-              <a:ea typeface="微軟正黑體" panose="020B0604030504040204" pitchFamily="34" charset="-120"/>
-            </a:endParaRPr>
-          </a:p>
-        </p:txBody>
-      </p:sp>
-    </p:spTree>
-    <p:extLst>
-      <p:ext uri="{BB962C8B-B14F-4D97-AF65-F5344CB8AC3E}">
-        <p14:creationId xmlns:p14="http://schemas.microsoft.com/office/powerpoint/2010/main" val="3977828837"/>
-      </p:ext>
-    </p:extLst>
-  </p:cSld>
-  <p:clrMapOvr>
-    <a:masterClrMapping/>
-  </p:clrMapOvr>
-  <p:transition>
-    <p:fade/>
-  </p:transition>
-</p:sld>
-</file>
-
-<file path=ppt/slides/slide12.xml><?xml version="1.0" encoding="utf-8"?>
-<p:sld xmlns:a="http://schemas.openxmlformats.org/drawingml/2006/main" xmlns:r="http://schemas.openxmlformats.org/officeDocument/2006/relationships" xmlns:p="http://schemas.openxmlformats.org/presentationml/2006/main">
-  <p:cSld>
-    <p:spTree>
-      <p:nvGrpSpPr>
-        <p:cNvPr id="1" name=""/>
-        <p:cNvGrpSpPr/>
-        <p:nvPr/>
-      </p:nvGrpSpPr>
-      <p:grpSpPr>
-        <a:xfrm>
-          <a:off x="0" y="0"/>
-          <a:ext cx="0" cy="0"/>
-          <a:chOff x="0" y="0"/>
-          <a:chExt cx="0" cy="0"/>
-        </a:xfrm>
-      </p:grpSpPr>
-      <p:sp>
-        <p:nvSpPr>
-          <p:cNvPr id="5" name="文字方塊 4"/>
-          <p:cNvSpPr txBox="1"/>
-          <p:nvPr/>
-        </p:nvSpPr>
-        <p:spPr>
-          <a:xfrm>
-            <a:off x="693420" y="1841244"/>
-            <a:ext cx="8077200" cy="5016758"/>
-          </a:xfrm>
-          <a:prstGeom prst="rect">
-            <a:avLst/>
-          </a:prstGeom>
-          <a:noFill/>
-        </p:spPr>
-        <p:txBody>
-          <a:bodyPr wrap="square" rtlCol="0">
-            <a:spAutoFit/>
-          </a:bodyPr>
-          <a:lstStyle/>
-          <a:p>
-            <a:pPr marL="514350" indent="-514350">
-              <a:buFont typeface="+mj-lt"/>
-              <a:buAutoNum type="arabicPeriod"/>
-            </a:pPr>
-            <a:r>
-              <a:rPr kumimoji="1" lang="en-US" altLang="zh-TW" sz="3200" dirty="0">
-                <a:solidFill>
-                  <a:prstClr val="white"/>
-                </a:solidFill>
-                <a:effectLst>
-                  <a:outerShdw blurRad="38100" dist="38100" dir="2700000" algn="tl">
-                    <a:srgbClr val="000000">
-                      <a:alpha val="43137"/>
-                    </a:srgbClr>
-                  </a:outerShdw>
-                </a:effectLst>
-                <a:latin typeface="微軟正黑體" panose="020B0604030504040204" pitchFamily="34" charset="-120"/>
-                <a:ea typeface="微軟正黑體" panose="020B0604030504040204" pitchFamily="34" charset="-120"/>
-                <a:cs typeface="Heiti TC Light"/>
-              </a:rPr>
-              <a:t>OpenAI API</a:t>
-            </a:r>
-            <a:r>
-              <a:rPr kumimoji="1" lang="zh-TW" altLang="en-US" sz="3200" dirty="0">
-                <a:solidFill>
-                  <a:prstClr val="white"/>
-                </a:solidFill>
-                <a:effectLst>
-                  <a:outerShdw blurRad="38100" dist="38100" dir="2700000" algn="tl">
-                    <a:srgbClr val="000000">
-                      <a:alpha val="43137"/>
-                    </a:srgbClr>
-                  </a:outerShdw>
-                </a:effectLst>
-                <a:latin typeface="微軟正黑體" panose="020B0604030504040204" pitchFamily="34" charset="-120"/>
-                <a:ea typeface="微軟正黑體" panose="020B0604030504040204" pitchFamily="34" charset="-120"/>
-                <a:cs typeface="Heiti TC Light"/>
-              </a:rPr>
-              <a:t>說明</a:t>
-            </a:r>
-            <a:endParaRPr kumimoji="1" lang="en-US" altLang="zh-TW" sz="3200" dirty="0">
-              <a:solidFill>
-                <a:prstClr val="white"/>
-              </a:solidFill>
-              <a:effectLst>
-                <a:outerShdw blurRad="38100" dist="38100" dir="2700000" algn="tl">
-                  <a:srgbClr val="000000">
-                    <a:alpha val="43137"/>
-                  </a:srgbClr>
-                </a:outerShdw>
-              </a:effectLst>
-              <a:latin typeface="微軟正黑體" panose="020B0604030504040204" pitchFamily="34" charset="-120"/>
-              <a:ea typeface="微軟正黑體" panose="020B0604030504040204" pitchFamily="34" charset="-120"/>
-              <a:cs typeface="Heiti TC Light"/>
-            </a:endParaRPr>
-          </a:p>
-          <a:p>
-            <a:pPr marL="514350" indent="-514350">
-              <a:buFont typeface="+mj-lt"/>
-              <a:buAutoNum type="arabicPeriod"/>
-            </a:pPr>
-            <a:r>
-              <a:rPr kumimoji="1" lang="zh-TW" altLang="en-US" sz="3200" dirty="0">
-                <a:solidFill>
-                  <a:prstClr val="white"/>
-                </a:solidFill>
-                <a:effectLst>
-                  <a:outerShdw blurRad="38100" dist="38100" dir="2700000" algn="tl">
-                    <a:srgbClr val="000000">
-                      <a:alpha val="43137"/>
-                    </a:srgbClr>
-                  </a:outerShdw>
-                </a:effectLst>
-                <a:latin typeface="微軟正黑體" panose="020B0604030504040204" pitchFamily="34" charset="-120"/>
-                <a:ea typeface="微軟正黑體" panose="020B0604030504040204" pitchFamily="34" charset="-120"/>
-                <a:cs typeface="Heiti TC Light"/>
-              </a:rPr>
-              <a:t>獲得金鑰</a:t>
-            </a:r>
-            <a:endParaRPr kumimoji="1" lang="en-US" altLang="zh-TW" sz="3200" dirty="0">
-              <a:solidFill>
-                <a:prstClr val="white"/>
-              </a:solidFill>
-              <a:effectLst>
-                <a:outerShdw blurRad="38100" dist="38100" dir="2700000" algn="tl">
-                  <a:srgbClr val="000000">
-                    <a:alpha val="43137"/>
-                  </a:srgbClr>
-                </a:outerShdw>
-              </a:effectLst>
-              <a:latin typeface="微軟正黑體" panose="020B0604030504040204" pitchFamily="34" charset="-120"/>
-              <a:ea typeface="微軟正黑體" panose="020B0604030504040204" pitchFamily="34" charset="-120"/>
-              <a:cs typeface="Heiti TC Light"/>
-            </a:endParaRPr>
-          </a:p>
-          <a:p>
-            <a:pPr marL="514350" indent="-514350">
-              <a:buFont typeface="+mj-lt"/>
-              <a:buAutoNum type="arabicPeriod"/>
-            </a:pPr>
-            <a:r>
-              <a:rPr kumimoji="1" lang="zh-TW" altLang="en-US" sz="3200" dirty="0">
-                <a:solidFill>
-                  <a:prstClr val="white"/>
-                </a:solidFill>
-                <a:effectLst>
-                  <a:outerShdw blurRad="38100" dist="38100" dir="2700000" algn="tl">
-                    <a:srgbClr val="000000">
-                      <a:alpha val="43137"/>
-                    </a:srgbClr>
-                  </a:outerShdw>
-                </a:effectLst>
-                <a:latin typeface="微軟正黑體" panose="020B0604030504040204" pitchFamily="34" charset="-120"/>
-                <a:ea typeface="微軟正黑體" panose="020B0604030504040204" pitchFamily="34" charset="-120"/>
-                <a:cs typeface="Heiti TC Light"/>
-              </a:rPr>
-              <a:t>了解要使用的</a:t>
-            </a:r>
-            <a:r>
-              <a:rPr kumimoji="1" lang="en-US" altLang="zh-TW" sz="3200" dirty="0">
-                <a:solidFill>
-                  <a:prstClr val="white"/>
-                </a:solidFill>
-                <a:effectLst>
-                  <a:outerShdw blurRad="38100" dist="38100" dir="2700000" algn="tl">
-                    <a:srgbClr val="000000">
-                      <a:alpha val="43137"/>
-                    </a:srgbClr>
-                  </a:outerShdw>
-                </a:effectLst>
-                <a:latin typeface="微軟正黑體" panose="020B0604030504040204" pitchFamily="34" charset="-120"/>
-                <a:ea typeface="微軟正黑體" panose="020B0604030504040204" pitchFamily="34" charset="-120"/>
-                <a:cs typeface="Heiti TC Light"/>
-              </a:rPr>
-              <a:t>function</a:t>
-            </a:r>
-          </a:p>
-          <a:p>
-            <a:pPr marL="514350" indent="-514350">
-              <a:buFont typeface="+mj-lt"/>
-              <a:buAutoNum type="arabicPeriod"/>
-            </a:pPr>
-            <a:r>
-              <a:rPr kumimoji="1" lang="zh-TW" altLang="en-US" sz="3200" dirty="0">
-                <a:solidFill>
-                  <a:prstClr val="white"/>
-                </a:solidFill>
-                <a:effectLst>
-                  <a:outerShdw blurRad="38100" dist="38100" dir="2700000" algn="tl">
-                    <a:srgbClr val="000000">
-                      <a:alpha val="43137"/>
-                    </a:srgbClr>
-                  </a:outerShdw>
-                </a:effectLst>
-                <a:latin typeface="微軟正黑體" panose="020B0604030504040204" pitchFamily="34" charset="-120"/>
-                <a:ea typeface="微軟正黑體" panose="020B0604030504040204" pitchFamily="34" charset="-120"/>
-                <a:cs typeface="Heiti TC Light"/>
-              </a:rPr>
-              <a:t>了解參數的應用</a:t>
-            </a:r>
-            <a:endParaRPr kumimoji="1" lang="en-US" altLang="zh-TW" sz="3200" dirty="0">
-              <a:solidFill>
-                <a:prstClr val="white"/>
-              </a:solidFill>
-              <a:effectLst>
-                <a:outerShdw blurRad="38100" dist="38100" dir="2700000" algn="tl">
-                  <a:srgbClr val="000000">
-                    <a:alpha val="43137"/>
-                  </a:srgbClr>
-                </a:outerShdw>
-              </a:effectLst>
-              <a:latin typeface="微軟正黑體" panose="020B0604030504040204" pitchFamily="34" charset="-120"/>
-              <a:ea typeface="微軟正黑體" panose="020B0604030504040204" pitchFamily="34" charset="-120"/>
-              <a:cs typeface="Heiti TC Light"/>
-            </a:endParaRPr>
-          </a:p>
-          <a:p>
-            <a:pPr marL="514350" indent="-514350">
-              <a:buFont typeface="+mj-lt"/>
-              <a:buAutoNum type="arabicPeriod"/>
-            </a:pPr>
-            <a:r>
-              <a:rPr kumimoji="1" lang="zh-TW" altLang="en-US" sz="3200" dirty="0">
-                <a:solidFill>
-                  <a:prstClr val="white"/>
-                </a:solidFill>
-                <a:effectLst>
-                  <a:outerShdw blurRad="38100" dist="38100" dir="2700000" algn="tl">
-                    <a:srgbClr val="000000">
-                      <a:alpha val="43137"/>
-                    </a:srgbClr>
-                  </a:outerShdw>
-                </a:effectLst>
-                <a:latin typeface="微軟正黑體" panose="020B0604030504040204" pitchFamily="34" charset="-120"/>
-                <a:ea typeface="微軟正黑體" panose="020B0604030504040204" pitchFamily="34" charset="-120"/>
-                <a:cs typeface="Heiti TC Light"/>
-              </a:rPr>
-              <a:t>放入</a:t>
-            </a:r>
-            <a:r>
-              <a:rPr kumimoji="1" lang="en-US" altLang="zh-TW" sz="3200" dirty="0">
-                <a:solidFill>
-                  <a:prstClr val="white"/>
-                </a:solidFill>
-                <a:effectLst>
-                  <a:outerShdw blurRad="38100" dist="38100" dir="2700000" algn="tl">
-                    <a:srgbClr val="000000">
-                      <a:alpha val="43137"/>
-                    </a:srgbClr>
-                  </a:outerShdw>
-                </a:effectLst>
-                <a:latin typeface="微軟正黑體" panose="020B0604030504040204" pitchFamily="34" charset="-120"/>
-                <a:ea typeface="微軟正黑體" panose="020B0604030504040204" pitchFamily="34" charset="-120"/>
-                <a:cs typeface="Heiti TC Light"/>
-              </a:rPr>
-              <a:t>LINE Bot</a:t>
-            </a:r>
-          </a:p>
-          <a:p>
-            <a:pPr marL="514350" indent="-514350">
-              <a:buFont typeface="+mj-lt"/>
-              <a:buAutoNum type="arabicPeriod"/>
-            </a:pPr>
-            <a:r>
-              <a:rPr kumimoji="1" lang="zh-TW" altLang="en-US" sz="3200" dirty="0">
-                <a:solidFill>
-                  <a:prstClr val="white"/>
-                </a:solidFill>
-                <a:effectLst>
-                  <a:outerShdw blurRad="38100" dist="38100" dir="2700000" algn="tl">
-                    <a:srgbClr val="000000">
-                      <a:alpha val="43137"/>
-                    </a:srgbClr>
-                  </a:outerShdw>
-                </a:effectLst>
-                <a:latin typeface="微軟正黑體" panose="020B0604030504040204" pitchFamily="34" charset="-120"/>
-                <a:ea typeface="微軟正黑體" panose="020B0604030504040204" pitchFamily="34" charset="-120"/>
-                <a:cs typeface="Heiti TC Light"/>
-              </a:rPr>
-              <a:t>無記憶的聊天</a:t>
-            </a:r>
-            <a:endParaRPr kumimoji="1" lang="en-US" altLang="zh-TW" sz="3200" dirty="0">
-              <a:solidFill>
-                <a:prstClr val="white"/>
-              </a:solidFill>
-              <a:effectLst>
-                <a:outerShdw blurRad="38100" dist="38100" dir="2700000" algn="tl">
-                  <a:srgbClr val="000000">
-                    <a:alpha val="43137"/>
-                  </a:srgbClr>
-                </a:outerShdw>
-              </a:effectLst>
-              <a:latin typeface="微軟正黑體" panose="020B0604030504040204" pitchFamily="34" charset="-120"/>
-              <a:ea typeface="微軟正黑體" panose="020B0604030504040204" pitchFamily="34" charset="-120"/>
-              <a:cs typeface="Heiti TC Light"/>
-            </a:endParaRPr>
-          </a:p>
-          <a:p>
-            <a:pPr marL="514350" indent="-514350">
-              <a:buFont typeface="+mj-lt"/>
-              <a:buAutoNum type="arabicPeriod"/>
-            </a:pPr>
-            <a:r>
-              <a:rPr kumimoji="1" lang="zh-TW" altLang="en-US" sz="3200" dirty="0">
-                <a:solidFill>
-                  <a:prstClr val="white"/>
-                </a:solidFill>
-                <a:effectLst>
-                  <a:outerShdw blurRad="38100" dist="38100" dir="2700000" algn="tl">
-                    <a:srgbClr val="000000">
-                      <a:alpha val="43137"/>
-                    </a:srgbClr>
-                  </a:outerShdw>
-                </a:effectLst>
-                <a:latin typeface="微軟正黑體" panose="020B0604030504040204" pitchFamily="34" charset="-120"/>
-                <a:ea typeface="微軟正黑體" panose="020B0604030504040204" pitchFamily="34" charset="-120"/>
-                <a:cs typeface="Heiti TC Light"/>
-              </a:rPr>
-              <a:t>有記憶的聊天</a:t>
-            </a:r>
-            <a:endParaRPr kumimoji="1" lang="en-US" altLang="zh-TW" sz="3200" dirty="0">
-              <a:solidFill>
-                <a:prstClr val="white"/>
-              </a:solidFill>
-              <a:effectLst>
-                <a:outerShdw blurRad="38100" dist="38100" dir="2700000" algn="tl">
-                  <a:srgbClr val="000000">
-                    <a:alpha val="43137"/>
-                  </a:srgbClr>
-                </a:outerShdw>
-              </a:effectLst>
-              <a:latin typeface="微軟正黑體" panose="020B0604030504040204" pitchFamily="34" charset="-120"/>
-              <a:ea typeface="微軟正黑體" panose="020B0604030504040204" pitchFamily="34" charset="-120"/>
-              <a:cs typeface="Heiti TC Light"/>
-            </a:endParaRPr>
-          </a:p>
-          <a:p>
-            <a:pPr marL="514350" indent="-514350">
-              <a:buFont typeface="+mj-lt"/>
-              <a:buAutoNum type="arabicPeriod"/>
-            </a:pPr>
-            <a:r>
-              <a:rPr kumimoji="1" lang="zh-TW" altLang="en-US" sz="3200" dirty="0">
-                <a:solidFill>
-                  <a:prstClr val="white"/>
-                </a:solidFill>
-                <a:effectLst>
-                  <a:outerShdw blurRad="38100" dist="38100" dir="2700000" algn="tl">
-                    <a:srgbClr val="000000">
-                      <a:alpha val="43137"/>
-                    </a:srgbClr>
-                  </a:outerShdw>
-                </a:effectLst>
-                <a:latin typeface="微軟正黑體" panose="020B0604030504040204" pitchFamily="34" charset="-120"/>
-                <a:ea typeface="微軟正黑體" panose="020B0604030504040204" pitchFamily="34" charset="-120"/>
-                <a:cs typeface="Heiti TC Light"/>
-              </a:rPr>
-              <a:t>正確</a:t>
-            </a:r>
-            <a:r>
-              <a:rPr kumimoji="1" lang="en-US" altLang="zh-TW" sz="3200" dirty="0">
-                <a:solidFill>
-                  <a:prstClr val="white"/>
-                </a:solidFill>
-                <a:effectLst>
-                  <a:outerShdw blurRad="38100" dist="38100" dir="2700000" algn="tl">
-                    <a:srgbClr val="000000">
-                      <a:alpha val="43137"/>
-                    </a:srgbClr>
-                  </a:outerShdw>
-                </a:effectLst>
-                <a:latin typeface="微軟正黑體" panose="020B0604030504040204" pitchFamily="34" charset="-120"/>
-                <a:ea typeface="微軟正黑體" panose="020B0604030504040204" pitchFamily="34" charset="-120"/>
-                <a:cs typeface="Heiti TC Light"/>
-              </a:rPr>
-              <a:t>Stateful</a:t>
-            </a:r>
-            <a:r>
-              <a:rPr kumimoji="1" lang="zh-TW" altLang="en-US" sz="3200" dirty="0">
-                <a:solidFill>
-                  <a:prstClr val="white"/>
-                </a:solidFill>
-                <a:effectLst>
-                  <a:outerShdw blurRad="38100" dist="38100" dir="2700000" algn="tl">
-                    <a:srgbClr val="000000">
-                      <a:alpha val="43137"/>
-                    </a:srgbClr>
-                  </a:outerShdw>
-                </a:effectLst>
-                <a:latin typeface="微軟正黑體" panose="020B0604030504040204" pitchFamily="34" charset="-120"/>
-                <a:ea typeface="微軟正黑體" panose="020B0604030504040204" pitchFamily="34" charset="-120"/>
-                <a:cs typeface="Heiti TC Light"/>
-              </a:rPr>
-              <a:t>用法：使用</a:t>
-            </a:r>
-            <a:r>
-              <a:rPr kumimoji="1" lang="en-US" altLang="zh-TW" sz="3200" dirty="0">
-                <a:solidFill>
-                  <a:prstClr val="white"/>
-                </a:solidFill>
-                <a:effectLst>
-                  <a:outerShdw blurRad="38100" dist="38100" dir="2700000" algn="tl">
-                    <a:srgbClr val="000000">
-                      <a:alpha val="43137"/>
-                    </a:srgbClr>
-                  </a:outerShdw>
-                </a:effectLst>
-                <a:latin typeface="微軟正黑體" panose="020B0604030504040204" pitchFamily="34" charset="-120"/>
-                <a:ea typeface="微軟正黑體" panose="020B0604030504040204" pitchFamily="34" charset="-120"/>
-                <a:cs typeface="Heiti TC Light"/>
-              </a:rPr>
-              <a:t>Assistant API(</a:t>
-            </a:r>
-            <a:r>
-              <a:rPr kumimoji="1" lang="zh-TW" altLang="en-US" sz="3200" dirty="0">
-                <a:solidFill>
-                  <a:prstClr val="white"/>
-                </a:solidFill>
-                <a:effectLst>
-                  <a:outerShdw blurRad="38100" dist="38100" dir="2700000" algn="tl">
-                    <a:srgbClr val="000000">
-                      <a:alpha val="43137"/>
-                    </a:srgbClr>
-                  </a:outerShdw>
-                </a:effectLst>
-                <a:latin typeface="微軟正黑體" panose="020B0604030504040204" pitchFamily="34" charset="-120"/>
-                <a:ea typeface="微軟正黑體" panose="020B0604030504040204" pitchFamily="34" charset="-120"/>
-                <a:cs typeface="Heiti TC Light"/>
-              </a:rPr>
-              <a:t>選讀</a:t>
-            </a:r>
-            <a:r>
-              <a:rPr kumimoji="1" lang="en-US" altLang="zh-TW" sz="3200" dirty="0">
-                <a:solidFill>
-                  <a:prstClr val="white"/>
-                </a:solidFill>
-                <a:effectLst>
-                  <a:outerShdw blurRad="38100" dist="38100" dir="2700000" algn="tl">
-                    <a:srgbClr val="000000">
-                      <a:alpha val="43137"/>
-                    </a:srgbClr>
-                  </a:outerShdw>
-                </a:effectLst>
-                <a:latin typeface="微軟正黑體" panose="020B0604030504040204" pitchFamily="34" charset="-120"/>
-                <a:ea typeface="微軟正黑體" panose="020B0604030504040204" pitchFamily="34" charset="-120"/>
-                <a:cs typeface="Heiti TC Light"/>
-              </a:rPr>
-              <a:t>)</a:t>
-            </a:r>
-          </a:p>
-          <a:p>
-            <a:endParaRPr kumimoji="1" lang="en-US" altLang="zh-TW" sz="3200" dirty="0">
-              <a:solidFill>
-                <a:prstClr val="white"/>
-              </a:solidFill>
-              <a:effectLst>
-                <a:outerShdw blurRad="38100" dist="38100" dir="2700000" algn="tl">
-                  <a:srgbClr val="000000">
-                    <a:alpha val="43137"/>
-                  </a:srgbClr>
-                </a:outerShdw>
-              </a:effectLst>
-              <a:latin typeface="微軟正黑體" panose="020B0604030504040204" pitchFamily="34" charset="-120"/>
-              <a:ea typeface="微軟正黑體" panose="020B0604030504040204" pitchFamily="34" charset="-120"/>
-              <a:cs typeface="Heiti TC Light"/>
-            </a:endParaRPr>
-          </a:p>
-        </p:txBody>
-      </p:sp>
-      <p:sp>
-        <p:nvSpPr>
-          <p:cNvPr id="4" name="文字版面配置區 2"/>
-          <p:cNvSpPr txBox="1">
-            <a:spLocks/>
-          </p:cNvSpPr>
-          <p:nvPr/>
-        </p:nvSpPr>
-        <p:spPr>
-          <a:xfrm>
-            <a:off x="693420" y="329236"/>
-            <a:ext cx="7764561" cy="990600"/>
-          </a:xfrm>
-          <a:prstGeom prst="rect">
-            <a:avLst/>
-          </a:prstGeom>
-        </p:spPr>
-        <p:txBody>
-          <a:bodyPr tIns="91440" bIns="91440" anchor="b" anchorCtr="0">
-            <a:noAutofit/>
-          </a:bodyPr>
-          <a:lstStyle/>
-          <a:p>
-            <a:pPr algn="just">
-              <a:spcBef>
-                <a:spcPct val="20000"/>
-              </a:spcBef>
-              <a:defRPr/>
-            </a:pPr>
-            <a:r>
-              <a:rPr kumimoji="1" lang="en-US" altLang="zh-TW" sz="4800" b="1" kern="0" dirty="0">
-                <a:solidFill>
-                  <a:srgbClr val="00B0F0"/>
-                </a:solidFill>
-                <a:effectLst>
-                  <a:outerShdw blurRad="38100" dist="38100" dir="2700000" algn="tl">
-                    <a:srgbClr val="000000">
-                      <a:alpha val="43137"/>
-                    </a:srgbClr>
-                  </a:outerShdw>
-                </a:effectLst>
-                <a:latin typeface="微軟正黑體" panose="020B0604030504040204" pitchFamily="34" charset="-120"/>
-                <a:ea typeface="微軟正黑體" panose="020B0604030504040204" pitchFamily="34" charset="-120"/>
-                <a:cs typeface="Heiti TC Light"/>
-              </a:rPr>
-              <a:t>7</a:t>
             </a:r>
             <a:r>
               <a:rPr kumimoji="1" lang="zh-TW" altLang="en-US" sz="4800" b="1" kern="0" dirty="0">
@@ -15863,7 +14412,7 @@
         <p:spPr>
           <a:xfrm>
             <a:off x="693420" y="1841244"/>
-            <a:ext cx="8077200" cy="4031873"/>
+            <a:ext cx="8077200" cy="3539430"/>
           </a:xfrm>
           <a:prstGeom prst="rect">
             <a:avLst/>
@@ -16055,45 +14604,6 @@
                 <a:cs typeface="Heiti TC Light"/>
               </a:rPr>
               <a:t>基礎觀念及知識</a:t>
-            </a:r>
-            <a:endParaRPr kumimoji="1" lang="en-US" altLang="zh-TW" sz="3200" dirty="0">
-              <a:solidFill>
-                <a:prstClr val="white"/>
-              </a:solidFill>
-              <a:effectLst>
-                <a:outerShdw blurRad="38100" dist="38100" dir="2700000" algn="tl">
-                  <a:srgbClr val="000000">
-                    <a:alpha val="43137"/>
-                  </a:srgbClr>
-                </a:outerShdw>
-              </a:effectLst>
-              <a:latin typeface="微軟正黑體" panose="020B0604030504040204" pitchFamily="34" charset="-120"/>
-              <a:ea typeface="微軟正黑體" panose="020B0604030504040204" pitchFamily="34" charset="-120"/>
-              <a:cs typeface="Heiti TC Light"/>
-            </a:endParaRPr>
-          </a:p>
-          <a:p>
-            <a:pPr marL="514338" indent="-514338">
-              <a:buFont typeface="+mj-lt"/>
-              <a:buAutoNum type="arabicPeriod"/>
-            </a:pPr>
-            <a:r>
-              <a:rPr kumimoji="1" lang="zh-TW" altLang="en-US" sz="3200" dirty="0">
-                <a:solidFill>
-                  <a:prstClr val="white"/>
-                </a:solidFill>
-                <a:effectLst>
-                  <a:outerShdw blurRad="38100" dist="38100" dir="2700000" algn="tl">
-                    <a:srgbClr val="000000">
-                      <a:alpha val="43137"/>
-                    </a:srgbClr>
-                  </a:outerShdw>
-                </a:effectLst>
-                <a:latin typeface="微軟正黑體" panose="020B0604030504040204" pitchFamily="34" charset="-120"/>
-                <a:ea typeface="微軟正黑體" panose="020B0604030504040204" pitchFamily="34" charset="-120"/>
-                <a:cs typeface="Heiti TC Light"/>
-              </a:rPr>
-              <a:t>程式碼撰寫及說明</a:t>
             </a:r>
             <a:endParaRPr kumimoji="1" lang="en-US" altLang="zh-TW" sz="3200" dirty="0">
               <a:solidFill>
@@ -18712,7 +17222,7 @@
         <p:spPr>
           <a:xfrm>
             <a:off x="693420" y="1841244"/>
-            <a:ext cx="8077200" cy="4031873"/>
+            <a:ext cx="8077200" cy="3539430"/>
           </a:xfrm>
           <a:prstGeom prst="rect">
             <a:avLst/>
@@ -19218,81 +17728,6 @@
               </a:rPr>
               <a:t>, Django, Twister....)</a:t>
             </a:r>
-          </a:p>
-          <a:p>
-            <a:pPr marL="514350" indent="-514350">
-              <a:buFont typeface="+mj-lt"/>
-              <a:buAutoNum type="arabicPeriod"/>
-            </a:pPr>
-            <a:r>
-              <a:rPr kumimoji="1" lang="zh-TW" altLang="en-US" sz="3200" dirty="0">
-                <a:solidFill>
-                  <a:prstClr val="white"/>
-                </a:solidFill>
-                <a:effectLst>
-                  <a:outerShdw blurRad="38100" dist="38100" dir="2700000" algn="tl">
-                    <a:srgbClr val="000000">
-                      <a:alpha val="43137"/>
-                    </a:srgbClr>
-                  </a:outerShdw>
-                </a:effectLst>
-                <a:latin typeface="微軟正黑體" panose="020B0604030504040204" pitchFamily="34" charset="-120"/>
-                <a:ea typeface="微軟正黑體" panose="020B0604030504040204" pitchFamily="34" charset="-120"/>
-                <a:cs typeface="Heiti TC Light"/>
-              </a:rPr>
-              <a:t>利用</a:t>
-            </a:r>
-            <a:r>
-              <a:rPr kumimoji="1" lang="en-US" altLang="zh-TW" sz="3200" dirty="0">
-                <a:solidFill>
-                  <a:prstClr val="white"/>
-                </a:solidFill>
-                <a:effectLst>
-                  <a:outerShdw blurRad="38100" dist="38100" dir="2700000" algn="tl">
-                    <a:srgbClr val="000000">
-                      <a:alpha val="43137"/>
-                    </a:srgbClr>
-                  </a:outerShdw>
-                </a:effectLst>
-                <a:latin typeface="微軟正黑體" panose="020B0604030504040204" pitchFamily="34" charset="-120"/>
-                <a:ea typeface="微軟正黑體" panose="020B0604030504040204" pitchFamily="34" charset="-120"/>
-                <a:cs typeface="Heiti TC Light"/>
-              </a:rPr>
-              <a:t>ssh</a:t>
-            </a:r>
-            <a:r>
-              <a:rPr kumimoji="1" lang="zh-TW" altLang="en-US" sz="3200" dirty="0">
-                <a:solidFill>
-                  <a:prstClr val="white"/>
-                </a:solidFill>
-                <a:effectLst>
-                  <a:outerShdw blurRad="38100" dist="38100" dir="2700000" algn="tl">
-                    <a:srgbClr val="000000">
-                      <a:alpha val="43137"/>
-                    </a:srgbClr>
-                  </a:outerShdw>
-                </a:effectLst>
-                <a:latin typeface="微軟正黑體" panose="020B0604030504040204" pitchFamily="34" charset="-120"/>
-                <a:ea typeface="微軟正黑體" panose="020B0604030504040204" pitchFamily="34" charset="-120"/>
-                <a:cs typeface="Heiti TC Light"/>
-              </a:rPr>
-              <a:t>通道轉址</a:t>
-            </a:r>
-            <a:endParaRPr kumimoji="1" lang="en-US" altLang="zh-TW" sz="3200" dirty="0">
-              <a:solidFill>
-                <a:prstClr val="white"/>
-              </a:solidFill>
-              <a:effectLst>
-                <a:outerShdw blurRad="38100" dist="38100" dir="2700000" algn="tl">
-                  <a:srgbClr val="000000">
-                    <a:alpha val="43137"/>
-                  </a:srgbClr>
-                </a:outerShdw>
-              </a:effectLst>
-              <a:latin typeface="微軟正黑體" panose="020B0604030504040204" pitchFamily="34" charset="-120"/>
-              <a:ea typeface="微軟正黑體" panose="020B0604030504040204" pitchFamily="34" charset="-120"/>
-              <a:cs typeface="Heiti TC Light"/>
-            </a:endParaRPr>
           </a:p>
         </p:txBody>
       </p:sp>
